--- a/images/logo.pptx
+++ b/images/logo.pptx
@@ -2,12 +2,12 @@
 <file path=ppt/presentation.xml><?xml version="1.0" encoding="utf-8"?>
 <p:presentation xmlns:a="http://schemas.openxmlformats.org/drawingml/2006/main" xmlns:r="http://schemas.openxmlformats.org/officeDocument/2006/relationships" xmlns:p="http://schemas.openxmlformats.org/presentationml/2006/main" saveSubsetFonts="1">
   <p:sldMasterIdLst>
-    <p:sldMasterId id="2147483648" r:id="rId1"/>
+    <p:sldMasterId id="2147483672" r:id="rId1"/>
   </p:sldMasterIdLst>
   <p:sldIdLst>
     <p:sldId id="256" r:id="rId2"/>
   </p:sldIdLst>
-  <p:sldSz cx="12192000" cy="6858000"/>
+  <p:sldSz cx="3657600" cy="914400"/>
   <p:notesSz cx="6858000" cy="9144000"/>
   <p:custDataLst>
     <p:tags r:id="rId3"/>
@@ -16,7 +16,7 @@
     <a:defPPr>
       <a:defRPr lang="en-US"/>
     </a:defPPr>
-    <a:lvl1pPr marL="0" algn="l" defTabSz="914400" rtl="0" eaLnBrk="1" latinLnBrk="0" hangingPunct="1">
+    <a:lvl1pPr marL="0" algn="l" defTabSz="457200" rtl="0" eaLnBrk="1" latinLnBrk="0" hangingPunct="1">
       <a:defRPr sz="1800" kern="1200">
         <a:solidFill>
           <a:schemeClr val="tx1"/>
@@ -26,7 +26,7 @@
         <a:cs typeface="+mn-cs"/>
       </a:defRPr>
     </a:lvl1pPr>
-    <a:lvl2pPr marL="457200" algn="l" defTabSz="914400" rtl="0" eaLnBrk="1" latinLnBrk="0" hangingPunct="1">
+    <a:lvl2pPr marL="457200" algn="l" defTabSz="457200" rtl="0" eaLnBrk="1" latinLnBrk="0" hangingPunct="1">
       <a:defRPr sz="1800" kern="1200">
         <a:solidFill>
           <a:schemeClr val="tx1"/>
@@ -36,7 +36,7 @@
         <a:cs typeface="+mn-cs"/>
       </a:defRPr>
     </a:lvl2pPr>
-    <a:lvl3pPr marL="914400" algn="l" defTabSz="914400" rtl="0" eaLnBrk="1" latinLnBrk="0" hangingPunct="1">
+    <a:lvl3pPr marL="914400" algn="l" defTabSz="457200" rtl="0" eaLnBrk="1" latinLnBrk="0" hangingPunct="1">
       <a:defRPr sz="1800" kern="1200">
         <a:solidFill>
           <a:schemeClr val="tx1"/>
@@ -46,7 +46,7 @@
         <a:cs typeface="+mn-cs"/>
       </a:defRPr>
     </a:lvl3pPr>
-    <a:lvl4pPr marL="1371600" algn="l" defTabSz="914400" rtl="0" eaLnBrk="1" latinLnBrk="0" hangingPunct="1">
+    <a:lvl4pPr marL="1371600" algn="l" defTabSz="457200" rtl="0" eaLnBrk="1" latinLnBrk="0" hangingPunct="1">
       <a:defRPr sz="1800" kern="1200">
         <a:solidFill>
           <a:schemeClr val="tx1"/>
@@ -56,7 +56,7 @@
         <a:cs typeface="+mn-cs"/>
       </a:defRPr>
     </a:lvl4pPr>
-    <a:lvl5pPr marL="1828800" algn="l" defTabSz="914400" rtl="0" eaLnBrk="1" latinLnBrk="0" hangingPunct="1">
+    <a:lvl5pPr marL="1828800" algn="l" defTabSz="457200" rtl="0" eaLnBrk="1" latinLnBrk="0" hangingPunct="1">
       <a:defRPr sz="1800" kern="1200">
         <a:solidFill>
           <a:schemeClr val="tx1"/>
@@ -66,7 +66,7 @@
         <a:cs typeface="+mn-cs"/>
       </a:defRPr>
     </a:lvl5pPr>
-    <a:lvl6pPr marL="2286000" algn="l" defTabSz="914400" rtl="0" eaLnBrk="1" latinLnBrk="0" hangingPunct="1">
+    <a:lvl6pPr marL="2286000" algn="l" defTabSz="457200" rtl="0" eaLnBrk="1" latinLnBrk="0" hangingPunct="1">
       <a:defRPr sz="1800" kern="1200">
         <a:solidFill>
           <a:schemeClr val="tx1"/>
@@ -76,7 +76,7 @@
         <a:cs typeface="+mn-cs"/>
       </a:defRPr>
     </a:lvl6pPr>
-    <a:lvl7pPr marL="2743200" algn="l" defTabSz="914400" rtl="0" eaLnBrk="1" latinLnBrk="0" hangingPunct="1">
+    <a:lvl7pPr marL="2743200" algn="l" defTabSz="457200" rtl="0" eaLnBrk="1" latinLnBrk="0" hangingPunct="1">
       <a:defRPr sz="1800" kern="1200">
         <a:solidFill>
           <a:schemeClr val="tx1"/>
@@ -86,7 +86,7 @@
         <a:cs typeface="+mn-cs"/>
       </a:defRPr>
     </a:lvl7pPr>
-    <a:lvl8pPr marL="3200400" algn="l" defTabSz="914400" rtl="0" eaLnBrk="1" latinLnBrk="0" hangingPunct="1">
+    <a:lvl8pPr marL="3200400" algn="l" defTabSz="457200" rtl="0" eaLnBrk="1" latinLnBrk="0" hangingPunct="1">
       <a:defRPr sz="1800" kern="1200">
         <a:solidFill>
           <a:schemeClr val="tx1"/>
@@ -96,7 +96,7 @@
         <a:cs typeface="+mn-cs"/>
       </a:defRPr>
     </a:lvl8pPr>
-    <a:lvl9pPr marL="3657600" algn="l" defTabSz="914400" rtl="0" eaLnBrk="1" latinLnBrk="0" hangingPunct="1">
+    <a:lvl9pPr marL="3657600" algn="l" defTabSz="457200" rtl="0" eaLnBrk="1" latinLnBrk="0" hangingPunct="1">
       <a:defRPr sz="1800" kern="1200">
         <a:solidFill>
           <a:schemeClr val="tx1"/>
@@ -129,13 +129,7 @@
       </p:grpSpPr>
       <p:sp>
         <p:nvSpPr>
-          <p:cNvPr id="2" name="Title 1">
-            <a:extLst>
-              <a:ext uri="{FF2B5EF4-FFF2-40B4-BE49-F238E27FC236}">
-                <a16:creationId xmlns:a16="http://schemas.microsoft.com/office/drawing/2014/main" id="{3ADC77CF-854B-D9FD-3F7C-715048FB07F8}"/>
-              </a:ext>
-            </a:extLst>
-          </p:cNvPr>
+          <p:cNvPr id="2" name="Title 1"/>
           <p:cNvSpPr>
             <a:spLocks noGrp="1"/>
           </p:cNvSpPr>
@@ -145,15 +139,15 @@
         </p:nvSpPr>
         <p:spPr>
           <a:xfrm>
-            <a:off x="1524000" y="1122363"/>
-            <a:ext cx="9144000" cy="2387600"/>
+            <a:off x="457200" y="149648"/>
+            <a:ext cx="2743200" cy="318347"/>
           </a:xfrm>
         </p:spPr>
         <p:txBody>
           <a:bodyPr anchor="b"/>
           <a:lstStyle>
             <a:lvl1pPr algn="ctr">
-              <a:defRPr sz="6000"/>
+              <a:defRPr sz="800"/>
             </a:lvl1pPr>
           </a:lstStyle>
           <a:p>
@@ -161,18 +155,13 @@
               <a:rPr lang="en-US"/>
               <a:t>Click to edit Master title style</a:t>
             </a:r>
-          </a:p>
-        </p:txBody>
-      </p:sp>
-      <p:sp>
-        <p:nvSpPr>
-          <p:cNvPr id="3" name="Subtitle 2">
-            <a:extLst>
-              <a:ext uri="{FF2B5EF4-FFF2-40B4-BE49-F238E27FC236}">
-                <a16:creationId xmlns:a16="http://schemas.microsoft.com/office/drawing/2014/main" id="{4A33C164-DB8F-6F21-9727-4A7970B5E855}"/>
-              </a:ext>
-            </a:extLst>
-          </p:cNvPr>
+            <a:endParaRPr lang="en-US" dirty="0"/>
+          </a:p>
+        </p:txBody>
+      </p:sp>
+      <p:sp>
+        <p:nvSpPr>
+          <p:cNvPr id="3" name="Subtitle 2"/>
           <p:cNvSpPr>
             <a:spLocks noGrp="1"/>
           </p:cNvSpPr>
@@ -182,8 +171,8 @@
         </p:nvSpPr>
         <p:spPr>
           <a:xfrm>
-            <a:off x="1524000" y="3602038"/>
-            <a:ext cx="9144000" cy="1655762"/>
+            <a:off x="457200" y="480272"/>
+            <a:ext cx="2743200" cy="220768"/>
           </a:xfrm>
         </p:spPr>
         <p:txBody>
@@ -191,39 +180,39 @@
           <a:lstStyle>
             <a:lvl1pPr marL="0" indent="0" algn="ctr">
               <a:buNone/>
-              <a:defRPr sz="2400"/>
+              <a:defRPr sz="320"/>
             </a:lvl1pPr>
-            <a:lvl2pPr marL="457200" indent="0" algn="ctr">
-              <a:buNone/>
-              <a:defRPr sz="2000"/>
+            <a:lvl2pPr marL="60945" indent="0" algn="ctr">
+              <a:buNone/>
+              <a:defRPr sz="267"/>
             </a:lvl2pPr>
-            <a:lvl3pPr marL="914400" indent="0" algn="ctr">
-              <a:buNone/>
-              <a:defRPr sz="1800"/>
+            <a:lvl3pPr marL="121890" indent="0" algn="ctr">
+              <a:buNone/>
+              <a:defRPr sz="240"/>
             </a:lvl3pPr>
-            <a:lvl4pPr marL="1371600" indent="0" algn="ctr">
-              <a:buNone/>
-              <a:defRPr sz="1600"/>
+            <a:lvl4pPr marL="182834" indent="0" algn="ctr">
+              <a:buNone/>
+              <a:defRPr sz="213"/>
             </a:lvl4pPr>
-            <a:lvl5pPr marL="1828800" indent="0" algn="ctr">
-              <a:buNone/>
-              <a:defRPr sz="1600"/>
+            <a:lvl5pPr marL="243779" indent="0" algn="ctr">
+              <a:buNone/>
+              <a:defRPr sz="213"/>
             </a:lvl5pPr>
-            <a:lvl6pPr marL="2286000" indent="0" algn="ctr">
-              <a:buNone/>
-              <a:defRPr sz="1600"/>
+            <a:lvl6pPr marL="304724" indent="0" algn="ctr">
+              <a:buNone/>
+              <a:defRPr sz="213"/>
             </a:lvl6pPr>
-            <a:lvl7pPr marL="2743200" indent="0" algn="ctr">
-              <a:buNone/>
-              <a:defRPr sz="1600"/>
+            <a:lvl7pPr marL="365669" indent="0" algn="ctr">
+              <a:buNone/>
+              <a:defRPr sz="213"/>
             </a:lvl7pPr>
-            <a:lvl8pPr marL="3200400" indent="0" algn="ctr">
-              <a:buNone/>
-              <a:defRPr sz="1600"/>
+            <a:lvl8pPr marL="426613" indent="0" algn="ctr">
+              <a:buNone/>
+              <a:defRPr sz="213"/>
             </a:lvl8pPr>
-            <a:lvl9pPr marL="3657600" indent="0" algn="ctr">
-              <a:buNone/>
-              <a:defRPr sz="1600"/>
+            <a:lvl9pPr marL="487558" indent="0" algn="ctr">
+              <a:buNone/>
+              <a:defRPr sz="213"/>
             </a:lvl9pPr>
           </a:lstStyle>
           <a:p>
@@ -231,18 +220,13 @@
               <a:rPr lang="en-US"/>
               <a:t>Click to edit Master subtitle style</a:t>
             </a:r>
-          </a:p>
-        </p:txBody>
-      </p:sp>
-      <p:sp>
-        <p:nvSpPr>
-          <p:cNvPr id="4" name="Date Placeholder 3">
-            <a:extLst>
-              <a:ext uri="{FF2B5EF4-FFF2-40B4-BE49-F238E27FC236}">
-                <a16:creationId xmlns:a16="http://schemas.microsoft.com/office/drawing/2014/main" id="{CBB70D95-9EFD-8E8C-6901-9C8EE8A48F5F}"/>
-              </a:ext>
-            </a:extLst>
-          </p:cNvPr>
+            <a:endParaRPr lang="en-US" dirty="0"/>
+          </a:p>
+        </p:txBody>
+      </p:sp>
+      <p:sp>
+        <p:nvSpPr>
+          <p:cNvPr id="4" name="Date Placeholder 3"/>
           <p:cNvSpPr>
             <a:spLocks noGrp="1"/>
           </p:cNvSpPr>
@@ -255,9 +239,9 @@
           <a:bodyPr/>
           <a:lstStyle/>
           <a:p>
-            <a:fld id="{EB33F8FC-191A-4F13-AE2A-9EAB9B4EF1B5}" type="datetimeFigureOut">
+            <a:fld id="{352BC529-1D76-442C-A947-E37B943CFD8C}" type="datetimeFigureOut">
               <a:rPr lang="en-US" smtClean="0"/>
-              <a:t>9/4/2023</a:t>
+              <a:t>9/5/2023</a:t>
             </a:fld>
             <a:endParaRPr lang="en-US"/>
           </a:p>
@@ -265,13 +249,7 @@
       </p:sp>
       <p:sp>
         <p:nvSpPr>
-          <p:cNvPr id="5" name="Footer Placeholder 4">
-            <a:extLst>
-              <a:ext uri="{FF2B5EF4-FFF2-40B4-BE49-F238E27FC236}">
-                <a16:creationId xmlns:a16="http://schemas.microsoft.com/office/drawing/2014/main" id="{E5FF162C-09AC-7084-178E-D15911E15BC9}"/>
-              </a:ext>
-            </a:extLst>
-          </p:cNvPr>
+          <p:cNvPr id="5" name="Footer Placeholder 4"/>
           <p:cNvSpPr>
             <a:spLocks noGrp="1"/>
           </p:cNvSpPr>
@@ -290,13 +268,7 @@
       </p:sp>
       <p:sp>
         <p:nvSpPr>
-          <p:cNvPr id="6" name="Slide Number Placeholder 5">
-            <a:extLst>
-              <a:ext uri="{FF2B5EF4-FFF2-40B4-BE49-F238E27FC236}">
-                <a16:creationId xmlns:a16="http://schemas.microsoft.com/office/drawing/2014/main" id="{8A3C1DCB-5BF9-B813-4007-3948927CE1D0}"/>
-              </a:ext>
-            </a:extLst>
-          </p:cNvPr>
+          <p:cNvPr id="6" name="Slide Number Placeholder 5"/>
           <p:cNvSpPr>
             <a:spLocks noGrp="1"/>
           </p:cNvSpPr>
@@ -309,7 +281,7 @@
           <a:bodyPr/>
           <a:lstStyle/>
           <a:p>
-            <a:fld id="{51EA462D-99AD-4196-8625-083CEB7AB737}" type="slidenum">
+            <a:fld id="{13D0C524-BAC2-4759-BE47-3C641915E86E}" type="slidenum">
               <a:rPr lang="en-US" smtClean="0"/>
               <a:t>‹#›</a:t>
             </a:fld>
@@ -320,7 +292,7 @@
     </p:spTree>
     <p:extLst>
       <p:ext uri="{BB962C8B-B14F-4D97-AF65-F5344CB8AC3E}">
-        <p14:creationId xmlns:p14="http://schemas.microsoft.com/office/powerpoint/2010/main" val="438454578"/>
+        <p14:creationId xmlns:p14="http://schemas.microsoft.com/office/powerpoint/2010/main" val="1688903376"/>
       </p:ext>
     </p:extLst>
   </p:cSld>
@@ -349,13 +321,7 @@
       </p:grpSpPr>
       <p:sp>
         <p:nvSpPr>
-          <p:cNvPr id="2" name="Title 1">
-            <a:extLst>
-              <a:ext uri="{FF2B5EF4-FFF2-40B4-BE49-F238E27FC236}">
-                <a16:creationId xmlns:a16="http://schemas.microsoft.com/office/drawing/2014/main" id="{C0BEAAF4-108B-55FB-D8D9-053CD464F690}"/>
-              </a:ext>
-            </a:extLst>
-          </p:cNvPr>
+          <p:cNvPr id="2" name="Title 1"/>
           <p:cNvSpPr>
             <a:spLocks noGrp="1"/>
           </p:cNvSpPr>
@@ -372,18 +338,13 @@
               <a:rPr lang="en-US"/>
               <a:t>Click to edit Master title style</a:t>
             </a:r>
-          </a:p>
-        </p:txBody>
-      </p:sp>
-      <p:sp>
-        <p:nvSpPr>
-          <p:cNvPr id="3" name="Vertical Text Placeholder 2">
-            <a:extLst>
-              <a:ext uri="{FF2B5EF4-FFF2-40B4-BE49-F238E27FC236}">
-                <a16:creationId xmlns:a16="http://schemas.microsoft.com/office/drawing/2014/main" id="{30B8AA71-250B-3D40-E1C4-A0B121DC8342}"/>
-              </a:ext>
-            </a:extLst>
-          </p:cNvPr>
+            <a:endParaRPr lang="en-US" dirty="0"/>
+          </a:p>
+        </p:txBody>
+      </p:sp>
+      <p:sp>
+        <p:nvSpPr>
+          <p:cNvPr id="3" name="Vertical Text Placeholder 2"/>
           <p:cNvSpPr>
             <a:spLocks noGrp="1"/>
           </p:cNvSpPr>
@@ -429,18 +390,13 @@
               <a:rPr lang="en-US"/>
               <a:t>Fifth level</a:t>
             </a:r>
-          </a:p>
-        </p:txBody>
-      </p:sp>
-      <p:sp>
-        <p:nvSpPr>
-          <p:cNvPr id="4" name="Date Placeholder 3">
-            <a:extLst>
-              <a:ext uri="{FF2B5EF4-FFF2-40B4-BE49-F238E27FC236}">
-                <a16:creationId xmlns:a16="http://schemas.microsoft.com/office/drawing/2014/main" id="{43758B91-DFDB-9FB0-41DD-522D17000E12}"/>
-              </a:ext>
-            </a:extLst>
-          </p:cNvPr>
+            <a:endParaRPr lang="en-US" dirty="0"/>
+          </a:p>
+        </p:txBody>
+      </p:sp>
+      <p:sp>
+        <p:nvSpPr>
+          <p:cNvPr id="4" name="Date Placeholder 3"/>
           <p:cNvSpPr>
             <a:spLocks noGrp="1"/>
           </p:cNvSpPr>
@@ -453,9 +409,9 @@
           <a:bodyPr/>
           <a:lstStyle/>
           <a:p>
-            <a:fld id="{EB33F8FC-191A-4F13-AE2A-9EAB9B4EF1B5}" type="datetimeFigureOut">
+            <a:fld id="{352BC529-1D76-442C-A947-E37B943CFD8C}" type="datetimeFigureOut">
               <a:rPr lang="en-US" smtClean="0"/>
-              <a:t>9/4/2023</a:t>
+              <a:t>9/5/2023</a:t>
             </a:fld>
             <a:endParaRPr lang="en-US"/>
           </a:p>
@@ -463,13 +419,7 @@
       </p:sp>
       <p:sp>
         <p:nvSpPr>
-          <p:cNvPr id="5" name="Footer Placeholder 4">
-            <a:extLst>
-              <a:ext uri="{FF2B5EF4-FFF2-40B4-BE49-F238E27FC236}">
-                <a16:creationId xmlns:a16="http://schemas.microsoft.com/office/drawing/2014/main" id="{DC136786-BFA0-9A9A-64D2-33DE4916B1F9}"/>
-              </a:ext>
-            </a:extLst>
-          </p:cNvPr>
+          <p:cNvPr id="5" name="Footer Placeholder 4"/>
           <p:cNvSpPr>
             <a:spLocks noGrp="1"/>
           </p:cNvSpPr>
@@ -488,13 +438,7 @@
       </p:sp>
       <p:sp>
         <p:nvSpPr>
-          <p:cNvPr id="6" name="Slide Number Placeholder 5">
-            <a:extLst>
-              <a:ext uri="{FF2B5EF4-FFF2-40B4-BE49-F238E27FC236}">
-                <a16:creationId xmlns:a16="http://schemas.microsoft.com/office/drawing/2014/main" id="{2F7647A3-5CD7-9536-56D8-139472C17831}"/>
-              </a:ext>
-            </a:extLst>
-          </p:cNvPr>
+          <p:cNvPr id="6" name="Slide Number Placeholder 5"/>
           <p:cNvSpPr>
             <a:spLocks noGrp="1"/>
           </p:cNvSpPr>
@@ -507,7 +451,7 @@
           <a:bodyPr/>
           <a:lstStyle/>
           <a:p>
-            <a:fld id="{51EA462D-99AD-4196-8625-083CEB7AB737}" type="slidenum">
+            <a:fld id="{13D0C524-BAC2-4759-BE47-3C641915E86E}" type="slidenum">
               <a:rPr lang="en-US" smtClean="0"/>
               <a:t>‹#›</a:t>
             </a:fld>
@@ -518,7 +462,7 @@
     </p:spTree>
     <p:extLst>
       <p:ext uri="{BB962C8B-B14F-4D97-AF65-F5344CB8AC3E}">
-        <p14:creationId xmlns:p14="http://schemas.microsoft.com/office/powerpoint/2010/main" val="2979613766"/>
+        <p14:creationId xmlns:p14="http://schemas.microsoft.com/office/powerpoint/2010/main" val="2050804155"/>
       </p:ext>
     </p:extLst>
   </p:cSld>
@@ -547,13 +491,7 @@
       </p:grpSpPr>
       <p:sp>
         <p:nvSpPr>
-          <p:cNvPr id="2" name="Vertical Title 1">
-            <a:extLst>
-              <a:ext uri="{FF2B5EF4-FFF2-40B4-BE49-F238E27FC236}">
-                <a16:creationId xmlns:a16="http://schemas.microsoft.com/office/drawing/2014/main" id="{13BE8C14-1F81-3C8B-A4AF-AA9E4277E6C3}"/>
-              </a:ext>
-            </a:extLst>
-          </p:cNvPr>
+          <p:cNvPr id="2" name="Vertical Title 1"/>
           <p:cNvSpPr>
             <a:spLocks noGrp="1"/>
           </p:cNvSpPr>
@@ -563,8 +501,8 @@
         </p:nvSpPr>
         <p:spPr>
           <a:xfrm>
-            <a:off x="8724900" y="365125"/>
-            <a:ext cx="2628900" cy="5811838"/>
+            <a:off x="2617470" y="48683"/>
+            <a:ext cx="788670" cy="774912"/>
           </a:xfrm>
         </p:spPr>
         <p:txBody>
@@ -575,18 +513,13 @@
               <a:rPr lang="en-US"/>
               <a:t>Click to edit Master title style</a:t>
             </a:r>
-          </a:p>
-        </p:txBody>
-      </p:sp>
-      <p:sp>
-        <p:nvSpPr>
-          <p:cNvPr id="3" name="Vertical Text Placeholder 2">
-            <a:extLst>
-              <a:ext uri="{FF2B5EF4-FFF2-40B4-BE49-F238E27FC236}">
-                <a16:creationId xmlns:a16="http://schemas.microsoft.com/office/drawing/2014/main" id="{0AB945D1-D018-C254-6A59-DA884297125E}"/>
-              </a:ext>
-            </a:extLst>
-          </p:cNvPr>
+            <a:endParaRPr lang="en-US" dirty="0"/>
+          </a:p>
+        </p:txBody>
+      </p:sp>
+      <p:sp>
+        <p:nvSpPr>
+          <p:cNvPr id="3" name="Vertical Text Placeholder 2"/>
           <p:cNvSpPr>
             <a:spLocks noGrp="1"/>
           </p:cNvSpPr>
@@ -596,8 +529,8 @@
         </p:nvSpPr>
         <p:spPr>
           <a:xfrm>
-            <a:off x="838200" y="365125"/>
-            <a:ext cx="7734300" cy="5811838"/>
+            <a:off x="251460" y="48683"/>
+            <a:ext cx="2320290" cy="774912"/>
           </a:xfrm>
         </p:spPr>
         <p:txBody>
@@ -637,18 +570,13 @@
               <a:rPr lang="en-US"/>
               <a:t>Fifth level</a:t>
             </a:r>
-          </a:p>
-        </p:txBody>
-      </p:sp>
-      <p:sp>
-        <p:nvSpPr>
-          <p:cNvPr id="4" name="Date Placeholder 3">
-            <a:extLst>
-              <a:ext uri="{FF2B5EF4-FFF2-40B4-BE49-F238E27FC236}">
-                <a16:creationId xmlns:a16="http://schemas.microsoft.com/office/drawing/2014/main" id="{3F7D5C20-355A-93E4-7EA4-575C3F4751FA}"/>
-              </a:ext>
-            </a:extLst>
-          </p:cNvPr>
+            <a:endParaRPr lang="en-US" dirty="0"/>
+          </a:p>
+        </p:txBody>
+      </p:sp>
+      <p:sp>
+        <p:nvSpPr>
+          <p:cNvPr id="4" name="Date Placeholder 3"/>
           <p:cNvSpPr>
             <a:spLocks noGrp="1"/>
           </p:cNvSpPr>
@@ -661,9 +589,9 @@
           <a:bodyPr/>
           <a:lstStyle/>
           <a:p>
-            <a:fld id="{EB33F8FC-191A-4F13-AE2A-9EAB9B4EF1B5}" type="datetimeFigureOut">
+            <a:fld id="{352BC529-1D76-442C-A947-E37B943CFD8C}" type="datetimeFigureOut">
               <a:rPr lang="en-US" smtClean="0"/>
-              <a:t>9/4/2023</a:t>
+              <a:t>9/5/2023</a:t>
             </a:fld>
             <a:endParaRPr lang="en-US"/>
           </a:p>
@@ -671,13 +599,7 @@
       </p:sp>
       <p:sp>
         <p:nvSpPr>
-          <p:cNvPr id="5" name="Footer Placeholder 4">
-            <a:extLst>
-              <a:ext uri="{FF2B5EF4-FFF2-40B4-BE49-F238E27FC236}">
-                <a16:creationId xmlns:a16="http://schemas.microsoft.com/office/drawing/2014/main" id="{57E1B796-06EE-EFCE-8CDA-F0EF166B2993}"/>
-              </a:ext>
-            </a:extLst>
-          </p:cNvPr>
+          <p:cNvPr id="5" name="Footer Placeholder 4"/>
           <p:cNvSpPr>
             <a:spLocks noGrp="1"/>
           </p:cNvSpPr>
@@ -696,13 +618,7 @@
       </p:sp>
       <p:sp>
         <p:nvSpPr>
-          <p:cNvPr id="6" name="Slide Number Placeholder 5">
-            <a:extLst>
-              <a:ext uri="{FF2B5EF4-FFF2-40B4-BE49-F238E27FC236}">
-                <a16:creationId xmlns:a16="http://schemas.microsoft.com/office/drawing/2014/main" id="{0CB09DFE-FFB9-1485-F7A2-CA693A14F8EA}"/>
-              </a:ext>
-            </a:extLst>
-          </p:cNvPr>
+          <p:cNvPr id="6" name="Slide Number Placeholder 5"/>
           <p:cNvSpPr>
             <a:spLocks noGrp="1"/>
           </p:cNvSpPr>
@@ -715,7 +631,7 @@
           <a:bodyPr/>
           <a:lstStyle/>
           <a:p>
-            <a:fld id="{51EA462D-99AD-4196-8625-083CEB7AB737}" type="slidenum">
+            <a:fld id="{13D0C524-BAC2-4759-BE47-3C641915E86E}" type="slidenum">
               <a:rPr lang="en-US" smtClean="0"/>
               <a:t>‹#›</a:t>
             </a:fld>
@@ -726,7 +642,37 @@
     </p:spTree>
     <p:extLst>
       <p:ext uri="{BB962C8B-B14F-4D97-AF65-F5344CB8AC3E}">
-        <p14:creationId xmlns:p14="http://schemas.microsoft.com/office/powerpoint/2010/main" val="1252405838"/>
+        <p14:creationId xmlns:p14="http://schemas.microsoft.com/office/powerpoint/2010/main" val="1319759020"/>
+      </p:ext>
+    </p:extLst>
+  </p:cSld>
+  <p:clrMapOvr>
+    <a:masterClrMapping/>
+  </p:clrMapOvr>
+</p:sldLayout>
+</file>
+
+<file path=ppt/slideLayouts/slideLayout12.xml><?xml version="1.0" encoding="utf-8"?>
+<p:sldLayout xmlns:a="http://schemas.openxmlformats.org/drawingml/2006/main" xmlns:r="http://schemas.openxmlformats.org/officeDocument/2006/relationships" xmlns:p="http://schemas.openxmlformats.org/presentationml/2006/main" showMasterSp="0" userDrawn="1">
+  <p:cSld name="1_Title Slide">
+    <p:spTree>
+      <p:nvGrpSpPr>
+        <p:cNvPr id="1" name=""/>
+        <p:cNvGrpSpPr/>
+        <p:nvPr/>
+      </p:nvGrpSpPr>
+      <p:grpSpPr>
+        <a:xfrm>
+          <a:off x="0" y="0"/>
+          <a:ext cx="0" cy="0"/>
+          <a:chOff x="0" y="0"/>
+          <a:chExt cx="0" cy="0"/>
+        </a:xfrm>
+      </p:grpSpPr>
+    </p:spTree>
+    <p:extLst>
+      <p:ext uri="{BB962C8B-B14F-4D97-AF65-F5344CB8AC3E}">
+        <p14:creationId xmlns:p14="http://schemas.microsoft.com/office/powerpoint/2010/main" val="2295324601"/>
       </p:ext>
     </p:extLst>
   </p:cSld>
@@ -755,13 +701,7 @@
       </p:grpSpPr>
       <p:sp>
         <p:nvSpPr>
-          <p:cNvPr id="2" name="Title 1">
-            <a:extLst>
-              <a:ext uri="{FF2B5EF4-FFF2-40B4-BE49-F238E27FC236}">
-                <a16:creationId xmlns:a16="http://schemas.microsoft.com/office/drawing/2014/main" id="{2D9626CA-0926-1FA9-3416-7BE6FD72C495}"/>
-              </a:ext>
-            </a:extLst>
-          </p:cNvPr>
+          <p:cNvPr id="2" name="Title 1"/>
           <p:cNvSpPr>
             <a:spLocks noGrp="1"/>
           </p:cNvSpPr>
@@ -778,18 +718,13 @@
               <a:rPr lang="en-US"/>
               <a:t>Click to edit Master title style</a:t>
             </a:r>
-          </a:p>
-        </p:txBody>
-      </p:sp>
-      <p:sp>
-        <p:nvSpPr>
-          <p:cNvPr id="3" name="Content Placeholder 2">
-            <a:extLst>
-              <a:ext uri="{FF2B5EF4-FFF2-40B4-BE49-F238E27FC236}">
-                <a16:creationId xmlns:a16="http://schemas.microsoft.com/office/drawing/2014/main" id="{CA8FE705-CC61-5A2A-CD2B-96730B3059BA}"/>
-              </a:ext>
-            </a:extLst>
-          </p:cNvPr>
+            <a:endParaRPr lang="en-US" dirty="0"/>
+          </a:p>
+        </p:txBody>
+      </p:sp>
+      <p:sp>
+        <p:nvSpPr>
+          <p:cNvPr id="3" name="Content Placeholder 2"/>
           <p:cNvSpPr>
             <a:spLocks noGrp="1"/>
           </p:cNvSpPr>
@@ -835,18 +770,13 @@
               <a:rPr lang="en-US"/>
               <a:t>Fifth level</a:t>
             </a:r>
-          </a:p>
-        </p:txBody>
-      </p:sp>
-      <p:sp>
-        <p:nvSpPr>
-          <p:cNvPr id="4" name="Date Placeholder 3">
-            <a:extLst>
-              <a:ext uri="{FF2B5EF4-FFF2-40B4-BE49-F238E27FC236}">
-                <a16:creationId xmlns:a16="http://schemas.microsoft.com/office/drawing/2014/main" id="{837A76DC-EE09-F85A-1364-A7893130EAFE}"/>
-              </a:ext>
-            </a:extLst>
-          </p:cNvPr>
+            <a:endParaRPr lang="en-US" dirty="0"/>
+          </a:p>
+        </p:txBody>
+      </p:sp>
+      <p:sp>
+        <p:nvSpPr>
+          <p:cNvPr id="4" name="Date Placeholder 3"/>
           <p:cNvSpPr>
             <a:spLocks noGrp="1"/>
           </p:cNvSpPr>
@@ -859,9 +789,9 @@
           <a:bodyPr/>
           <a:lstStyle/>
           <a:p>
-            <a:fld id="{EB33F8FC-191A-4F13-AE2A-9EAB9B4EF1B5}" type="datetimeFigureOut">
+            <a:fld id="{352BC529-1D76-442C-A947-E37B943CFD8C}" type="datetimeFigureOut">
               <a:rPr lang="en-US" smtClean="0"/>
-              <a:t>9/4/2023</a:t>
+              <a:t>9/5/2023</a:t>
             </a:fld>
             <a:endParaRPr lang="en-US"/>
           </a:p>
@@ -869,13 +799,7 @@
       </p:sp>
       <p:sp>
         <p:nvSpPr>
-          <p:cNvPr id="5" name="Footer Placeholder 4">
-            <a:extLst>
-              <a:ext uri="{FF2B5EF4-FFF2-40B4-BE49-F238E27FC236}">
-                <a16:creationId xmlns:a16="http://schemas.microsoft.com/office/drawing/2014/main" id="{312E7785-D43D-A235-B8D3-C477E23DAA05}"/>
-              </a:ext>
-            </a:extLst>
-          </p:cNvPr>
+          <p:cNvPr id="5" name="Footer Placeholder 4"/>
           <p:cNvSpPr>
             <a:spLocks noGrp="1"/>
           </p:cNvSpPr>
@@ -894,13 +818,7 @@
       </p:sp>
       <p:sp>
         <p:nvSpPr>
-          <p:cNvPr id="6" name="Slide Number Placeholder 5">
-            <a:extLst>
-              <a:ext uri="{FF2B5EF4-FFF2-40B4-BE49-F238E27FC236}">
-                <a16:creationId xmlns:a16="http://schemas.microsoft.com/office/drawing/2014/main" id="{EA2177B7-0046-5987-ED68-44C4B8FF356F}"/>
-              </a:ext>
-            </a:extLst>
-          </p:cNvPr>
+          <p:cNvPr id="6" name="Slide Number Placeholder 5"/>
           <p:cNvSpPr>
             <a:spLocks noGrp="1"/>
           </p:cNvSpPr>
@@ -913,7 +831,7 @@
           <a:bodyPr/>
           <a:lstStyle/>
           <a:p>
-            <a:fld id="{51EA462D-99AD-4196-8625-083CEB7AB737}" type="slidenum">
+            <a:fld id="{13D0C524-BAC2-4759-BE47-3C641915E86E}" type="slidenum">
               <a:rPr lang="en-US" smtClean="0"/>
               <a:t>‹#›</a:t>
             </a:fld>
@@ -924,7 +842,7 @@
     </p:spTree>
     <p:extLst>
       <p:ext uri="{BB962C8B-B14F-4D97-AF65-F5344CB8AC3E}">
-        <p14:creationId xmlns:p14="http://schemas.microsoft.com/office/powerpoint/2010/main" val="835502753"/>
+        <p14:creationId xmlns:p14="http://schemas.microsoft.com/office/powerpoint/2010/main" val="3002777572"/>
       </p:ext>
     </p:extLst>
   </p:cSld>
@@ -953,13 +871,7 @@
       </p:grpSpPr>
       <p:sp>
         <p:nvSpPr>
-          <p:cNvPr id="2" name="Title 1">
-            <a:extLst>
-              <a:ext uri="{FF2B5EF4-FFF2-40B4-BE49-F238E27FC236}">
-                <a16:creationId xmlns:a16="http://schemas.microsoft.com/office/drawing/2014/main" id="{76C42283-E8FF-76BA-F7A7-ECC89F1B4464}"/>
-              </a:ext>
-            </a:extLst>
-          </p:cNvPr>
+          <p:cNvPr id="2" name="Title 1"/>
           <p:cNvSpPr>
             <a:spLocks noGrp="1"/>
           </p:cNvSpPr>
@@ -969,15 +881,15 @@
         </p:nvSpPr>
         <p:spPr>
           <a:xfrm>
-            <a:off x="831850" y="1709738"/>
-            <a:ext cx="10515600" cy="2852737"/>
+            <a:off x="249555" y="227965"/>
+            <a:ext cx="3154680" cy="380365"/>
           </a:xfrm>
         </p:spPr>
         <p:txBody>
           <a:bodyPr anchor="b"/>
           <a:lstStyle>
             <a:lvl1pPr>
-              <a:defRPr sz="6000"/>
+              <a:defRPr sz="800"/>
             </a:lvl1pPr>
           </a:lstStyle>
           <a:p>
@@ -985,18 +897,13 @@
               <a:rPr lang="en-US"/>
               <a:t>Click to edit Master title style</a:t>
             </a:r>
-          </a:p>
-        </p:txBody>
-      </p:sp>
-      <p:sp>
-        <p:nvSpPr>
-          <p:cNvPr id="3" name="Text Placeholder 2">
-            <a:extLst>
-              <a:ext uri="{FF2B5EF4-FFF2-40B4-BE49-F238E27FC236}">
-                <a16:creationId xmlns:a16="http://schemas.microsoft.com/office/drawing/2014/main" id="{AFA18E4E-1376-6B66-E421-EC95BCAB8D09}"/>
-              </a:ext>
-            </a:extLst>
-          </p:cNvPr>
+            <a:endParaRPr lang="en-US" dirty="0"/>
+          </a:p>
+        </p:txBody>
+      </p:sp>
+      <p:sp>
+        <p:nvSpPr>
+          <p:cNvPr id="3" name="Text Placeholder 2"/>
           <p:cNvSpPr>
             <a:spLocks noGrp="1"/>
           </p:cNvSpPr>
@@ -1006,8 +913,8 @@
         </p:nvSpPr>
         <p:spPr>
           <a:xfrm>
-            <a:off x="831850" y="4589463"/>
-            <a:ext cx="10515600" cy="1500187"/>
+            <a:off x="249555" y="611928"/>
+            <a:ext cx="3154680" cy="200025"/>
           </a:xfrm>
         </p:spPr>
         <p:txBody>
@@ -1015,7 +922,7 @@
           <a:lstStyle>
             <a:lvl1pPr marL="0" indent="0">
               <a:buNone/>
-              <a:defRPr sz="2400">
+              <a:defRPr sz="320">
                 <a:solidFill>
                   <a:schemeClr val="tx1">
                     <a:tint val="75000"/>
@@ -1023,9 +930,9 @@
                 </a:solidFill>
               </a:defRPr>
             </a:lvl1pPr>
-            <a:lvl2pPr marL="457200" indent="0">
-              <a:buNone/>
-              <a:defRPr sz="2000">
+            <a:lvl2pPr marL="60945" indent="0">
+              <a:buNone/>
+              <a:defRPr sz="267">
                 <a:solidFill>
                   <a:schemeClr val="tx1">
                     <a:tint val="75000"/>
@@ -1033,9 +940,9 @@
                 </a:solidFill>
               </a:defRPr>
             </a:lvl2pPr>
-            <a:lvl3pPr marL="914400" indent="0">
-              <a:buNone/>
-              <a:defRPr sz="1800">
+            <a:lvl3pPr marL="121890" indent="0">
+              <a:buNone/>
+              <a:defRPr sz="240">
                 <a:solidFill>
                   <a:schemeClr val="tx1">
                     <a:tint val="75000"/>
@@ -1043,9 +950,9 @@
                 </a:solidFill>
               </a:defRPr>
             </a:lvl3pPr>
-            <a:lvl4pPr marL="1371600" indent="0">
-              <a:buNone/>
-              <a:defRPr sz="1600">
+            <a:lvl4pPr marL="182834" indent="0">
+              <a:buNone/>
+              <a:defRPr sz="213">
                 <a:solidFill>
                   <a:schemeClr val="tx1">
                     <a:tint val="75000"/>
@@ -1053,9 +960,9 @@
                 </a:solidFill>
               </a:defRPr>
             </a:lvl4pPr>
-            <a:lvl5pPr marL="1828800" indent="0">
-              <a:buNone/>
-              <a:defRPr sz="1600">
+            <a:lvl5pPr marL="243779" indent="0">
+              <a:buNone/>
+              <a:defRPr sz="213">
                 <a:solidFill>
                   <a:schemeClr val="tx1">
                     <a:tint val="75000"/>
@@ -1063,9 +970,9 @@
                 </a:solidFill>
               </a:defRPr>
             </a:lvl5pPr>
-            <a:lvl6pPr marL="2286000" indent="0">
-              <a:buNone/>
-              <a:defRPr sz="1600">
+            <a:lvl6pPr marL="304724" indent="0">
+              <a:buNone/>
+              <a:defRPr sz="213">
                 <a:solidFill>
                   <a:schemeClr val="tx1">
                     <a:tint val="75000"/>
@@ -1073,9 +980,9 @@
                 </a:solidFill>
               </a:defRPr>
             </a:lvl6pPr>
-            <a:lvl7pPr marL="2743200" indent="0">
-              <a:buNone/>
-              <a:defRPr sz="1600">
+            <a:lvl7pPr marL="365669" indent="0">
+              <a:buNone/>
+              <a:defRPr sz="213">
                 <a:solidFill>
                   <a:schemeClr val="tx1">
                     <a:tint val="75000"/>
@@ -1083,9 +990,9 @@
                 </a:solidFill>
               </a:defRPr>
             </a:lvl7pPr>
-            <a:lvl8pPr marL="3200400" indent="0">
-              <a:buNone/>
-              <a:defRPr sz="1600">
+            <a:lvl8pPr marL="426613" indent="0">
+              <a:buNone/>
+              <a:defRPr sz="213">
                 <a:solidFill>
                   <a:schemeClr val="tx1">
                     <a:tint val="75000"/>
@@ -1093,9 +1000,9 @@
                 </a:solidFill>
               </a:defRPr>
             </a:lvl8pPr>
-            <a:lvl9pPr marL="3657600" indent="0">
-              <a:buNone/>
-              <a:defRPr sz="1600">
+            <a:lvl9pPr marL="487558" indent="0">
+              <a:buNone/>
+              <a:defRPr sz="213">
                 <a:solidFill>
                   <a:schemeClr val="tx1">
                     <a:tint val="75000"/>
@@ -1115,13 +1022,7 @@
       </p:sp>
       <p:sp>
         <p:nvSpPr>
-          <p:cNvPr id="4" name="Date Placeholder 3">
-            <a:extLst>
-              <a:ext uri="{FF2B5EF4-FFF2-40B4-BE49-F238E27FC236}">
-                <a16:creationId xmlns:a16="http://schemas.microsoft.com/office/drawing/2014/main" id="{244D3F5B-D936-E200-7890-1598B8AA72F7}"/>
-              </a:ext>
-            </a:extLst>
-          </p:cNvPr>
+          <p:cNvPr id="4" name="Date Placeholder 3"/>
           <p:cNvSpPr>
             <a:spLocks noGrp="1"/>
           </p:cNvSpPr>
@@ -1134,9 +1035,9 @@
           <a:bodyPr/>
           <a:lstStyle/>
           <a:p>
-            <a:fld id="{EB33F8FC-191A-4F13-AE2A-9EAB9B4EF1B5}" type="datetimeFigureOut">
+            <a:fld id="{352BC529-1D76-442C-A947-E37B943CFD8C}" type="datetimeFigureOut">
               <a:rPr lang="en-US" smtClean="0"/>
-              <a:t>9/4/2023</a:t>
+              <a:t>9/5/2023</a:t>
             </a:fld>
             <a:endParaRPr lang="en-US"/>
           </a:p>
@@ -1144,13 +1045,7 @@
       </p:sp>
       <p:sp>
         <p:nvSpPr>
-          <p:cNvPr id="5" name="Footer Placeholder 4">
-            <a:extLst>
-              <a:ext uri="{FF2B5EF4-FFF2-40B4-BE49-F238E27FC236}">
-                <a16:creationId xmlns:a16="http://schemas.microsoft.com/office/drawing/2014/main" id="{936E5084-7AF3-4B8C-7664-964CE3AA5CBA}"/>
-              </a:ext>
-            </a:extLst>
-          </p:cNvPr>
+          <p:cNvPr id="5" name="Footer Placeholder 4"/>
           <p:cNvSpPr>
             <a:spLocks noGrp="1"/>
           </p:cNvSpPr>
@@ -1169,13 +1064,7 @@
       </p:sp>
       <p:sp>
         <p:nvSpPr>
-          <p:cNvPr id="6" name="Slide Number Placeholder 5">
-            <a:extLst>
-              <a:ext uri="{FF2B5EF4-FFF2-40B4-BE49-F238E27FC236}">
-                <a16:creationId xmlns:a16="http://schemas.microsoft.com/office/drawing/2014/main" id="{46FF982B-228E-5013-6E28-F92101BDE78D}"/>
-              </a:ext>
-            </a:extLst>
-          </p:cNvPr>
+          <p:cNvPr id="6" name="Slide Number Placeholder 5"/>
           <p:cNvSpPr>
             <a:spLocks noGrp="1"/>
           </p:cNvSpPr>
@@ -1188,7 +1077,7 @@
           <a:bodyPr/>
           <a:lstStyle/>
           <a:p>
-            <a:fld id="{51EA462D-99AD-4196-8625-083CEB7AB737}" type="slidenum">
+            <a:fld id="{13D0C524-BAC2-4759-BE47-3C641915E86E}" type="slidenum">
               <a:rPr lang="en-US" smtClean="0"/>
               <a:t>‹#›</a:t>
             </a:fld>
@@ -1199,7 +1088,7 @@
     </p:spTree>
     <p:extLst>
       <p:ext uri="{BB962C8B-B14F-4D97-AF65-F5344CB8AC3E}">
-        <p14:creationId xmlns:p14="http://schemas.microsoft.com/office/powerpoint/2010/main" val="1655321699"/>
+        <p14:creationId xmlns:p14="http://schemas.microsoft.com/office/powerpoint/2010/main" val="1645263694"/>
       </p:ext>
     </p:extLst>
   </p:cSld>
@@ -1228,13 +1117,7 @@
       </p:grpSpPr>
       <p:sp>
         <p:nvSpPr>
-          <p:cNvPr id="2" name="Title 1">
-            <a:extLst>
-              <a:ext uri="{FF2B5EF4-FFF2-40B4-BE49-F238E27FC236}">
-                <a16:creationId xmlns:a16="http://schemas.microsoft.com/office/drawing/2014/main" id="{A7415D21-2044-78C5-E5E8-5F27D5088A02}"/>
-              </a:ext>
-            </a:extLst>
-          </p:cNvPr>
+          <p:cNvPr id="2" name="Title 1"/>
           <p:cNvSpPr>
             <a:spLocks noGrp="1"/>
           </p:cNvSpPr>
@@ -1251,18 +1134,13 @@
               <a:rPr lang="en-US"/>
               <a:t>Click to edit Master title style</a:t>
             </a:r>
-          </a:p>
-        </p:txBody>
-      </p:sp>
-      <p:sp>
-        <p:nvSpPr>
-          <p:cNvPr id="3" name="Content Placeholder 2">
-            <a:extLst>
-              <a:ext uri="{FF2B5EF4-FFF2-40B4-BE49-F238E27FC236}">
-                <a16:creationId xmlns:a16="http://schemas.microsoft.com/office/drawing/2014/main" id="{4ED80957-82AB-04D8-3111-E49E91B59F5D}"/>
-              </a:ext>
-            </a:extLst>
-          </p:cNvPr>
+            <a:endParaRPr lang="en-US" dirty="0"/>
+          </a:p>
+        </p:txBody>
+      </p:sp>
+      <p:sp>
+        <p:nvSpPr>
+          <p:cNvPr id="3" name="Content Placeholder 2"/>
           <p:cNvSpPr>
             <a:spLocks noGrp="1"/>
           </p:cNvSpPr>
@@ -1272,8 +1150,8 @@
         </p:nvSpPr>
         <p:spPr>
           <a:xfrm>
-            <a:off x="838200" y="1825625"/>
-            <a:ext cx="5181600" cy="4351338"/>
+            <a:off x="251460" y="243417"/>
+            <a:ext cx="1554480" cy="580178"/>
           </a:xfrm>
         </p:spPr>
         <p:txBody>
@@ -1313,18 +1191,13 @@
               <a:rPr lang="en-US"/>
               <a:t>Fifth level</a:t>
             </a:r>
-          </a:p>
-        </p:txBody>
-      </p:sp>
-      <p:sp>
-        <p:nvSpPr>
-          <p:cNvPr id="4" name="Content Placeholder 3">
-            <a:extLst>
-              <a:ext uri="{FF2B5EF4-FFF2-40B4-BE49-F238E27FC236}">
-                <a16:creationId xmlns:a16="http://schemas.microsoft.com/office/drawing/2014/main" id="{3180AFF3-62BE-A6BE-42E8-9C9049117798}"/>
-              </a:ext>
-            </a:extLst>
-          </p:cNvPr>
+            <a:endParaRPr lang="en-US" dirty="0"/>
+          </a:p>
+        </p:txBody>
+      </p:sp>
+      <p:sp>
+        <p:nvSpPr>
+          <p:cNvPr id="4" name="Content Placeholder 3"/>
           <p:cNvSpPr>
             <a:spLocks noGrp="1"/>
           </p:cNvSpPr>
@@ -1334,8 +1207,8 @@
         </p:nvSpPr>
         <p:spPr>
           <a:xfrm>
-            <a:off x="6172200" y="1825625"/>
-            <a:ext cx="5181600" cy="4351338"/>
+            <a:off x="1851660" y="243417"/>
+            <a:ext cx="1554480" cy="580178"/>
           </a:xfrm>
         </p:spPr>
         <p:txBody>
@@ -1375,18 +1248,13 @@
               <a:rPr lang="en-US"/>
               <a:t>Fifth level</a:t>
             </a:r>
-          </a:p>
-        </p:txBody>
-      </p:sp>
-      <p:sp>
-        <p:nvSpPr>
-          <p:cNvPr id="5" name="Date Placeholder 4">
-            <a:extLst>
-              <a:ext uri="{FF2B5EF4-FFF2-40B4-BE49-F238E27FC236}">
-                <a16:creationId xmlns:a16="http://schemas.microsoft.com/office/drawing/2014/main" id="{F2FE7206-DEA4-AEB2-8873-D59A74B65C0A}"/>
-              </a:ext>
-            </a:extLst>
-          </p:cNvPr>
+            <a:endParaRPr lang="en-US" dirty="0"/>
+          </a:p>
+        </p:txBody>
+      </p:sp>
+      <p:sp>
+        <p:nvSpPr>
+          <p:cNvPr id="5" name="Date Placeholder 4"/>
           <p:cNvSpPr>
             <a:spLocks noGrp="1"/>
           </p:cNvSpPr>
@@ -1399,9 +1267,9 @@
           <a:bodyPr/>
           <a:lstStyle/>
           <a:p>
-            <a:fld id="{EB33F8FC-191A-4F13-AE2A-9EAB9B4EF1B5}" type="datetimeFigureOut">
+            <a:fld id="{352BC529-1D76-442C-A947-E37B943CFD8C}" type="datetimeFigureOut">
               <a:rPr lang="en-US" smtClean="0"/>
-              <a:t>9/4/2023</a:t>
+              <a:t>9/5/2023</a:t>
             </a:fld>
             <a:endParaRPr lang="en-US"/>
           </a:p>
@@ -1409,13 +1277,7 @@
       </p:sp>
       <p:sp>
         <p:nvSpPr>
-          <p:cNvPr id="6" name="Footer Placeholder 5">
-            <a:extLst>
-              <a:ext uri="{FF2B5EF4-FFF2-40B4-BE49-F238E27FC236}">
-                <a16:creationId xmlns:a16="http://schemas.microsoft.com/office/drawing/2014/main" id="{DB986303-E86B-9897-FEB5-A11E902B6C69}"/>
-              </a:ext>
-            </a:extLst>
-          </p:cNvPr>
+          <p:cNvPr id="6" name="Footer Placeholder 5"/>
           <p:cNvSpPr>
             <a:spLocks noGrp="1"/>
           </p:cNvSpPr>
@@ -1434,13 +1296,7 @@
       </p:sp>
       <p:sp>
         <p:nvSpPr>
-          <p:cNvPr id="7" name="Slide Number Placeholder 6">
-            <a:extLst>
-              <a:ext uri="{FF2B5EF4-FFF2-40B4-BE49-F238E27FC236}">
-                <a16:creationId xmlns:a16="http://schemas.microsoft.com/office/drawing/2014/main" id="{CB64FE77-D710-22B9-922A-CF751952F35C}"/>
-              </a:ext>
-            </a:extLst>
-          </p:cNvPr>
+          <p:cNvPr id="7" name="Slide Number Placeholder 6"/>
           <p:cNvSpPr>
             <a:spLocks noGrp="1"/>
           </p:cNvSpPr>
@@ -1453,7 +1309,7 @@
           <a:bodyPr/>
           <a:lstStyle/>
           <a:p>
-            <a:fld id="{51EA462D-99AD-4196-8625-083CEB7AB737}" type="slidenum">
+            <a:fld id="{13D0C524-BAC2-4759-BE47-3C641915E86E}" type="slidenum">
               <a:rPr lang="en-US" smtClean="0"/>
               <a:t>‹#›</a:t>
             </a:fld>
@@ -1464,7 +1320,7 @@
     </p:spTree>
     <p:extLst>
       <p:ext uri="{BB962C8B-B14F-4D97-AF65-F5344CB8AC3E}">
-        <p14:creationId xmlns:p14="http://schemas.microsoft.com/office/powerpoint/2010/main" val="4110951102"/>
+        <p14:creationId xmlns:p14="http://schemas.microsoft.com/office/powerpoint/2010/main" val="2499069691"/>
       </p:ext>
     </p:extLst>
   </p:cSld>
@@ -1493,13 +1349,7 @@
       </p:grpSpPr>
       <p:sp>
         <p:nvSpPr>
-          <p:cNvPr id="2" name="Title 1">
-            <a:extLst>
-              <a:ext uri="{FF2B5EF4-FFF2-40B4-BE49-F238E27FC236}">
-                <a16:creationId xmlns:a16="http://schemas.microsoft.com/office/drawing/2014/main" id="{86C15CC4-D27B-A0B0-6B84-8EA8E124EEED}"/>
-              </a:ext>
-            </a:extLst>
-          </p:cNvPr>
+          <p:cNvPr id="2" name="Title 1"/>
           <p:cNvSpPr>
             <a:spLocks noGrp="1"/>
           </p:cNvSpPr>
@@ -1509,8 +1359,8 @@
         </p:nvSpPr>
         <p:spPr>
           <a:xfrm>
-            <a:off x="839788" y="365125"/>
-            <a:ext cx="10515600" cy="1325563"/>
+            <a:off x="251936" y="48683"/>
+            <a:ext cx="3154680" cy="176742"/>
           </a:xfrm>
         </p:spPr>
         <p:txBody>
@@ -1521,18 +1371,13 @@
               <a:rPr lang="en-US"/>
               <a:t>Click to edit Master title style</a:t>
             </a:r>
-          </a:p>
-        </p:txBody>
-      </p:sp>
-      <p:sp>
-        <p:nvSpPr>
-          <p:cNvPr id="3" name="Text Placeholder 2">
-            <a:extLst>
-              <a:ext uri="{FF2B5EF4-FFF2-40B4-BE49-F238E27FC236}">
-                <a16:creationId xmlns:a16="http://schemas.microsoft.com/office/drawing/2014/main" id="{8D53CFFE-4B1D-1804-F37D-F5B589D74A39}"/>
-              </a:ext>
-            </a:extLst>
-          </p:cNvPr>
+            <a:endParaRPr lang="en-US" dirty="0"/>
+          </a:p>
+        </p:txBody>
+      </p:sp>
+      <p:sp>
+        <p:nvSpPr>
+          <p:cNvPr id="3" name="Text Placeholder 2"/>
           <p:cNvSpPr>
             <a:spLocks noGrp="1"/>
           </p:cNvSpPr>
@@ -1542,8 +1387,8 @@
         </p:nvSpPr>
         <p:spPr>
           <a:xfrm>
-            <a:off x="839788" y="1681163"/>
-            <a:ext cx="5157787" cy="823912"/>
+            <a:off x="251937" y="224155"/>
+            <a:ext cx="1547336" cy="109855"/>
           </a:xfrm>
         </p:spPr>
         <p:txBody>
@@ -1551,39 +1396,39 @@
           <a:lstStyle>
             <a:lvl1pPr marL="0" indent="0">
               <a:buNone/>
-              <a:defRPr sz="2400" b="1"/>
+              <a:defRPr sz="320" b="1"/>
             </a:lvl1pPr>
-            <a:lvl2pPr marL="457200" indent="0">
-              <a:buNone/>
-              <a:defRPr sz="2000" b="1"/>
+            <a:lvl2pPr marL="60945" indent="0">
+              <a:buNone/>
+              <a:defRPr sz="267" b="1"/>
             </a:lvl2pPr>
-            <a:lvl3pPr marL="914400" indent="0">
-              <a:buNone/>
-              <a:defRPr sz="1800" b="1"/>
+            <a:lvl3pPr marL="121890" indent="0">
+              <a:buNone/>
+              <a:defRPr sz="240" b="1"/>
             </a:lvl3pPr>
-            <a:lvl4pPr marL="1371600" indent="0">
-              <a:buNone/>
-              <a:defRPr sz="1600" b="1"/>
+            <a:lvl4pPr marL="182834" indent="0">
+              <a:buNone/>
+              <a:defRPr sz="213" b="1"/>
             </a:lvl4pPr>
-            <a:lvl5pPr marL="1828800" indent="0">
-              <a:buNone/>
-              <a:defRPr sz="1600" b="1"/>
+            <a:lvl5pPr marL="243779" indent="0">
+              <a:buNone/>
+              <a:defRPr sz="213" b="1"/>
             </a:lvl5pPr>
-            <a:lvl6pPr marL="2286000" indent="0">
-              <a:buNone/>
-              <a:defRPr sz="1600" b="1"/>
+            <a:lvl6pPr marL="304724" indent="0">
+              <a:buNone/>
+              <a:defRPr sz="213" b="1"/>
             </a:lvl6pPr>
-            <a:lvl7pPr marL="2743200" indent="0">
-              <a:buNone/>
-              <a:defRPr sz="1600" b="1"/>
+            <a:lvl7pPr marL="365669" indent="0">
+              <a:buNone/>
+              <a:defRPr sz="213" b="1"/>
             </a:lvl7pPr>
-            <a:lvl8pPr marL="3200400" indent="0">
-              <a:buNone/>
-              <a:defRPr sz="1600" b="1"/>
+            <a:lvl8pPr marL="426613" indent="0">
+              <a:buNone/>
+              <a:defRPr sz="213" b="1"/>
             </a:lvl8pPr>
-            <a:lvl9pPr marL="3657600" indent="0">
-              <a:buNone/>
-              <a:defRPr sz="1600" b="1"/>
+            <a:lvl9pPr marL="487558" indent="0">
+              <a:buNone/>
+              <a:defRPr sz="213" b="1"/>
             </a:lvl9pPr>
           </a:lstStyle>
           <a:p>
@@ -1597,13 +1442,7 @@
       </p:sp>
       <p:sp>
         <p:nvSpPr>
-          <p:cNvPr id="4" name="Content Placeholder 3">
-            <a:extLst>
-              <a:ext uri="{FF2B5EF4-FFF2-40B4-BE49-F238E27FC236}">
-                <a16:creationId xmlns:a16="http://schemas.microsoft.com/office/drawing/2014/main" id="{97242B50-417E-E823-8FFD-B03C86BECF68}"/>
-              </a:ext>
-            </a:extLst>
-          </p:cNvPr>
+          <p:cNvPr id="4" name="Content Placeholder 3"/>
           <p:cNvSpPr>
             <a:spLocks noGrp="1"/>
           </p:cNvSpPr>
@@ -1613,8 +1452,8 @@
         </p:nvSpPr>
         <p:spPr>
           <a:xfrm>
-            <a:off x="839788" y="2505075"/>
-            <a:ext cx="5157787" cy="3684588"/>
+            <a:off x="251937" y="334010"/>
+            <a:ext cx="1547336" cy="491278"/>
           </a:xfrm>
         </p:spPr>
         <p:txBody>
@@ -1654,18 +1493,13 @@
               <a:rPr lang="en-US"/>
               <a:t>Fifth level</a:t>
             </a:r>
-          </a:p>
-        </p:txBody>
-      </p:sp>
-      <p:sp>
-        <p:nvSpPr>
-          <p:cNvPr id="5" name="Text Placeholder 4">
-            <a:extLst>
-              <a:ext uri="{FF2B5EF4-FFF2-40B4-BE49-F238E27FC236}">
-                <a16:creationId xmlns:a16="http://schemas.microsoft.com/office/drawing/2014/main" id="{C0AD288D-952D-F515-C586-E63C0655940E}"/>
-              </a:ext>
-            </a:extLst>
-          </p:cNvPr>
+            <a:endParaRPr lang="en-US" dirty="0"/>
+          </a:p>
+        </p:txBody>
+      </p:sp>
+      <p:sp>
+        <p:nvSpPr>
+          <p:cNvPr id="5" name="Text Placeholder 4"/>
           <p:cNvSpPr>
             <a:spLocks noGrp="1"/>
           </p:cNvSpPr>
@@ -1675,8 +1509,8 @@
         </p:nvSpPr>
         <p:spPr>
           <a:xfrm>
-            <a:off x="6172200" y="1681163"/>
-            <a:ext cx="5183188" cy="823912"/>
+            <a:off x="1851660" y="224155"/>
+            <a:ext cx="1554956" cy="109855"/>
           </a:xfrm>
         </p:spPr>
         <p:txBody>
@@ -1684,39 +1518,39 @@
           <a:lstStyle>
             <a:lvl1pPr marL="0" indent="0">
               <a:buNone/>
-              <a:defRPr sz="2400" b="1"/>
+              <a:defRPr sz="320" b="1"/>
             </a:lvl1pPr>
-            <a:lvl2pPr marL="457200" indent="0">
-              <a:buNone/>
-              <a:defRPr sz="2000" b="1"/>
+            <a:lvl2pPr marL="60945" indent="0">
+              <a:buNone/>
+              <a:defRPr sz="267" b="1"/>
             </a:lvl2pPr>
-            <a:lvl3pPr marL="914400" indent="0">
-              <a:buNone/>
-              <a:defRPr sz="1800" b="1"/>
+            <a:lvl3pPr marL="121890" indent="0">
+              <a:buNone/>
+              <a:defRPr sz="240" b="1"/>
             </a:lvl3pPr>
-            <a:lvl4pPr marL="1371600" indent="0">
-              <a:buNone/>
-              <a:defRPr sz="1600" b="1"/>
+            <a:lvl4pPr marL="182834" indent="0">
+              <a:buNone/>
+              <a:defRPr sz="213" b="1"/>
             </a:lvl4pPr>
-            <a:lvl5pPr marL="1828800" indent="0">
-              <a:buNone/>
-              <a:defRPr sz="1600" b="1"/>
+            <a:lvl5pPr marL="243779" indent="0">
+              <a:buNone/>
+              <a:defRPr sz="213" b="1"/>
             </a:lvl5pPr>
-            <a:lvl6pPr marL="2286000" indent="0">
-              <a:buNone/>
-              <a:defRPr sz="1600" b="1"/>
+            <a:lvl6pPr marL="304724" indent="0">
+              <a:buNone/>
+              <a:defRPr sz="213" b="1"/>
             </a:lvl6pPr>
-            <a:lvl7pPr marL="2743200" indent="0">
-              <a:buNone/>
-              <a:defRPr sz="1600" b="1"/>
+            <a:lvl7pPr marL="365669" indent="0">
+              <a:buNone/>
+              <a:defRPr sz="213" b="1"/>
             </a:lvl7pPr>
-            <a:lvl8pPr marL="3200400" indent="0">
-              <a:buNone/>
-              <a:defRPr sz="1600" b="1"/>
+            <a:lvl8pPr marL="426613" indent="0">
+              <a:buNone/>
+              <a:defRPr sz="213" b="1"/>
             </a:lvl8pPr>
-            <a:lvl9pPr marL="3657600" indent="0">
-              <a:buNone/>
-              <a:defRPr sz="1600" b="1"/>
+            <a:lvl9pPr marL="487558" indent="0">
+              <a:buNone/>
+              <a:defRPr sz="213" b="1"/>
             </a:lvl9pPr>
           </a:lstStyle>
           <a:p>
@@ -1730,13 +1564,7 @@
       </p:sp>
       <p:sp>
         <p:nvSpPr>
-          <p:cNvPr id="6" name="Content Placeholder 5">
-            <a:extLst>
-              <a:ext uri="{FF2B5EF4-FFF2-40B4-BE49-F238E27FC236}">
-                <a16:creationId xmlns:a16="http://schemas.microsoft.com/office/drawing/2014/main" id="{791EB798-5850-39EE-2ACF-9AF98C656061}"/>
-              </a:ext>
-            </a:extLst>
-          </p:cNvPr>
+          <p:cNvPr id="6" name="Content Placeholder 5"/>
           <p:cNvSpPr>
             <a:spLocks noGrp="1"/>
           </p:cNvSpPr>
@@ -1746,8 +1574,8 @@
         </p:nvSpPr>
         <p:spPr>
           <a:xfrm>
-            <a:off x="6172200" y="2505075"/>
-            <a:ext cx="5183188" cy="3684588"/>
+            <a:off x="1851660" y="334010"/>
+            <a:ext cx="1554956" cy="491278"/>
           </a:xfrm>
         </p:spPr>
         <p:txBody>
@@ -1787,18 +1615,13 @@
               <a:rPr lang="en-US"/>
               <a:t>Fifth level</a:t>
             </a:r>
-          </a:p>
-        </p:txBody>
-      </p:sp>
-      <p:sp>
-        <p:nvSpPr>
-          <p:cNvPr id="7" name="Date Placeholder 6">
-            <a:extLst>
-              <a:ext uri="{FF2B5EF4-FFF2-40B4-BE49-F238E27FC236}">
-                <a16:creationId xmlns:a16="http://schemas.microsoft.com/office/drawing/2014/main" id="{E04EEB6C-B743-C23B-A4E6-EF3772B2E535}"/>
-              </a:ext>
-            </a:extLst>
-          </p:cNvPr>
+            <a:endParaRPr lang="en-US" dirty="0"/>
+          </a:p>
+        </p:txBody>
+      </p:sp>
+      <p:sp>
+        <p:nvSpPr>
+          <p:cNvPr id="7" name="Date Placeholder 6"/>
           <p:cNvSpPr>
             <a:spLocks noGrp="1"/>
           </p:cNvSpPr>
@@ -1811,9 +1634,9 @@
           <a:bodyPr/>
           <a:lstStyle/>
           <a:p>
-            <a:fld id="{EB33F8FC-191A-4F13-AE2A-9EAB9B4EF1B5}" type="datetimeFigureOut">
+            <a:fld id="{352BC529-1D76-442C-A947-E37B943CFD8C}" type="datetimeFigureOut">
               <a:rPr lang="en-US" smtClean="0"/>
-              <a:t>9/4/2023</a:t>
+              <a:t>9/5/2023</a:t>
             </a:fld>
             <a:endParaRPr lang="en-US"/>
           </a:p>
@@ -1821,13 +1644,7 @@
       </p:sp>
       <p:sp>
         <p:nvSpPr>
-          <p:cNvPr id="8" name="Footer Placeholder 7">
-            <a:extLst>
-              <a:ext uri="{FF2B5EF4-FFF2-40B4-BE49-F238E27FC236}">
-                <a16:creationId xmlns:a16="http://schemas.microsoft.com/office/drawing/2014/main" id="{704B6812-DE86-3758-4C35-D80436B57A0A}"/>
-              </a:ext>
-            </a:extLst>
-          </p:cNvPr>
+          <p:cNvPr id="8" name="Footer Placeholder 7"/>
           <p:cNvSpPr>
             <a:spLocks noGrp="1"/>
           </p:cNvSpPr>
@@ -1846,13 +1663,7 @@
       </p:sp>
       <p:sp>
         <p:nvSpPr>
-          <p:cNvPr id="9" name="Slide Number Placeholder 8">
-            <a:extLst>
-              <a:ext uri="{FF2B5EF4-FFF2-40B4-BE49-F238E27FC236}">
-                <a16:creationId xmlns:a16="http://schemas.microsoft.com/office/drawing/2014/main" id="{8F79426A-8623-192B-A345-4D1A321BEC1B}"/>
-              </a:ext>
-            </a:extLst>
-          </p:cNvPr>
+          <p:cNvPr id="9" name="Slide Number Placeholder 8"/>
           <p:cNvSpPr>
             <a:spLocks noGrp="1"/>
           </p:cNvSpPr>
@@ -1865,7 +1676,7 @@
           <a:bodyPr/>
           <a:lstStyle/>
           <a:p>
-            <a:fld id="{51EA462D-99AD-4196-8625-083CEB7AB737}" type="slidenum">
+            <a:fld id="{13D0C524-BAC2-4759-BE47-3C641915E86E}" type="slidenum">
               <a:rPr lang="en-US" smtClean="0"/>
               <a:t>‹#›</a:t>
             </a:fld>
@@ -1876,7 +1687,7 @@
     </p:spTree>
     <p:extLst>
       <p:ext uri="{BB962C8B-B14F-4D97-AF65-F5344CB8AC3E}">
-        <p14:creationId xmlns:p14="http://schemas.microsoft.com/office/powerpoint/2010/main" val="2810569608"/>
+        <p14:creationId xmlns:p14="http://schemas.microsoft.com/office/powerpoint/2010/main" val="299397630"/>
       </p:ext>
     </p:extLst>
   </p:cSld>
@@ -1905,13 +1716,7 @@
       </p:grpSpPr>
       <p:sp>
         <p:nvSpPr>
-          <p:cNvPr id="2" name="Title 1">
-            <a:extLst>
-              <a:ext uri="{FF2B5EF4-FFF2-40B4-BE49-F238E27FC236}">
-                <a16:creationId xmlns:a16="http://schemas.microsoft.com/office/drawing/2014/main" id="{4AF32E38-8091-3D78-D608-6AD056851D9B}"/>
-              </a:ext>
-            </a:extLst>
-          </p:cNvPr>
+          <p:cNvPr id="2" name="Title 1"/>
           <p:cNvSpPr>
             <a:spLocks noGrp="1"/>
           </p:cNvSpPr>
@@ -1928,18 +1733,13 @@
               <a:rPr lang="en-US"/>
               <a:t>Click to edit Master title style</a:t>
             </a:r>
-          </a:p>
-        </p:txBody>
-      </p:sp>
-      <p:sp>
-        <p:nvSpPr>
-          <p:cNvPr id="3" name="Date Placeholder 2">
-            <a:extLst>
-              <a:ext uri="{FF2B5EF4-FFF2-40B4-BE49-F238E27FC236}">
-                <a16:creationId xmlns:a16="http://schemas.microsoft.com/office/drawing/2014/main" id="{D5835D86-9A34-6FE0-B381-99E9766A00B1}"/>
-              </a:ext>
-            </a:extLst>
-          </p:cNvPr>
+            <a:endParaRPr lang="en-US" dirty="0"/>
+          </a:p>
+        </p:txBody>
+      </p:sp>
+      <p:sp>
+        <p:nvSpPr>
+          <p:cNvPr id="3" name="Date Placeholder 2"/>
           <p:cNvSpPr>
             <a:spLocks noGrp="1"/>
           </p:cNvSpPr>
@@ -1952,9 +1752,9 @@
           <a:bodyPr/>
           <a:lstStyle/>
           <a:p>
-            <a:fld id="{EB33F8FC-191A-4F13-AE2A-9EAB9B4EF1B5}" type="datetimeFigureOut">
+            <a:fld id="{352BC529-1D76-442C-A947-E37B943CFD8C}" type="datetimeFigureOut">
               <a:rPr lang="en-US" smtClean="0"/>
-              <a:t>9/4/2023</a:t>
+              <a:t>9/5/2023</a:t>
             </a:fld>
             <a:endParaRPr lang="en-US"/>
           </a:p>
@@ -1962,13 +1762,7 @@
       </p:sp>
       <p:sp>
         <p:nvSpPr>
-          <p:cNvPr id="4" name="Footer Placeholder 3">
-            <a:extLst>
-              <a:ext uri="{FF2B5EF4-FFF2-40B4-BE49-F238E27FC236}">
-                <a16:creationId xmlns:a16="http://schemas.microsoft.com/office/drawing/2014/main" id="{FF1989DD-EB9B-F8A9-2D68-5008E0AE7B97}"/>
-              </a:ext>
-            </a:extLst>
-          </p:cNvPr>
+          <p:cNvPr id="4" name="Footer Placeholder 3"/>
           <p:cNvSpPr>
             <a:spLocks noGrp="1"/>
           </p:cNvSpPr>
@@ -1987,13 +1781,7 @@
       </p:sp>
       <p:sp>
         <p:nvSpPr>
-          <p:cNvPr id="5" name="Slide Number Placeholder 4">
-            <a:extLst>
-              <a:ext uri="{FF2B5EF4-FFF2-40B4-BE49-F238E27FC236}">
-                <a16:creationId xmlns:a16="http://schemas.microsoft.com/office/drawing/2014/main" id="{C2B14C1A-60F8-1A1A-2510-ADBAC46814D2}"/>
-              </a:ext>
-            </a:extLst>
-          </p:cNvPr>
+          <p:cNvPr id="5" name="Slide Number Placeholder 4"/>
           <p:cNvSpPr>
             <a:spLocks noGrp="1"/>
           </p:cNvSpPr>
@@ -2006,7 +1794,7 @@
           <a:bodyPr/>
           <a:lstStyle/>
           <a:p>
-            <a:fld id="{51EA462D-99AD-4196-8625-083CEB7AB737}" type="slidenum">
+            <a:fld id="{13D0C524-BAC2-4759-BE47-3C641915E86E}" type="slidenum">
               <a:rPr lang="en-US" smtClean="0"/>
               <a:t>‹#›</a:t>
             </a:fld>
@@ -2017,7 +1805,7 @@
     </p:spTree>
     <p:extLst>
       <p:ext uri="{BB962C8B-B14F-4D97-AF65-F5344CB8AC3E}">
-        <p14:creationId xmlns:p14="http://schemas.microsoft.com/office/powerpoint/2010/main" val="361413148"/>
+        <p14:creationId xmlns:p14="http://schemas.microsoft.com/office/powerpoint/2010/main" val="3509904961"/>
       </p:ext>
     </p:extLst>
   </p:cSld>
@@ -2046,13 +1834,7 @@
       </p:grpSpPr>
       <p:sp>
         <p:nvSpPr>
-          <p:cNvPr id="2" name="Date Placeholder 1">
-            <a:extLst>
-              <a:ext uri="{FF2B5EF4-FFF2-40B4-BE49-F238E27FC236}">
-                <a16:creationId xmlns:a16="http://schemas.microsoft.com/office/drawing/2014/main" id="{9655225B-AF49-FE58-4ACE-B5CE20E3432F}"/>
-              </a:ext>
-            </a:extLst>
-          </p:cNvPr>
+          <p:cNvPr id="2" name="Date Placeholder 1"/>
           <p:cNvSpPr>
             <a:spLocks noGrp="1"/>
           </p:cNvSpPr>
@@ -2065,9 +1847,9 @@
           <a:bodyPr/>
           <a:lstStyle/>
           <a:p>
-            <a:fld id="{EB33F8FC-191A-4F13-AE2A-9EAB9B4EF1B5}" type="datetimeFigureOut">
+            <a:fld id="{352BC529-1D76-442C-A947-E37B943CFD8C}" type="datetimeFigureOut">
               <a:rPr lang="en-US" smtClean="0"/>
-              <a:t>9/4/2023</a:t>
+              <a:t>9/5/2023</a:t>
             </a:fld>
             <a:endParaRPr lang="en-US"/>
           </a:p>
@@ -2075,13 +1857,7 @@
       </p:sp>
       <p:sp>
         <p:nvSpPr>
-          <p:cNvPr id="3" name="Footer Placeholder 2">
-            <a:extLst>
-              <a:ext uri="{FF2B5EF4-FFF2-40B4-BE49-F238E27FC236}">
-                <a16:creationId xmlns:a16="http://schemas.microsoft.com/office/drawing/2014/main" id="{AC95D346-5D1C-C56E-88E5-E08B341EB774}"/>
-              </a:ext>
-            </a:extLst>
-          </p:cNvPr>
+          <p:cNvPr id="3" name="Footer Placeholder 2"/>
           <p:cNvSpPr>
             <a:spLocks noGrp="1"/>
           </p:cNvSpPr>
@@ -2100,13 +1876,7 @@
       </p:sp>
       <p:sp>
         <p:nvSpPr>
-          <p:cNvPr id="4" name="Slide Number Placeholder 3">
-            <a:extLst>
-              <a:ext uri="{FF2B5EF4-FFF2-40B4-BE49-F238E27FC236}">
-                <a16:creationId xmlns:a16="http://schemas.microsoft.com/office/drawing/2014/main" id="{A73077C6-819C-16C0-8D2A-E9894C7F9FA2}"/>
-              </a:ext>
-            </a:extLst>
-          </p:cNvPr>
+          <p:cNvPr id="4" name="Slide Number Placeholder 3"/>
           <p:cNvSpPr>
             <a:spLocks noGrp="1"/>
           </p:cNvSpPr>
@@ -2119,7 +1889,7 @@
           <a:bodyPr/>
           <a:lstStyle/>
           <a:p>
-            <a:fld id="{51EA462D-99AD-4196-8625-083CEB7AB737}" type="slidenum">
+            <a:fld id="{13D0C524-BAC2-4759-BE47-3C641915E86E}" type="slidenum">
               <a:rPr lang="en-US" smtClean="0"/>
               <a:t>‹#›</a:t>
             </a:fld>
@@ -2130,7 +1900,7 @@
     </p:spTree>
     <p:extLst>
       <p:ext uri="{BB962C8B-B14F-4D97-AF65-F5344CB8AC3E}">
-        <p14:creationId xmlns:p14="http://schemas.microsoft.com/office/powerpoint/2010/main" val="3004101662"/>
+        <p14:creationId xmlns:p14="http://schemas.microsoft.com/office/powerpoint/2010/main" val="3999011312"/>
       </p:ext>
     </p:extLst>
   </p:cSld>
@@ -2159,13 +1929,7 @@
       </p:grpSpPr>
       <p:sp>
         <p:nvSpPr>
-          <p:cNvPr id="2" name="Title 1">
-            <a:extLst>
-              <a:ext uri="{FF2B5EF4-FFF2-40B4-BE49-F238E27FC236}">
-                <a16:creationId xmlns:a16="http://schemas.microsoft.com/office/drawing/2014/main" id="{0BC39341-E7F5-8F6B-BE96-34E9323AA03F}"/>
-              </a:ext>
-            </a:extLst>
-          </p:cNvPr>
+          <p:cNvPr id="2" name="Title 1"/>
           <p:cNvSpPr>
             <a:spLocks noGrp="1"/>
           </p:cNvSpPr>
@@ -2175,15 +1939,15 @@
         </p:nvSpPr>
         <p:spPr>
           <a:xfrm>
-            <a:off x="839788" y="457200"/>
-            <a:ext cx="3932237" cy="1600200"/>
+            <a:off x="251937" y="60960"/>
+            <a:ext cx="1179671" cy="213360"/>
           </a:xfrm>
         </p:spPr>
         <p:txBody>
           <a:bodyPr anchor="b"/>
           <a:lstStyle>
             <a:lvl1pPr>
-              <a:defRPr sz="3200"/>
+              <a:defRPr sz="427"/>
             </a:lvl1pPr>
           </a:lstStyle>
           <a:p>
@@ -2191,18 +1955,13 @@
               <a:rPr lang="en-US"/>
               <a:t>Click to edit Master title style</a:t>
             </a:r>
-          </a:p>
-        </p:txBody>
-      </p:sp>
-      <p:sp>
-        <p:nvSpPr>
-          <p:cNvPr id="3" name="Content Placeholder 2">
-            <a:extLst>
-              <a:ext uri="{FF2B5EF4-FFF2-40B4-BE49-F238E27FC236}">
-                <a16:creationId xmlns:a16="http://schemas.microsoft.com/office/drawing/2014/main" id="{BF41AB71-9D1C-AB54-78DD-2C898F137137}"/>
-              </a:ext>
-            </a:extLst>
-          </p:cNvPr>
+            <a:endParaRPr lang="en-US" dirty="0"/>
+          </a:p>
+        </p:txBody>
+      </p:sp>
+      <p:sp>
+        <p:nvSpPr>
+          <p:cNvPr id="3" name="Content Placeholder 2"/>
           <p:cNvSpPr>
             <a:spLocks noGrp="1"/>
           </p:cNvSpPr>
@@ -2212,39 +1971,39 @@
         </p:nvSpPr>
         <p:spPr>
           <a:xfrm>
-            <a:off x="5183188" y="987425"/>
-            <a:ext cx="6172200" cy="4873625"/>
+            <a:off x="1554956" y="131657"/>
+            <a:ext cx="1851660" cy="649817"/>
           </a:xfrm>
         </p:spPr>
         <p:txBody>
           <a:bodyPr/>
           <a:lstStyle>
             <a:lvl1pPr>
-              <a:defRPr sz="3200"/>
+              <a:defRPr sz="427"/>
             </a:lvl1pPr>
             <a:lvl2pPr>
-              <a:defRPr sz="2800"/>
+              <a:defRPr sz="373"/>
             </a:lvl2pPr>
             <a:lvl3pPr>
-              <a:defRPr sz="2400"/>
+              <a:defRPr sz="320"/>
             </a:lvl3pPr>
             <a:lvl4pPr>
-              <a:defRPr sz="2000"/>
+              <a:defRPr sz="267"/>
             </a:lvl4pPr>
             <a:lvl5pPr>
-              <a:defRPr sz="2000"/>
+              <a:defRPr sz="267"/>
             </a:lvl5pPr>
             <a:lvl6pPr>
-              <a:defRPr sz="2000"/>
+              <a:defRPr sz="267"/>
             </a:lvl6pPr>
             <a:lvl7pPr>
-              <a:defRPr sz="2000"/>
+              <a:defRPr sz="267"/>
             </a:lvl7pPr>
             <a:lvl8pPr>
-              <a:defRPr sz="2000"/>
+              <a:defRPr sz="267"/>
             </a:lvl8pPr>
             <a:lvl9pPr>
-              <a:defRPr sz="2000"/>
+              <a:defRPr sz="267"/>
             </a:lvl9pPr>
           </a:lstStyle>
           <a:p>
@@ -2281,18 +2040,13 @@
               <a:rPr lang="en-US"/>
               <a:t>Fifth level</a:t>
             </a:r>
-          </a:p>
-        </p:txBody>
-      </p:sp>
-      <p:sp>
-        <p:nvSpPr>
-          <p:cNvPr id="4" name="Text Placeholder 3">
-            <a:extLst>
-              <a:ext uri="{FF2B5EF4-FFF2-40B4-BE49-F238E27FC236}">
-                <a16:creationId xmlns:a16="http://schemas.microsoft.com/office/drawing/2014/main" id="{01B440AC-FE2B-82AD-5009-EC772AC796A8}"/>
-              </a:ext>
-            </a:extLst>
-          </p:cNvPr>
+            <a:endParaRPr lang="en-US" dirty="0"/>
+          </a:p>
+        </p:txBody>
+      </p:sp>
+      <p:sp>
+        <p:nvSpPr>
+          <p:cNvPr id="4" name="Text Placeholder 3"/>
           <p:cNvSpPr>
             <a:spLocks noGrp="1"/>
           </p:cNvSpPr>
@@ -2302,8 +2056,8 @@
         </p:nvSpPr>
         <p:spPr>
           <a:xfrm>
-            <a:off x="839788" y="2057400"/>
-            <a:ext cx="3932237" cy="3811588"/>
+            <a:off x="251937" y="274320"/>
+            <a:ext cx="1179671" cy="508212"/>
           </a:xfrm>
         </p:spPr>
         <p:txBody>
@@ -2311,39 +2065,39 @@
           <a:lstStyle>
             <a:lvl1pPr marL="0" indent="0">
               <a:buNone/>
-              <a:defRPr sz="1600"/>
+              <a:defRPr sz="213"/>
             </a:lvl1pPr>
-            <a:lvl2pPr marL="457200" indent="0">
-              <a:buNone/>
-              <a:defRPr sz="1400"/>
+            <a:lvl2pPr marL="60945" indent="0">
+              <a:buNone/>
+              <a:defRPr sz="187"/>
             </a:lvl2pPr>
-            <a:lvl3pPr marL="914400" indent="0">
-              <a:buNone/>
-              <a:defRPr sz="1200"/>
+            <a:lvl3pPr marL="121890" indent="0">
+              <a:buNone/>
+              <a:defRPr sz="160"/>
             </a:lvl3pPr>
-            <a:lvl4pPr marL="1371600" indent="0">
-              <a:buNone/>
-              <a:defRPr sz="1000"/>
+            <a:lvl4pPr marL="182834" indent="0">
+              <a:buNone/>
+              <a:defRPr sz="133"/>
             </a:lvl4pPr>
-            <a:lvl5pPr marL="1828800" indent="0">
-              <a:buNone/>
-              <a:defRPr sz="1000"/>
+            <a:lvl5pPr marL="243779" indent="0">
+              <a:buNone/>
+              <a:defRPr sz="133"/>
             </a:lvl5pPr>
-            <a:lvl6pPr marL="2286000" indent="0">
-              <a:buNone/>
-              <a:defRPr sz="1000"/>
+            <a:lvl6pPr marL="304724" indent="0">
+              <a:buNone/>
+              <a:defRPr sz="133"/>
             </a:lvl6pPr>
-            <a:lvl7pPr marL="2743200" indent="0">
-              <a:buNone/>
-              <a:defRPr sz="1000"/>
+            <a:lvl7pPr marL="365669" indent="0">
+              <a:buNone/>
+              <a:defRPr sz="133"/>
             </a:lvl7pPr>
-            <a:lvl8pPr marL="3200400" indent="0">
-              <a:buNone/>
-              <a:defRPr sz="1000"/>
+            <a:lvl8pPr marL="426613" indent="0">
+              <a:buNone/>
+              <a:defRPr sz="133"/>
             </a:lvl8pPr>
-            <a:lvl9pPr marL="3657600" indent="0">
-              <a:buNone/>
-              <a:defRPr sz="1000"/>
+            <a:lvl9pPr marL="487558" indent="0">
+              <a:buNone/>
+              <a:defRPr sz="133"/>
             </a:lvl9pPr>
           </a:lstStyle>
           <a:p>
@@ -2357,13 +2111,7 @@
       </p:sp>
       <p:sp>
         <p:nvSpPr>
-          <p:cNvPr id="5" name="Date Placeholder 4">
-            <a:extLst>
-              <a:ext uri="{FF2B5EF4-FFF2-40B4-BE49-F238E27FC236}">
-                <a16:creationId xmlns:a16="http://schemas.microsoft.com/office/drawing/2014/main" id="{25D123C0-B98F-5EBD-82B6-12998C12F36A}"/>
-              </a:ext>
-            </a:extLst>
-          </p:cNvPr>
+          <p:cNvPr id="5" name="Date Placeholder 4"/>
           <p:cNvSpPr>
             <a:spLocks noGrp="1"/>
           </p:cNvSpPr>
@@ -2376,9 +2124,9 @@
           <a:bodyPr/>
           <a:lstStyle/>
           <a:p>
-            <a:fld id="{EB33F8FC-191A-4F13-AE2A-9EAB9B4EF1B5}" type="datetimeFigureOut">
+            <a:fld id="{352BC529-1D76-442C-A947-E37B943CFD8C}" type="datetimeFigureOut">
               <a:rPr lang="en-US" smtClean="0"/>
-              <a:t>9/4/2023</a:t>
+              <a:t>9/5/2023</a:t>
             </a:fld>
             <a:endParaRPr lang="en-US"/>
           </a:p>
@@ -2386,13 +2134,7 @@
       </p:sp>
       <p:sp>
         <p:nvSpPr>
-          <p:cNvPr id="6" name="Footer Placeholder 5">
-            <a:extLst>
-              <a:ext uri="{FF2B5EF4-FFF2-40B4-BE49-F238E27FC236}">
-                <a16:creationId xmlns:a16="http://schemas.microsoft.com/office/drawing/2014/main" id="{4511457A-DEB1-4BEC-8A42-E2F5E082210C}"/>
-              </a:ext>
-            </a:extLst>
-          </p:cNvPr>
+          <p:cNvPr id="6" name="Footer Placeholder 5"/>
           <p:cNvSpPr>
             <a:spLocks noGrp="1"/>
           </p:cNvSpPr>
@@ -2411,13 +2153,7 @@
       </p:sp>
       <p:sp>
         <p:nvSpPr>
-          <p:cNvPr id="7" name="Slide Number Placeholder 6">
-            <a:extLst>
-              <a:ext uri="{FF2B5EF4-FFF2-40B4-BE49-F238E27FC236}">
-                <a16:creationId xmlns:a16="http://schemas.microsoft.com/office/drawing/2014/main" id="{0EFBF3E0-A3F9-56C9-9DA1-22FCF1C97110}"/>
-              </a:ext>
-            </a:extLst>
-          </p:cNvPr>
+          <p:cNvPr id="7" name="Slide Number Placeholder 6"/>
           <p:cNvSpPr>
             <a:spLocks noGrp="1"/>
           </p:cNvSpPr>
@@ -2430,7 +2166,7 @@
           <a:bodyPr/>
           <a:lstStyle/>
           <a:p>
-            <a:fld id="{51EA462D-99AD-4196-8625-083CEB7AB737}" type="slidenum">
+            <a:fld id="{13D0C524-BAC2-4759-BE47-3C641915E86E}" type="slidenum">
               <a:rPr lang="en-US" smtClean="0"/>
               <a:t>‹#›</a:t>
             </a:fld>
@@ -2441,7 +2177,7 @@
     </p:spTree>
     <p:extLst>
       <p:ext uri="{BB962C8B-B14F-4D97-AF65-F5344CB8AC3E}">
-        <p14:creationId xmlns:p14="http://schemas.microsoft.com/office/powerpoint/2010/main" val="2277089208"/>
+        <p14:creationId xmlns:p14="http://schemas.microsoft.com/office/powerpoint/2010/main" val="3611420636"/>
       </p:ext>
     </p:extLst>
   </p:cSld>
@@ -2470,13 +2206,7 @@
       </p:grpSpPr>
       <p:sp>
         <p:nvSpPr>
-          <p:cNvPr id="2" name="Title 1">
-            <a:extLst>
-              <a:ext uri="{FF2B5EF4-FFF2-40B4-BE49-F238E27FC236}">
-                <a16:creationId xmlns:a16="http://schemas.microsoft.com/office/drawing/2014/main" id="{1EED0241-FCB7-E428-A06F-658D5128FCC7}"/>
-              </a:ext>
-            </a:extLst>
-          </p:cNvPr>
+          <p:cNvPr id="2" name="Title 1"/>
           <p:cNvSpPr>
             <a:spLocks noGrp="1"/>
           </p:cNvSpPr>
@@ -2486,15 +2216,15 @@
         </p:nvSpPr>
         <p:spPr>
           <a:xfrm>
-            <a:off x="839788" y="457200"/>
-            <a:ext cx="3932237" cy="1600200"/>
+            <a:off x="251937" y="60960"/>
+            <a:ext cx="1179671" cy="213360"/>
           </a:xfrm>
         </p:spPr>
         <p:txBody>
           <a:bodyPr anchor="b"/>
           <a:lstStyle>
             <a:lvl1pPr>
-              <a:defRPr sz="3200"/>
+              <a:defRPr sz="427"/>
             </a:lvl1pPr>
           </a:lstStyle>
           <a:p>
@@ -2502,20 +2232,15 @@
               <a:rPr lang="en-US"/>
               <a:t>Click to edit Master title style</a:t>
             </a:r>
-          </a:p>
-        </p:txBody>
-      </p:sp>
-      <p:sp>
-        <p:nvSpPr>
-          <p:cNvPr id="3" name="Picture Placeholder 2">
-            <a:extLst>
-              <a:ext uri="{FF2B5EF4-FFF2-40B4-BE49-F238E27FC236}">
-                <a16:creationId xmlns:a16="http://schemas.microsoft.com/office/drawing/2014/main" id="{2D221241-76F6-12BC-E808-7DF6F3AFE1EB}"/>
-              </a:ext>
-            </a:extLst>
-          </p:cNvPr>
-          <p:cNvSpPr>
-            <a:spLocks noGrp="1"/>
+            <a:endParaRPr lang="en-US" dirty="0"/>
+          </a:p>
+        </p:txBody>
+      </p:sp>
+      <p:sp>
+        <p:nvSpPr>
+          <p:cNvPr id="3" name="Picture Placeholder 2"/>
+          <p:cNvSpPr>
+            <a:spLocks noGrp="1" noChangeAspect="1"/>
           </p:cNvSpPr>
           <p:nvPr>
             <p:ph type="pic" idx="1"/>
@@ -2523,64 +2248,62 @@
         </p:nvSpPr>
         <p:spPr>
           <a:xfrm>
-            <a:off x="5183188" y="987425"/>
-            <a:ext cx="6172200" cy="4873625"/>
+            <a:off x="1554956" y="131657"/>
+            <a:ext cx="1851660" cy="649817"/>
           </a:xfrm>
         </p:spPr>
         <p:txBody>
-          <a:bodyPr/>
+          <a:bodyPr anchor="t"/>
           <a:lstStyle>
             <a:lvl1pPr marL="0" indent="0">
               <a:buNone/>
-              <a:defRPr sz="3200"/>
+              <a:defRPr sz="427"/>
             </a:lvl1pPr>
-            <a:lvl2pPr marL="457200" indent="0">
-              <a:buNone/>
-              <a:defRPr sz="2800"/>
+            <a:lvl2pPr marL="60945" indent="0">
+              <a:buNone/>
+              <a:defRPr sz="373"/>
             </a:lvl2pPr>
-            <a:lvl3pPr marL="914400" indent="0">
-              <a:buNone/>
-              <a:defRPr sz="2400"/>
+            <a:lvl3pPr marL="121890" indent="0">
+              <a:buNone/>
+              <a:defRPr sz="320"/>
             </a:lvl3pPr>
-            <a:lvl4pPr marL="1371600" indent="0">
-              <a:buNone/>
-              <a:defRPr sz="2000"/>
+            <a:lvl4pPr marL="182834" indent="0">
+              <a:buNone/>
+              <a:defRPr sz="267"/>
             </a:lvl4pPr>
-            <a:lvl5pPr marL="1828800" indent="0">
-              <a:buNone/>
-              <a:defRPr sz="2000"/>
+            <a:lvl5pPr marL="243779" indent="0">
+              <a:buNone/>
+              <a:defRPr sz="267"/>
             </a:lvl5pPr>
-            <a:lvl6pPr marL="2286000" indent="0">
-              <a:buNone/>
-              <a:defRPr sz="2000"/>
+            <a:lvl6pPr marL="304724" indent="0">
+              <a:buNone/>
+              <a:defRPr sz="267"/>
             </a:lvl6pPr>
-            <a:lvl7pPr marL="2743200" indent="0">
-              <a:buNone/>
-              <a:defRPr sz="2000"/>
+            <a:lvl7pPr marL="365669" indent="0">
+              <a:buNone/>
+              <a:defRPr sz="267"/>
             </a:lvl7pPr>
-            <a:lvl8pPr marL="3200400" indent="0">
-              <a:buNone/>
-              <a:defRPr sz="2000"/>
+            <a:lvl8pPr marL="426613" indent="0">
+              <a:buNone/>
+              <a:defRPr sz="267"/>
             </a:lvl8pPr>
-            <a:lvl9pPr marL="3657600" indent="0">
-              <a:buNone/>
-              <a:defRPr sz="2000"/>
+            <a:lvl9pPr marL="487558" indent="0">
+              <a:buNone/>
+              <a:defRPr sz="267"/>
             </a:lvl9pPr>
           </a:lstStyle>
           <a:p>
-            <a:endParaRPr lang="en-US"/>
-          </a:p>
-        </p:txBody>
-      </p:sp>
-      <p:sp>
-        <p:nvSpPr>
-          <p:cNvPr id="4" name="Text Placeholder 3">
-            <a:extLst>
-              <a:ext uri="{FF2B5EF4-FFF2-40B4-BE49-F238E27FC236}">
-                <a16:creationId xmlns:a16="http://schemas.microsoft.com/office/drawing/2014/main" id="{3CAE43F6-5DED-44B4-43BD-D7D7A77BCEE7}"/>
-              </a:ext>
-            </a:extLst>
-          </p:cNvPr>
+            <a:r>
+              <a:rPr lang="en-US"/>
+              <a:t>Click icon to add picture</a:t>
+            </a:r>
+            <a:endParaRPr lang="en-US" dirty="0"/>
+          </a:p>
+        </p:txBody>
+      </p:sp>
+      <p:sp>
+        <p:nvSpPr>
+          <p:cNvPr id="4" name="Text Placeholder 3"/>
           <p:cNvSpPr>
             <a:spLocks noGrp="1"/>
           </p:cNvSpPr>
@@ -2590,8 +2313,8 @@
         </p:nvSpPr>
         <p:spPr>
           <a:xfrm>
-            <a:off x="839788" y="2057400"/>
-            <a:ext cx="3932237" cy="3811588"/>
+            <a:off x="251937" y="274320"/>
+            <a:ext cx="1179671" cy="508212"/>
           </a:xfrm>
         </p:spPr>
         <p:txBody>
@@ -2599,39 +2322,39 @@
           <a:lstStyle>
             <a:lvl1pPr marL="0" indent="0">
               <a:buNone/>
-              <a:defRPr sz="1600"/>
+              <a:defRPr sz="213"/>
             </a:lvl1pPr>
-            <a:lvl2pPr marL="457200" indent="0">
-              <a:buNone/>
-              <a:defRPr sz="1400"/>
+            <a:lvl2pPr marL="60945" indent="0">
+              <a:buNone/>
+              <a:defRPr sz="187"/>
             </a:lvl2pPr>
-            <a:lvl3pPr marL="914400" indent="0">
-              <a:buNone/>
-              <a:defRPr sz="1200"/>
+            <a:lvl3pPr marL="121890" indent="0">
+              <a:buNone/>
+              <a:defRPr sz="160"/>
             </a:lvl3pPr>
-            <a:lvl4pPr marL="1371600" indent="0">
-              <a:buNone/>
-              <a:defRPr sz="1000"/>
+            <a:lvl4pPr marL="182834" indent="0">
+              <a:buNone/>
+              <a:defRPr sz="133"/>
             </a:lvl4pPr>
-            <a:lvl5pPr marL="1828800" indent="0">
-              <a:buNone/>
-              <a:defRPr sz="1000"/>
+            <a:lvl5pPr marL="243779" indent="0">
+              <a:buNone/>
+              <a:defRPr sz="133"/>
             </a:lvl5pPr>
-            <a:lvl6pPr marL="2286000" indent="0">
-              <a:buNone/>
-              <a:defRPr sz="1000"/>
+            <a:lvl6pPr marL="304724" indent="0">
+              <a:buNone/>
+              <a:defRPr sz="133"/>
             </a:lvl6pPr>
-            <a:lvl7pPr marL="2743200" indent="0">
-              <a:buNone/>
-              <a:defRPr sz="1000"/>
+            <a:lvl7pPr marL="365669" indent="0">
+              <a:buNone/>
+              <a:defRPr sz="133"/>
             </a:lvl7pPr>
-            <a:lvl8pPr marL="3200400" indent="0">
-              <a:buNone/>
-              <a:defRPr sz="1000"/>
+            <a:lvl8pPr marL="426613" indent="0">
+              <a:buNone/>
+              <a:defRPr sz="133"/>
             </a:lvl8pPr>
-            <a:lvl9pPr marL="3657600" indent="0">
-              <a:buNone/>
-              <a:defRPr sz="1000"/>
+            <a:lvl9pPr marL="487558" indent="0">
+              <a:buNone/>
+              <a:defRPr sz="133"/>
             </a:lvl9pPr>
           </a:lstStyle>
           <a:p>
@@ -2645,13 +2368,7 @@
       </p:sp>
       <p:sp>
         <p:nvSpPr>
-          <p:cNvPr id="5" name="Date Placeholder 4">
-            <a:extLst>
-              <a:ext uri="{FF2B5EF4-FFF2-40B4-BE49-F238E27FC236}">
-                <a16:creationId xmlns:a16="http://schemas.microsoft.com/office/drawing/2014/main" id="{31324CBF-4CF4-B75A-4A33-EB6600716263}"/>
-              </a:ext>
-            </a:extLst>
-          </p:cNvPr>
+          <p:cNvPr id="5" name="Date Placeholder 4"/>
           <p:cNvSpPr>
             <a:spLocks noGrp="1"/>
           </p:cNvSpPr>
@@ -2664,9 +2381,9 @@
           <a:bodyPr/>
           <a:lstStyle/>
           <a:p>
-            <a:fld id="{EB33F8FC-191A-4F13-AE2A-9EAB9B4EF1B5}" type="datetimeFigureOut">
+            <a:fld id="{352BC529-1D76-442C-A947-E37B943CFD8C}" type="datetimeFigureOut">
               <a:rPr lang="en-US" smtClean="0"/>
-              <a:t>9/4/2023</a:t>
+              <a:t>9/5/2023</a:t>
             </a:fld>
             <a:endParaRPr lang="en-US"/>
           </a:p>
@@ -2674,13 +2391,7 @@
       </p:sp>
       <p:sp>
         <p:nvSpPr>
-          <p:cNvPr id="6" name="Footer Placeholder 5">
-            <a:extLst>
-              <a:ext uri="{FF2B5EF4-FFF2-40B4-BE49-F238E27FC236}">
-                <a16:creationId xmlns:a16="http://schemas.microsoft.com/office/drawing/2014/main" id="{7BE5BA27-6E66-BF39-0D0E-C9CEAD4950C1}"/>
-              </a:ext>
-            </a:extLst>
-          </p:cNvPr>
+          <p:cNvPr id="6" name="Footer Placeholder 5"/>
           <p:cNvSpPr>
             <a:spLocks noGrp="1"/>
           </p:cNvSpPr>
@@ -2699,13 +2410,7 @@
       </p:sp>
       <p:sp>
         <p:nvSpPr>
-          <p:cNvPr id="7" name="Slide Number Placeholder 6">
-            <a:extLst>
-              <a:ext uri="{FF2B5EF4-FFF2-40B4-BE49-F238E27FC236}">
-                <a16:creationId xmlns:a16="http://schemas.microsoft.com/office/drawing/2014/main" id="{A42568E1-F820-2E7F-CCE5-4396E06BE197}"/>
-              </a:ext>
-            </a:extLst>
-          </p:cNvPr>
+          <p:cNvPr id="7" name="Slide Number Placeholder 6"/>
           <p:cNvSpPr>
             <a:spLocks noGrp="1"/>
           </p:cNvSpPr>
@@ -2718,7 +2423,7 @@
           <a:bodyPr/>
           <a:lstStyle/>
           <a:p>
-            <a:fld id="{51EA462D-99AD-4196-8625-083CEB7AB737}" type="slidenum">
+            <a:fld id="{13D0C524-BAC2-4759-BE47-3C641915E86E}" type="slidenum">
               <a:rPr lang="en-US" smtClean="0"/>
               <a:t>‹#›</a:t>
             </a:fld>
@@ -2729,7 +2434,7 @@
     </p:spTree>
     <p:extLst>
       <p:ext uri="{BB962C8B-B14F-4D97-AF65-F5344CB8AC3E}">
-        <p14:creationId xmlns:p14="http://schemas.microsoft.com/office/powerpoint/2010/main" val="2911623578"/>
+        <p14:creationId xmlns:p14="http://schemas.microsoft.com/office/powerpoint/2010/main" val="891254664"/>
       </p:ext>
     </p:extLst>
   </p:cSld>
@@ -2763,13 +2468,7 @@
       </p:grpSpPr>
       <p:sp>
         <p:nvSpPr>
-          <p:cNvPr id="2" name="Title Placeholder 1">
-            <a:extLst>
-              <a:ext uri="{FF2B5EF4-FFF2-40B4-BE49-F238E27FC236}">
-                <a16:creationId xmlns:a16="http://schemas.microsoft.com/office/drawing/2014/main" id="{A88EB07E-1F6E-2680-4095-A074D3F752BA}"/>
-              </a:ext>
-            </a:extLst>
-          </p:cNvPr>
+          <p:cNvPr id="2" name="Title Placeholder 1"/>
           <p:cNvSpPr>
             <a:spLocks noGrp="1"/>
           </p:cNvSpPr>
@@ -2779,8 +2478,8 @@
         </p:nvSpPr>
         <p:spPr>
           <a:xfrm>
-            <a:off x="838200" y="365125"/>
-            <a:ext cx="10515600" cy="1325563"/>
+            <a:off x="251460" y="48683"/>
+            <a:ext cx="3154680" cy="176742"/>
           </a:xfrm>
           <a:prstGeom prst="rect">
             <a:avLst/>
@@ -2796,18 +2495,13 @@
               <a:rPr lang="en-US"/>
               <a:t>Click to edit Master title style</a:t>
             </a:r>
-          </a:p>
-        </p:txBody>
-      </p:sp>
-      <p:sp>
-        <p:nvSpPr>
-          <p:cNvPr id="3" name="Text Placeholder 2">
-            <a:extLst>
-              <a:ext uri="{FF2B5EF4-FFF2-40B4-BE49-F238E27FC236}">
-                <a16:creationId xmlns:a16="http://schemas.microsoft.com/office/drawing/2014/main" id="{1F2A8E46-4CE7-F680-0400-FA245F530C63}"/>
-              </a:ext>
-            </a:extLst>
-          </p:cNvPr>
+            <a:endParaRPr lang="en-US" dirty="0"/>
+          </a:p>
+        </p:txBody>
+      </p:sp>
+      <p:sp>
+        <p:nvSpPr>
+          <p:cNvPr id="3" name="Text Placeholder 2"/>
           <p:cNvSpPr>
             <a:spLocks noGrp="1"/>
           </p:cNvSpPr>
@@ -2817,8 +2511,8 @@
         </p:nvSpPr>
         <p:spPr>
           <a:xfrm>
-            <a:off x="838200" y="1825625"/>
-            <a:ext cx="10515600" cy="4351338"/>
+            <a:off x="251460" y="243417"/>
+            <a:ext cx="3154680" cy="580178"/>
           </a:xfrm>
           <a:prstGeom prst="rect">
             <a:avLst/>
@@ -2863,18 +2557,13 @@
               <a:rPr lang="en-US"/>
               <a:t>Fifth level</a:t>
             </a:r>
-          </a:p>
-        </p:txBody>
-      </p:sp>
-      <p:sp>
-        <p:nvSpPr>
-          <p:cNvPr id="4" name="Date Placeholder 3">
-            <a:extLst>
-              <a:ext uri="{FF2B5EF4-FFF2-40B4-BE49-F238E27FC236}">
-                <a16:creationId xmlns:a16="http://schemas.microsoft.com/office/drawing/2014/main" id="{6C4B21D6-AC73-EF23-D29A-41960CB56700}"/>
-              </a:ext>
-            </a:extLst>
-          </p:cNvPr>
+            <a:endParaRPr lang="en-US" dirty="0"/>
+          </a:p>
+        </p:txBody>
+      </p:sp>
+      <p:sp>
+        <p:nvSpPr>
+          <p:cNvPr id="4" name="Date Placeholder 3"/>
           <p:cNvSpPr>
             <a:spLocks noGrp="1"/>
           </p:cNvSpPr>
@@ -2884,8 +2573,8 @@
         </p:nvSpPr>
         <p:spPr>
           <a:xfrm>
-            <a:off x="838200" y="6356350"/>
-            <a:ext cx="2743200" cy="365125"/>
+            <a:off x="251460" y="847514"/>
+            <a:ext cx="822960" cy="48683"/>
           </a:xfrm>
           <a:prstGeom prst="rect">
             <a:avLst/>
@@ -2895,7 +2584,7 @@
           <a:bodyPr vert="horz" lIns="91440" tIns="45720" rIns="91440" bIns="45720" rtlCol="0" anchor="ctr"/>
           <a:lstStyle>
             <a:lvl1pPr algn="l">
-              <a:defRPr sz="1200">
+              <a:defRPr sz="160">
                 <a:solidFill>
                   <a:schemeClr val="tx1">
                     <a:tint val="75000"/>
@@ -2905,9 +2594,9 @@
             </a:lvl1pPr>
           </a:lstStyle>
           <a:p>
-            <a:fld id="{EB33F8FC-191A-4F13-AE2A-9EAB9B4EF1B5}" type="datetimeFigureOut">
+            <a:fld id="{352BC529-1D76-442C-A947-E37B943CFD8C}" type="datetimeFigureOut">
               <a:rPr lang="en-US" smtClean="0"/>
-              <a:t>9/4/2023</a:t>
+              <a:t>9/5/2023</a:t>
             </a:fld>
             <a:endParaRPr lang="en-US"/>
           </a:p>
@@ -2915,13 +2604,7 @@
       </p:sp>
       <p:sp>
         <p:nvSpPr>
-          <p:cNvPr id="5" name="Footer Placeholder 4">
-            <a:extLst>
-              <a:ext uri="{FF2B5EF4-FFF2-40B4-BE49-F238E27FC236}">
-                <a16:creationId xmlns:a16="http://schemas.microsoft.com/office/drawing/2014/main" id="{339B043E-37A9-E3C3-B7A4-612626E19E43}"/>
-              </a:ext>
-            </a:extLst>
-          </p:cNvPr>
+          <p:cNvPr id="5" name="Footer Placeholder 4"/>
           <p:cNvSpPr>
             <a:spLocks noGrp="1"/>
           </p:cNvSpPr>
@@ -2931,8 +2614,8 @@
         </p:nvSpPr>
         <p:spPr>
           <a:xfrm>
-            <a:off x="4038600" y="6356350"/>
-            <a:ext cx="4114800" cy="365125"/>
+            <a:off x="1211580" y="847514"/>
+            <a:ext cx="1234440" cy="48683"/>
           </a:xfrm>
           <a:prstGeom prst="rect">
             <a:avLst/>
@@ -2942,7 +2625,7 @@
           <a:bodyPr vert="horz" lIns="91440" tIns="45720" rIns="91440" bIns="45720" rtlCol="0" anchor="ctr"/>
           <a:lstStyle>
             <a:lvl1pPr algn="ctr">
-              <a:defRPr sz="1200">
+              <a:defRPr sz="160">
                 <a:solidFill>
                   <a:schemeClr val="tx1">
                     <a:tint val="75000"/>
@@ -2958,13 +2641,7 @@
       </p:sp>
       <p:sp>
         <p:nvSpPr>
-          <p:cNvPr id="6" name="Slide Number Placeholder 5">
-            <a:extLst>
-              <a:ext uri="{FF2B5EF4-FFF2-40B4-BE49-F238E27FC236}">
-                <a16:creationId xmlns:a16="http://schemas.microsoft.com/office/drawing/2014/main" id="{2334E18B-44F0-7031-0A69-537528EFF8DE}"/>
-              </a:ext>
-            </a:extLst>
-          </p:cNvPr>
+          <p:cNvPr id="6" name="Slide Number Placeholder 5"/>
           <p:cNvSpPr>
             <a:spLocks noGrp="1"/>
           </p:cNvSpPr>
@@ -2974,8 +2651,8 @@
         </p:nvSpPr>
         <p:spPr>
           <a:xfrm>
-            <a:off x="8610600" y="6356350"/>
-            <a:ext cx="2743200" cy="365125"/>
+            <a:off x="2583180" y="847514"/>
+            <a:ext cx="822960" cy="48683"/>
           </a:xfrm>
           <a:prstGeom prst="rect">
             <a:avLst/>
@@ -2985,7 +2662,7 @@
           <a:bodyPr vert="horz" lIns="91440" tIns="45720" rIns="91440" bIns="45720" rtlCol="0" anchor="ctr"/>
           <a:lstStyle>
             <a:lvl1pPr algn="r">
-              <a:defRPr sz="1200">
+              <a:defRPr sz="160">
                 <a:solidFill>
                   <a:schemeClr val="tx1">
                     <a:tint val="75000"/>
@@ -2995,7 +2672,7 @@
             </a:lvl1pPr>
           </a:lstStyle>
           <a:p>
-            <a:fld id="{51EA462D-99AD-4196-8625-083CEB7AB737}" type="slidenum">
+            <a:fld id="{13D0C524-BAC2-4759-BE47-3C641915E86E}" type="slidenum">
               <a:rPr lang="en-US" smtClean="0"/>
               <a:t>‹#›</a:t>
             </a:fld>
@@ -3003,78 +2680,31 @@
           </a:p>
         </p:txBody>
       </p:sp>
-      <p:sp>
-        <p:nvSpPr>
-          <p:cNvPr id="7" name="MSIPCMContentMarking" descr="{&quot;HashCode&quot;:-805589438,&quot;Placement&quot;:&quot;Footer&quot;,&quot;Top&quot;:522.0343,&quot;Left&quot;:459.0882,&quot;SlideWidth&quot;:960,&quot;SlideHeight&quot;:540}">
-            <a:extLst>
-              <a:ext uri="{FF2B5EF4-FFF2-40B4-BE49-F238E27FC236}">
-                <a16:creationId xmlns:a16="http://schemas.microsoft.com/office/drawing/2014/main" id="{D6306998-E048-01CA-6DBA-343D0E7E8CEF}"/>
-              </a:ext>
-            </a:extLst>
-          </p:cNvPr>
-          <p:cNvSpPr txBox="1"/>
-          <p:nvPr userDrawn="1"/>
-        </p:nvSpPr>
-        <p:spPr>
-          <a:xfrm>
-            <a:off x="5830420" y="6629836"/>
-            <a:ext cx="531161" cy="228163"/>
-          </a:xfrm>
-          <a:prstGeom prst="rect">
-            <a:avLst/>
-          </a:prstGeom>
-          <a:noFill/>
-        </p:spPr>
-        <p:txBody>
-          <a:bodyPr vert="horz" wrap="square" lIns="0" tIns="0" rIns="0" bIns="0" rtlCol="0" anchor="ctr" anchorCtr="1">
-            <a:spAutoFit/>
-          </a:bodyPr>
-          <a:lstStyle/>
-          <a:p>
-            <a:pPr algn="ctr">
-              <a:spcBef>
-                <a:spcPts val="0"/>
-              </a:spcBef>
-              <a:spcAft>
-                <a:spcPts val="0"/>
-              </a:spcAft>
-            </a:pPr>
-            <a:r>
-              <a:rPr lang="en-US" sz="800">
-                <a:solidFill>
-                  <a:srgbClr val="000000"/>
-                </a:solidFill>
-                <a:latin typeface="Calibri" panose="020F0502020204030204" pitchFamily="34" charset="0"/>
-              </a:rPr>
-              <a:t>PUBLIC</a:t>
-            </a:r>
-          </a:p>
-        </p:txBody>
-      </p:sp>
     </p:spTree>
     <p:extLst>
       <p:ext uri="{BB962C8B-B14F-4D97-AF65-F5344CB8AC3E}">
-        <p14:creationId xmlns:p14="http://schemas.microsoft.com/office/powerpoint/2010/main" val="3239436525"/>
+        <p14:creationId xmlns:p14="http://schemas.microsoft.com/office/powerpoint/2010/main" val="2775614362"/>
       </p:ext>
     </p:extLst>
   </p:cSld>
   <p:clrMap bg1="lt1" tx1="dk1" bg2="lt2" tx2="dk2" accent1="accent1" accent2="accent2" accent3="accent3" accent4="accent4" accent5="accent5" accent6="accent6" hlink="hlink" folHlink="folHlink"/>
   <p:sldLayoutIdLst>
-    <p:sldLayoutId id="2147483649" r:id="rId1"/>
-    <p:sldLayoutId id="2147483650" r:id="rId2"/>
-    <p:sldLayoutId id="2147483651" r:id="rId3"/>
-    <p:sldLayoutId id="2147483652" r:id="rId4"/>
-    <p:sldLayoutId id="2147483653" r:id="rId5"/>
-    <p:sldLayoutId id="2147483654" r:id="rId6"/>
-    <p:sldLayoutId id="2147483655" r:id="rId7"/>
-    <p:sldLayoutId id="2147483656" r:id="rId8"/>
-    <p:sldLayoutId id="2147483657" r:id="rId9"/>
-    <p:sldLayoutId id="2147483658" r:id="rId10"/>
-    <p:sldLayoutId id="2147483659" r:id="rId11"/>
+    <p:sldLayoutId id="2147483673" r:id="rId1"/>
+    <p:sldLayoutId id="2147483674" r:id="rId2"/>
+    <p:sldLayoutId id="2147483675" r:id="rId3"/>
+    <p:sldLayoutId id="2147483676" r:id="rId4"/>
+    <p:sldLayoutId id="2147483677" r:id="rId5"/>
+    <p:sldLayoutId id="2147483678" r:id="rId6"/>
+    <p:sldLayoutId id="2147483679" r:id="rId7"/>
+    <p:sldLayoutId id="2147483680" r:id="rId8"/>
+    <p:sldLayoutId id="2147483681" r:id="rId9"/>
+    <p:sldLayoutId id="2147483682" r:id="rId10"/>
+    <p:sldLayoutId id="2147483683" r:id="rId11"/>
+    <p:sldLayoutId id="2147483684" r:id="rId12"/>
   </p:sldLayoutIdLst>
   <p:txStyles>
     <p:titleStyle>
-      <a:lvl1pPr algn="l" defTabSz="914400" rtl="0" eaLnBrk="1" latinLnBrk="0" hangingPunct="1">
+      <a:lvl1pPr algn="l" defTabSz="121890" rtl="0" eaLnBrk="1" latinLnBrk="0" hangingPunct="1">
         <a:lnSpc>
           <a:spcPct val="90000"/>
         </a:lnSpc>
@@ -3082,7 +2712,7 @@
           <a:spcPct val="0"/>
         </a:spcBef>
         <a:buNone/>
-        <a:defRPr sz="4400" kern="1200">
+        <a:defRPr sz="587" kern="1200">
           <a:solidFill>
             <a:schemeClr val="tx1"/>
           </a:solidFill>
@@ -3093,16 +2723,16 @@
       </a:lvl1pPr>
     </p:titleStyle>
     <p:bodyStyle>
-      <a:lvl1pPr marL="228600" indent="-228600" algn="l" defTabSz="914400" rtl="0" eaLnBrk="1" latinLnBrk="0" hangingPunct="1">
+      <a:lvl1pPr marL="30472" indent="-30472" algn="l" defTabSz="121890" rtl="0" eaLnBrk="1" latinLnBrk="0" hangingPunct="1">
         <a:lnSpc>
           <a:spcPct val="90000"/>
         </a:lnSpc>
         <a:spcBef>
-          <a:spcPts val="1000"/>
+          <a:spcPts val="133"/>
         </a:spcBef>
         <a:buFont typeface="Arial" panose="020B0604020202020204" pitchFamily="34" charset="0"/>
         <a:buChar char="•"/>
-        <a:defRPr sz="2800" kern="1200">
+        <a:defRPr sz="373" kern="1200">
           <a:solidFill>
             <a:schemeClr val="tx1"/>
           </a:solidFill>
@@ -3111,16 +2741,16 @@
           <a:cs typeface="+mn-cs"/>
         </a:defRPr>
       </a:lvl1pPr>
-      <a:lvl2pPr marL="685800" indent="-228600" algn="l" defTabSz="914400" rtl="0" eaLnBrk="1" latinLnBrk="0" hangingPunct="1">
+      <a:lvl2pPr marL="91417" indent="-30472" algn="l" defTabSz="121890" rtl="0" eaLnBrk="1" latinLnBrk="0" hangingPunct="1">
         <a:lnSpc>
           <a:spcPct val="90000"/>
         </a:lnSpc>
         <a:spcBef>
-          <a:spcPts val="500"/>
+          <a:spcPts val="67"/>
         </a:spcBef>
         <a:buFont typeface="Arial" panose="020B0604020202020204" pitchFamily="34" charset="0"/>
         <a:buChar char="•"/>
-        <a:defRPr sz="2400" kern="1200">
+        <a:defRPr sz="320" kern="1200">
           <a:solidFill>
             <a:schemeClr val="tx1"/>
           </a:solidFill>
@@ -3129,16 +2759,16 @@
           <a:cs typeface="+mn-cs"/>
         </a:defRPr>
       </a:lvl2pPr>
-      <a:lvl3pPr marL="1143000" indent="-228600" algn="l" defTabSz="914400" rtl="0" eaLnBrk="1" latinLnBrk="0" hangingPunct="1">
+      <a:lvl3pPr marL="152362" indent="-30472" algn="l" defTabSz="121890" rtl="0" eaLnBrk="1" latinLnBrk="0" hangingPunct="1">
         <a:lnSpc>
           <a:spcPct val="90000"/>
         </a:lnSpc>
         <a:spcBef>
-          <a:spcPts val="500"/>
+          <a:spcPts val="67"/>
         </a:spcBef>
         <a:buFont typeface="Arial" panose="020B0604020202020204" pitchFamily="34" charset="0"/>
         <a:buChar char="•"/>
-        <a:defRPr sz="2000" kern="1200">
+        <a:defRPr sz="267" kern="1200">
           <a:solidFill>
             <a:schemeClr val="tx1"/>
           </a:solidFill>
@@ -3147,16 +2777,16 @@
           <a:cs typeface="+mn-cs"/>
         </a:defRPr>
       </a:lvl3pPr>
-      <a:lvl4pPr marL="1600200" indent="-228600" algn="l" defTabSz="914400" rtl="0" eaLnBrk="1" latinLnBrk="0" hangingPunct="1">
+      <a:lvl4pPr marL="213307" indent="-30472" algn="l" defTabSz="121890" rtl="0" eaLnBrk="1" latinLnBrk="0" hangingPunct="1">
         <a:lnSpc>
           <a:spcPct val="90000"/>
         </a:lnSpc>
         <a:spcBef>
-          <a:spcPts val="500"/>
+          <a:spcPts val="67"/>
         </a:spcBef>
         <a:buFont typeface="Arial" panose="020B0604020202020204" pitchFamily="34" charset="0"/>
         <a:buChar char="•"/>
-        <a:defRPr sz="1800" kern="1200">
+        <a:defRPr sz="240" kern="1200">
           <a:solidFill>
             <a:schemeClr val="tx1"/>
           </a:solidFill>
@@ -3165,16 +2795,16 @@
           <a:cs typeface="+mn-cs"/>
         </a:defRPr>
       </a:lvl4pPr>
-      <a:lvl5pPr marL="2057400" indent="-228600" algn="l" defTabSz="914400" rtl="0" eaLnBrk="1" latinLnBrk="0" hangingPunct="1">
+      <a:lvl5pPr marL="274251" indent="-30472" algn="l" defTabSz="121890" rtl="0" eaLnBrk="1" latinLnBrk="0" hangingPunct="1">
         <a:lnSpc>
           <a:spcPct val="90000"/>
         </a:lnSpc>
         <a:spcBef>
-          <a:spcPts val="500"/>
+          <a:spcPts val="67"/>
         </a:spcBef>
         <a:buFont typeface="Arial" panose="020B0604020202020204" pitchFamily="34" charset="0"/>
         <a:buChar char="•"/>
-        <a:defRPr sz="1800" kern="1200">
+        <a:defRPr sz="240" kern="1200">
           <a:solidFill>
             <a:schemeClr val="tx1"/>
           </a:solidFill>
@@ -3183,16 +2813,16 @@
           <a:cs typeface="+mn-cs"/>
         </a:defRPr>
       </a:lvl5pPr>
-      <a:lvl6pPr marL="2514600" indent="-228600" algn="l" defTabSz="914400" rtl="0" eaLnBrk="1" latinLnBrk="0" hangingPunct="1">
+      <a:lvl6pPr marL="335196" indent="-30472" algn="l" defTabSz="121890" rtl="0" eaLnBrk="1" latinLnBrk="0" hangingPunct="1">
         <a:lnSpc>
           <a:spcPct val="90000"/>
         </a:lnSpc>
         <a:spcBef>
-          <a:spcPts val="500"/>
+          <a:spcPts val="67"/>
         </a:spcBef>
         <a:buFont typeface="Arial" panose="020B0604020202020204" pitchFamily="34" charset="0"/>
         <a:buChar char="•"/>
-        <a:defRPr sz="1800" kern="1200">
+        <a:defRPr sz="240" kern="1200">
           <a:solidFill>
             <a:schemeClr val="tx1"/>
           </a:solidFill>
@@ -3201,16 +2831,16 @@
           <a:cs typeface="+mn-cs"/>
         </a:defRPr>
       </a:lvl6pPr>
-      <a:lvl7pPr marL="2971800" indent="-228600" algn="l" defTabSz="914400" rtl="0" eaLnBrk="1" latinLnBrk="0" hangingPunct="1">
+      <a:lvl7pPr marL="396141" indent="-30472" algn="l" defTabSz="121890" rtl="0" eaLnBrk="1" latinLnBrk="0" hangingPunct="1">
         <a:lnSpc>
           <a:spcPct val="90000"/>
         </a:lnSpc>
         <a:spcBef>
-          <a:spcPts val="500"/>
+          <a:spcPts val="67"/>
         </a:spcBef>
         <a:buFont typeface="Arial" panose="020B0604020202020204" pitchFamily="34" charset="0"/>
         <a:buChar char="•"/>
-        <a:defRPr sz="1800" kern="1200">
+        <a:defRPr sz="240" kern="1200">
           <a:solidFill>
             <a:schemeClr val="tx1"/>
           </a:solidFill>
@@ -3219,16 +2849,16 @@
           <a:cs typeface="+mn-cs"/>
         </a:defRPr>
       </a:lvl7pPr>
-      <a:lvl8pPr marL="3429000" indent="-228600" algn="l" defTabSz="914400" rtl="0" eaLnBrk="1" latinLnBrk="0" hangingPunct="1">
+      <a:lvl8pPr marL="457086" indent="-30472" algn="l" defTabSz="121890" rtl="0" eaLnBrk="1" latinLnBrk="0" hangingPunct="1">
         <a:lnSpc>
           <a:spcPct val="90000"/>
         </a:lnSpc>
         <a:spcBef>
-          <a:spcPts val="500"/>
+          <a:spcPts val="67"/>
         </a:spcBef>
         <a:buFont typeface="Arial" panose="020B0604020202020204" pitchFamily="34" charset="0"/>
         <a:buChar char="•"/>
-        <a:defRPr sz="1800" kern="1200">
+        <a:defRPr sz="240" kern="1200">
           <a:solidFill>
             <a:schemeClr val="tx1"/>
           </a:solidFill>
@@ -3237,16 +2867,16 @@
           <a:cs typeface="+mn-cs"/>
         </a:defRPr>
       </a:lvl8pPr>
-      <a:lvl9pPr marL="3886200" indent="-228600" algn="l" defTabSz="914400" rtl="0" eaLnBrk="1" latinLnBrk="0" hangingPunct="1">
+      <a:lvl9pPr marL="518030" indent="-30472" algn="l" defTabSz="121890" rtl="0" eaLnBrk="1" latinLnBrk="0" hangingPunct="1">
         <a:lnSpc>
           <a:spcPct val="90000"/>
         </a:lnSpc>
         <a:spcBef>
-          <a:spcPts val="500"/>
+          <a:spcPts val="67"/>
         </a:spcBef>
         <a:buFont typeface="Arial" panose="020B0604020202020204" pitchFamily="34" charset="0"/>
         <a:buChar char="•"/>
-        <a:defRPr sz="1800" kern="1200">
+        <a:defRPr sz="240" kern="1200">
           <a:solidFill>
             <a:schemeClr val="tx1"/>
           </a:solidFill>
@@ -3260,8 +2890,8 @@
       <a:defPPr>
         <a:defRPr lang="en-US"/>
       </a:defPPr>
-      <a:lvl1pPr marL="0" algn="l" defTabSz="914400" rtl="0" eaLnBrk="1" latinLnBrk="0" hangingPunct="1">
-        <a:defRPr sz="1800" kern="1200">
+      <a:lvl1pPr marL="0" algn="l" defTabSz="121890" rtl="0" eaLnBrk="1" latinLnBrk="0" hangingPunct="1">
+        <a:defRPr sz="240" kern="1200">
           <a:solidFill>
             <a:schemeClr val="tx1"/>
           </a:solidFill>
@@ -3270,8 +2900,8 @@
           <a:cs typeface="+mn-cs"/>
         </a:defRPr>
       </a:lvl1pPr>
-      <a:lvl2pPr marL="457200" algn="l" defTabSz="914400" rtl="0" eaLnBrk="1" latinLnBrk="0" hangingPunct="1">
-        <a:defRPr sz="1800" kern="1200">
+      <a:lvl2pPr marL="60945" algn="l" defTabSz="121890" rtl="0" eaLnBrk="1" latinLnBrk="0" hangingPunct="1">
+        <a:defRPr sz="240" kern="1200">
           <a:solidFill>
             <a:schemeClr val="tx1"/>
           </a:solidFill>
@@ -3280,8 +2910,8 @@
           <a:cs typeface="+mn-cs"/>
         </a:defRPr>
       </a:lvl2pPr>
-      <a:lvl3pPr marL="914400" algn="l" defTabSz="914400" rtl="0" eaLnBrk="1" latinLnBrk="0" hangingPunct="1">
-        <a:defRPr sz="1800" kern="1200">
+      <a:lvl3pPr marL="121890" algn="l" defTabSz="121890" rtl="0" eaLnBrk="1" latinLnBrk="0" hangingPunct="1">
+        <a:defRPr sz="240" kern="1200">
           <a:solidFill>
             <a:schemeClr val="tx1"/>
           </a:solidFill>
@@ -3290,8 +2920,8 @@
           <a:cs typeface="+mn-cs"/>
         </a:defRPr>
       </a:lvl3pPr>
-      <a:lvl4pPr marL="1371600" algn="l" defTabSz="914400" rtl="0" eaLnBrk="1" latinLnBrk="0" hangingPunct="1">
-        <a:defRPr sz="1800" kern="1200">
+      <a:lvl4pPr marL="182834" algn="l" defTabSz="121890" rtl="0" eaLnBrk="1" latinLnBrk="0" hangingPunct="1">
+        <a:defRPr sz="240" kern="1200">
           <a:solidFill>
             <a:schemeClr val="tx1"/>
           </a:solidFill>
@@ -3300,8 +2930,8 @@
           <a:cs typeface="+mn-cs"/>
         </a:defRPr>
       </a:lvl4pPr>
-      <a:lvl5pPr marL="1828800" algn="l" defTabSz="914400" rtl="0" eaLnBrk="1" latinLnBrk="0" hangingPunct="1">
-        <a:defRPr sz="1800" kern="1200">
+      <a:lvl5pPr marL="243779" algn="l" defTabSz="121890" rtl="0" eaLnBrk="1" latinLnBrk="0" hangingPunct="1">
+        <a:defRPr sz="240" kern="1200">
           <a:solidFill>
             <a:schemeClr val="tx1"/>
           </a:solidFill>
@@ -3310,8 +2940,8 @@
           <a:cs typeface="+mn-cs"/>
         </a:defRPr>
       </a:lvl5pPr>
-      <a:lvl6pPr marL="2286000" algn="l" defTabSz="914400" rtl="0" eaLnBrk="1" latinLnBrk="0" hangingPunct="1">
-        <a:defRPr sz="1800" kern="1200">
+      <a:lvl6pPr marL="304724" algn="l" defTabSz="121890" rtl="0" eaLnBrk="1" latinLnBrk="0" hangingPunct="1">
+        <a:defRPr sz="240" kern="1200">
           <a:solidFill>
             <a:schemeClr val="tx1"/>
           </a:solidFill>
@@ -3320,8 +2950,8 @@
           <a:cs typeface="+mn-cs"/>
         </a:defRPr>
       </a:lvl6pPr>
-      <a:lvl7pPr marL="2743200" algn="l" defTabSz="914400" rtl="0" eaLnBrk="1" latinLnBrk="0" hangingPunct="1">
-        <a:defRPr sz="1800" kern="1200">
+      <a:lvl7pPr marL="365669" algn="l" defTabSz="121890" rtl="0" eaLnBrk="1" latinLnBrk="0" hangingPunct="1">
+        <a:defRPr sz="240" kern="1200">
           <a:solidFill>
             <a:schemeClr val="tx1"/>
           </a:solidFill>
@@ -3330,8 +2960,8 @@
           <a:cs typeface="+mn-cs"/>
         </a:defRPr>
       </a:lvl7pPr>
-      <a:lvl8pPr marL="3200400" algn="l" defTabSz="914400" rtl="0" eaLnBrk="1" latinLnBrk="0" hangingPunct="1">
-        <a:defRPr sz="1800" kern="1200">
+      <a:lvl8pPr marL="426613" algn="l" defTabSz="121890" rtl="0" eaLnBrk="1" latinLnBrk="0" hangingPunct="1">
+        <a:defRPr sz="240" kern="1200">
           <a:solidFill>
             <a:schemeClr val="tx1"/>
           </a:solidFill>
@@ -3340,8 +2970,8 @@
           <a:cs typeface="+mn-cs"/>
         </a:defRPr>
       </a:lvl8pPr>
-      <a:lvl9pPr marL="3657600" algn="l" defTabSz="914400" rtl="0" eaLnBrk="1" latinLnBrk="0" hangingPunct="1">
-        <a:defRPr sz="1800" kern="1200">
+      <a:lvl9pPr marL="487558" algn="l" defTabSz="121890" rtl="0" eaLnBrk="1" latinLnBrk="0" hangingPunct="1">
+        <a:defRPr sz="240" kern="1200">
           <a:solidFill>
             <a:schemeClr val="tx1"/>
           </a:solidFill>
@@ -3356,7 +2986,7 @@
 </file>
 
 <file path=ppt/slides/slide1.xml><?xml version="1.0" encoding="utf-8"?>
-<p:sld xmlns:a="http://schemas.openxmlformats.org/drawingml/2006/main" xmlns:r="http://schemas.openxmlformats.org/officeDocument/2006/relationships" xmlns:p="http://schemas.openxmlformats.org/presentationml/2006/main">
+<p:sld xmlns:a="http://schemas.openxmlformats.org/drawingml/2006/main" xmlns:r="http://schemas.openxmlformats.org/officeDocument/2006/relationships" xmlns:p="http://schemas.openxmlformats.org/presentationml/2006/main" showMasterSp="0">
   <p:cSld>
     <p:spTree>
       <p:nvGrpSpPr>
@@ -3377,7 +3007,7 @@
           <p:cNvPr id="4" name="Cube 3">
             <a:extLst>
               <a:ext uri="{FF2B5EF4-FFF2-40B4-BE49-F238E27FC236}">
-                <a16:creationId xmlns:a16="http://schemas.microsoft.com/office/drawing/2014/main" id="{3871825D-2A87-AA3E-1009-9C5CAF1BFC03}"/>
+                <a16:creationId xmlns:a16="http://schemas.microsoft.com/office/drawing/2014/main" id="{5BB7B34D-9441-35A9-5694-8E76D86E6A10}"/>
               </a:ext>
             </a:extLst>
           </p:cNvPr>
@@ -3386,7 +3016,7 @@
         </p:nvSpPr>
         <p:spPr>
           <a:xfrm>
-            <a:off x="4338066" y="2948178"/>
+            <a:off x="186290" y="408972"/>
             <a:ext cx="363474" cy="335280"/>
           </a:xfrm>
           <a:prstGeom prst="cube">
@@ -3433,7 +3063,7 @@
           <p:cNvPr id="5" name="Cube 4">
             <a:extLst>
               <a:ext uri="{FF2B5EF4-FFF2-40B4-BE49-F238E27FC236}">
-                <a16:creationId xmlns:a16="http://schemas.microsoft.com/office/drawing/2014/main" id="{C6FD8D3F-3864-8A57-E553-31C49BC59B1B}"/>
+                <a16:creationId xmlns:a16="http://schemas.microsoft.com/office/drawing/2014/main" id="{AF3E613E-D7C7-6F2B-2EFA-A3EE8E5ECFE7}"/>
               </a:ext>
             </a:extLst>
           </p:cNvPr>
@@ -3442,7 +3072,7 @@
         </p:nvSpPr>
         <p:spPr>
           <a:xfrm>
-            <a:off x="4658106" y="2948178"/>
+            <a:off x="506330" y="408972"/>
             <a:ext cx="363474" cy="335280"/>
           </a:xfrm>
           <a:prstGeom prst="cube">
@@ -3489,7 +3119,7 @@
           <p:cNvPr id="6" name="Cube 5">
             <a:extLst>
               <a:ext uri="{FF2B5EF4-FFF2-40B4-BE49-F238E27FC236}">
-                <a16:creationId xmlns:a16="http://schemas.microsoft.com/office/drawing/2014/main" id="{73F6DC7A-FD24-A480-396D-E9713679AA7E}"/>
+                <a16:creationId xmlns:a16="http://schemas.microsoft.com/office/drawing/2014/main" id="{7525B701-03FB-2F1F-75F8-90B7D638259B}"/>
               </a:ext>
             </a:extLst>
           </p:cNvPr>
@@ -3498,7 +3128,7 @@
         </p:nvSpPr>
         <p:spPr>
           <a:xfrm>
-            <a:off x="4234434" y="3051810"/>
+            <a:off x="82658" y="512604"/>
             <a:ext cx="363474" cy="335280"/>
           </a:xfrm>
           <a:prstGeom prst="cube">
@@ -3545,7 +3175,7 @@
           <p:cNvPr id="7" name="Cube 6">
             <a:extLst>
               <a:ext uri="{FF2B5EF4-FFF2-40B4-BE49-F238E27FC236}">
-                <a16:creationId xmlns:a16="http://schemas.microsoft.com/office/drawing/2014/main" id="{858C98A6-024E-C46B-A3BE-0B52B6E391F6}"/>
+                <a16:creationId xmlns:a16="http://schemas.microsoft.com/office/drawing/2014/main" id="{F937C649-C169-0FCE-5D24-FB355CB72ED5}"/>
               </a:ext>
             </a:extLst>
           </p:cNvPr>
@@ -3554,7 +3184,7 @@
         </p:nvSpPr>
         <p:spPr>
           <a:xfrm>
-            <a:off x="4551426" y="3051810"/>
+            <a:off x="399650" y="512604"/>
             <a:ext cx="363474" cy="335280"/>
           </a:xfrm>
           <a:prstGeom prst="cube">
@@ -3601,7 +3231,7 @@
           <p:cNvPr id="8" name="Cube 7">
             <a:extLst>
               <a:ext uri="{FF2B5EF4-FFF2-40B4-BE49-F238E27FC236}">
-                <a16:creationId xmlns:a16="http://schemas.microsoft.com/office/drawing/2014/main" id="{96365D4C-F081-6E02-6CD8-999D070D3288}"/>
+                <a16:creationId xmlns:a16="http://schemas.microsoft.com/office/drawing/2014/main" id="{8A0DC529-A154-44EC-4DC8-792D32B73E2C}"/>
               </a:ext>
             </a:extLst>
           </p:cNvPr>
@@ -3610,7 +3240,7 @@
         </p:nvSpPr>
         <p:spPr>
           <a:xfrm>
-            <a:off x="4338066" y="2663952"/>
+            <a:off x="186290" y="124746"/>
             <a:ext cx="363474" cy="335280"/>
           </a:xfrm>
           <a:prstGeom prst="cube">
@@ -3657,7 +3287,7 @@
           <p:cNvPr id="9" name="Cube 8">
             <a:extLst>
               <a:ext uri="{FF2B5EF4-FFF2-40B4-BE49-F238E27FC236}">
-                <a16:creationId xmlns:a16="http://schemas.microsoft.com/office/drawing/2014/main" id="{5C035D7B-B294-5C25-E9E7-E0A23065419B}"/>
+                <a16:creationId xmlns:a16="http://schemas.microsoft.com/office/drawing/2014/main" id="{12BA937B-792D-E6ED-D18A-557D03DB02BE}"/>
               </a:ext>
             </a:extLst>
           </p:cNvPr>
@@ -3666,7 +3296,7 @@
         </p:nvSpPr>
         <p:spPr>
           <a:xfrm>
-            <a:off x="4658106" y="2663952"/>
+            <a:off x="506330" y="124746"/>
             <a:ext cx="363474" cy="335280"/>
           </a:xfrm>
           <a:prstGeom prst="cube">
@@ -3713,7 +3343,7 @@
           <p:cNvPr id="10" name="Cube 9">
             <a:extLst>
               <a:ext uri="{FF2B5EF4-FFF2-40B4-BE49-F238E27FC236}">
-                <a16:creationId xmlns:a16="http://schemas.microsoft.com/office/drawing/2014/main" id="{14E4B51C-BEB0-D9C5-DB61-32579FEC8B8E}"/>
+                <a16:creationId xmlns:a16="http://schemas.microsoft.com/office/drawing/2014/main" id="{8F53C74C-AD93-F0F2-E83C-103D7F57F347}"/>
               </a:ext>
             </a:extLst>
           </p:cNvPr>
@@ -3722,7 +3352,7 @@
         </p:nvSpPr>
         <p:spPr>
           <a:xfrm>
-            <a:off x="4234434" y="2767584"/>
+            <a:off x="82658" y="228378"/>
             <a:ext cx="363474" cy="335280"/>
           </a:xfrm>
           <a:prstGeom prst="cube">
@@ -3769,7 +3399,7 @@
           <p:cNvPr id="11" name="Cube 10">
             <a:extLst>
               <a:ext uri="{FF2B5EF4-FFF2-40B4-BE49-F238E27FC236}">
-                <a16:creationId xmlns:a16="http://schemas.microsoft.com/office/drawing/2014/main" id="{D54AA0EE-57B2-8B33-61B1-3DFBC761142B}"/>
+                <a16:creationId xmlns:a16="http://schemas.microsoft.com/office/drawing/2014/main" id="{A25E78F1-034D-8474-746D-CA6F05719A30}"/>
               </a:ext>
             </a:extLst>
           </p:cNvPr>
@@ -3778,7 +3408,7 @@
         </p:nvSpPr>
         <p:spPr>
           <a:xfrm>
-            <a:off x="4551426" y="2767584"/>
+            <a:off x="399650" y="228378"/>
             <a:ext cx="363474" cy="335280"/>
           </a:xfrm>
           <a:prstGeom prst="cube">
@@ -3822,10 +3452,10 @@
       </p:sp>
       <p:sp>
         <p:nvSpPr>
-          <p:cNvPr id="16" name="TextBox 15">
+          <p:cNvPr id="12" name="TextBox 11">
             <a:extLst>
               <a:ext uri="{FF2B5EF4-FFF2-40B4-BE49-F238E27FC236}">
-                <a16:creationId xmlns:a16="http://schemas.microsoft.com/office/drawing/2014/main" id="{8D93B07A-D79D-9F39-E90B-0C57FC096700}"/>
+                <a16:creationId xmlns:a16="http://schemas.microsoft.com/office/drawing/2014/main" id="{919F1F6A-AA36-4527-64C7-1DE853585373}"/>
               </a:ext>
             </a:extLst>
           </p:cNvPr>
@@ -3834,8 +3464,8 @@
         </p:nvSpPr>
         <p:spPr>
           <a:xfrm>
-            <a:off x="4968240" y="2726054"/>
-            <a:ext cx="2255520" cy="461665"/>
+            <a:off x="884961" y="124746"/>
+            <a:ext cx="2708186" cy="492443"/>
           </a:xfrm>
           <a:prstGeom prst="rect">
             <a:avLst/>
@@ -3849,15 +3479,15 @@
           <a:lstStyle/>
           <a:p>
             <a:r>
-              <a:rPr lang="en-US" sz="2400" dirty="0">
+              <a:rPr lang="en-US" sz="2600" dirty="0">
                 <a:solidFill>
                   <a:schemeClr val="accent1">
                     <a:lumMod val="75000"/>
                   </a:schemeClr>
                 </a:solidFill>
-                <a:latin typeface="Aptos Serif" panose="020B0502040204020203" pitchFamily="18" charset="0"/>
+                <a:latin typeface="Cascadia Code" panose="020B0609020000020004" pitchFamily="49" charset="0"/>
                 <a:ea typeface="Kigelia Light" panose="020B0502040204020203" pitchFamily="34" charset="0"/>
-                <a:cs typeface="Aptos Serif" panose="020B0502040204020203" pitchFamily="18" charset="0"/>
+                <a:cs typeface="Cascadia Code" panose="020B0609020000020004" pitchFamily="49" charset="0"/>
               </a:rPr>
               <a:t>ReservoirFlow</a:t>
             </a:r>
@@ -3866,10 +3496,10 @@
       </p:sp>
       <p:sp>
         <p:nvSpPr>
-          <p:cNvPr id="17" name="Rectangle 16">
+          <p:cNvPr id="13" name="Rectangle 12">
             <a:extLst>
               <a:ext uri="{FF2B5EF4-FFF2-40B4-BE49-F238E27FC236}">
-                <a16:creationId xmlns:a16="http://schemas.microsoft.com/office/drawing/2014/main" id="{6C91F578-3E3F-E5DE-CC78-1BB39D30F2F3}"/>
+                <a16:creationId xmlns:a16="http://schemas.microsoft.com/office/drawing/2014/main" id="{B6750554-DCDB-AF7D-F532-35E85A4B16A8}"/>
               </a:ext>
             </a:extLst>
           </p:cNvPr>
@@ -3878,7 +3508,7 @@
         </p:nvSpPr>
         <p:spPr>
           <a:xfrm>
-            <a:off x="5021580" y="2663952"/>
+            <a:off x="869804" y="124747"/>
             <a:ext cx="2095500" cy="585871"/>
           </a:xfrm>
           <a:prstGeom prst="rect">
@@ -3914,22 +3544,165 @@
           </a:p>
         </p:txBody>
       </p:sp>
+      <p:sp>
+        <p:nvSpPr>
+          <p:cNvPr id="14" name="Rectangle 13">
+            <a:extLst>
+              <a:ext uri="{FF2B5EF4-FFF2-40B4-BE49-F238E27FC236}">
+                <a16:creationId xmlns:a16="http://schemas.microsoft.com/office/drawing/2014/main" id="{3BCD81B2-4AAD-DC31-BBB1-E53EF6CE5333}"/>
+              </a:ext>
+            </a:extLst>
+          </p:cNvPr>
+          <p:cNvSpPr/>
+          <p:nvPr/>
+        </p:nvSpPr>
+        <p:spPr>
+          <a:xfrm>
+            <a:off x="930001" y="538580"/>
+            <a:ext cx="2618107" cy="47938"/>
+          </a:xfrm>
+          <a:prstGeom prst="rect">
+            <a:avLst/>
+          </a:prstGeom>
+          <a:solidFill>
+            <a:schemeClr val="accent1">
+              <a:lumMod val="75000"/>
+            </a:schemeClr>
+          </a:solidFill>
+          <a:ln>
+            <a:noFill/>
+          </a:ln>
+        </p:spPr>
+        <p:style>
+          <a:lnRef idx="2">
+            <a:schemeClr val="accent1">
+              <a:shade val="50000"/>
+            </a:schemeClr>
+          </a:lnRef>
+          <a:fillRef idx="1">
+            <a:schemeClr val="accent1"/>
+          </a:fillRef>
+          <a:effectRef idx="0">
+            <a:schemeClr val="accent1"/>
+          </a:effectRef>
+          <a:fontRef idx="minor">
+            <a:schemeClr val="lt1"/>
+          </a:fontRef>
+        </p:style>
+        <p:txBody>
+          <a:bodyPr rtlCol="0" anchor="ctr"/>
+          <a:lstStyle/>
+          <a:p>
+            <a:pPr algn="ctr"/>
+            <a:endParaRPr lang="en-US"/>
+          </a:p>
+        </p:txBody>
+      </p:sp>
     </p:spTree>
     <p:extLst>
       <p:ext uri="{BB962C8B-B14F-4D97-AF65-F5344CB8AC3E}">
-        <p14:creationId xmlns:p14="http://schemas.microsoft.com/office/powerpoint/2010/main" val="682518579"/>
+        <p14:creationId xmlns:p14="http://schemas.microsoft.com/office/powerpoint/2010/main" val="2284749951"/>
       </p:ext>
     </p:extLst>
   </p:cSld>
   <p:clrMapOvr>
     <a:masterClrMapping/>
   </p:clrMapOvr>
+  <p:timing>
+    <p:tnLst>
+      <p:par>
+        <p:cTn id="1" dur="indefinite" restart="never" nodeType="tmRoot">
+          <p:childTnLst>
+            <p:seq concurrent="1" nextAc="seek">
+              <p:cTn id="2" dur="indefinite" nodeType="mainSeq">
+                <p:childTnLst>
+                  <p:par>
+                    <p:cTn id="3" fill="hold">
+                      <p:stCondLst>
+                        <p:cond delay="indefinite"/>
+                        <p:cond evt="onBegin" delay="0">
+                          <p:tn val="2"/>
+                        </p:cond>
+                      </p:stCondLst>
+                      <p:childTnLst>
+                        <p:par>
+                          <p:cTn id="4" fill="hold">
+                            <p:stCondLst>
+                              <p:cond delay="0"/>
+                            </p:stCondLst>
+                            <p:childTnLst>
+                              <p:par>
+                                <p:cTn id="5" presetID="22" presetClass="entr" presetSubtype="8" repeatCount="indefinite" fill="hold" grpId="0" nodeType="withEffect">
+                                  <p:stCondLst>
+                                    <p:cond delay="0"/>
+                                  </p:stCondLst>
+                                  <p:childTnLst>
+                                    <p:set>
+                                      <p:cBhvr>
+                                        <p:cTn id="6" dur="1" fill="hold">
+                                          <p:stCondLst>
+                                            <p:cond delay="0"/>
+                                          </p:stCondLst>
+                                        </p:cTn>
+                                        <p:tgtEl>
+                                          <p:spTgt spid="14"/>
+                                        </p:tgtEl>
+                                        <p:attrNameLst>
+                                          <p:attrName>style.visibility</p:attrName>
+                                        </p:attrNameLst>
+                                      </p:cBhvr>
+                                      <p:to>
+                                        <p:strVal val="visible"/>
+                                      </p:to>
+                                    </p:set>
+                                    <p:animEffect transition="in" filter="wipe(left)">
+                                      <p:cBhvr>
+                                        <p:cTn id="7" dur="500"/>
+                                        <p:tgtEl>
+                                          <p:spTgt spid="14"/>
+                                        </p:tgtEl>
+                                      </p:cBhvr>
+                                    </p:animEffect>
+                                  </p:childTnLst>
+                                </p:cTn>
+                              </p:par>
+                            </p:childTnLst>
+                          </p:cTn>
+                        </p:par>
+                      </p:childTnLst>
+                    </p:cTn>
+                  </p:par>
+                </p:childTnLst>
+              </p:cTn>
+              <p:prevCondLst>
+                <p:cond evt="onPrev" delay="0">
+                  <p:tgtEl>
+                    <p:sldTgt/>
+                  </p:tgtEl>
+                </p:cond>
+              </p:prevCondLst>
+              <p:nextCondLst>
+                <p:cond evt="onNext" delay="0">
+                  <p:tgtEl>
+                    <p:sldTgt/>
+                  </p:tgtEl>
+                </p:cond>
+              </p:nextCondLst>
+            </p:seq>
+          </p:childTnLst>
+        </p:cTn>
+      </p:par>
+    </p:tnLst>
+    <p:bldLst>
+      <p:bldP spid="14" grpId="0" animBg="1"/>
+    </p:bldLst>
+  </p:timing>
 </p:sld>
 </file>
 
 <file path=ppt/tags/tag1.xml><?xml version="1.0" encoding="utf-8"?>
 <p:tagLst xmlns:a="http://schemas.openxmlformats.org/drawingml/2006/main" xmlns:r="http://schemas.openxmlformats.org/officeDocument/2006/relationships" xmlns:p="http://schemas.openxmlformats.org/presentationml/2006/main">
-  <p:tag name="EMPOWERCHARTSPROPERTIES_B_0" val="AAAAAAH//////////wEAAAAAAAAAAAAAACoqIFRoaXMgaXMgYSBMaXRlREIgZmlsZSAqKgcEAP////8FAAAAAQAAAAAAAAAAAAAAAAAAAAAAAAAAAAAAAAAAAAAAAAAAAAAAAAABEQAAAFByb3BlcnR5RG9jdW1lbnRzAgAAAAAAAAAAAAAAAAAAAAAAAAAAAAAAAAAAAAAAAAAAAAAAAAAAAAAAAAAAAAAAAAAAAAAAAAAAAAAAAAAAAAAAAAAAAAAAAAAAAAAAAAAAAAAAAAAAAAAAAAAAAAAAAAAAAAAAAAAAAAAAAAAAAAAAAAAAAAAAAAAAAAAAAAAAAAAAAAAAAAAAAAAAAAAAAAAAAAAAAAAAAAAAAAAAAAAAAAAAAAAAAAAAAAAAAAAAAAAAAAAAAAAAAAAAAAAAAAAAAAAAAAAAAAAAAAAAAAAAAAAAAAAAAAAAAAAAAAAAAAAAAAAAAAAAAAAAAAAAAAAAAAAAAAAAAAAAAAAAAAAAAAAAAAAAAAAAAAAAAAAAAAAAAAAAAAAAAAAAAAAAAAAAAAAAAAAAAAAAAAAAAAAAAAAAAAAAAAAAAAAAAAAAAAAAAAAAAAAAAAAAAAAAAAAAAAAAAAAAAAAAAAAAAAAAAAAAAAAAAAAAAAAAAAAAAAAAAAAAAAAAAAAAAAAAAAAAAAAAAAAAAAAAAAAAAAAAAAAAAAAAAAAAAAAAAAAAAAAAAAAAAAAAAAAAAAAAAAAAAAAAAAAAAAAAAAAAAAAAAAAAAAAAAAAAAAAAAAAAAAAAAAAAAAAAAAAAAAAAAAAAAAAAAAAAAAAAAAAAAAAAAAAAAAAAAAAAAAAAAAAAAAAAAAAAAAAAAAAAAAAAAAAAAAAAAAAAAAAAAAAAAAAAAAAAAAAAAAAAAAAAAAAAAAAAAAAAAAAAAAAAAAAAAAAAAAAAAAAAAAAAAAAAAAAAAAAAAAAAAAAAAAAAAAAAAAAAAAAAAAAAAAAAAAAAAAAAAAAAAAAAAAAAAAAAAAAAAAAAAAAAAAAAAAAAAAAAAAAAAAAAAAAAAAAAAAAAAAAAAAAAAAAAAAAAAAAAAAAAAAAAAAAAAAAAAAAAAAAAAAAAAAAAAAAAAAAAAAAAAAAAAAAAAAAAAAAAAAAAAAAAAAAAAAAAAAAAAAAAAAAAAAAAAAAAAAAAAAAAAAAAAAAAAAAAAAAAAAAAAAAAAAAAAAAAAAAAAAAAAAAAAAAAAAAAAAAAAAAAAAAAAAAAAAAAAAAAAAAAAAAAAAAAAAAAAAAAAAAAAAAAAAAAAAAAAAAAAAAAAAAAAAAAAAAAAAAAAAAAAAAAAAAAAAAAAAAAAAAAAAAAAAAAAAAAAAAAAAAAAAAAAAAAAAAAAAAAAAAAAAAAAAAAAAAAAAAAAAAAAAAAAAAAAAAAAAAAAAAAAAAAAAAAAAAAAAAAAAAAAAAAAAAAAAAAAAAAAAAAAAAAAAAAAAAAAAAAAAAAAAAAAAAAAAAAAAAAAAAAAAAAAAAAAAAAAAAAAAAAAAAAAAAAAAAAAAAAAAAAAAAAAAAAAAAAAAAAAAAAAAAAAAAAAAAAAAAAAAAAAAAAAAAAAAAAAAAAAAAAAAAAAAAAAAAAAAAAAAAAAAAAAAAAAAAAAAAAAAAAAAAAAAAAAAAAAAAAAAAAAAAAAAAAAAAAAAAAAAAAAAAAAAAAAAAAAAAAAAAAAAAAAAAAAAAAAAAAAAAAAAAAAAAAAAAAAAAAAAAAAAAAAAAAAAAAAAAAAAAAAAAAAAAAAAAAAAAAAAAAAAAAAAAAAAAAAAAAAAAAAAAAAAAAAAAAAAAAAAAAAAAAAAAAAAAAAAAAAAAAAAAAAAAAAAAAAAAAAAAAAAAAAAAAAAAAAAAAAAAAAAAAAAAAAAAAAAAAAAAAAAAAAAAAAAAAAAAAAAAAAAAAAAAAAAAAAAAAAAAAAAAAAAAAAAAAAAAAAAAAAAAAAAAAAAAAAAAAAAAAAAAAAAAAAAAAAAAAAAAAAAAAAAAAAAAAAAAAAAAAAAAAAAAAAAAAAAAAAAAAAAAAAAAAAAAAAAAAAAAAAAAAAAAAAAAAAAAAAAAAAAAAAAAAAAAAAAAAAAAAAAAAAAAAAAAAAAAAAAAAAAAAAAAAAAAAAAAAAAAAAAAAAAAAAAAAAAAAAAAAAAAAAAAAAAAAAAAAAAAAAAAAAAAAAAAAAAAAAAAAAAAAAAAAAAAAAAAAAAAAAAAAAAAAAAAAAAAAAAAAAAAAAAAAAAAAAAAAAAAAAAAAAAAAAAAAAAAAAAAAAAAAAAAAAAAAAAAAAAAAAAAAAAAAAAAAAAAAAAAAAAAAAAAAAAAAAAAAAAAAAAAAAAAAAAAAAAAAAAAAAAAAAAAAAAAAAAAAAAAAAAAAAAAAAAAAAAAAAAAAAAAAAAAAAAAAAAAAAAAAAAAAAAAAAAAAAAAAAAAAAAAAAAAAAAAAAAAAAAAAAAAAAAAAAAAAAAAAAAAAAAAAAAAAAAAAAAAAAAAAAAAAAAAAAAAAAAAAAAAAAAAAAAAAAAAAAAAAAAAAAAAAAAAAAAAAAAAAAAAAAAAAAAAAAAAAAAAAAAAAAAAAAAAAAAAAAAAAAAAAAAAAAAAAAAAAAAAAAAAAAAAAAAAAAAAAAAAAAAAAAAAAAAAAAAAAAAAAAAAAAAAAAAAAAAAAAAAAAAAAAAAAAAAAAAAAAAAAAAAAAAAAAAAAAAAAAAAAAAAAAAAAAAAAAAAAAAAAAAAAAAAAAAAAAAAAAAAAAAAAAAAAAAAAAAAAAAAAAAAAAAAAAAAAAAAAAAAAAAAAAAAAAAAAAAAAAAAAAAAAAAAAAAAAAAAAAAAAAAAAAAAAAAAAAAAAAAAAAAAAAAAAAAAAAAAAAAAAAAAAAAAAAAAAAAAAAAAAAAAAAAAAAAAAAAAAAAAAAAAAAAAAAAAAAAAAAAAAAAAAAAAAAAAAAAAAAAAAAAAAAAAAAAAAAAAAAAAAAAAAAAAAAAAAAAAAAAAAAAAAAAAAAAAAAAAAAAAAAAAAAAAAAAAAAAAAAAAAAAAAAAAAAAAAAAAAAAAAAAAAAAAAAAAAAAAAAAAAAAAAAAAAAAAAAAAAAAAAAAAAAAAAAAAAAAAAAAAAAAAAAAAAAAAAAAAAAAAAAAAAAAAAAAAAAAAAAAAAAAAAAAAAAAAAAAAAAAAAAAAAAAAAAAAAAAAAAAAAAAAAAAAAAAAAAAAAAAAAAAAAAAAAAAAAAAAAAAAAAAAAAAAAAAAAAAAAAAAAAAAAAAAAAAAAAAAAAAAAAAAAAAAAAAAAAAAAAAAAAAAAAAAAAAAAAAAAAAAAAAAAAAAAAAAAAAAAAAAAAAAAAAAAAAAAAAAAAAAAAAAAAAAAAAAAAAAAAAAAAAAAAAAAAAAAAAAAAAAAAAAAAAAAAAAAAAAAAAAAAAAAAAAAAAAAAAAAAAAAAAAAAAAAAAAAAAAAAAAAAAAAAAAAAAAAAAAAAAAAAAAAAAAAAAAAAAAAAAAAAAAAAAAAAAAAAAAAAAAAAAAAAAAAAAAAAAAAAAAAAAAAAAAAAAAAAAAAAAAAAAAAAAAAAAAAAAAAAAAAAAAAAAAAAAAAAAAAAAAAAAAAAAAAAAAAAAAAAAAAAAAAAAAAAAAAAAAAAAAAAAAAAAAAAAAAAAAAAAAAAAAAAAAAAAAAAAAAAAAAAAAAAAAAAAAAAAAAAAAAAAAAAAAAAAAAAAAAAAAAAAAAAAAAAAAAAAAAAAAAAAAAAAAAAAAAAAAAAAAAAAAAAAAAAAAAAAAAAAAAAAAAAAAAAAAAAAAAAAAAAAAAAAAAAAAAAAAAAAAAAAAAAAAAAAAAAAAAAAAAAAAAAAAAAAAAAAAAAAAAAAAAAAAAAAAAAAAAAAAAAAAAAAAAAAAAAAAAAAAAAAAAAAAAAAAAAAAAAAAAAAAAAAAAAAAAAAAAAAAAAAAAAAAAAAAAAAAAAAAAAAAAAAAAAAAAAAAAAAAAAAAAAAAAAAAAAAAAAAAAAAAAAAAAAAAAAAAAAAAAAAAAAAAAAAAAAAAAAAAAAAAAAAAAAAAAAAAAAAAAAAAAAAAAAAAAAAAAAAAAAAAAAAAAAAAAAAAAAAAAAAAAAAAAAAAAAAAAAAAAAAAAAAAAAAAAAAAAAAAAAAAAAAAAAAAAAAAAAAAAAAAAAAAAAAAAAAAAAAAAAAAAAAAAAAAAAAAAAAAAAAAAAAAAAAAAAAAAAAAAAAAAAAAAAAAAAAAAAAAAAAAAAAAAAAAAAAAAAAAAAAAAAAAAAAAAAAAAAAAAAAAAAAAAAAAAAAAAAAAAAAAAAAAAAAAAAAAAAAAAAAAAAAAAAAAAAAAAAAAAAAAAAAAAAAAAAAAAAAAAAAAAAAAAAAAAAAAAAAAAAAAAAAAAAAAAAAAAAAAAAAAAAAAAAAAAAAAAAAAAAAAAAAAAAAAAAAAAAAAAAAAAAAAAAAAAAAAAAAAAAAAAAAAAAAAAAAAAAAAAAAAAAAAAAAAAAAAAAAAAAAAAAAAAAAAAAAAAAAAAAAAAAAAAAAAAAAAAAAAAAAAAAAAAAAAAAAAAAAAAAAAAAAAAAAAAAAAAAAAAAAAAAAAAAAAAAAAAAAAAAAAAAAAAAAAAAAAAAAAAAAAAAAAAAAAAAAAAAAAAAAAAAAAAAAAAAAAAAAAAAAAAAAAAAAAAAAAAAAAAAAAAAAAAAAAAAAAAAAAAAAAAAAAAAAAAAAAAAAAAAAAAAAAAAAAAAAAAAAAAAAAAAAAAAAAAAAAAAAAAAAAAAAAAAAAAAAAAAAAAAAAAAAAAAAAAAAAAAAAAAAAAAAAAAAAAAAAAAAAAAAAAAAAAAAAAAAAAAAAAAAAAAAAAAAAAAAAAAAAAAAAAAAAAAAAAAAAAAAAAAAAAAAAAAAAAAAAAAAAAAAAAAAAAAAAAAAAAAAAAAAAAAAAAAAAAAAAAAAAAAAAAAAAAAAAAAAAAAAAAAAAAAAAAAAAAAAAAAAAAAAAAAAAAAAAAAAAAAAAAAAAAAAAAAAAAAAAAAAAAAAAAAAAAAAAAAAAAAAAAAAAAAAAAAAAAAAAAAAAAAAAAAAAAAAAAAAAAAAAAAAAAAAAAAAAAAAAAAAAAAAAAAAAAAAAAAAAAAAAAAAAAAAAAAAAAAAAAAAAAAAAAAAAAAAAAAAAAAAAAAAAAAAAAAAAAAAAAAAAAAAAAAAAAAAAAAAAAAAAAAAAAAAAAAAAAAAAAAAAAAAAAAAAAAAAAAAAAAAAAAAAAAAAAAAAAAAAAAAAAAAAAAAAAAAAAAAAAAAAAAAAAAAAAAAAAAAAAAAAAAAAAAAAAAAAAAAAAAAAAAAAAAAAAAAAAAAAAAAAAAAAAAAAAAAAAAAAAAAAAAAAAAAAAAAAAAAAAAAAAAAAAAAAAAAAAAAAAAAAAAAAAAAAAAAAAAAAAAAAAAAAAAAAAAAAAAAAAAAAAAAAAAAAAAAAAAAAAAAAAAAAAAAAAAAAAAAAAAAAAAAAAAAAAAAAAAAAAAAAAAAAAAAAAAAAAAAAAAAAAAAAAAAAAAAAAAAAAAAAAAAAAAAAAAAAAAAAAAAAAAAAAAAAAAAAAAAAAAAAAAAAAAAAAAAAAAAAAAAAAAAAAAAAAAAAAAAAAAAAAAAAAAAAAAAAAAAAAAAAAAAAAAAAAAAAAAAAAAAAAAAAAAAAAAAAAAAAAAAAAAAAAAAAAAAAAAAAAAAAAAAAAAAAAAAAAAAAAAAAAAAAAAAAAAAAAAAAAAAAAAAAAAAAAAAAAAAAAAAAAAAAAAAAAAAAAAAAAAAAAAAAAAAAAAAAAAAAAAAAAAAAAAAAAAAAAAAAAAAAAAAAAAAAAAAAAAAAAAAAAAAAAAAAAAAAAAAAAAAAAAAAAAAAAAAAAAAAAAAAAAAAAAAAAAAAAAAAAAAAAAAAAAAAAAAAAAAAAAAAAAAAAAAAAAAAAAAAAAAAAAAAAAAAAAAAAAAAAAAAAAAAAAAAAAAAAAAAAAAAAAAAAAAAAAAAAAAAAAAAAAAAAAAAAAAAAAAAAAAAAAAAAAAAAAAAAAAAAAAAAAAAAAAAAAAAAAAAAAAAAAAAAAAAAAAAAAAAAAAAAAAAAAAAAAAAAAAAAAAAAAAAAAAAAAAAAAAAAAAAAAAAAAAAAAAAAAAAAAAAAAAAAAAAAAAAAAAAAAAAAAAAAAAAAAAAAAAAAAAAAAAAAAAAAAAAAAAAAAAAAAAAAAAAAAAAAAAAAAAAAAAAAAAAAAAAAAAAAAAAAAAAAAAAAAAAAAAAAAAAAAAAAAAAAAAAAAAAAAAAAAAAAAAAAAAAAAAAAAAAAAAAAAAAAAAAAAAAAAAAAAAAAAAAAAAAAAAAAAAAAAAAAAAAAAAAAAAAAAAAAAAAAAAAAAAAAAAAAAAAAAAAAAAAAAAAAAAAAAAAAAAAAAAAAAAAAAAAAAAAAAAAAAAAAAAAAAAAAAAAAAAAAAAAAAAAAAAAAAAAAAAAAAAAAAAAAAAAAAAAAAAAAAAAAAAAAAAAAAAAAAAAAAAAAAAAAAAAAAAAAAAAAAAAAAAAAAAAAAAAAAAAAAAAAAAAAAAAAAAAAAAAAAAAAAAAAAAAAAAAAAAAAAAAAAAAAAAAAAAAAAAAAAAAAAAAAAAAAAAAAAAAAAAAAAAAAAAAAAAAAAAAAAAAAAAAAAAAAAAAAAAAAAAAAAAAAAAAAAAAAAAAAAAAAAAAAAAAAAAAAAAAAAAAAAAAAAAAAAAAAAAAAAAAAAAAAAAAAAAAAAAAAAAAAAAAAAAAAAAAAAAAAAAAAAAAAAAAAAAAAAAAAAAAAAAAAAAAAAAAAAAAAAAAAAAAAAAAAAAAAAAAAAAAAAAAAAAAAAAAAAAAAAAAAAAAAAAAAAAAAAAAAAAAAAAAAAAAAAAAAAAAAAAAAAAAAAAAAAAAAAAAAAAAAAAAAAAAAAAAAAAAAAAAAAAAAAAAAAAAAAAAAAAAAAAAAAAAAAAAAAAAAAAAAAAAAAAAAAAAAAAAAAAAAAAAAAAAAAAAAAAAAAAAAAAAAAAAAAAAAAAAAAAAAAAAAAAAAAAAAAAAAAAAAAAAAAAAAAAAAAAAAAAAAAAAAAAAAAAAAAAAAAAAAAAAAAAAAAAAAAAAAAAAAAAAAAAAAAAAAAAAAAAAAAAAAAAAAAAAAAAAAAAAAAAAAAAAAAAAAAAAAAAAAAAAAAAAAAAAAAAAAAAAAAAAAAAAAAAAAAAAAAAAAAAAAAAAAAAAAAAAAAAAAAAAAAAAAAAAAAAAAAAAAAAAAAAAAAAAAAAAAAAAAAAAAAAAAAAAAAAAAAAAAAAAAAAAAAAAAAAAAAAAAAAAAAAAAAAAAAAAAAAAAAAAAAAAAAAAAAAAAAAAAAAAAAAAAAAAAAAAAAAAAAAAAAAAAAAAAAAAAAAAAAAAAAAAAAAAAAAAAAAAAAAAAAAAAAAAAAAAAAAAAAAAAAAAAAAAAAAAAAAAAAAAAAAAAAAAAAAAAAAAAAAAAAAAAAAAAAAAAAAAAAAAAAAAAAAAAAAAAAAAAAAAAAAAAAAAAAAAAAAAAAAAAAAAAAAAAAAAAAAAAAAAAAAAAAAAAAAAAAAAAAAAAAAAAAAAAAAAAAAAAAAAAAAAAAAAAAAAAAAAAAAAAAAAAAAAAAAAAAAAAAAAAAAAAAAAAAAAAAAAAAAAAAAAAAAAAAAAAAAAAAAAAAAAAAAAAAAAAAAAAAAAAAAAAAAAAAAAAAAAAAAAAAAAAAAAAAAAAAAAAAAAAAAAAAAAAAAAAAAAAAAAAAAAAAAAAAAAAAAAAAAAAAAAAAAAAAAAAAAAAAAAAAAAAAAAAAAAAAAAAAAAAAAAAAAAAAAAAAAAAAAAAAAAAAAAAAAAAAAAAAAAAAAAAAAAAAAAAAAAAAAAAAAAAAAAAAAAAAAAAAAAAAAAAAAAAAAAAAAAAAAAAAAAAAAAAAAAAAAAAAAAAAAAAAAAAAAAAAAAAAAAAAAAAAAAAAAAAAAAAAAAAAAAAAAAAAAAAAAAAAAAAAAAAAAAAAAAAAAAAAAAAAAAAAAAAAAAAAAAAAAAAAAAAAAAAAAAAAAAAAAAAAAAAAAAAAAAAAAAAAAAAAAAAAAAAAAAAAAAAAAAAAAAAAAAAAAAAAAAAAAAAAAAAAAAAAAAAAAAAAAAAAAAAAAAAAAAAAAAAAAAAAAAAAAAAAAAAAAAAAAAAAAAAAAAAAAAAAAAAAAAAAAAAAAAAAAAAAAAAAAAAAAAAAAAAAAAAAAAAAAAAAAAAAAAAAAAAAAAAAAAAAAAAAAAAAAAAAAAAAAAAAAAAAAAAAAAAAAAAAAAAAAAAAAAAAAAAAAAAAAAAAAAAAAAAAAAAAAAAAAAAAAAAAAAAAAAAAAAAAAAAAAAAAAAAAAAAAAAAAAAAAAAAAAAAAAAAAAAAAAAAAAAAAAAAAAAAAAAAAAAAAAAAAAAAAAAAAAAAAAAAAAAAAAAAAAAAAAAAAAAAAAAAAAAAAAAAAAAAAAAAAAAAAAAAAAAAAAAAAAAAAAAAAAAAAAAAAAAAAAAAAAAAAAAAAAAAAAAAAAAAAAAAAAAAAAAAAAAAAAAAAAAAAAAAAAAAAAAAAAAAAAAAAAAAAAAAAAAAAAAAAAAAAAAAAAAAAAAAAAAAAAAAAAAAAAAAAAAAAAAAAAAAAAAAAAAAAAAAAAAAAAAAAAAAAAAAAAAAAAAAAAAAAAAAAAAAAAAAAAAAAAAAAAAAAAAAAAAAAAAAAAAAAAAAAAAAAAAAAAAAAAAAAAAAAAAAAAAAAAAAAAAAAAAAAAAAAAAAAAAAAAAAAAAAAAAAAAAAAAAAAAAAAAAAAAAAAAAAAAAAAAAAAAAAAAAAAAAAAAAAAAAAAAAAAAAAAAAAAAAAAAAAAAAAAAAAAAAAAAAAAAAAAAAAAAAAAAAAAAAAAAAAAAAAAAAAAAAAAAAAAAAAAAAAAAAAAAAAAAAAAAAAAAAAAAAAAAAAAAAAAAAAAAAAAAAAAAAAAAAAAAAAAAAAAAAAAAAAAAAAAAAAAAAAAAAAAAAAAAAAAAAAAAAAAAAAAAAAAAAAAAAAAAAAAAAAAAAAAAAAAAAAAAAAAAAAAAAAAAAAAAAAAAAAAAAAAAAAAAAAAAAAAAAAAAAAAAAAAAAAAAAAAAAAAAAAAAAAAAAAAAAAAAAAAAAAAAAAAAAAAAAAAAAAAAAAAAAAAAAAAAAAAAAAAAAAAAAAAAAAAAAAAAAAAAAAAAAAAAAAAAAAAAAAAAAAAAAAAAAAAAAAAAAAAAAAAAAAAAAAAAAAAAAAAAAAAAAAAAAAAAAAAAAAAAAAAAAAAAAAAAAAAAAAAAAAAAAAAAAAAAAAAAAAAAAAAAAAAAAAAAAAAAAAAAAAAAAAAAAAAAAAAAAAAAAAAAAAAAAAAAAAAAAAAAAAAAAAAAAAAAAAAAAAAAAAAAAAAAAAAAAAAAAAAAAAAAAAAAAAAAAAAAAAAAAAAAAAAAAAAAAAAAAAAAAAAAAAAAAAAAAAAAAAAAAAAAAAAAAAAAAAAAAAAAAAAAAAAAAAAAAAAAAAAAAAAAAAAAAAAAAAAAAAAAAAAAAAAAAAAAAAAAAAAAAAAAAAAAAAAAAAAAAAAAAAAAAAAAAAAAAAAAAAAAAAAAAAAAAAAAAAAAAAAAAAAAAAAAAAAAAAAAAAAAAAAAAAAAAAAAAAAAAAAAAAAAAAAAAAAAAAAAAAAAAAAAAAAAAAAAAAAAAAAAAAAAAAAAAAAAAAAAAAAAAAAAAAAAAAAAAAAAAAAAAAAAAAAAAAAAAAAAAAAAAAAAAAAAAAAAAAAAAAAAAAAAAAAAAAAAAAAAAAAAAAAAAAAAAAAAAAAAAAAAAAAAAAAAAAAAAAAAAAAAAAAAAAAAAAAAAAAAAAAAAAAAAAAAAAAAAAAAAAAAAAAAAAAAAAAAAAAAAAAAAAAAAAAAAAAAAAAAAAAAAAAAAAAAAAAAAAAAAAAAAAAAAAAAAAAAAAAAAAAAAAAAAAAAAAAAAAAAAAAAAAAAAAAAAAAAAAAAAAAAAAAAAAAAAAAAAAAAAAAAAAAAAAAAAAAAAAAAAAAAAAAAAAAAAAAAAAAAAAAAAAAAAAAAAAAAAAAAAAAAAAAAAAAAAAAAAAAAAAAAAAAAAAAAAAAAAAAAAAAAAAAAAAAAAAAAAAAAAAAAAAAAAAAAAAAAAAAAAAAAAAAAAAAAAAAAAAAAAAAAAAAAAAAAAAAAAAAAAAAAAAAAAAAAAAAAAAAAAAAAAAAAAAAAAAAAAAAAAAAAAAAAAAAAAAAAAAAAAAAAAAAAAAAAAAAAAAAAAAAAAAAAAAAAAAAAAAAAAAAAAAAAAAAAAAAAAAAAAAAAAAAAAAAAAAAAAAAAAAAAAAAAAAAAAAAAAAAAAAAAAAAAAAAAAAAAAAAAAAAAAAAAAAAAAAAAAAAAAAAAAAAAAAAAAAAAAAAAAAAAAAAAAAAAAAAAAAAAAAAAAAAAAAAAAAAAAAAAAAAAAAAAAAAAAAAAAAAAAAAAAAAAAAAAAAAAAAAAAAAAAAAAAAAAAAAAAAAAAAAAAAAAAAAAAAAAAAAAAAAAAAAAAAAAAAAAAAAAAAAAAAAAAAAAAAAAAAAAAAAAAAAAAAAAAAAAAAAAAAAAAAAAAAAAAAAAAAAAAAAAAAAAAAAAAAAAAAAAAAAAAAAAAAAAAAAAAAAAAAAAAAAAAAAAAAAAAAAAAAAAAAAAAAAAAAAAAAAAAAAAAAAAAAAAAAAAAAAAAAAAAAAAAAAAAAAAAAAAAAAAAAAAAAAAAAAAAAAAAAAAAAAAAAAAAAAAAAAAAAAAAAAAAAAAAAAAAAAAAAAAAAAAAAAAAAAAAAAAAAAAAAAAAAAAAAAAAAAAAAAAAAAAAAAAAAAAAAAAAAAAAAAAAAAAAAAAAAAAAAAAAAAAAAAAAAAAAAAAAAAAAAAAAAAAAAAAAAAAAAAAACAAAAAv//////////AQAAAAAAAAAAAAAAEQAAAFByb3BlcnR5RG9jdW1lbnRzAgAAAAAAAAAFAAAACQAAAF9pZD0kLl9pZAEDAAAAAAADAAAAAQADAAAAIwAAAENvbWJpSW5kZXg9JC5OYW1lICsgJ18nICsgJC5WZXJzaW9uAQQAAAAAAAQAAAABAAQAAAAAAAAAAP///////wAAAAAAAP////8AAAAAAP///////wAAAAAAAP////8AAAAAAP///////wAAAAAAAP////8AAAAAAP///////wAAAAAAAP////8AAAAAAP///////wAAAAAAAP////8AAAAAAP///////wAAAAAAAP////8AAAAAAP///////wAAAAAAAP////8AAAAAAP///////wAAAAAAAP////8AAAAAAP///////wAAAAAAAP////8AAAAAAP///////wAAAAAAAP////8AAAAAAP///////wAAAAAAAP////8AAAAAAP///////wAAAAAAAP////8AAAAAAP///////wAAAAAAAP////8AAAAAAP///////wAAAAAAAP////8AAAAAAAAAAAAAAAAAAAAAAAAAAAAAAAAAAAAAAAAAAAAAAAAAAAAAAAAAAAAAAAAAAAAAAAAAAAAAAAAAAAAAAAAAAAAAAAAAAAAAAAAAAAAAAAAAAAAAAAAAAAAAAAAAAAAAAAAAAAAAAAAAAAAAAAAAAAAAAAAAAAAAAAAAAAAAAAAAAAAAAAAAAAAAAAAAAAAAAAAAAAAAAAAAAAAAAAAAAAAAAAAAAAAAAAAAAAAAAAAAAAAAAAAAAAAAAAAAAAAAAAAAAAAAAAAAAAAAAAAAAAAAAAAAAAAAAAAAAAAAAAAAAAAAAAAAAAAAAAAAAAAAAAAAAAAAAAAAAAAAAAAAAAAAAAAAAAAAAAAAAAAAAAAAAAAAAAAAAAAAAAAAAAAAAAAAAAAAAAAAAAAAAAAAAAAAAAAAAAAAAAAAAAAAAAAAAAAAAAAAAAAAAAAAAAAAAAAAAAAAAAAAAAAAAAAAAAAAAAAAAAAAAAAAAAAAAAAAAAAAAAAAAAAAAAAAAAAAAAAAAAAAAAAAAAAAAAAAAAAAAAAAAAAAAAAAAAAAAAAAAAAAAAAAAAAAAAAAAAAAAAAAAAAAAAAAAAAAAAAAAAAAAAAAAAAAAAAAAAAAAAAAAAAAAAAAAAAAAAAAAAAAAAAAAAAAAAAAAAAAAAAAAAAAAAAAAAAAAAAAAAAAAAAAAAAAAAAAAAAAAAAAAAAAAAAAAAAAAAAAAAAAAAAAAAAAAAAAAAAAAAAAAAAAAAAAAAAAAAAAAAAAAAAAAAAAAAAAAAAAAAAAAAAAAAAAAAAAAAAAAAAAAAAAAAAAAAAAAAAAAAAAAAAAAAAAAAAAAAAAAAAAAAAAAAAAAAAAAAAAAAAAAAAAAAAAAAAAAAAAAAAAAAAAAAAAAAAAAAAAAAAAAAAAAAAAAAAAAAAAAAAAAAAAAAAAAAAAAAAAAAAAAAAAAAAAAAAAAAAAAAAAAAAAAAAAAAAAAAAAAAAAAAAAAAAAAAAAAAAAAAAAAAAAAAAAAAAAAAAAAAAAAAAAAAAAAAAAAAAAAAAAAAAAAAAAAAAAAAAAAAAAAAAAAAAAAAAAAAAAAAAAAAAAAAAAAAAAAAAAAAAAAAAAAAAAAAAAAAAAAAAAAAAAAAAAAAAAAAAAAAAAAAAAAAAAAAAAAAAAAAAAAAAAAAAAAAAAAAAAAAAAAAAAAAAAAAAAAAAAAAAAAAAAAAAAAAAAAAAAAAAAAAAAAAAAAAAAAAAAAAAAAAAAAAAAAAAAAAAAAAAAAAAAAAAAAAAAAAAAAAAAAAAAAAAAAAAAAAAAAAAAAAAAAAAAAAAAAAAAAAAAAAAAAAAAAAAAAAAAAAAAAAAAAAAAAAAAAAAAAAAAAAAAAAAAAAAAAAAAAAAAAAAAAAAAAAAAAAAAAAAAAAAAAAAAAAAAAAAAAAAAAAAAAAAAAAAAAAAAAAAAAAAAAAAAAAAAAAAAAAAAAAAAAAAAAAAAAAAAAAAAAAAAAAAAAAAAAAAAAAAAAAAAAAAAAAAAAAAAAAAAAAAAAAAAAAAAAAAAAAAAAAAAAAAAAAAAAAAAAAAAAAAAAAAAAAAAAAAAAAAAAAAAAAAAAAAAAAAAAAAAAAAAAAAAAAAAAAAAAAAAAAAAAAAAAAAAAAAAAAAAAAAAAAAAAAAAAAAAAAAAAAAAAAAAAAAAAAAAAAAAAAAAAAAAAAAAAAAAAAAAAAAAAAAAAAAAAAAAAAAAAAAAAAAAAAAAAAAAAAAAAAAAAAAAAAAAAAAAAAAAAAAAAAAAAAAAAAAAAAAAAAAAAAAAAAAAAAAAAAAAAAAAAAAAAAAAAAAAAAAAAAAAAAAAAAAAAAAAAAAAAAAAAAAAAAAAAAAAAAAAAAAAAAAAAAAAAAAAAAAAAAAAAAAAAAAAAAAAAAAAAAAAAAAAAAAAAAAAAAAAAAAAAAAAAAAAAAAAAAAAAAAAAAAAAAAAAAAAAAAAAAAAAAAAAAAAAAAAAAAAAAAAAAAAAAAAAAAAAAAAAAAAAAAAAAAAAAAAAAAAAAAAAAAAAAAAAAAAAAAAAAAAAAAAAAAAAAAAAAAAAAAAAAAAAAAAAAAAAAAAAAAAAAAAAAAAAAAAAAAAAAAAAAAAAAAAAAAAAAAAAAAAAAAAAAAAAAAAAAAAAAAAAAAAAAAAAAAAAAAAAAAAAAAAAAAAAAAAAAAAAAAAAAAAAAAAAAAAAAAAAAAAAAAAAAAAAAAAAAAAAAAAAAAAAAAAAAAAAAAAAAAAAAAAAAAAAAAAAAAAAAAAAAAAAAAAAAAAAAAAAAAAAAAAAAAAAAAAAAAAAAAAAAAAAAAAAAAAAAAAAAAAAAAAAAAAAAAAAAAAAAAAAAAAAAAAAAAAAAAAAAAAAAAAAAAAAAAAAAAAAAAAAAAAAAAAAAAAAAAAAAAAAAAAAAAAAAAAAAAAAAAAAAAAAAAAAAAAAAAAAAAAAAAAAAAAAAAAAAAAAAAAAAAAAAAAAAAAAAAAAAAAAAAAAAAAAAAAAAAAAAAAAAAAAAAAAAAAAAAAAAAAAAAAAAAAAAAAAAAAAAAAAAAAAAAAAAAAAAAAAAAAAAAAAAAAAAAAAAAAAAAAAAAAAAAAAAAAAAAAAAAAAAAAAAAAAAAAAAAAAAAAAAAAAAAAAAAAAAAAAAAAAAAAAAAAAAAAAAAAAAAAAAAAAAAAAAAAAAAAAAAAAAAAAAAAAAAAAAAAAAAAAAAAAAAAAAAAAAAAAAAAAAAAAAAAAAAAAAAAAAAAAAAAAAAAAAAAAAAAAAAAAAAAAAAAAAAAAAAAAAAAAAAAAAAAAAAAAAAAAAAAAAAAAAAAAAAAAAAAAAAAAAAAAAAAAAAAAAAAAAAAAAAAAAAAAAAAAAAAAAAAAAAAAAAAAAAAAAAAAAAAAAAAAAAAAAAAAAAAAAAAAAAAAAAAAAAAAAAAAAAAAAAAAAAAAAAAAAAAAAAAAAAAAAAAAAAAAAAAAAAAAAAAAAAAAAAAAAAAAAAAAAAAAAAAAAAAAAAAAAAAAAAAAAAAAAAAAAAAAAAAAAAAAAAAAAAAAAAAAAAAAAAAAAAAAAAAAAAAAAAAAAAAAAAAAAAAAAAAAAAAAAAAAAAAAAAAAAAAAAAAAAAAAAAAAAAAAAAAAAAAAAAAAAAAAAAAAAAAAAAAAAAAAAAAAAAAAAAAAAAAAAAAAAAAAAAAAAAAAAAAAAAAAAAAAAAAAAAAAAAAAAAAAAAAAAAAAAAAAAAAAAAAAAAAAAAAAAAAAAAAAAAAAAAAAAAAAAAAAAAAAAAAAAAAAAAAAAAAAAAAAAAAAAAAAAAAAAAAAAAAAAAAAAAAAAAAAAAAAAAAAAAAAAAAAAAAAAAAAAAAAAAAAAAAAAAAAAAAAAAAAAAAAAAAAAAAAAAAAAAAAAAAAAAAAAAAAAAAAAAAAAAAAAAAAAAAAAAAAAAAAAAAAAAAAAAAAAAAAAAAAAAAAAAAAAAAAAAAAAAAAAAAAAAAAAAAAAAAAAAAAAAAAAAAAAAAAAAAAAAAAAAAAAAAAAAAAAAAAAAAAAAAAAAAAAAAAAAAAAAAAAAAAAAAAAAAAAAAAAAAAAAAAAAAAAAAAAAAAAAAAAAAAAAAAAAAAAAAAAAAAAAAAAAAAAAAAAAAAAAAAAAAAAAAAAAAAAAAAAAAAAAAAAAAAAAAAAAAAAAAAAAAAAAAAAAAAAAAAAAAAAAAAAAAAAAAAAAAAAAAAAAAAAAAAAAAAAAAAAAAAAAAAAAAAAAAAAAAAAAAAAAAAAAAAAAAAAAAAAAAAAAAAAAAAAAAAAAAAAAAAAAAAAAAAAAAAAAAAAAAAAAAAAAAAAAAAAAAAAAAAAAAAAAAAAAAAAAAAAAAAAAAAAAAAAAAAAAAAAAAAAAAAAAAAAAAAAAAAAAAAAAAAAAAAAAAAAAAAAAAAAAAAAAAAAAAAAAAAAAAAAAAAAAAAAAAAAAAAAAAAAAAAAAAAAAAAAAAAAAAAAAAAAAAAAAAAAAAAAAAAAAAAAAAAAAAAAAAAAAAAAAAAAAAAAAAAAAAAAAAAAAAAAAAAAAAAAAAAAAAAAAAAAAAAAAAAAAAAAAAAAAAAAAAAAAAAAAAAAAAAAAAAAAAAAAAAAAAAAAAAAAAAAAAAAAAAAAAAAAAAAAAAAAAAAAAAAAAAAAAAAAAAAAAAAAAAAAAAAAAAAAAAAAAAAAAAAAAAAAAAAAAAAAAAAAAAAAAAAAAAAAAAAAAAAAAAAAAAAAAAAAAAAAAAAAAAAAAAAAAAAAAAAAAAAAAAAAAAAAAAAAAAAAAAAAAAAAAAAAAAAAAAAAAAAAAAAAAAAAAAAAAAAAAAAAAAAAAAAAAAAAAAAAAAAAAAAAAAAAAAAAAAAAAAAAAAAAAAAAAAAAAAAAAAAAAAAAAAAAAAAAAAAAAAAAAAAAAAAAAAAAAAAAAAAAAAAAAAAAAAAAAAAAAAAAAAAAAAAAAAAAAAAAAAAAAAAAAAAAAAAAAAAAAAAAAAAAAAAAAAAAAAAAAAAAAAAAAAAAAAAAAAAAAAAAAAAAAAAAAAAAAAAAAAAAAAAAAAAAAAAAAAAAAAAAAAAAAAAAAAAAAAAAAAAAAAAAAAAAAAAAAAAAAAAAAAAAAAAAAAAAAAAAAAAAAAAAAAAAAAAAAAAAAAAAAAAAAAAAAAAAAAAAAAAAAAAAAAAAAAAAAAAAAAAAAAAAAAAAAAAAAAAAAAAAAAAAAAAAAAAAAAAAAAAAAAAAAAAAAAAAAAAAAAAAAAAAAAAAAAAAAAAAAAAAAAAAAAAAAAAAAAAAAAAAAAAAAAAAAAAAAAAAAAAAAAAAAAAAAAAAAAAAAAAAAAAAAAAAAAAAAAAAAAAAAAAAAAgMBAQEBAQEBAQEBAQEBAQIAAAAAAAAAAwAAAAMAAAAA/////wQAPwwAAAAAAAAAAAAAIAD///////////////8AAAD///////////////8DAAAAAgD///////8DAAAAAwD///////////////////////////////////////////////////////////////////////////////////////////////////////////////////////////////////////////////////////////////////////////////////////////////////////////////////////////////////////////////////////////////////////////////////////////////////////////////////////////////////////////////////////////////////////////////////////////////////////////////////////////////////////////////////////////////////////////////////////////////8BACAA////////////////AAAO////////AwAAAAMA////////////////////////////////////////////////////////////////////////////////////////////////////////////////////////////////////////////////////////////////////////////////////////////////////////////////////////////////////////////////////////////////////////////////////////////////////////////////////////////////////////////////////////////////////////////////////////////////////////////////////////////////////////////////////////////////////////////////////////////////////////////////////////AgABAP///////wQAAAACABAACwDMemOj5tdGp2OWHktCbSYFAAAAAAADAAAAAAADAAAAAwADAAIA////////BAAAAAMAEAALWxuggGSnk0u3qVPboH0M1AUAAAABAAMAAAACAAMAAAABAAMAAAAAAP///////wAAAAAAAAAAAAAAAAAAAAAAAAAAAAAAAAAAAAAAAAAAAAAAAAAAAAAAAAAAAAAAAAAAAAAAAAAAAAAAAAAAAAAAAAAAAAAAAAAAAAAAAAAAAAAAAAAAAAAAAAAAAAAAAAAAAAAAAAAAAAAAAAAAAAAAAAAAAAAAAAAAAAAAAAAAAAAAAAAAAAAAAAAAAAAAAAAAAAAAAAAAAAAAAAAAAAAAAAAAAAAAAAAAAAAAAAAAAAAAAAAAAAAAAAAAAAAAAAAAAAAAAAAAAAAAAAAAAAAAAAAAAAAAAAAAAAAAAAAAAAAAAAAAAAAAAAAAAAAAAAAAAAAAAAAAAAAAAAAAAAAAAAAAAAAAAAAAAAAAAAAAAAAAAAAAAAAAAAAAAAAAAAAAAAAAAAAAAAAAAAAAAAAAAAAAAAAAAAAAAAAAAAAAAAAAAAAAAAAAAAAAAAAAAAAAAAAAAAAAAAAAAAAAAAAAAAAAAAAAAAAAAAAAAAAAAAAAAAAAAAAAAAAAAAAAAAAAAAAAAAAAAAAAAAAAAAAAAAAAAAAAAAAAAAAAAAAAAAAAAAAAAAAAAAAAAAAAAAAAAAAAAAAAAAAAAAAAAAAAAAAAAAAAAAAAAAAAAAAAAAAAAAAAAAAAAAAAAAAAAAAAAAAAAAAAAAAAAAAAAAAAAAAAAAAAAAAAAAAAAAAAAAAAAAAAAAAAAAAAAAAAAAAAAAAAAAAAAAAAAAAAAAAAAAAAAAAAAAAAAAAAAAAAAAAAAAAAAAAAAAAAAAAAAAAAAAAAAAAAAAAAAAAAAAAAAAAAAAAAAAAAAAAAAAAAAAAAAAAAAAAAAAAAAAAAAAAAAAAAAAAAAAAAAAAAAAAAAAAAAAAAAAAAAAAAAAAAAAAAAAAAAAAAAAAAAAAAAAAAAAAAAAAAAAAAAAAAAAAAAAAAAAAAAAAAAAAAAAAAAAAAAAAAAAAAAAAAAAAAAAAAAAAAAAAAAAAAAAAAAAAAAAAAAAAAAAAAAAAAAAAAAAAAAAAAAAAAAAAAAAAAAAAAAAAAAAAAAAAAAAAAAAAAAAAAAAAAAAAAAAAAAAAAAAAAAAAAAAAAAAAAAAAAAAAAAAAAAAAAAAAAAAAAAAAAAAAAAAAAAAAAAAAAAAAAAAAAAAAAAAAAAAAAAAAAAAAAAAAAAAAAAAAAAAAAAAAAAAAAAAAAAAAAAAAAAAAAAAAAAAAAAAAAAAAAAAAAAAAAAAAAAAAAAAAAAAAAAAAAAAAAAAAAAAAAAAAAAAAAAAAAAAAAAAAAAAAAAAAAAAAAAAAAAAAAAAAAAAAAAAAAAAAAAAAAAAAAAAAAAAAAAAAAAAAAAAAAAAAAAAAAAAAAAAAAAAAAAAAAAAAAAAAAAAAAAAAAAAAAAAAAAAAAAAAAAAAAAAAAAAAAAAAAAAAAAAAAAAAAAAAAAAAAAAAAAAAAAAAAAAAAAAAAAAAAAAAAAAAAAAAAAAAAAAAAAAAAAAAAAAAAAAAAAAAAAAAAAAAAAAAAAAAAAAAAAAAAAAAAAAAAAAAAAAAAAAAAAAAAAAAAAAAAAAAAAAAAAAAAAAAAAAAAAAAAAAAAAAAAAAAAAAAAAAAAAAAAAAAAAAAAAAAAAAAAAAAAAAAAAAAAAAAAAAAAAAAAAAAAAAAAAAAAAAAAAAAAAAAAAAAAAAAAAAAAAAAAAAAAAAAAAAAAAAAAAAAAAAAAAAAAAAAAAAAAAAAAAAAAAAAAAAAAAAAAAAAAAAAAAAAAAAAAAAAAAAAAAAAAAAAAAAAAAAAAAAAAAAAAAAAAAAAAAAAAAAAAAAAAAAAAAAAAAAAAAAAAAAAAAAAAAAAAAAAAAAAAAAAAAAAAAAAAAAAAAAAAAAAAAAAAAAAAAAAAAAAAAAAAAAAAAAAAAAAAAAAAAAAAAAAAAAAAAAAAAAAAAAAAAAAAAAAAAAAAAAAAAAAAAAAAAAAAAAAAAAAAAAAAAAAAAAAAAAAAAAAAAAAAAAAAAAAAAAAAAAAAAAAAAAAAAAAAAAAAAAAAAAAAAAAAAAAAAAAAAAAAAAAAAAAAAAAAAAAAAAAAAAAAAAAAAAAAAAAAAAAAAAAAAAAAAAAAAAAAAAAAAAAAAAAAAAAAAAAAAAAAAAAAAAAAAAAAAAAAAAAAAAAAAAAAAAAAAAAAAAAAAAAAAAAAAAAAAAAAAAAAAAAAAAAAAAAAAAAAAAAAAAAAAAAAAAAAAAAAAAAAAAAAAAAAAAAAAAAAAAAAAAAAAAAAAAAAAAAAAAAAAAAAAAAAAAAAAAAAAAAAAAAAAAAAAAAAAAAAAAAAAAAAAAAAAAAAAAAAAAAAAAAAAAAAAAAAAAAAAAAAAAAAAAAAAAAAAAAAAAAAAAAAAAAAAAAAAAAAAAAAAAAAAAAAAAAAAAAAAAAAAAAAAAAAAAAAAAAAAAAAAAAAAAAAAAAAAAAAAAAAAAAAAAAAAAAAAAAAAAAAAAAAAAAAAAAAAAAAAAAAAAAAAAAAAAAAAAAAAAAAAAAAAAAAAAAAAAAAAAAAAAAAAAAAAAAAAAAAAAAAAAAAAAAAAAAAAAAAAAAAAAAAAAAAAAAAAAAAAAAAAAAAAAAAAAAAAAAAAAAAAAAAAAAAAAAAAAAAAAAAAAAAAAAAAAAAAAAAAAAAAAAAAAAAAAAAAAAAAAAAAAAAAAAAAAAAAAAAAAAAAAAAAAAAAAAAAAAAAAAAAAAAAAAAAAAAAAAAAAAAAAAAAAAAAAAAAAAAAAAAAAAAAAAAAAAAAAAAAAAAAAAAAAAAAAAAAAAAAAAAAAAAAAAAAAAAAAAAAAAAAAAAAAAAAAAAAAAAAAAAAAAAAAAAAAAAAAAAAAAAAAAAAAAAAAAAAAAAAAAAAAAAAAAAAAAAAAAAAAAAAAAAAAAAAAAAAAAAAAAAAAAAAAAAAAAAAAAAAAAAAAAAAAAAAAAAAAAAAAAAAAAAAAAAAAAAAAAAAAAAAAAAAAAAAAAAAAAAAAAAAAAAAAAAAAAAAAAAAAAAAAAAAAAAAAAAAAAAAAAAAAAAAAAAAAAAAAAAAAAAAAAAAAAAAAAAAAAAAAAAAAAAAAAAAAAAAAAAAAAAAAAAAAAAAAAAAAAAAAAAAAAAAAAAAAAAAAAAAAAAAAAAAAAAAAAAAAAAAAAAAAAAAAAAAAAAAAAAAAAAAAAAAAAAAAAAAAAAAAAAAAAAAAAAAAAAAAAAAAAAAAAAAAAAAAAAAAAAAAAAAAAAAAAAAAAAAAAAAAAAAAAAAAAAAAAAAAAAAAAAAAAAAAAAAAAAAAAAAAAAAAAAAAAAAAAAAAAAAAAAAAAAAAAAAAAAAAAAAAAAAAAAAAAAAAAAAAAAAAAAAAAAAAAAAAAAAAAAAAAAAAAAAAAAAAAAAAAAAAAAAAAAAAAAAAAAAAAAAAAAAAAAAAAAAAAAAAAAAAAAAAAAAAAAAAAAAAAAAAAAAAAAAAAAAAAAAAAAAAAAAAAAAAAAAAAAAAAAAAAAAAAAAAAAAAAAAAAAAAAAAAAAAAAAAAAAAAAAAAAAAAAAAAAAAAAAAAAAAAAAAAAAAAAAAAAAAAAAAAAAAAAAAAAAAAAAAAAAAAAAAAAAAAAAAAAAAAAAAAAAAAAAAAAAAAAAAAAAAAAAAAAAAAAAAAAAAAAAAAAAAAAAAAAAAAAAAAAAAAAAAAAAAAAAAAAAAAAAAAAAAAAAAAAAAAAAAAAAAAAAAAAAAAAAAAAAAAAAAAAAAAAAAAAAAAAAAAAAAAAAAAAAAAAAAAAAAAAAAAAAAAAAAAAAAAAAAAAAAAAAAAAAAAAAAAAAAAAAAAAAAAAAAAAAAAAAAAAAAAAAAAAAAAAAAAAAAAAAAAAAAAAAAAAAAAAAAAAAAAAAAAAAAAAAAAAAAAAAAAAAAAAAAAAAAAAAAAAAAAAAAAAAAAAAAAAAAAAAAAAAAAAAAAAAAAAAAAAAAAAAAAAAAAAAAAAAAAAAAAAAAAAAAAAAAAAAAAAAAAAAAAAAAAAAAAAAAAAAAAAAAAAAAAAAAAAAAAAAAAAAAAAAAAAAAAAAAAAAAAAAAAAAAAAAAAAAAAAAAAAAAAAAAAAAAAAAAAAAAAAAAAAAAAAAAAAAAAAAAAAAAAAAAAAAAAAAAAAAAAAAAAAAAAAAAAAAAAAAAAAAAAAAAAAAAAAAAAAAAAAAAAAAAAAAAAAAAAAAAAAAAAAAAAQAAAADAAAAAP////8EABQMAAAAAAAAAAAAACAB////////////////AAAA////////////////BAAAAAMA////////BAAAAAMA////////BAAAAAMA////////////////////////////////////////////////////////////////////////////////////////////////////////////////////////////////////////////////////////////////////////////////////////////////////////////////////////////////////////////////////////////////////////////////////////////////////////////////////////////////////////////////////////////////////////////////////////////////////////////////////////////////////////////////////////////////////////////////AQAgAf///////////////wAADv///////wQAAAACAP///////////////////////////////////////////////////////////////////////////////////////////////////////////////////////////////////////////////////////////////////////////////////////////////////////////////////////////////////////////////////////////////////////////////////////////////////////////////////////////////////////////////////////////////////////////////////////////////////////////////////////////////////////////////////////////////////////////////////////////////////////////////////////wIAAQEDAAAAAgD///////8aAAZMaW5rZWRTaGFwZXNEYXRhUHJvcGVydHlfMAUAAAAAAAQAAAADAAQAAAABAAMAAwEDAAAAAwD///////8lAAZMaW5rZWRTaGFwZVByZXNlbnRhdGlvblNldHRpbmdzRGF0YV8wBQAAAAEABAAAAAAABAAAAAIABAAAAAAA////////BAAAAAAA////////AAAAAAAAAAAAAAAAAAAAAAAAAAAAAAAAAAAAAAAAAAAAAAAAAAAAAAAAAAAAAAAAAAAAAAAAAAAAAAAAAAAAAAAAAAAAAAAAAAAAAAAAAAAAAAAAAAAAAAAAAAAAAAAAAAAAAAAAAAAAAAAAAAAAAAAAAAAAAAAAAAAAAAAAAAAAAAAAAAAAAAAAAAAAAAAAAAAAAAAAAAAAAAAAAAAAAAAAAAAAAAAAAAAAAAAAAAAAAAAAAAAAAAAAAAAAAAAAAAAAAAAAAAAAAAAAAAAAAAAAAAAAAAAAAAAAAAAAAAAAAAAAAAAAAAAAAAAAAAAAAAAAAAAAAAAAAAAAAAAAAAAAAAAAAAAAAAAAAAAAAAAAAAAAAAAAAAAAAAAAAAAAAAAAAAAAAAAAAAAAAAAAAAAAAAAAAAAAAAAAAAAAAAAAAAAAAAAAAAAAAAAAAAAAAAAAAAAAAAAAAAAAAAAAAAAAAAAAAAAAAAAAAAAAAAAAAAAAAAAAAAAAAAAAAAAAAAAAAAAAAAAAAAAAAAAAAAAAAAAAAAAAAAAAAAAAAAAAAAAAAAAAAAAAAAAAAAAAAAAAAAAAAAAAAAAAAAAAAAAAAAAAAAAAAAAAAAAAAAAAAAAAAAAAAAAAAAAAAAAAAAAAAAAAAAAAAAAAAAAAAAAAAAAAAAAAAAAAAAAAAAAAAAAAAAAAAAAAAAAAAAAAAAAAAAAAAAAAAAAAAAAAAAAAAAAAAAAAAAAAAAAAAAAAAAAAAAAAAAAAAAAAAAAAAAAAAAAAAAAAAAAAAAAAAAAAAAAAAAAAAAAAAAAAAAAAAAAAAAAAAAAAAAAAAAAAAAAAAAAAAAAAAAAAAAAAAAAAAAAAAAAAAAAAAAAAAAAAAAAAAAAAAAAAAAAAAAAAAAAAAAAAAAAAAAAAAAAAAAAAAAAAAAAAAAAAAAAAAAAAAAAAAAAAAAAAAAAAAAAAAAAAAAAAAAAAAAAAAAAAAAAAAAAAAAAAAAAAAAAAAAAAAAAAAAAAAAAAAAAAAAAAAAAAAAAAAAAAAAAAAAAAAAAAAAAAAAAAAAAAAAAAAAAAAAAAAAAAAAAAAAAAAAAAAAAAAAAAAAAAAAAAAAAAAAAAAAAAAAAAAAAAAAAAAAAAAAAAAAAAAAAAAAAAAAAAAAAAAAAAAAAAAAAAAAAAAAAAAAAAAAAAAAAAAAAAAAAAAAAAAAAAAAAAAAAAAAAAAAAAAAAAAAAAAAAAAAAAAAAAAAAAAAAAAAAAAAAAAAAAAAAAAAAAAAAAAAAAAAAAAAAAAAAAAAAAAAAAAAAAAAAAAAAAAAAAAAAAAAAAAAAAAAAAAAAAAAAAAAAAAAAAAAAAAAAAAAAAAAAAAAAAAAAAAAAAAAAAAAAAAAAAAAAAAAAAAAAAAAAAAAAAAAAAAAAAAAAAAAAAAAAAAAAAAAAAAAAAAAAAAAAAAAAAAAAAAAAAAAAAAAAAAAAAAAAAAAAAAAAAAAAAAAAAAAAAAAAAAAAAAAAAAAAAAAAAAAAAAAAAAAAAAAAAAAAAAAAAAAAAAAAAAAAAAAAAAAAAAAAAAAAAAAAAAAAAAAAAAAAAAAAAAAAAAAAAAAAAAAAAAAAAAAAAAAAAAAAAAAAAAAAAAAAAAAAAAAAAAAAAAAAAAAAAAAAAAAAAAAAAAAAAAAAAAAAAAAAAAAAAAAAAAAAAAAAAAAAAAAAAAAAAAAAAAAAAAAAAAAAAAAAAAAAAAAAAAAAAAAAAAAAAAAAAAAAAAAAAAAAAAAAAAAAAAAAAAAAAAAAAAAAAAAAAAAAAAAAAAAAAAAAAAAAAAAAAAAAAAAAAAAAAAAAAAAAAAAAAAAAAAAAAAAAAAAAAAAAAAAAAAAAAAAAAAAAAAAAAAAAAAAAAAAAAAAAAAAAAAAAAAAAAAAAAAAAAAAAAAAAAAAAAAAAAAAAAAAAAAAAAAAAAAAAAAAAAAAAAAAAAAAAAAAAAAAAAAAAAAAAAAAAAAAAAAAAAAAAAAAAAAAAAAAAAAAAAAAAAAAAAAAAAAAAAAAAAAAAAAAAAAAAAAAAAAAAAAAAAAAAAAAAAAAAAAAAAAAAAAAAAAAAAAAAAAAAAAAAAAAAAAAAAAAAAAAAAAAAAAAAAAAAAAAAAAAAAAAAAAAAAAAAAAAAAAAAAAAAAAAAAAAAAAAAAAAAAAAAAAAAAAAAAAAAAAAAAAAAAAAAAAAAAAAAAAAAAAAAAAAAAAAAAAAAAAAAAAAAAAAAAAAAAAAAAAAAAAAAAAAAAAAAAAAAAAAAAAAAAAAAAAAAAAAAAAAAAAAAAAAAAAAAAAAAAAAAAAAAAAAAAAAAAAAAAAAAAAAAAAAAAAAAAAAAAAAAAAAAAAAAAAAAAAAAAAAAAAAAAAAAAAAAAAAAAAAAAAAAAAAAAAAAAAAAAAAAAAAAAAAAAAAAAAAAAAAAAAAAAAAAAAAAAAAAAAAAAAAAAAAAAAAAAAAAAAAAAAAAAAAAAAAAAAAAAAAAAAAAAAAAAAAAAAAAAAAAAAAAAAAAAAAAAAAAAAAAAAAAAAAAAAAAAAAAAAAAAAAAAAAAAAAAAAAAAAAAAAAAAAAAAAAAAAAAAAAAAAAAAAAAAAAAAAAAAAAAAAAAAAAAAAAAAAAAAAAAAAAAAAAAAAAAAAAAAAAAAAAAAAAAAAAAAAAAAAAAAAAAAAAAAAAAAAAAAAAAAAAAAAAAAAAAAAAAAAAAAAAAAAAAAAAAAAAAAAAAAAAAAAAAAAAAAAAAAAAAAAAAAAAAAAAAAAAAAAAAAAAAAAAAAAAAAAAAAAAAAAAAAAAAAAAAAAAAAAAAAAAAAAAAAAAAAAAAAAAAAAAAAAAAAAAAAAAAAAAAAAAAAAAAAAAAAAAAAAAAAAAAAAAAAAAAAAAAAAAAAAAAAAAAAAAAAAAAAAAAAAAAAAAAAAAAAAAAAAAAAAAAAAAAAAAAAAAAAAAAAAAAAAAAAAAAAAAAAAAAAAAAAAAAAAAAAAAAAAAAAAAAAAAAAAAAAAAAAAAAAAAAAAAAAAAAAAAAAAAAAAAAAAAAAAAAAAAAAAAAAAAAAAAAAAAAAAAAAAAAAAAAAAAAAAAAAAAAAAAAAAAAAAAAAAAAAAAAAAAAAAAAAAAAAAAAAAAAAAAAAAAAAAAAAAAAAAAAAAAAAAAAAAAAAAAAAAAAAAAAAAAAAAAAAAAAAAAAAAAAAAAAAAAAAAAAAAAAAAAAAAAAAAAAAAAAAAAAAAAAAAAAAAAAAAAAAAAAAAAAAAAAAAAAAAAAAAAAAAAAAAAAAAAAAAAAAAAAAAAAAAAAAAAAAAAAAAAAAAAAAAAAAAAAAAAAAAAAAAAAAAAAAAAAAAAAAAAAAAAAAAAAAAAAAAAAAAAAAAAAAAAAAAAAAAAAAAAAAAAAAAAAAAAAAAAAAAAAAAAAAAAAAAAAAAAAAAAAAAAAAAAAAAAAAAAAAAAAAAAAAAAAAAAAAAAAAAAAAAAAAAAAAAAAAAAAAAAAAAAAAAAAAAAAAAAAAAAAAAAAAAAAAAAAAAAAAAAAAAAAAAAAAAAAAAAAAAAAAAAAAAAAAAAAAAAAAAAAAAAAAAAAAAAAAAAAAAAAAAAAAAAAAAAAAAAAAAAAAAAAAAAAAAAAAAAAAAAAAAAAAAAAAAAAAAAAAAAAAAAAAAAAAAAAAAAAAAAAAAAAAAAAAAAAAAAAAAAAAAAAAAAAAAAAAAAAAAAAAAAAAAAAAAAAAAAAAAAAAAAAAAAAAAAAAAAAAAAAAAAAAAAAAAAAAAAAAAAAAAAAAAAAAAAAAAAAAAAAAAAAAAAAAAAAAAAAAAAAAAAAAAAAAAAAAAAAAAAAAAAAAAAAAAAAAAAAAAAAAAAAAAAAAAAAAAAAAAAAAAAAAAAAAAAAAAAAAAAAAAAAAAAAAAAAAAAAAAAAAAAAAAAAAAAAAAAAAAAAAAAAAAAAAAAAAAAAAAAAAAAAAAAAAAAAAAAAAAAAAAAAAAAAAAAAAAAAAAAAAAAAAAAAAAAAAAAAAAAAAAAAAAAAAAAAAAAAAAAAAAAAAAAAAAAAAAAAAAAAAAAAAAAAAAAAAAAAAAAAAAAAAAAAAAAAAAAAAAAAAAAAAAAAAAAAAAAAAAAAAAAAAAAAAAAAAAAAFAAAABAAAAAD/////AgCODgAAAAAAAAAAAAD/////gwCDAAAABV9pZAAQAAAABADMemOj5tdGp2OWHktCbSYDRGF0YQAbAAAABExpbmtlZFNoYXBlRGF0YQAFAAAAAAACTmFtZQAZAAAATGlua2VkU2hhcGVzRGF0YVByb3BlcnR5ABBWZXJzaW9uAAAAAAAJTGFzdFdyaXRlAFUd4l+KAQAAAAEA/////8YAxgAAAAVfaWQAEAAAAARbG6CAZKeTS7epU9ugfQzUA0RhdGEAUwAAAAhQcmVzZW50YXRpb25TY2FubmVkRm9yTGlua2VkU2hhcGVzAAECTnVtYmVyRm9ybWF0U2VwYXJhdG9yTW9kZQAKAAAAQXV0b21hdGljAAACTmFtZQAkAAAATGlua2VkU2hhcGVQcmVzZW50YXRpb25TZXR0aW5nc0RhdGEAEFZlcnNpb24AAAAAAAlMYXN0V3JpdGUAuh3iX4oBAAAAAAAAAAAAAAAAAAAAAAAAAAAAAAAAAAAAAAAAAAAAAAAAAAAAAAAAAAAAAAAAAAAAAAAAAAAAAAAAAAAAAAAAAAAAAAAAAAAAAAAAAAAAAAAAAAAAAAAAAAAAAAAAAAAAAAAAAAAAAAAAAAAAAAAAAAAAAAAAAAAAAAAAAAAAAAAAAAAAAAAAAAAAAAAAAAAAAAAAAAAAAAAAAAAAAAAAAAAAAAAAAAAAAAAAAAAAAAAAAAAAAAAAAAAAAAAAAAAAAAAAAAAAAAAAAAAAAAAAAAAAAAAAAAAAAAAAAAAAAAAAAAAAAAAAAAAAAAAAAAAAAAAAAAAAAAAAAAAAAAAAAAAAAAAAAAAAAAAAAAAAAAAAAAAAAAAAAAAAAAAAAAAAAAAAAAAAAAAAAAAAAAAAAAAAAAAAAAAAAAAAAAAAAAAAAAAAAAAAAAAAAAAAAAAAAAAAAAAAAAAAAAAAAAAAAAAAAAAAAAAAAAAAAAAAAAAAAAAAAAAAAAAAAAAAAAAAAAAAAAAAAAAAAAAAAAAAAAAAAAAAAAAAAAAAAAAAAAAAAAAAAAAAAAAAAAAAAAAAAAAAAAAAAAAAAAAAAAAAAAAAAAAAAAAAAAAAAAAAAAAAAAAAAAAAAAAAAAAAAAAAAAAAAAAAAAAAAAAAAAAAAAAAAAAAAAAAAAAAAAAAAAAAAAAAAAAAAAAAAAAAAAAAAAAAAAAAAAAAAAAAAAAAAAAAAAAAAAAAAAAAAAAAAAAAAAAAAAAAAAAAAAAAAAAAAAAAAAAAAAAAAAAAAAAAAAAAAAAAAAAAAAAAAAAAAAAAAAAAAAAAAAAAAAAAAAAAAAAAAAAAAAAAAAAAAAAAAAAAAAAAAAAAAAAAAAAAAAAAAAAAAAAAAAAAAAAAAAAAAAAAAAAAAAAAAAAAAAAAAAAAAAAAAAAAAAAAAAAAAAAAAAAAAAAAAAAAAAAAAAAAAAAAAAAAAAAAAAAAAAAAAAAAAAAAAAAAAAAAAAAAAAAAAAAAAAAAAAAAAAAAAAAAAAAAAAAAAAAAAAAAAAAAAAAAAAAAAAAAAAAAAAAAAAAAAAAAAAAAAAAAAAAAAAAAAAAAAAAAAAAAAAAAAAAAAAAAAAAAAAAAAAAAAAAAAAAAAAAAAAAAAAAAAAAAAAAAAAAAAAAAAAAAAAAAAAAAAAAAAAAAAAAAAAAAAAAAAAAAAAAAAAAAAAAAAAAAAAAAAAAAAAAAAAAAAAAAAAAAAAAAAAAAAAAAAAAAAAAAAAAAAAAAAAAAAAAAAAAAAAAAAAAAAAAAAAAAAAAAAAAAAAAAAAAAAAAAAAAAAAAAAAAAAAAAAAAAAAAAAAAAAAAAAAAAAAAAAAAAAAAAAAAAAAAAAAAAAAAAAAAAAAAAAAAAAAAAAAAAAAAAAAAAAAAAAAAAAAAAAAAAAAAAAAAAAAAAAAAAAAAAAAAAAAAAAAAAAAAAAAAAAAAAAAAAAAAAAAAAAAAAAAAAAAAAAAAAAAAAAAAAAAAAAAAAAAAAAAAAAAAAAAAAAAAAAAAAAAAAAAAAAAAAAAAAAAAAAAAAAAAAAAAAAAAAAAAAAAAAAAAAAAAAAAAAAAAAAAAAAAAAAAAAAAAAAAAAAAAAAAAAAAAAAAAAAAAAAAAAAAAAAAAAAAAAAAAAAAAAAAAAAAAAAAAAAAAAAAAAAAAAAAAAAAAAAAAAAAAAAAAAAAAAAAAAAAAAAAAAAAAAAAAAAAAAAAAAAAAAAAAAAAAAAAAAAAAAAAAAAAAAAAAAAAAAAAAAAAAAAAAAAAAAAAAAAAAAAAAAAAAAAAAAAAAAAAAAAAAAAAAAAAAAAAAAAAAAAAAAAAAAAAAAAAAAAAAAAAAAAAAAAAAAAAAAAAAAAAAAAAAAAAAAAAAAAAAAAAAAAAAAAAAAAAAAAAAAAAAAAAAAAAAAAAAAAAAAAAAAAAAAAAAAAAAAAAAAAAAAAAAAAAAAAAAAAAAAAAAAAAAAAAAAAAAAAAAAAAAAAAAAAAAAAAAAAAAAAAAAAAAAAAAAAAAAAAAAAAAAAAAAAAAAAAAAAAAAAAAAAAAAAAAAAAAAAAAAAAAAAAAAAAAAAAAAAAAAAAAAAAAAAAAAAAAAAAAAAAAAAAAAAAAAAAAAAAAAAAAAAAAAAAAAAAAAAAAAAAAAAAAAAAAAAAAAAAAAAAAAAAAAAAAAAAAAAAAAAAAAAAAAAAAAAAAAAAAAAAAAAAAAAAAAAAAAAAAAAAAAAAAAAAAAAAAAAAAAAAAAAAAAAAAAAAAAAAAAAAAAAAAAAAAAAAAAAAAAAAAAAAAAAAAAAAAAAAAAAAAAAAAAAAAAAAAAAAAAAAAAAAAAAAAAAAAAAAAAAAAAAAAAAAAAAAAAAAAAAAAAAAAAAAAAAAAAAAAAAAAAAAAAAAAAAAAAAAAAAAAAAAAAAAAAAAAAAAAAAAAAAAAAAAAAAAAAAAAAAAAAAAAAAAAAAAAAAAAAAAAAAAAAAAAAAAAAAAAAAAAAAAAAAAAAAAAAAAAAAAAAAAAAAAAAAAAAAAAAAAAAAAAAAAAAAAAAAAAAAAAAAAAAAAAAAAAAAAAAAAAAAAAAAAAAAAAAAAAAAAAAAAAAAAAAAAAAAAAAAAAAAAAAAAAAAAAAAAAAAAAAAAAAAAAAAAAAAAAAAAAAAAAAAAAAAAAAAAAAAAAAAAAAAAAAAAAAAAAAAAAAAAAAAAAAAAAAAAAAAAAAAAAAAAAAAAAAAAAAAAAAAAAAAAAAAAAAAAAAAAAAAAAAAAAAAAAAAAAAAAAAAAAAAAAAAAAAAAAAAAAAAAAAAAAAAAAAAAAAAAAAAAAAAAAAAAAAAAAAAAAAAAAAAAAAAAAAAAAAAAAAAAAAAAAAAAAAAAAAAAAAAAAAAAAAAAAAAAAAAAAAAAAAAAAAAAAAAAAAAAAAAAAAAAAAAAAAAAAAAAAAAAAAAAAAAAAAAAAAAAAAAAAAAAAAAAAAAAAAAAAAAAAAAAAAAAAAAAAAAAAAAAAAAAAAAAAAAAAAAAAAAAAAAAAAAAAAAAAAAAAAAAAAAAAAAAAAAAAAAAAAAAAAAAAAAAAAAAAAAAAAAAAAAAAAAAAAAAAAAAAAAAAAAAAAAAAAAAAAAAAAAAAAAAAAAAAAAAAAAAAAAAAAAAAAAAAAAAAAAAAAAAAAAAAAAAAAAAAAAAAAAAAAAAAAAAAAAAAAAAAAAAAAAAAAAAAAAAAAAAAAAAAAAAAAAAAAAAAAAAAAAAAAAAAAAAAAAAAAAAAAAAAAAAAAAAAAAAAAAAAAAAAAAAAAAAAAAAAAAAAAAAAAAAAAAAAAAAAAAAAAAAAAAAAAAAAAAAAAAAAAAAAAAAAAAAAAAAAAAAAAAAAAAAAAAAAAAAAAAAAAAAAAAAAAAAAAAAAAAAAAAAAAAAAAAAAAAAAAAAAAAAAAAAAAAAAAAAAAAAAAAAAAAAAAAAAAAAAAAAAAAAAAAAAAAAAAAAAAAAAAAAAAAAAAAAAAAAAAAAAAAAAAAAAAAAAAAAAAAAAAAAAAAAAAAAAAAAAAAAAAAAAAAAAAAAAAAAAAAAAAAAAAAAAAAAAAAAAAAAAAAAAAAAAAAAAAAAAAAAAAAAAAAAAAAAAAAAAAAAAAAAAAAAAAAAAAAAAAAAAAAAAAAAAAAAAAAAAAAAAAAAAAAAAAAAAAAAAAAAAAAAAAAAAAAAAAAAAAAAAAAAAAAAAAAAAAAAAAAAAAAAAAAAAAAAAAAAAAAAAAAAAAAAAAAAAAAAAAAAAAAAAAAAAAAAAAAAAAAAAAAAAAAAAAAAAAAAAAAAAAAAAAAAAAAAAAAAAAAAAAAAAAAAAAAAAAAAAAAAAAAAAAAAAAAAAAAAAAAAAAAAAAAAAAAAAAAAAAAAAAAAAAAAAAAAAAAAAAAAAAAAAAAAAAAAAAAAAAAAAAAAAAAAAAAAAAAAAAAAAAAAAAAAAAAAAAAAAAAAAAAAAAAAAAAAAAAAAAAAAAAAAAAAAAAAAAAAAAAAAAAAAAAAAAAAAAAAAAAAAAAAAAAAAAAAAAAAAAAAAAAAAAAAAAAAAAAAAAAAAAAAAAAAAAAAAAAAAAAAAAAAAAAAAAAAAAAAAAAAAAAAAAAAAAAAAAAAAAAAAAAAAAAAAAAAAAAAAAAAAAAAAAAAAAAAAAAAAAAAAAAAAAAAAAAAAAAAAAAAAAAAAAAAAAAAAAAAAAAAAAAAAAAAAAAAAAAAAAAAAAAAAAAAAAAAAAAAAAAAAAAAAAAAAAAAAAAAAAAAAAAAAAAAAAAAAAAAAAAAAAAAAAAAAAAAAAAAAAAAAAAAAAAAAAAAAAAAAAAAAAAAAAAAAAAAAAAAAAAAAAAAAAAAAAAAAAAAAAAAAAAAAAAAAAAAAAAAAAAAAAAAAAAAAAAAAAAAAAAAAAAAAAAAAAAAAAAAAAAAAAAAAAAAAAAAAAAAAAAAAAAAAAAAAAAAAAAAAAAAAAAAAAAAAAAAAAAAAAAAAAAAAAAAAAAAAAAAAAAAAAAAAAAAAAAAAAAAAAAAAAAAAAAAAAAAAAAAAAAAAAAAAAAAAAAAAAAAAAAAAAAAAAAAAAAAAAAAAAAAAAAAAAAAAAAAAAAAAAAAAAAAAAAAAAAAAAAAAAAAAAAAAAAAAAAAAAAAAAAAAAAAAAAAAAAAAAAAAAAAAAAAAAAAAAAAAAAAAAAAAAAAAAAAAAAAAAAAAAAAAAAAAAAAAAAAAAAAAAAAAAAAAAAAAAAAAAAAAAAAAAAAAAAAAAAAAAAAAAAAAAAAAAAAAAAAAAAAAAAAAAAAAAAAAAAAAAAAAAAAAAAAAAAAAAAAAAAAAAAAAAAAAAAAAAAAAAAAAAAAAAAAAAAAAAAAAAAAAAAAAAAAAAAAAAAAAAAAAAAAAAAAAAAAAAAAAAAAAAAAAAAAAAAAAAAAAAAAAAAAAAAAAAAAAAAAAAAAAAAAAAAAAAAAAAAAAAAAAAAAAAAAAAAAAAAAAA"/>
+  <p:tag name="EMPOWERCHARTSPROPERTIES_B_0" val="AAAAAAH//////////wEAAAAAAAAAAAAAACoqIFRoaXMgaXMgYSBMaXRlREIgZmlsZSAqKgcEAP////8FAAAAAQAAAAAAAAAAAAAAAAAAAAAAAAAAAAAAAAAAAAAAAAAAAAAAAAABEQAAAFByb3BlcnR5RG9jdW1lbnRzAgAAAAAAAAAAAAAAAAAAAAAAAAAAAAAAAAAAAAAAAAAAAAAAAAAAAAAAAAAAAAAAAAAAAAAAAAAAAAAAAAAAAAAAAAAAAAAAAAAAAAAAAAAAAAAAAAAAAAAAAAAAAAAAAAAAAAAAAAAAAAAAAAAAAAAAAAAAAAAAAAAAAAAAAAAAAAAAAAAAAAAAAAAAAAAAAAAAAAAAAAAAAAAAAAAAAAAAAAAAAAAAAAAAAAAAAAAAAAAAAAAAAAAAAAAAAAAAAAAAAAAAAAAAAAAAAAAAAAAAAAAAAAAAAAAAAAAAAAAAAAAAAAAAAAAAAAAAAAAAAAAAAAAAAAAAAAAAAAAAAAAAAAAAAAAAAAAAAAAAAAAAAAAAAAAAAAAAAAAAAAAAAAAAAAAAAAAAAAAAAAAAAAAAAAAAAAAAAAAAAAAAAAAAAAAAAAAAAAAAAAAAAAAAAAAAAAAAAAAAAAAAAAAAAAAAAAAAAAAAAAAAAAAAAAAAAAAAAAAAAAAAAAAAAAAAAAAAAAAAAAAAAAAAAAAAAAAAAAAAAAAAAAAAAAAAAAAAAAAAAAAAAAAAAAAAAAAAAAAAAAAAAAAAAAAAAAAAAAAAAAAAAAAAAAAAAAAAAAAAAAAAAAAAAAAAAAAAAAAAAAAAAAAAAAAAAAAAAAAAAAAAAAAAAAAAAAAAAAAAAAAAAAAAAAAAAAAAAAAAAAAAAAAAAAAAAAAAAAAAAAAAAAAAAAAAAAAAAAAAAAAAAAAAAAAAAAAAAAAAAAAAAAAAAAAAAAAAAAAAAAAAAAAAAAAAAAAAAAAAAAAAAAAAAAAAAAAAAAAAAAAAAAAAAAAAAAAAAAAAAAAAAAAAAAAAAAAAAAAAAAAAAAAAAAAAAAAAAAAAAAAAAAAAAAAAAAAAAAAAAAAAAAAAAAAAAAAAAAAAAAAAAAAAAAAAAAAAAAAAAAAAAAAAAAAAAAAAAAAAAAAAAAAAAAAAAAAAAAAAAAAAAAAAAAAAAAAAAAAAAAAAAAAAAAAAAAAAAAAAAAAAAAAAAAAAAAAAAAAAAAAAAAAAAAAAAAAAAAAAAAAAAAAAAAAAAAAAAAAAAAAAAAAAAAAAAAAAAAAAAAAAAAAAAAAAAAAAAAAAAAAAAAAAAAAAAAAAAAAAAAAAAAAAAAAAAAAAAAAAAAAAAAAAAAAAAAAAAAAAAAAAAAAAAAAAAAAAAAAAAAAAAAAAAAAAAAAAAAAAAAAAAAAAAAAAAAAAAAAAAAAAAAAAAAAAAAAAAAAAAAAAAAAAAAAAAAAAAAAAAAAAAAAAAAAAAAAAAAAAAAAAAAAAAAAAAAAAAAAAAAAAAAAAAAAAAAAAAAAAAAAAAAAAAAAAAAAAAAAAAAAAAAAAAAAAAAAAAAAAAAAAAAAAAAAAAAAAAAAAAAAAAAAAAAAAAAAAAAAAAAAAAAAAAAAAAAAAAAAAAAAAAAAAAAAAAAAAAAAAAAAAAAAAAAAAAAAAAAAAAAAAAAAAAAAAAAAAAAAAAAAAAAAAAAAAAAAAAAAAAAAAAAAAAAAAAAAAAAAAAAAAAAAAAAAAAAAAAAAAAAAAAAAAAAAAAAAAAAAAAAAAAAAAAAAAAAAAAAAAAAAAAAAAAAAAAAAAAAAAAAAAAAAAAAAAAAAAAAAAAAAAAAAAAAAAAAAAAAAAAAAAAAAAAAAAAAAAAAAAAAAAAAAAAAAAAAAAAAAAAAAAAAAAAAAAAAAAAAAAAAAAAAAAAAAAAAAAAAAAAAAAAAAAAAAAAAAAAAAAAAAAAAAAAAAAAAAAAAAAAAAAAAAAAAAAAAAAAAAAAAAAAAAAAAAAAAAAAAAAAAAAAAAAAAAAAAAAAAAAAAAAAAAAAAAAAAAAAAAAAAAAAAAAAAAAAAAAAAAAAAAAAAAAAAAAAAAAAAAAAAAAAAAAAAAAAAAAAAAAAAAAAAAAAAAAAAAAAAAAAAAAAAAAAAAAAAAAAAAAAAAAAAAAAAAAAAAAAAAAAAAAAAAAAAAAAAAAAAAAAAAAAAAAAAAAAAAAAAAAAAAAAAAAAAAAAAAAAAAAAAAAAAAAAAAAAAAAAAAAAAAAAAAAAAAAAAAAAAAAAAAAAAAAAAAAAAAAAAAAAAAAAAAAAAAAAAAAAAAAAAAAAAAAAAAAAAAAAAAAAAAAAAAAAAAAAAAAAAAAAAAAAAAAAAAAAAAAAAAAAAAAAAAAAAAAAAAAAAAAAAAAAAAAAAAAAAAAAAAAAAAAAAAAAAAAAAAAAAAAAAAAAAAAAAAAAAAAAAAAAAAAAAAAAAAAAAAAAAAAAAAAAAAAAAAAAAAAAAAAAAAAAAAAAAAAAAAAAAAAAAAAAAAAAAAAAAAAAAAAAAAAAAAAAAAAAAAAAAAAAAAAAAAAAAAAAAAAAAAAAAAAAAAAAAAAAAAAAAAAAAAAAAAAAAAAAAAAAAAAAAAAAAAAAAAAAAAAAAAAAAAAAAAAAAAAAAAAAAAAAAAAAAAAAAAAAAAAAAAAAAAAAAAAAAAAAAAAAAAAAAAAAAAAAAAAAAAAAAAAAAAAAAAAAAAAAAAAAAAAAAAAAAAAAAAAAAAAAAAAAAAAAAAAAAAAAAAAAAAAAAAAAAAAAAAAAAAAAAAAAAAAAAAAAAAAAAAAAAAAAAAAAAAAAAAAAAAAAAAAAAAAAAAAAAAAAAAAAAAAAAAAAAAAAAAAAAAAAAAAAAAAAAAAAAAAAAAAAAAAAAAAAAAAAAAAAAAAAAAAAAAAAAAAAAAAAAAAAAAAAAAAAAAAAAAAAAAAAAAAAAAAAAAAAAAAAAAAAAAAAAAAAAAAAAAAAAAAAAAAAAAAAAAAAAAAAAAAAAAAAAAAAAAAAAAAAAAAAAAAAAAAAAAAAAAAAAAAAAAAAAAAAAAAAAAAAAAAAAAAAAAAAAAAAAAAAAAAAAAAAAAAAAAAAAAAAAAAAAAAAAAAAAAAAAAAAAAAAAAAAAAAAAAAAAAAAAAAAAAAAAAAAAAAAAAAAAAAAAAAAAAAAAAAAAAAAAAAAAAAAAAAAAAAAAAAAAAAAAAAAAAAAAAAAAAAAAAAAAAAAAAAAAAAAAAAAAAAAAAAAAAAAAAAAAAAAAAAAAAAAAAAAAAAAAAAAAAAAAAAAAAAAAAAAAAAAAAAAAAAAAAAAAAAAAAAAAAAAAAAAAAAAAAAAAAAAAAAAAAAAAAAAAAAAAAAAAAAAAAAAAAAAAAAAAAAAAAAAAAAAAAAAAAAAAAAAAAAAAAAAAAAAAAAAAAAAAAAAAAAAAAAAAAAAAAAAAAAAAAAAAAAAAAAAAAAAAAAAAAAAAAAAAAAAAAAAAAAAAAAAAAAAAAAAAAAAAAAAAAAAAAAAAAAAAAAAAAAAAAAAAAAAAAAAAAAAAAAAAAAAAAAAAAAAAAAAAAAAAAAAAAAAAAAAAAAAAAAAAAAAAAAAAAAAAAAAAAAAAAAAAAAAAAAAAAAAAAAAAAAAAAAAAAAAAAAAAAAAAAAAAAAAAAAAAAAAAAAAAAAAAAAAAAAAAAAAAAAAAAAAAAAAAAAAAAAAAAAAAAAAAAAAAAAAAAAAAAAAAAAAAAAAAAAAAAAAAAAAAAAAAAAAAAAAAAAAAAAAAAAAAAAAAAAAAAAAAAAAAAAAAAAAAAAAAAAAAAAAAAAAAAAAAAAAAAAAAAAAAAAAAAAAAAAAAAAAAAAAAAAAAAAAAAAAAAAAAAAAAAAAAAAAAAAAAAAAAAAAAAAAAAAAAAAAAAAAAAAAAAAAAAAAAAAAAAAAAAAAAAAAAAAAAAAAAAAAAAAAAAAAAAAAAAAAAAAAAAAAAAAAAAAAAAAAAAAAAAAAAAAAAAAAAAAAAAAAAAAAAAAAAAAAAAAAAAAAAAAAAAAAAAAAAAAAAAAAAAAAAAAAAAAAAAAAAAAAAAAAAAAAAAAAAAAAAAAAAAAAAAAAAAAAAAAAAAAAAAAAAAAAAAAAAAAAAAAAAAAAAAAAAAAAAAAAAAAAAAAAAAAAAAAAAAAAAAAAAAAAAAAAAAAAAAAAAAAAAAAAAAAAAAAAAAAAAAAAAAAAAAAAAAAAAAAAAAAAAAAAAAAAAAAAAAAAAAAAAAAAAAAAAAAAAAAAAAAAAAAAAAAAAAAAAAAAAAAAAAAAAAAAAAAAAAAAAAAAAAAAAAAAAAAAAAAAAAAAAAAAAAAAAAAAAAAAAAAAAAAAAAAAAAAAAAAAAAAAAAAAAAAAAAAAAAAAAAAAAAAAAAAAAAAAAAAAAAAAAAAAAAAAAAAAAAAAAAAAAAAAAAAAAAAAAAAAAAAAAAAAAAAAAAAAAAAAAAAAAAAAAAAAAAAAAAAAAAAAAAAAAAAAAAAAAAAAAAAAAAAAAAAAAAAAAAAAAAAAAAAAAAAAAAAAAAAAAAAAAAAAAAAAAAAAAAAAAAAAAAAAAAAAAAAAAAAAAAAAAAAAAAAAAAAAAAAAAAAAAAAAAAAAAAAAAAAAAAAAAAAAAAAAAAAAAAAAAAAAAAAAAAAAAAAAAAAAAAAAAAAAAAAAAAAAAAAAAAAAAAAAAAAAAAAAAAAAAAAAAAAAAAAAAAAAAAAAAAAAAAAAAAAAAAAAAAAAAAAAAAAAAAAAAAAAAAAAAAAAAAAAAAAAAAAAAAAAAAAAAAAAAAAAAAAAAAAAAAAAAAAAAAAAAAAAAAAAAAAAAAAAAAAAAAAAAAAAAAAAAAAAAAAAAAAAAAAAAAAAAAAAAAAAAAAAAAAAAAAAAAAAAAAAAAAAAAAAAAAAAAAAAAAAAAAAAAAAAAAAAAAAAAAAAAAAAAAAAAAAAAAAAAAAAAAAAAAAAAAAAAAAAAAAAAAAAAAAAAAAAAAAAAAAAAAAAAAAAAAAAAAAAAAAAAAAAAAAAAAAAAAAAAAAAAAAAAAAAAAAAAAAAAAAAAAAAAAAAAAAAAAAAAAAAAAAAAAAAAAAAAAAAAAAAAAAAAAAAAAAAAAAAAAAAAAAAAAAAAAAAAAAAAAAAAAAAAAAAAAAAAAAAAAAAAAAAAAAAAAAAAAAAAAAAAAAAAAAAAAAAAAAAAAAAAAAAAAAAAAAAAAAAAAAAAAAAAAAAAAAAAAAAAAAAAAAAAAAAAAAAAAAAAAAAAAAAAAAAAAAAAAAAAAAAAAAAAAAAAAAAAAAAAAAAAAAAAAAAAAAAAAAAAAAAAAAAAAAAAAAAAAAAAAAAAAAAAAAAAAAAAAAAAAAAAAAAAAAAAAAAAAAAAAAAAAAAAAAAAAAAAAAAAAAAAAAAAAAAAAAAAAAAAAAAAAAAAAAAAAAAAAAAAAAAAAAAAAAAAAAAAAAAAAAAAAAAAAAAAAAAAAAAAAAAAAAAAAAAAAAAAAAAAAAAAAAAAAAAAAAAAAAAAAAAAAAAAAAAAAAAAAAAAAAAAAAAAAAAAAAAAAAAAAAAAAAAAAAAAAAAAAAAAAAAAAAAAAAAAAAAAAAAAAAAAAAAAAAAAAAAAAAAAAAAAAAAAAAAAAAAAAAAAAAAAAAAAAAAAAAAAAAAAAAAAAAAAAAAAAAAAAAAAAAAAAAAAAAAAAAAAAAAAAAAAAAAAAAAAAAAAAAAAAAAAAAAAAAAAAAAAAAAAAAAAAAAAAAAAAAAAAAAAAAAAAAAAAAAAAAAAAAAAAAAAAAAAAAAAAAAAAAAAAAAAAAAAAAAAAAAAAAAAAAAAAAAAAAAAAAAAAAAAAAAAAAAAAAAAAAAAAAAAAAAAAAAAAAAAAAAAAAAAAAAAAAAAAAAAAAAAAAAAAAAAAAAAAAAAAAAAAAAAAAAAAAAAAAAAAAAAAAAAAAAAAAAAAAAAAAAAAAAAAAAAAAAAAAAAAAAAAAAAAAAAAAAAAAAAAAAAAAAAAAAAAAAAAAAAAAAAAAAAAAAAAAAAAAAAAAAAAAAAAAAAAAAAAAAAAAAAAAAAAAAAAAAAAAAAAAAAAAAAAAAAAAAAAAAAAAAAAAAAAAAAAAAAAAAAAAAAAAAAAAAAAAAAAAAAAAAAAAAAAAAAAAAAAAAAAAAAAAAAAAAAAAAAAAAAAAAAAAAAAAAAAAAAAAAAAAAAAAAAAAAAAAAAAAAAAAAAAAAAAAAAAAAAAAAAAAAAAAAAAAAAAAAAAAAAAAAAAAAAAAAAAAAAAAAAAAAAAAAAAAAAAAAAAAAAAAAAAAAAAAAAAAAAAAAAAAAAAAAAAAAAAAAAAAAAAAAAAAAAAAAAAAAAAAAAAAAAAAAAAAAAAAAAAAAAAAAAAAAAAAAAAAAAAAAAAAAAAAAAAAAAAAAAAAAAAAAAAAAAAAAAAAAAAAAAAAAAAAAAAAAAAAAAAAAAAAAAAAAAAAAAAAAAAAAAAAAAAAAAAAAAAAAAAAAAAAAAAAAAAAAAAAAAAAAAAAAAAAAAAAAAAAAAAAAAAAAAAAAAAAAAAAAAAAAAAAAAAAAAAAAAAAAAAAAAAAAAAAAAAAAAAAAAAAAAAAAAAAAAAAAAAAAAAAAAAAAAAAAAAAAAAAAAAAAAAAAAAAAAAAAAAAAAAAAAAAAAAAAAAAAAAAAAAAAAAAAAAAAAAAAAAAAAAAAAAAAAAAAAAAAAAAAAAAAAAAAAAAAAAAAAAAAAAAAAAAAAAAAAAAAAAAAAAAAAAAAAAAAAAAAAAAAAAAAAAAAAAAAAAAAAAAAAAAAAAAAAAAAAAAAAAAAAAAAAAAAAAAAAAAAAAAAAAAAAAAAAAAAAAAAAAAAAAAAAAAAAAAAAAAAAAAAAAAAAAAAAAAAAAAAAAAAAAAAAAAAAAAAAAAAAAAAAAAAAAAAAAAAAAAAAAAAAAAAAAAAAAAAAAAAAAAAAAAAAAAAAAAAAAAAAAAAAAAAAAAAAAAAAAAAAAAAAAAAAAAAAAAAAAAAAAAAAAAAAAAAAAAAAAAAAAAAAAAAAAAAAAAAAAAAAAAAAAAAAAAAAAAAAAAAAAAAAAAAAAAAAAAAAAAAAAAAAAAAAAAAAAAAAAAAAAAAAAAAAAAAAAAAAAAAAAAAAAAAAAAAAAAAAAAAAAAAAAAAAAAAAAAAAAAAAAAAAAAAAAAAAAAAAAAAAAAAAAAAAAAAAAAAAAAAAAAAAAAAAAAAAAAAAAAAAAAAAAAAAAAAAAAAAAAAAAAAAAAAAAAAAAAAAAAAAAAAAAAAAAAAAAAAAAAAAAAAAAAAAAAAAAAAAAAAAAAAAAAAAAAAAAAAAAAAAAAAAAAAAAAAAAAAAAAAAAAAAAAAAAAAAAAAAAAAAAAAAAAAAAAAAAAAAAAAAAAAAAAAAAAAAAAAAAAAAAAAAAAAAAAAAAAAAAAAAAAAAAAAAAAAAAAAAAAAAAAAAAAAAAAAAAAAAAAAAAAAAAAAAAAAAAAAAAAAAAAAAAAAAAAAAAAAAAAAAAAAAAAAAAAAAAAAAAAAAAAAAAAAAAAAAAAAAAAAAAAAAAAAAAAAAAAAAAAAAAAAAAAAAAAAAAAAAAAAAAAAAAAAAAAAAAAAAAAAAAAAAAAAAAAAAAAAAAAAAAAAAAAAAAAAAAAAAAAAAAAAAAAAAAAAAAAAAAAAAAAAAAAAAAAAAAAAAAAAAAAAAAAAAAAAAAAAAAAAAAAAAAAAAAAAAAAAAAAAAAAAAAAAAAAAAAAAAAAAAAAAAAAAAAAAAAAAAAAAAAAAAAAAAAAAAAAAAAAAAAAAAAAAAAAAAAAAAAAAAAAAAAAAAAAAAAAAAAAAAAAAAAAAAAAAAAAAAAAAAAAAAAAAAAAAAAAAAAAAAAAAAAAAAAAAAAAAAAAAAAAAAAAAAAAAAAAAAAAAAAAAAAAAAAAAAAAAAAAAAAAAAAAAAAAAAAAAAAAAAAAAAAAAAAAAAAAAAAAAAAAAAAAAAAAAAAAAAAAAAAAAAAAAAAAAAAAAAAAAAAAAAAAAAAAAAAAAAAAAAAAAAAAAAAAAAAAAAAAAAAAAAAAAAAAAAAAAAAAAAAAAAAAAAAAAAAAAAAAAAAAAAAAAAAAAAAAAAAAAAAAAAAAAAAAAAAAAAAAAAAAAAAAAAAAAAAAAAAAAAAAAAAAAAAAAAAAAAAAAAAAAAAAAAAAAAAAAAAAAAAAAAAAAAAAAAAAAAAAAAAAAAAAAAAAAAAAAAAAAAAAAAAAAAAAAAAAAAAAAAAAAAAAAAAAAAAAAAAAAAAAAAAAAAAAAAAAAAAAAAAAAAAAAAAAAAAAAAAAAAAAAAAAAAAAAAAAAAAAAAAAAAAAAAAAAAAAAAAAAAAAAAAAAAAAAAAAAAAAAAAAAAAAAAAAAAAAAAAAAAAAAAAAAAAAAAAAAAAAAAAAAAAAAAAAAAAAAAAAAAAAAAAAAAAAAAAAAAAAAAAAAAAAAAAAAAAAAAAAAAAAAAAAAAAAAAAAAAAAAAAAAAAAAAAAAAAAAAAAAAAAAAAAAAAAAAAAAAAAAAAAAAAAAAAAAAAAAAAAAAAAAAAAAAAAAAAAAAAAAAAAAAAAAAAAAAAAAAAAAAAAAAAAAAAAAAAAAAAAAAAAAAAAAAAAAAAAAAAAAAAAAAAAAAAAAAAAAAAAAAAAAAAAAAAAAAAAAAAAAAAAAAAAAAAAAAAAAAAAAAAAAAAAAAAAAAAAAAAAAAAAAAAAAAAAAAAAAAAAAAAAAAAAAAAAAAAAAAAAAAAAAAAAAAAAAAAAAAAAAAAAAAAAAAAAAAAAAAAAAAAAAAAAAAAAAAAAAAAAAAAAAAAAAAAAAAAAAAAAAAAAAAAAAAAAAAAAAAAAAAAAAAAAAAAAAAAAAAAAAAAAAAAAAAAAAAAAAAAAAAAAAAAAAAAAAAAAAAAAAAAAAAAAAAAAAAAAAAAAAAAAAAAAAAAAAAAAAAAAAAAAAAAAAAAAAAAAAAAAAAAAAAAAAAAAAAAAAAAAAAAAAAAAAAAAAAAAAAAAAAAAAAAAAAAAAAAAAAAAAAAAAAAAAAAAAAAAAAAAAAAAAAAAAAAAAAAAAAAAAAAAAAAAAAAAAAAAAAAAAAAAAAAAAAAAAAAAAAAAAAAAAAAAAAAAAAAAAAAAAAAAAAAAAAAAAAAAAAAAAAAAAAAAAAAAAAAAAAAAAAAAAAAAAAAAAAAAAAAAAAAAAAAAAAAAAAAAAAAAAAAAAAAAAAAAAAAAAAAAAAAAAAAAAAAAAAAAAAAAAAAAAAAAAAAAAAAAAAAAAAAAAAAAAAAAAAAAAAAAAAAAAAAAAAAAAAAAAAAAAAAAAAAAAAAAAAAAAAAAAAAAAAAAAAAAAAAAAAAAAAAAAAAAAAAAAAAAAAAAAAAAAAAAAAAAAAAAAAAAAAAAAAAAAAAAAAAAAAAAAAAAAAAAAAAAAAAAAAAAAAAAAAAAAAAAAAAAAAAAAAAAAAAAAAAAAAAAAAAAAAAAAAAAAAAAAAAAAAAAAAAAAAAAAAAAAAAAAAAAAAAAAAAAAAAAAAAAAAAAAAAAAAAAAAAAAAAAAAAAAAAAAAAAAAAAAAAAAAAAAAAAAAAAAAAAAAAAAAAAAAAAAAAAAAAAAAAAAAAAAAAAAAAAAAAAAAAAAAAAAAAAAAAAAAAAAAAAAAAAAAAAAAAAAAAAAAAAAAAAAAAAAAAAAAAAAAAAAAAAAAAAAAAAAAAAAAAAAAAAAAAAAAAAAAAAAAAAAAAAAAAAAAAAAAAAAAAAAAAAAAAAAAAAAAAAAAAAAAAAAAAAAAAAAAAAAAAAAAAAAAAAAAAAAAAAAAAAAAAAAAAAAAAAAAAAAAAAAAAAAAAAAAAAAAAAAAAAAAAAAAAAAAAAAAAAAAAAAAAAAAAAAAAAAAAAAAAAAAAAAAAAAAAAAAAAAAAAAAAAAAAAAAAAAAAAAAAAAAAAAAAAAAAAAAAAAAAAAAAAAAAAAAAAAAAAAAAAAAAAAAAAAAAAAAAAAAAAAAAAAAAAAAAAAAAAAAAAAAAAAAAAAAAAAAAAAAAAAAAAAAAAAAAAAAAAAAAAAAAAAAAAAAAAAAAAAAAAAAAAAAAAAAAAAAAAAAAAAAAAAAAAAAAAAAAAAAAAAAAAAAAAAAAAAAAAAAAAAAAAAAAAAAAAAAAAAAAAAAAAAAAAAAAAAAAAAAAAAAAAAAAAAAAAAAAAAAAAAAAAAAAAAAAAAAAAAAAAAAAAAAAAAAAAAAAAAAAAAAAAAAAAAAAAAAAAAAAAAAAAAAAAAAAAAAAAAAAAAAAAAAAAAAAAAAAAAAAAAAAAAAAAAAAAAAAAAAAAAAAAAAAAAAAAAAAAAAAAAAAAAAAAAAAAAAAAAAAAAAAAAAAAAAAAAAAAAAAAAAAAAAAAAAAAAAAAAAAAAAAAAAAAAAAAAAAAAAAAAAAAAAAAAAAAAAAAAAAAAAAAAAAAAAAAAAAAAAAAAAAAAAAAAAAAAAAAAAAAAAAAAAAAAAAAAAAAAAAAAAAAAAAAAAAAAAAAAAAAAAAAAAAAAAAAAAAAAAAAAAAAAAAAAAAAAAAAAAAAAAAAAAAAAAAAAAAAAAAAAAAAAAAAAAAAAAAAAAAAAAAAAAAAAAAAAAAAAAAAAAAAAAAAAAAAAAAAAAAAAAAAAAAAAAAAAAAAAAAAAAAAAAAAAAAAAAAAAAAAAAAAAAAAAAAAAAAAAAAAAAAAAAAAAAAAAAAAAAAAAAAAAAAAAAAAAAAAAAAAAAAAAAAAAAAAAAAAAAAAAAAAAAAAAAAAAAAAAAAAAAAAAAAAAAAAAAAAAAAAAAAAAAAAAAAAAAAAAAAAAAAAAAAAAAAAAAAAAAAAAAAAAAAAAAAAAAAAAAAAAAAAAAAAAAAAAAAAAAAAAAAAAAAAAAAAAAAAAAAAAAAAAAAAAAAAAAAAAAAAAAAAAAAAAAAAAAAAAAAAAAAAAAAAAAAAAAAAAAAAAAAAAAAAAAAAAAAAAAAAAACAAAAAv//////////AQAAAAAAAAAAAAAAEQAAAFByb3BlcnR5RG9jdW1lbnRzAgAAAAAAAAAFAAAACQAAAF9pZD0kLl9pZAEDAAAAAAADAAAAAQADAAAAIwAAAENvbWJpSW5kZXg9JC5OYW1lICsgJ18nICsgJC5WZXJzaW9uAQQAAAAAAAQAAAABAAQAAAAAAAAAAP///////wAAAAAAAP////8AAAAAAP///////wAAAAAAAP////8AAAAAAP///////wAAAAAAAP////8AAAAAAP///////wAAAAAAAP////8AAAAAAP///////wAAAAAAAP////8AAAAAAP///////wAAAAAAAP////8AAAAAAP///////wAAAAAAAP////8AAAAAAP///////wAAAAAAAP////8AAAAAAP///////wAAAAAAAP////8AAAAAAP///////wAAAAAAAP////8AAAAAAP///////wAAAAAAAP////8AAAAAAP///////wAAAAAAAP////8AAAAAAP///////wAAAAAAAP////8AAAAAAP///////wAAAAAAAP////8AAAAAAAAAAAAAAAAAAAAAAAAAAAAAAAAAAAAAAAAAAAAAAAAAAAAAAAAAAAAAAAAAAAAAAAAAAAAAAAAAAAAAAAAAAAAAAAAAAAAAAAAAAAAAAAAAAAAAAAAAAAAAAAAAAAAAAAAAAAAAAAAAAAAAAAAAAAAAAAAAAAAAAAAAAAAAAAAAAAAAAAAAAAAAAAAAAAAAAAAAAAAAAAAAAAAAAAAAAAAAAAAAAAAAAAAAAAAAAAAAAAAAAAAAAAAAAAAAAAAAAAAAAAAAAAAAAAAAAAAAAAAAAAAAAAAAAAAAAAAAAAAAAAAAAAAAAAAAAAAAAAAAAAAAAAAAAAAAAAAAAAAAAAAAAAAAAAAAAAAAAAAAAAAAAAAAAAAAAAAAAAAAAAAAAAAAAAAAAAAAAAAAAAAAAAAAAAAAAAAAAAAAAAAAAAAAAAAAAAAAAAAAAAAAAAAAAAAAAAAAAAAAAAAAAAAAAAAAAAAAAAAAAAAAAAAAAAAAAAAAAAAAAAAAAAAAAAAAAAAAAAAAAAAAAAAAAAAAAAAAAAAAAAAAAAAAAAAAAAAAAAAAAAAAAAAAAAAAAAAAAAAAAAAAAAAAAAAAAAAAAAAAAAAAAAAAAAAAAAAAAAAAAAAAAAAAAAAAAAAAAAAAAAAAAAAAAAAAAAAAAAAAAAAAAAAAAAAAAAAAAAAAAAAAAAAAAAAAAAAAAAAAAAAAAAAAAAAAAAAAAAAAAAAAAAAAAAAAAAAAAAAAAAAAAAAAAAAAAAAAAAAAAAAAAAAAAAAAAAAAAAAAAAAAAAAAAAAAAAAAAAAAAAAAAAAAAAAAAAAAAAAAAAAAAAAAAAAAAAAAAAAAAAAAAAAAAAAAAAAAAAAAAAAAAAAAAAAAAAAAAAAAAAAAAAAAAAAAAAAAAAAAAAAAAAAAAAAAAAAAAAAAAAAAAAAAAAAAAAAAAAAAAAAAAAAAAAAAAAAAAAAAAAAAAAAAAAAAAAAAAAAAAAAAAAAAAAAAAAAAAAAAAAAAAAAAAAAAAAAAAAAAAAAAAAAAAAAAAAAAAAAAAAAAAAAAAAAAAAAAAAAAAAAAAAAAAAAAAAAAAAAAAAAAAAAAAAAAAAAAAAAAAAAAAAAAAAAAAAAAAAAAAAAAAAAAAAAAAAAAAAAAAAAAAAAAAAAAAAAAAAAAAAAAAAAAAAAAAAAAAAAAAAAAAAAAAAAAAAAAAAAAAAAAAAAAAAAAAAAAAAAAAAAAAAAAAAAAAAAAAAAAAAAAAAAAAAAAAAAAAAAAAAAAAAAAAAAAAAAAAAAAAAAAAAAAAAAAAAAAAAAAAAAAAAAAAAAAAAAAAAAAAAAAAAAAAAAAAAAAAAAAAAAAAAAAAAAAAAAAAAAAAAAAAAAAAAAAAAAAAAAAAAAAAAAAAAAAAAAAAAAAAAAAAAAAAAAAAAAAAAAAAAAAAAAAAAAAAAAAAAAAAAAAAAAAAAAAAAAAAAAAAAAAAAAAAAAAAAAAAAAAAAAAAAAAAAAAAAAAAAAAAAAAAAAAAAAAAAAAAAAAAAAAAAAAAAAAAAAAAAAAAAAAAAAAAAAAAAAAAAAAAAAAAAAAAAAAAAAAAAAAAAAAAAAAAAAAAAAAAAAAAAAAAAAAAAAAAAAAAAAAAAAAAAAAAAAAAAAAAAAAAAAAAAAAAAAAAAAAAAAAAAAAAAAAAAAAAAAAAAAAAAAAAAAAAAAAAAAAAAAAAAAAAAAAAAAAAAAAAAAAAAAAAAAAAAAAAAAAAAAAAAAAAAAAAAAAAAAAAAAAAAAAAAAAAAAAAAAAAAAAAAAAAAAAAAAAAAAAAAAAAAAAAAAAAAAAAAAAAAAAAAAAAAAAAAAAAAAAAAAAAAAAAAAAAAAAAAAAAAAAAAAAAAAAAAAAAAAAAAAAAAAAAAAAAAAAAAAAAAAAAAAAAAAAAAAAAAAAAAAAAAAAAAAAAAAAAAAAAAAAAAAAAAAAAAAAAAAAAAAAAAAAAAAAAAAAAAAAAAAAAAAAAAAAAAAAAAAAAAAAAAAAAAAAAAAAAAAAAAAAAAAAAAAAAAAAAAAAAAAAAAAAAAAAAAAAAAAAAAAAAAAAAAAAAAAAAAAAAAAAAAAAAAAAAAAAAAAAAAAAAAAAAAAAAAAAAAAAAAAAAAAAAAAAAAAAAAAAAAAAAAAAAAAAAAAAAAAAAAAAAAAAAAAAAAAAAAAAAAAAAAAAAAAAAAAAAAAAAAAAAAAAAAAAAAAAAAAAAAAAAAAAAAAAAAAAAAAAAAAAAAAAAAAAAAAAAAAAAAAAAAAAAAAAAAAAAAAAAAAAAAAAAAAAAAAAAAAAAAAAAAAAAAAAAAAAAAAAAAAAAAAAAAAAAAAAAAAAAAAAAAAAAAAAAAAAAAAAAAAAAAAAAAAAAAAAAAAAAAAAAAAAAAAAAAAAAAAAAAAAAAAAAAAAAAAAAAAAAAAAAAAAAAAAAAAAAAAAAAAAAAAAAAAAAAAAAAAAAAAAAAAAAAAAAAAAAAAAAAAAAAAAAAAAAAAAAAAAAAAAAAAAAAAAAAAAAAAAAAAAAAAAAAAAAAAAAAAAAAAAAAAAAAAAAAAAAAAAAAAAAAAAAAAAAAAAAAAAAAAAAAAAAAAAAAAAAAAAAAAAAAAAAAAAAAAAAAAAAAAAAAAAAAAAAAAAAAAAAAAAAAAAAAAAAAAAAAAAAAAAAAAAAAAAAAAAAAAAAAAAAAAAAAAAAAAAAAAAAAAAAAAAAAAAAAAAAAAAAAAAAAAAAAAAAAAAAAAAAAAAAAAAAAAAAAAAAAAAAAAAAAAAAAAAAAAAAAAAAAAAAAAAAAAAAAAAAAAAAAAAAAAAAAAAAAAAAAAAAAAAAAAAAAAAAAAAAAAAAAAAAAAAAAAAAAAAAAAAAAAAAAAAAAAAAAAAAAAAAAAAAAAAAAAAAAAAAAAAAAAAAAAAAAAAAAAAAAAAAAAAAAAAAAAAAAAAAAAAAAAAAAAAAAAAAAAAAAAAAAAAAAAAAAAAAAAAAAAAAAAAAAAAAAAAAAAAAAAAAAAAAAAAAAAAAAAAAAAAAAAAAAAAAAAAAAAAAAAAAAAAAAAAAAAAAAAAAAAAAAAAAAAAAAAAAAAAAAAAAAAAAAAAAAAAAAAAAAAAAAAAAAAAAAAAAAAAAAAAAAAAAAAAAAAAAAAAAAAAAAAAAAAAAAAAAAAAAAAAAAAAAAAAAAAAAAAAAAAAAAAAAAAAAAAAAAAAAAAAAAAAAAAAAAAAAAAAAAAAAAAAAAAAAAAAAAAAAAAAAAAAAAAAAAAAAAAAAAAAAAAAAAAAAAAAAAAAAAAAAAAAAAAAAAAAAAAAAAAAAAAAAAAAAAAAAAAAAAAAAAAAAAAAAAAAAAAAAAAAAAAAAAAAAAAAAAAAAAAAAAAAAAAAAAAAAAAAAAAAAAAAAAAAAAAAAAAAAAAAAAAAAAAAAAAAAAAAAAAAAAAAAAAAAAAAAAAAAAAAAAAAAAAAAAAAAAAAAAAAAAAAAAAAAAAAAAAAAAAAAAAAAAAAAAAAAAAAAAAAAAAAAAAAAAAAAAAAAAAAAAAAAAAAAAAAAAAAAAAAAAAAAAAAAAAAAAAAAAAAAAAAAAAAAAAAAAAAAAAAAAAAAAAAAAAAAAAAAAAAAAAAAAAAAAAAAAAAAAAAAAAAAAAAAAAAAAAAAAAAAAAAAAAAAAAAAAAAAAAAAAAAAAAAAAAAAAAAAAAAAAAAAAAAAAAAAAAAAAAAAAAAAAAAAAAAAAAAAAAAAAAAAAAAAAAAAAAAAAAAAAAAAAAAAAAAAAAAAAAAAAAAAAAAAAAAAAAAAAAAAAAAAAAAAAAAAAAAAAAAAAAAAAAAAAAAAAAAAAAAAAAAAAAAAAAAAAAAAAAAAAAAAAAAAAAAAAAAAAAAAAAAAAAAAAAAAAAAAAAAAAAAAAAAAAAAAAAAAAAAAAAAAAAAAAAAAAAAAAAAAAAAAAAAAAAAAAAAAAAAAAAAAAAAAAAAAAAAAAAAAAAAAAAAAAAAAAAAAAAAAAAAAAAAAAAAAAAAAAAAAAAAAAAAAAAAAAAAAAAAAAAAAAAAAAAAAAAAAAAAAAAAAAAAAAAAAAAAAAAAAAAAAAAAAAAAAAAAAAAAAAAAAAAAAAAAAAAAAAAAAAAAAAAAAAAAAAAAAAAAAAAAAAAAAAAAAAAAAAAAAAAAAAAAAAAAAAAAAAAAAAAAAAAAAAAAAAAAAAAAAAAAAAAAAAAAAAAAAAAAAAAAAAAAAAAAAAAAAAAAAAAAAAAAAAAAAAAAAAAAAAAAAAAAAAAAAAAAAAAAAAAAAAAAAAAAAAAAAAAAAAAAAAAAAAAAAAAAAAAAAAAAAAAAAAAAAAAAAAAAAAAAAAAAAAAAAAAAAAAAAAAAAAAAAAAAAAAAAAAAAAAAAAAAAAAAAAAAAAAAAAAAAAAAAAAAAAAAAAAAAAAAAAAAAAAAAAAAAAAAAAAAAAAAAAAAAAAAAAAAAAAAAAAAAAAAAAAAAAAAAAAAAAAAAAAAAAAAAAAAAAAAAAAAAAAAAAAAAAAAAAAAAAAAAAAAAAAAAAAAAAAAAAAAAAAAAAAAAAAAAAAAAAAAAAAAAAAAAAAAAAAAAAAAAAAAAAAAAAAAAAAAAAAAAAAAAAAAAAAAAAAAAAAAAAAAAAAAAAAAAAAAAAAAAAAAAAAAAAAAAAAAAAAAAAAAAAAAAAAAAAAAAAAAAAAAAAAAAAAAAAAAAAAAAAAAAAAAAAAAAAAAAAAAAAAAAAAAAAAAAAAAAAAAAAAAAAAAAAAAAAAAAAAAAAAAAAAAAAAAAAAAAAAAAAAAAAAAAAAAAAAAAAAAAAAAAAAAAAAAAAAAAAAAAAAAAAAAAAAAAAAAAAAAAAAAAAAAAAAAAAAAAQIBAQEBAQEBAQEBAQEBAQIAAAAAAAAAAwAAAAMAAAAA/////wQASwwAAAAAAAAAAAAAIAD///////////////8AAAD///////////////8DAAAAAwD///////////////////////////////////////////////////////////////////////////////////////////////////////////////////////////////////////////////////////////////////////////////////////////////////////////////////////////////////////////////////////////////////////////////////////////////////////////////////////////////////////////////////////////////////////////////////////////////////////////////////////////////////////////////////////////////////////////////////////////////////////////////8BACAA////////////////AAAO////////AwAAAAIA////////////////////////////////////////////////////////////////////////////////////////////////////////////////////////////////////////////////////////////////////////////////////////////////////////////////////////////////////////////////////////////////////////////////////////////////////////////////////////////////////////////////////////////////////////////////////////////////////////////////////////////////////////////////////////////////////////////////////////////////////////////////////////AgABAP///////wQAAAACABAAC+TrPO/pCmRChTdyOE/snRIFAAAAAAADAAAAAwADAAAAAQADAAEA////////BAAAAAMAEAALlkS75G5010CUhcq2gT6Q/wUAAAABAAMAAAAAAAMAAAACAAAAAAAAAAAAAAAAAAAAAAAAAAAAAAAAAAAAAAAAAAAAAAAAAAAAAAAAAAAAAAAAAAAAAAAAAAAAAAAAAAAAAAAAAAAAAAAAAAAAAAAAAAAAAAAAAAAAAAAAAAAAAAAAAAAAAAAAAAAAAAAAAAAAAAAAAAAAAAAAAAAAAAAAAAAAAAAAAAAAAAAAAAAAAAAAAAAAAAAAAAAAAAAAAAAAAAAAAAAAAAAAAAAAAAAAAAAAAAAAAAAAAAAAAAAAAAAAAAAAAAAAAAAAAAAAAAAAAAAAAAAAAAAAAAAAAAAAAAAAAAAAAAAAAAAAAAAAAAAAAAAAAAAAAAAAAAAAAAAAAAAAAAAAAAAAAAAAAAAAAAAAAAAAAAAAAAAAAAAAAAAAAAAAAAAAAAAAAAAAAAAAAAAAAAAAAAAAAAAAAAAAAAAAAAAAAAAAAAAAAAAAAAAAAAAAAAAAAAAAAAAAAAAAAAAAAAAAAAAAAAAAAAAAAAAAAAAAAAAAAAAAAAAAAAAAAAAAAAAAAAAAAAAAAAAAAAAAAAAAAAAAAAAAAAAAAAAAAAAAAAAAAAAAAAAAAAAAAAAAAAAAAAAAAAAAAAAAAAAAAAAAAAAAAAAAAAAAAAAAAAAAAAAAAAAAAAAAAAAAAAAAAAAAAAAAAAAAAAAAAAAAAAAAAAAAAAAAAAAAAAAAAAAAAAAAAAAAAAAAAAAAAAAAAAAAAAAAAAAAAAAAAAAAAAAAAAAAAAAAAAAAAAAAAAAAAAAAAAAAAAAAAAAAAAAAAAAAAAAAAAAAAAAAAAAAAAAAAAAAAAAAAAAAAAAAAAAAAAAAAAAAAAAAAAAAAAAAAAAAAAAAAAAAAAAAAAAAAAAAAAAAAAAAAAAAAAAAAAAAAAAAAAAAAAAAAAAAAAAAAAAAAAAAAAAAAAAAAAAAAAAAAAAAAAAAAAAAAAAAAAAAAAAAAAAAAAAAAAAAAAAAAAAAAAAAAAAAAAAAAAAAAAAAAAAAAAAAAAAAAAAAAAAAAAAAAAAAAAAAAAAAAAAAAAAAAAAAAAAAAAAAAAAAAAAAAAAAAAAAAAAAAAAAAAAAAAAAAAAAAAAAAAAAAAAAAAAAAAAAAAAAAAAAAAAAAAAAAAAAAAAAAAAAAAAAAAAAAAAAAAAAAAAAAAAAAAAAAAAAAAAAAAAAAAAAAAAAAAAAAAAAAAAAAAAAAAAAAAAAAAAAAAAAAAAAAAAAAAAAAAAAAAAAAAAAAAAAAAAAAAAAAAAAAAAAAAAAAAAAAAAAAAAAAAAAAAAAAAAAAAAAAAAAAAAAAAAAAAAAAAAAAAAAAAAAAAAAAAAAAAAAAAAAAAAAAAAAAAAAAAAAAAAAAAAAAAAAAAAAAAAAAAAAAAAAAAAAAAAAAAAAAAAAAAAAAAAAAAAAAAAAAAAAAAAAAAAAAAAAAAAAAAAAAAAAAAAAAAAAAAAAAAAAAAAAAAAAAAAAAAAAAAAAAAAAAAAAAAAAAAAAAAAAAAAAAAAAAAAAAAAAAAAAAAAAAAAAAAAAAAAAAAAAAAAAAAAAAAAAAAAAAAAAAAAAAAAAAAAAAAAAAAAAAAAAAAAAAAAAAAAAAAAAAAAAAAAAAAAAAAAAAAAAAAAAAAAAAAAAAAAAAAAAAAAAAAAAAAAAAAAAAAAAAAAAAAAAAAAAAAAAAAAAAAAAAAAAAAAAAAAAAAAAAAAAAAAAAAAAAAAAAAAAAAAAAAAAAAAAAAAAAAAAAAAAAAAAAAAAAAAAAAAAAAAAAAAAAAAAAAAAAAAAAAAAAAAAAAAAAAAAAAAAAAAAAAAAAAAAAAAAAAAAAAAAAAAAAAAAAAAAAAAAAAAAAAAAAAAAAAAAAAAAAAAAAAAAAAAAAAAAAAAAAAAAAAAAAAAAAAAAAAAAAAAAAAAAAAAAAAAAAAAAAAAAAAAAAAAAAAAAAAAAAAAAAAAAAAAAAAAAAAAAAAAAAAAAAAAAAAAAAAAAAAAAAAAAAAAAAAAAAAAAAAAAAAAAAAAAAAAAAAAAAAAAAAAAAAAAAAAAAAAAAAAAAAAAAAAAAAAAAAAAAAAAAAAAAAAAAAAAAAAAAAAAAAAAAAAAAAAAAAAAAAAAAAAAAAAAAAAAAAAAAAAAAAAAAAAAAAAAAAAAAAAAAAAAAAAAAAAAAAAAAAAAAAAAAAAAAAAAAAAAAAAAAAAAAAAAAAAAAAAAAAAAAAAAAAAAAAAAAAAAAAAAAAAAAAAAAAAAAAAAAAAAAAAAAAAAAAAAAAAAAAAAAAAAAAAAAAAAAAAAAAAAAAAAAAAAAAAAAAAAAAAAAAAAAAAAAAAAAAAAAAAAAAAAAAAAAAAAAAAAAAAAAAAAAAAAAAAAAAAAAAAAAAAAAAAAAAAAAAAAAAAAAAAAAAAAAAAAAAAAAAAAAAAAAAAAAAAAAAAAAAAAAAAAAAAAAAAAAAAAAAAAAAAAAAAAAAAAAAAAAAAAAAAAAAAAAAAAAAAAAAAAAAAAAAAAAAAAAAAAAAAAAAAAAAAAAAAAAAAAAAAAAAAAAAAAAAAAAAAAAAAAAAAAAAAAAAAAAAAAAAAAAAAAAAAAAAAAAAAAAAAAAAAAAAAAAAAAAAAAAAAAAAAAAAAAAAAAAAAAAAAAAAAAAAAAAAAAAAAAAAAAAAAAAAAAAAAAAAAAAAAAAAAAAAAAAAAAAAAAAAAAAAAAAAAAAAAAAAAAAAAAAAAAAAAAAAAAAAAAAAAAAAAAAAAAAAAAAAAAAAAAAAAAAAAAAAAAAAAAAAAAAAAAAAAAAAAAAAAAAAAAAAAAAAAAAAAAAAAAAAAAAAAAAAAAAAAAAAAAAAAAAAAAAAAAAAAAAAAAAAAAAAAAAAAAAAAAAAAAAAAAAAAAAAAAAAAAAAAAAAAAAAAAAAAAAAAAAAAAAAAAAAAAAAAAAAAAAAAAAAAAAAAAAAAAAAAAAAAAAAAAAAAAAAAAAAAAAAAAAAAAAAAAAAAAAAAAAAAAAAAAAAAAAAAAAAAAAAAAAAAAAAAAAAAAAAAAAAAAAAAAAAAAAAAAAAAAAAAAAAAAAAAAAAAAAAAAAAAAAAAAAAAAAAAAAAAAAAAAAAAAAAAAAAAAAAAAAAAAAAAAAAAAAAAAAAAAAAAAAAAAAAAAAAAAAAAAAAAAAAAAAAAAAAAAAAAAAAAAAAAAAAAAAAAAAAAAAAAAAAAAAAAAAAAAAAAAAAAAAAAAAAAAAAAAAAAAAAAAAAAAAAAAAAAAAAAAAAAAAAAAAAAAAAAAAAAAAAAAAAAAAAAAAAAAAAAAAAAAAAAAAAAAAAAAAAAAAAAAAAAAAAAAAAAAAAAAAAAAAAAAAAAAAAAAAAAAAAAAAAAAAAAAAAAAAAAAAAAAAAAAAAAAAAAAAAAAAAAAAAAAAAAAAAAAAAAAAAAAAAAAAAAAAAAAAAAAAAAAAAAAAAAAAAAAAAAAAAAAAAAAAAAAAAAAAAAAAAAAAAAAAAAAAAAAAAAAAAAAAAAAAAAAAAAAAAAAAAAAAAAAAAAAAAAAAAAAAAAAAAAAAAAAAAAAAAAAAAAAAAAAAAAAAAAAAAAAAAAAAAAAAAAAAAAAAAAAAAAAAAAAAAAAAAAAAAAAAAAAAAAAAAAAAAAAAAAAAAAAAAAAAAAAAAAAAAAAAAAAAAAAAAAAAAAAAAAAAAAAAAAAAAAAAAAAAAAAAAAAAAAAAAAAAAAAAAAAAAAAAAAAAAAAAAAAAAAAAAAAAAAAAAAAAAAAAAAAAAAAAAAAAAAAAAAAAAAAAAAAAAAAAAAAAAAAAAAAAAAAAAAAAAAAAAAAAAAAAAAAAAAAAAAAAAAAAAAAAAAAAAAAAAAAAAAAAAAAAAAAAAAAAAAAAAAAAAAAAAAAAAAAAAAAAAAAAAAAAAAAAAAAAAAAAAAAAAAAAAAAAAAAAAAAAAAAAAAAAAAAAAAAAAAAAAAAAAAAAAAAAAAAAAAAAAAAAAAAAAAAAAAAAAAAAAAAAAAAAAAAAAAAAAAAAAAAAAAAAAAAAAAAAAAAAAAAAAAAAAAAAAAAAAAAAAAAAAAAAAAAAAAAAAAAAAAAAAAAAAAAAAAAAAAAAAAAAAAAAAAAAAAAAAAAAAAAAAAAAAAAAAAAAAAAAAAAAAAAAAAAAAAAAAAAAAAAAAAAAAAAAAAAAAAAAAAAAAAAAAAAAAAAAAAAAAAAAAAAAAAAAAAAAAAAAAAAAAAAAAAAAAAAAAAAAAQAAAADAAAAAP////8EACAMAAAAAAAAAAAAACAB////////////////AAAA////////////////BAAAAAMA////////BAAAAAIA////////////////////////////////////////////////////////////////////////////////////////////////////////////////////////////////////////////////////////////////////////////////////////////////////////////////////////////////////////////////////////////////////////////////////////////////////////////////////////////////////////////////////////////////////////////////////////////////////////////////////////////////////////////////////////////////////////////////////////////////AQAgAf///////////////wAADv///////wQAAAACAP///////////////////////////////////////////////////////////////////////////////////////////////////////////////////////////////////////////////////////////////////////////////////////////////////////////////////////////////////////////////////////////////////////////////////////////////////////////////////////////////////////////////////////////////////////////////////////////////////////////////////////////////////////////////////////////////////////////////////////////////////////////////////////wIAAgEDAAAAAgD///////8aAAZMaW5rZWRTaGFwZXNEYXRhUHJvcGVydHlfMAUAAAAAAAQAAAADAAQAAAABAAQAAAAAAP///////wMAAQEDAAAAAwD///////8lAAZMaW5rZWRTaGFwZVByZXNlbnRhdGlvblNldHRpbmdzRGF0YV8wBQAAAAEABAAAAAAABAAAAAIAAAAAAAAAAAAAAAAAAAAAAAAAAAAAAAAAAAAAAAAAAAAAAAAAAAAAAAAAAAAAAAAAAAAAAAAAAAAAAAAAAAAAAAAAAAAAAAAAAAAAAAAAAAAAAAAAAAAAAAAAAAAAAAAAAAAAAAAAAAAAAAAAAAAAAAAAAAAAAAAAAAAAAAAAAAAAAAAAAAAAAAAAAAAAAAAAAAAAAAAAAAAAAAAAAAAAAAAAAAAAAAAAAAAAAAAAAAAAAAAAAAAAAAAAAAAAAAAAAAAAAAAAAAAAAAAAAAAAAAAAAAAAAAAAAAAAAAAAAAAAAAAAAAAAAAAAAAAAAAAAAAAAAAAAAAAAAAAAAAAAAAAAAAAAAAAAAAAAAAAAAAAAAAAAAAAAAAAAAAAAAAAAAAAAAAAAAAAAAAAAAAAAAAAAAAAAAAAAAAAAAAAAAAAAAAAAAAAAAAAAAAAAAAAAAAAAAAAAAAAAAAAAAAAAAAAAAAAAAAAAAAAAAAAAAAAAAAAAAAAAAAAAAAAAAAAAAAAAAAAAAAAAAAAAAAAAAAAAAAAAAAAAAAAAAAAAAAAAAAAAAAAAAAAAAAAAAAAAAAAAAAAAAAAAAAAAAAAAAAAAAAAAAAAAAAAAAAAAAAAAAAAAAAAAAAAAAAAAAAAAAAAAAAAAAAAAAAAAAAAAAAAAAAAAAAAAAAAAAAAAAAAAAAAAAAAAAAAAAAAAAAAAAAAAAAAAAAAAAAAAAAAAAAAAAAAAAAAAAAAAAAAAAAAAAAAAAAAAAAAAAAAAAAAAAAAAAAAAAAAAAAAAAAAAAAAAAAAAAAAAAAAAAAAAAAAAAAAAAAAAAAAAAAAAAAAAAAAAAAAAAAAAAAAAAAAAAAAAAAAAAAAAAAAAAAAAAAAAAAAAAAAAAAAAAAAAAAAAAAAAAAAAAAAAAAAAAAAAAAAAAAAAAAAAAAAAAAAAAAAAAAAAAAAAAAAAAAAAAAAAAAAAAAAAAAAAAAAAAAAAAAAAAAAAAAAAAAAAAAAAAAAAAAAAAAAAAAAAAAAAAAAAAAAAAAAAAAAAAAAAAAAAAAAAAAAAAAAAAAAAAAAAAAAAAAAAAAAAAAAAAAAAAAAAAAAAAAAAAAAAAAAAAAAAAAAAAAAAAAAAAAAAAAAAAAAAAAAAAAAAAAAAAAAAAAAAAAAAAAAAAAAAAAAAAAAAAAAAAAAAAAAAAAAAAAAAAAAAAAAAAAAAAAAAAAAAAAAAAAAAAAAAAAAAAAAAAAAAAAAAAAAAAAAAAAAAAAAAAAAAAAAAAAAAAAAAAAAAAAAAAAAAAAAAAAAAAAAAAAAAAAAAAAAAAAAAAAAAAAAAAAAAAAAAAAAAAAAAAAAAAAAAAAAAAAAAAAAAAAAAAAAAAAAAAAAAAAAAAAAAAAAAAAAAAAAAAAAAAAAAAAAAAAAAAAAAAAAAAAAAAAAAAAAAAAAAAAAAAAAAAAAAAAAAAAAAAAAAAAAAAAAAAAAAAAAAAAAAAAAAAAAAAAAAAAAAAAAAAAAAAAAAAAAAAAAAAAAAAAAAAAAAAAAAAAAAAAAAAAAAAAAAAAAAAAAAAAAAAAAAAAAAAAAAAAAAAAAAAAAAAAAAAAAAAAAAAAAAAAAAAAAAAAAAAAAAAAAAAAAAAAAAAAAAAAAAAAAAAAAAAAAAAAAAAAAAAAAAAAAAAAAAAAAAAAAAAAAAAAAAAAAAAAAAAAAAAAAAAAAAAAAAAAAAAAAAAAAAAAAAAAAAAAAAAAAAAAAAAAAAAAAAAAAAAAAAAAAAAAAAAAAAAAAAAAAAAAAAAAAAAAAAAAAAAAAAAAAAAAAAAAAAAAAAAAAAAAAAAAAAAAAAAAAAAAAAAAAAAAAAAAAAAAAAAAAAAAAAAAAAAAAAAAAAAAAAAAAAAAAAAAAAAAAAAAAAAAAAAAAAAAAAAAAAAAAAAAAAAAAAAAAAAAAAAAAAAAAAAAAAAAAAAAAAAAAAAAAAAAAAAAAAAAAAAAAAAAAAAAAAAAAAAAAAAAAAAAAAAAAAAAAAAAAAAAAAAAAAAAAAAAAAAAAAAAAAAAAAAAAAAAAAAAAAAAAAAAAAAAAAAAAAAAAAAAAAAAAAAAAAAAAAAAAAAAAAAAAAAAAAAAAAAAAAAAAAAAAAAAAAAAAAAAAAAAAAAAAAAAAAAAAAAAAAAAAAAAAAAAAAAAAAAAAAAAAAAAAAAAAAAAAAAAAAAAAAAAAAAAAAAAAAAAAAAAAAAAAAAAAAAAAAAAAAAAAAAAAAAAAAAAAAAAAAAAAAAAAAAAAAAAAAAAAAAAAAAAAAAAAAAAAAAAAAAAAAAAAAAAAAAAAAAAAAAAAAAAAAAAAAAAAAAAAAAAAAAAAAAAAAAAAAAAAAAAAAAAAAAAAAAAAAAAAAAAAAAAAAAAAAAAAAAAAAAAAAAAAAAAAAAAAAAAAAAAAAAAAAAAAAAAAAAAAAAAAAAAAAAAAAAAAAAAAAAAAAAAAAAAAAAAAAAAAAAAAAAAAAAAAAAAAAAAAAAAAAAAAAAAAAAAAAAAAAAAAAAAAAAAAAAAAAAAAAAAAAAAAAAAAAAAAAAAAAAAAAAAAAAAAAAAAAAAAAAAAAAAAAAAAAAAAAAAAAAAAAAAAAAAAAAAAAAAAAAAAAAAAAAAAAAAAAAAAAAAAAAAAAAAAAAAAAAAAAAAAAAAAAAAAAAAAAAAAAAAAAAAAAAAAAAAAAAAAAAAAAAAAAAAAAAAAAAAAAAAAAAAAAAAAAAAAAAAAAAAAAAAAAAAAAAAAAAAAAAAAAAAAAAAAAAAAAAAAAAAAAAAAAAAAAAAAAAAAAAAAAAAAAAAAAAAAAAAAAAAAAAAAAAAAAAAAAAAAAAAAAAAAAAAAAAAAAAAAAAAAAAAAAAAAAAAAAAAAAAAAAAAAAAAAAAAAAAAAAAAAAAAAAAAAAAAAAAAAAAAAAAAAAAAAAAAAAAAAAAAAAAAAAAAAAAAAAAAAAAAAAAAAAAAAAAAAAAAAAAAAAAAAAAAAAAAAAAAAAAAAAAAAAAAAAAAAAAAAAAAAAAAAAAAAAAAAAAAAAAAAAAAAAAAAAAAAAAAAAAAAAAAAAAAAAAAAAAAAAAAAAAAAAAAAAAAAAAAAAAAAAAAAAAAAAAAAAAAAAAAAAAAAAAAAAAAAAAAAAAAAAAAAAAAAAAAAAAAAAAAAAAAAAAAAAAAAAAAAAAAAAAAAAAAAAAAAAAAAAAAAAAAAAAAAAAAAAAAAAAAAAAAAAAAAAAAAAAAAAAAAAAAAAAAAAAAAAAAAAAAAAAAAAAAAAAAAAAAAAAAAAAAAAAAAAAAAAAAAAAAAAAAAAAAAAAAAAAAAAAAAAAAAAAAAAAAAAAAAAAAAAAAAAAAAAAAAAAAAAAAAAAAAAAAAAAAAAAAAAAAAAAAAAAAAAAAAAAAAAAAAAAAAAAAAAAAAAAAAAAAAAAAAAAAAAAAAAAAAAAAAAAAAAAAAAAAAAAAAAAAAAAAAAAAAAAAAAAAAAAAAAAAAAAAAAAAAAAAAAAAAAAAAAAAAAAAAAAAAAAAAAAAAAAAAAAAAAAAAAAAAAAAAAAAAAAAAAAAAAAAAAAAAAAAAAAAAAAAAAAAAAAAAAAAAAAAAAAAAAAAAAAAAAAAAAAAAAAAAAAAAAAAAAAAAAAAAAAAAAAAAAAAAAAAAAAAAAAAAAAAAAAAAAAAAAAAAAAAAAAAAAAAAAAAAAAAAAAAAAAAAAAAAAAAAAAAAAAAAAAAAAAAAAAAAAAAAAAAAAAAAAAAAAAAAAAAAAAAAAAAAAAAAAAAAAAAAAAAAAAAAAAAAAAAAAAAAAAAAAAAAAAAAAAAAAAAAAAAAAAAAAAAAAAAAAAAAAAAAAAAAAAAAAAAAAAAAAAAAAAAAAAAAAAAAAAAAAAAAAAAAAAAAAAAAAAAAAAAAAAAAAAAAAAAAAAAAAAAAAAAAAAAAAAAAAAAAAAAAAAAAAAAAAAAAAAAAAAAAAAAAAAAAAAAAAAAAAAAAAAAAAAAAAAAAAAAAAAAAAAAAAAAAAAAAAAAAAAAAAAAAAAAAAAAAAAAAAAAAAAAAAAAAAAAAAAAAAAAAAAAAAAAAAAAAAAAAAAAAAAAAAAAAAAAAAAAAAAAAAAAAAAAAAAAAAAAAAAAAAAAAAAAAAAAAAAAAAAAAAAAAAAAAAAAAFAAAABAAAAAD/////AgCODgAAAAAAAAAAAAD/////gwCDAAAABV9pZAAQAAAABOTrPO/pCmRChTdyOE/snRIDRGF0YQAbAAAABExpbmtlZFNoYXBlRGF0YQAFAAAAAAACTmFtZQAZAAAATGlua2VkU2hhcGVzRGF0YVByb3BlcnR5ABBWZXJzaW9uAAAAAAAJTGFzdFdyaXRlAHWuR2WKAQAAAAEA/////8YAxgAAAAVfaWQAEAAAAASWRLvkbnTXQJSFyraBPpD/A0RhdGEAUwAAAAhQcmVzZW50YXRpb25TY2FubmVkRm9yTGlua2VkU2hhcGVzAAECTnVtYmVyRm9ybWF0U2VwYXJhdG9yTW9kZQAKAAAAQXV0b21hdGljAAACTmFtZQAkAAAATGlua2VkU2hhcGVQcmVzZW50YXRpb25TZXR0aW5nc0RhdGEAEFZlcnNpb24AAAAAAAlMYXN0V3JpdGUAl65HZYoBAAAAAAAAAAAAAAAAAAAAAAAAAAAAAAAAAAAAAAAAAAAAAAAAAAAAAAAAAAAAAAAAAAAAAAAAAAAAAAAAAAAAAAAAAAAAAAAAAAAAAAAAAAAAAAAAAAAAAAAAAAAAAAAAAAAAAAAAAAAAAAAAAAAAAAAAAAAAAAAAAAAAAAAAAAAAAAAAAAAAAAAAAAAAAAAAAAAAAAAAAAAAAAAAAAAAAAAAAAAAAAAAAAAAAAAAAAAAAAAAAAAAAAAAAAAAAAAAAAAAAAAAAAAAAAAAAAAAAAAAAAAAAAAAAAAAAAAAAAAAAAAAAAAAAAAAAAAAAAAAAAAAAAAAAAAAAAAAAAAAAAAAAAAAAAAAAAAAAAAAAAAAAAAAAAAAAAAAAAAAAAAAAAAAAAAAAAAAAAAAAAAAAAAAAAAAAAAAAAAAAAAAAAAAAAAAAAAAAAAAAAAAAAAAAAAAAAAAAAAAAAAAAAAAAAAAAAAAAAAAAAAAAAAAAAAAAAAAAAAAAAAAAAAAAAAAAAAAAAAAAAAAAAAAAAAAAAAAAAAAAAAAAAAAAAAAAAAAAAAAAAAAAAAAAAAAAAAAAAAAAAAAAAAAAAAAAAAAAAAAAAAAAAAAAAAAAAAAAAAAAAAAAAAAAAAAAAAAAAAAAAAAAAAAAAAAAAAAAAAAAAAAAAAAAAAAAAAAAAAAAAAAAAAAAAAAAAAAAAAAAAAAAAAAAAAAAAAAAAAAAAAAAAAAAAAAAAAAAAAAAAAAAAAAAAAAAAAAAAAAAAAAAAAAAAAAAAAAAAAAAAAAAAAAAAAAAAAAAAAAAAAAAAAAAAAAAAAAAAAAAAAAAAAAAAAAAAAAAAAAAAAAAAAAAAAAAAAAAAAAAAAAAAAAAAAAAAAAAAAAAAAAAAAAAAAAAAAAAAAAAAAAAAAAAAAAAAAAAAAAAAAAAAAAAAAAAAAAAAAAAAAAAAAAAAAAAAAAAAAAAAAAAAAAAAAAAAAAAAAAAAAAAAAAAAAAAAAAAAAAAAAAAAAAAAAAAAAAAAAAAAAAAAAAAAAAAAAAAAAAAAAAAAAAAAAAAAAAAAAAAAAAAAAAAAAAAAAAAAAAAAAAAAAAAAAAAAAAAAAAAAAAAAAAAAAAAAAAAAAAAAAAAAAAAAAAAAAAAAAAAAAAAAAAAAAAAAAAAAAAAAAAAAAAAAAAAAAAAAAAAAAAAAAAAAAAAAAAAAAAAAAAAAAAAAAAAAAAAAAAAAAAAAAAAAAAAAAAAAAAAAAAAAAAAAAAAAAAAAAAAAAAAAAAAAAAAAAAAAAAAAAAAAAAAAAAAAAAAAAAAAAAAAAAAAAAAAAAAAAAAAAAAAAAAAAAAAAAAAAAAAAAAAAAAAAAAAAAAAAAAAAAAAAAAAAAAAAAAAAAAAAAAAAAAAAAAAAAAAAAAAAAAAAAAAAAAAAAAAAAAAAAAAAAAAAAAAAAAAAAAAAAAAAAAAAAAAAAAAAAAAAAAAAAAAAAAAAAAAAAAAAAAAAAAAAAAAAAAAAAAAAAAAAAAAAAAAAAAAAAAAAAAAAAAAAAAAAAAAAAAAAAAAAAAAAAAAAAAAAAAAAAAAAAAAAAAAAAAAAAAAAAAAAAAAAAAAAAAAAAAAAAAAAAAAAAAAAAAAAAAAAAAAAAAAAAAAAAAAAAAAAAAAAAAAAAAAAAAAAAAAAAAAAAAAAAAAAAAAAAAAAAAAAAAAAAAAAAAAAAAAAAAAAAAAAAAAAAAAAAAAAAAAAAAAAAAAAAAAAAAAAAAAAAAAAAAAAAAAAAAAAAAAAAAAAAAAAAAAAAAAAAAAAAAAAAAAAAAAAAAAAAAAAAAAAAAAAAAAAAAAAAAAAAAAAAAAAAAAAAAAAAAAAAAAAAAAAAAAAAAAAAAAAAAAAAAAAAAAAAAAAAAAAAAAAAAAAAAAAAAAAAAAAAAAAAAAAAAAAAAAAAAAAAAAAAAAAAAAAAAAAAAAAAAAAAAAAAAAAAAAAAAAAAAAAAAAAAAAAAAAAAAAAAAAAAAAAAAAAAAAAAAAAAAAAAAAAAAAAAAAAAAAAAAAAAAAAAAAAAAAAAAAAAAAAAAAAAAAAAAAAAAAAAAAAAAAAAAAAAAAAAAAAAAAAAAAAAAAAAAAAAAAAAAAAAAAAAAAAAAAAAAAAAAAAAAAAAAAAAAAAAAAAAAAAAAAAAAAAAAAAAAAAAAAAAAAAAAAAAAAAAAAAAAAAAAAAAAAAAAAAAAAAAAAAAAAAAAAAAAAAAAAAAAAAAAAAAAAAAAAAAAAAAAAAAAAAAAAAAAAAAAAAAAAAAAAAAAAAAAAAAAAAAAAAAAAAAAAAAAAAAAAAAAAAAAAAAAAAAAAAAAAAAAAAAAAAAAAAAAAAAAAAAAAAAAAAAAAAAAAAAAAAAAAAAAAAAAAAAAAAAAAAAAAAAAAAAAAAAAAAAAAAAAAAAAAAAAAAAAAAAAAAAAAAAAAAAAAAAAAAAAAAAAAAAAAAAAAAAAAAAAAAAAAAAAAAAAAAAAAAAAAAAAAAAAAAAAAAAAAAAAAAAAAAAAAAAAAAAAAAAAAAAAAAAAAAAAAAAAAAAAAAAAAAAAAAAAAAAAAAAAAAAAAAAAAAAAAAAAAAAAAAAAAAAAAAAAAAAAAAAAAAAAAAAAAAAAAAAAAAAAAAAAAAAAAAAAAAAAAAAAAAAAAAAAAAAAAAAAAAAAAAAAAAAAAAAAAAAAAAAAAAAAAAAAAAAAAAAAAAAAAAAAAAAAAAAAAAAAAAAAAAAAAAAAAAAAAAAAAAAAAAAAAAAAAAAAAAAAAAAAAAAAAAAAAAAAAAAAAAAAAAAAAAAAAAAAAAAAAAAAAAAAAAAAAAAAAAAAAAAAAAAAAAAAAAAAAAAAAAAAAAAAAAAAAAAAAAAAAAAAAAAAAAAAAAAAAAAAAAAAAAAAAAAAAAAAAAAAAAAAAAAAAAAAAAAAAAAAAAAAAAAAAAAAAAAAAAAAAAAAAAAAAAAAAAAAAAAAAAAAAAAAAAAAAAAAAAAAAAAAAAAAAAAAAAAAAAAAAAAAAAAAAAAAAAAAAAAAAAAAAAAAAAAAAAAAAAAAAAAAAAAAAAAAAAAAAAAAAAAAAAAAAAAAAAAAAAAAAAAAAAAAAAAAAAAAAAAAAAAAAAAAAAAAAAAAAAAAAAAAAAAAAAAAAAAAAAAAAAAAAAAAAAAAAAAAAAAAAAAAAAAAAAAAAAAAAAAAAAAAAAAAAAAAAAAAAAAAAAAAAAAAAAAAAAAAAAAAAAAAAAAAAAAAAAAAAAAAAAAAAAAAAAAAAAAAAAAAAAAAAAAAAAAAAAAAAAAAAAAAAAAAAAAAAAAAAAAAAAAAAAAAAAAAAAAAAAAAAAAAAAAAAAAAAAAAAAAAAAAAAAAAAAAAAAAAAAAAAAAAAAAAAAAAAAAAAAAAAAAAAAAAAAAAAAAAAAAAAAAAAAAAAAAAAAAAAAAAAAAAAAAAAAAAAAAAAAAAAAAAAAAAAAAAAAAAAAAAAAAAAAAAAAAAAAAAAAAAAAAAAAAAAAAAAAAAAAAAAAAAAAAAAAAAAAAAAAAAAAAAAAAAAAAAAAAAAAAAAAAAAAAAAAAAAAAAAAAAAAAAAAAAAAAAAAAAAAAAAAAAAAAAAAAAAAAAAAAAAAAAAAAAAAAAAAAAAAAAAAAAAAAAAAAAAAAAAAAAAAAAAAAAAAAAAAAAAAAAAAAAAAAAAAAAAAAAAAAAAAAAAAAAAAAAAAAAAAAAAAAAAAAAAAAAAAAAAAAAAAAAAAAAAAAAAAAAAAAAAAAAAAAAAAAAAAAAAAAAAAAAAAAAAAAAAAAAAAAAAAAAAAAAAAAAAAAAAAAAAAAAAAAAAAAAAAAAAAAAAAAAAAAAAAAAAAAAAAAAAAAAAAAAAAAAAAAAAAAAAAAAAAAAAAAAAAAAAAAAAAAAAAAAAAAAAAAAAAAAAAAAAAAAAAAAAAAAAAAAAAAAAAAAAAAAAAAAAAAAAAAAAAAAAAAAAAAAAAAAAAAAAAAAAAAAAAAAAAAAAAAAAAAAAAAAAAAAAAAAAAAAAAAAAAAAAAAAAAAAAAAAAAAAAAAAAAAAAAAAAAAAAAAAAAAAAAAAAAAAAAAAAAAAAAAAAAAAAAAAAAAAAAAAAAAAAAAAAAAAAAAAAAAAAAAAAAAAAAAAAAAAAAAAAAAAAAAAAAAAAAAAAAAAAAAAAAAAAAAAAAAAAAAAAAAAAAAAAAAAAAAAAAAAAAAAAAAAAAAAAAAAAAAAAAAAAAAAAAAAAAAAAAAAAAAAAAAAAAAAAAAAAAAAAAAAAAAAAAAAAAAAAAAAAAAAAAAAAAAAAAAAAAAAAAAAAAAAAAAAAAAAAAAAAAAAAAAAAAAAAAAAAAAAAAAAAAAAAAAAAAAAAAAAAAAAAAAAAAAAAAAAAAAAAAAAAAAAAAAAAAAAAAAAAAAAAAAAAAAAAAAAAAAAAAAAAAAAAAAAAAAAAAAAAAAAAAAAAAAAAAAAAAAAAAAAAAAAAAAAAAAAAAAAAAAAAAAAAAAAAAAAAAAAAAAAAAAAAAAAAAAAAAAAAAAAAAAAAAAAAAAAAAAAAAAAAAAAAAAAAAAAAAAAAAAAAAAAAAAAAAAAAAAAAAAAAAAAAAAAAAAAAAAAAAAAAAAAAAAAAAAAAAAAAAAAAAAAAAAAAAAAAAAAAAAAAAAAAAAAAAAAAAAAAAAAAAAAAAAAAAAAAAAAAAAAAAAAAAAAAAAAAAAAAAAAAAAAAAAAAAAAAAAAAAAAAAAAAAAAAAAAAAAAAAAAAAAAAAAAAAAAAAAAAAAAAAAAAAAAAAAAAAAAAAAAAAAAAAAAAAAAAAAAAAAAAAAAAAAAAAAAAAAAAAAAAAAAAAAAAAAAAAAAAAAAAAAAAAAAAAAAAAAAAAAAAAAAAAAAAAAAAAAAAAAAAAAAAAAAAAAAAAAAAAAAAAAAAAAAAAAAAAAAAAAAAAAAAAAAAAAAAAAAAAAAAAAAAAAAAAAAAAAAAAAAAAAAAAAAAAAAAAAAAAA"/>
   <p:tag name="EMPOWERCHARTSPROPERTIES_SLOT" val="B"/>
   <p:tag name="EMPOWERCHARTSPROPERTIES_B_LENGTH" val="24576"/>
 </p:tagLst>
@@ -3938,7 +3711,7 @@
 <file path=ppt/theme/theme1.xml><?xml version="1.0" encoding="utf-8"?>
 <a:theme xmlns:a="http://schemas.openxmlformats.org/drawingml/2006/main" name="Office Theme">
   <a:themeElements>
-    <a:clrScheme name="Office">
+    <a:clrScheme name="Office Theme">
       <a:dk1>
         <a:sysClr val="windowText" lastClr="000000"/>
       </a:dk1>
@@ -3976,7 +3749,7 @@
         <a:srgbClr val="954F72"/>
       </a:folHlink>
     </a:clrScheme>
-    <a:fontScheme name="Office">
+    <a:fontScheme name="Office Theme">
       <a:majorFont>
         <a:latin typeface="Calibri Light" panose="020F0302020204030204"/>
         <a:ea typeface=""/>
@@ -4011,23 +3784,6 @@
         <a:font script="Viet" typeface="Times New Roman"/>
         <a:font script="Uigh" typeface="Microsoft Uighur"/>
         <a:font script="Geor" typeface="Sylfaen"/>
-        <a:font script="Armn" typeface="Arial"/>
-        <a:font script="Bugi" typeface="Leelawadee UI"/>
-        <a:font script="Bopo" typeface="Microsoft JhengHei"/>
-        <a:font script="Java" typeface="Javanese Text"/>
-        <a:font script="Lisu" typeface="Segoe UI"/>
-        <a:font script="Mymr" typeface="Myanmar Text"/>
-        <a:font script="Nkoo" typeface="Ebrima"/>
-        <a:font script="Olck" typeface="Nirmala UI"/>
-        <a:font script="Osma" typeface="Ebrima"/>
-        <a:font script="Phag" typeface="Phagspa"/>
-        <a:font script="Syrn" typeface="Estrangelo Edessa"/>
-        <a:font script="Syrj" typeface="Estrangelo Edessa"/>
-        <a:font script="Syre" typeface="Estrangelo Edessa"/>
-        <a:font script="Sora" typeface="Nirmala UI"/>
-        <a:font script="Tale" typeface="Microsoft Tai Le"/>
-        <a:font script="Talu" typeface="Microsoft New Tai Lue"/>
-        <a:font script="Tfng" typeface="Ebrima"/>
       </a:majorFont>
       <a:minorFont>
         <a:latin typeface="Calibri" panose="020F0502020204030204"/>
@@ -4063,26 +3819,9 @@
         <a:font script="Viet" typeface="Arial"/>
         <a:font script="Uigh" typeface="Microsoft Uighur"/>
         <a:font script="Geor" typeface="Sylfaen"/>
-        <a:font script="Armn" typeface="Arial"/>
-        <a:font script="Bugi" typeface="Leelawadee UI"/>
-        <a:font script="Bopo" typeface="Microsoft JhengHei"/>
-        <a:font script="Java" typeface="Javanese Text"/>
-        <a:font script="Lisu" typeface="Segoe UI"/>
-        <a:font script="Mymr" typeface="Myanmar Text"/>
-        <a:font script="Nkoo" typeface="Ebrima"/>
-        <a:font script="Olck" typeface="Nirmala UI"/>
-        <a:font script="Osma" typeface="Ebrima"/>
-        <a:font script="Phag" typeface="Phagspa"/>
-        <a:font script="Syrn" typeface="Estrangelo Edessa"/>
-        <a:font script="Syrj" typeface="Estrangelo Edessa"/>
-        <a:font script="Syre" typeface="Estrangelo Edessa"/>
-        <a:font script="Sora" typeface="Nirmala UI"/>
-        <a:font script="Tale" typeface="Microsoft Tai Le"/>
-        <a:font script="Talu" typeface="Microsoft New Tai Lue"/>
-        <a:font script="Tfng" typeface="Ebrima"/>
       </a:minorFont>
     </a:fontScheme>
-    <a:fmtScheme name="Office">
+    <a:fmtScheme name="Office Theme">
       <a:fillStyleLst>
         <a:solidFill>
           <a:schemeClr val="phClr"/>

--- a/images/logo.pptx
+++ b/images/logo.pptx
@@ -6,11 +6,12 @@
   </p:sldMasterIdLst>
   <p:sldIdLst>
     <p:sldId id="256" r:id="rId2"/>
+    <p:sldId id="257" r:id="rId3"/>
   </p:sldIdLst>
   <p:sldSz cx="3657600" cy="914400"/>
   <p:notesSz cx="6858000" cy="9144000"/>
   <p:custDataLst>
-    <p:tags r:id="rId3"/>
+    <p:tags r:id="rId4"/>
   </p:custDataLst>
   <p:defaultTextStyle>
     <a:defPPr>
@@ -107,6 +108,11 @@
       </a:defRPr>
     </a:lvl9pPr>
   </p:defaultTextStyle>
+  <p:extLst>
+    <p:ext uri="{EFAFB233-063F-42B5-8137-9DF3F51BA10A}">
+      <p15:sldGuideLst xmlns:p15="http://schemas.microsoft.com/office/powerpoint/2012/main"/>
+    </p:ext>
+  </p:extLst>
 </p:presentation>
 </file>
 
@@ -241,7 +247,7 @@
           <a:p>
             <a:fld id="{352BC529-1D76-442C-A947-E37B943CFD8C}" type="datetimeFigureOut">
               <a:rPr lang="en-US" smtClean="0"/>
-              <a:t>9/5/2023</a:t>
+              <a:t>9/9/2023</a:t>
             </a:fld>
             <a:endParaRPr lang="en-US"/>
           </a:p>
@@ -411,7 +417,7 @@
           <a:p>
             <a:fld id="{352BC529-1D76-442C-A947-E37B943CFD8C}" type="datetimeFigureOut">
               <a:rPr lang="en-US" smtClean="0"/>
-              <a:t>9/5/2023</a:t>
+              <a:t>9/9/2023</a:t>
             </a:fld>
             <a:endParaRPr lang="en-US"/>
           </a:p>
@@ -591,7 +597,7 @@
           <a:p>
             <a:fld id="{352BC529-1D76-442C-A947-E37B943CFD8C}" type="datetimeFigureOut">
               <a:rPr lang="en-US" smtClean="0"/>
-              <a:t>9/5/2023</a:t>
+              <a:t>9/9/2023</a:t>
             </a:fld>
             <a:endParaRPr lang="en-US"/>
           </a:p>
@@ -791,7 +797,7 @@
           <a:p>
             <a:fld id="{352BC529-1D76-442C-A947-E37B943CFD8C}" type="datetimeFigureOut">
               <a:rPr lang="en-US" smtClean="0"/>
-              <a:t>9/5/2023</a:t>
+              <a:t>9/9/2023</a:t>
             </a:fld>
             <a:endParaRPr lang="en-US"/>
           </a:p>
@@ -1037,7 +1043,7 @@
           <a:p>
             <a:fld id="{352BC529-1D76-442C-A947-E37B943CFD8C}" type="datetimeFigureOut">
               <a:rPr lang="en-US" smtClean="0"/>
-              <a:t>9/5/2023</a:t>
+              <a:t>9/9/2023</a:t>
             </a:fld>
             <a:endParaRPr lang="en-US"/>
           </a:p>
@@ -1269,7 +1275,7 @@
           <a:p>
             <a:fld id="{352BC529-1D76-442C-A947-E37B943CFD8C}" type="datetimeFigureOut">
               <a:rPr lang="en-US" smtClean="0"/>
-              <a:t>9/5/2023</a:t>
+              <a:t>9/9/2023</a:t>
             </a:fld>
             <a:endParaRPr lang="en-US"/>
           </a:p>
@@ -1636,7 +1642,7 @@
           <a:p>
             <a:fld id="{352BC529-1D76-442C-A947-E37B943CFD8C}" type="datetimeFigureOut">
               <a:rPr lang="en-US" smtClean="0"/>
-              <a:t>9/5/2023</a:t>
+              <a:t>9/9/2023</a:t>
             </a:fld>
             <a:endParaRPr lang="en-US"/>
           </a:p>
@@ -1754,7 +1760,7 @@
           <a:p>
             <a:fld id="{352BC529-1D76-442C-A947-E37B943CFD8C}" type="datetimeFigureOut">
               <a:rPr lang="en-US" smtClean="0"/>
-              <a:t>9/5/2023</a:t>
+              <a:t>9/9/2023</a:t>
             </a:fld>
             <a:endParaRPr lang="en-US"/>
           </a:p>
@@ -1849,7 +1855,7 @@
           <a:p>
             <a:fld id="{352BC529-1D76-442C-A947-E37B943CFD8C}" type="datetimeFigureOut">
               <a:rPr lang="en-US" smtClean="0"/>
-              <a:t>9/5/2023</a:t>
+              <a:t>9/9/2023</a:t>
             </a:fld>
             <a:endParaRPr lang="en-US"/>
           </a:p>
@@ -2126,7 +2132,7 @@
           <a:p>
             <a:fld id="{352BC529-1D76-442C-A947-E37B943CFD8C}" type="datetimeFigureOut">
               <a:rPr lang="en-US" smtClean="0"/>
-              <a:t>9/5/2023</a:t>
+              <a:t>9/9/2023</a:t>
             </a:fld>
             <a:endParaRPr lang="en-US"/>
           </a:p>
@@ -2383,7 +2389,7 @@
           <a:p>
             <a:fld id="{352BC529-1D76-442C-A947-E37B943CFD8C}" type="datetimeFigureOut">
               <a:rPr lang="en-US" smtClean="0"/>
-              <a:t>9/5/2023</a:t>
+              <a:t>9/9/2023</a:t>
             </a:fld>
             <a:endParaRPr lang="en-US"/>
           </a:p>
@@ -2596,7 +2602,7 @@
           <a:p>
             <a:fld id="{352BC529-1D76-442C-A947-E37B943CFD8C}" type="datetimeFigureOut">
               <a:rPr lang="en-US" smtClean="0"/>
-              <a:t>9/5/2023</a:t>
+              <a:t>9/9/2023</a:t>
             </a:fld>
             <a:endParaRPr lang="en-US"/>
           </a:p>
@@ -3700,6 +3706,572 @@
 </p:sld>
 </file>
 
+<file path=ppt/slides/slide2.xml><?xml version="1.0" encoding="utf-8"?>
+<p:sld xmlns:a="http://schemas.openxmlformats.org/drawingml/2006/main" xmlns:r="http://schemas.openxmlformats.org/officeDocument/2006/relationships" xmlns:p="http://schemas.openxmlformats.org/presentationml/2006/main" showMasterSp="0">
+  <p:cSld>
+    <p:spTree>
+      <p:nvGrpSpPr>
+        <p:cNvPr id="1" name=""/>
+        <p:cNvGrpSpPr/>
+        <p:nvPr/>
+      </p:nvGrpSpPr>
+      <p:grpSpPr>
+        <a:xfrm>
+          <a:off x="0" y="0"/>
+          <a:ext cx="0" cy="0"/>
+          <a:chOff x="0" y="0"/>
+          <a:chExt cx="0" cy="0"/>
+        </a:xfrm>
+      </p:grpSpPr>
+      <p:sp>
+        <p:nvSpPr>
+          <p:cNvPr id="4" name="Cube 3">
+            <a:extLst>
+              <a:ext uri="{FF2B5EF4-FFF2-40B4-BE49-F238E27FC236}">
+                <a16:creationId xmlns:a16="http://schemas.microsoft.com/office/drawing/2014/main" id="{5BB7B34D-9441-35A9-5694-8E76D86E6A10}"/>
+              </a:ext>
+            </a:extLst>
+          </p:cNvPr>
+          <p:cNvSpPr/>
+          <p:nvPr/>
+        </p:nvSpPr>
+        <p:spPr>
+          <a:xfrm>
+            <a:off x="1410180" y="685637"/>
+            <a:ext cx="363474" cy="335280"/>
+          </a:xfrm>
+          <a:prstGeom prst="cube">
+            <a:avLst/>
+          </a:prstGeom>
+          <a:solidFill>
+            <a:schemeClr val="bg1">
+              <a:lumMod val="95000"/>
+            </a:schemeClr>
+          </a:solidFill>
+          <a:ln>
+            <a:solidFill>
+              <a:schemeClr val="tx1"/>
+            </a:solidFill>
+          </a:ln>
+        </p:spPr>
+        <p:style>
+          <a:lnRef idx="2">
+            <a:schemeClr val="accent1">
+              <a:shade val="50000"/>
+            </a:schemeClr>
+          </a:lnRef>
+          <a:fillRef idx="1">
+            <a:schemeClr val="accent1"/>
+          </a:fillRef>
+          <a:effectRef idx="0">
+            <a:schemeClr val="accent1"/>
+          </a:effectRef>
+          <a:fontRef idx="minor">
+            <a:schemeClr val="lt1"/>
+          </a:fontRef>
+        </p:style>
+        <p:txBody>
+          <a:bodyPr rtlCol="0" anchor="ctr"/>
+          <a:lstStyle/>
+          <a:p>
+            <a:pPr algn="ctr"/>
+            <a:endParaRPr lang="en-US"/>
+          </a:p>
+        </p:txBody>
+      </p:sp>
+      <p:sp>
+        <p:nvSpPr>
+          <p:cNvPr id="5" name="Cube 4">
+            <a:extLst>
+              <a:ext uri="{FF2B5EF4-FFF2-40B4-BE49-F238E27FC236}">
+                <a16:creationId xmlns:a16="http://schemas.microsoft.com/office/drawing/2014/main" id="{AF3E613E-D7C7-6F2B-2EFA-A3EE8E5ECFE7}"/>
+              </a:ext>
+            </a:extLst>
+          </p:cNvPr>
+          <p:cNvSpPr/>
+          <p:nvPr/>
+        </p:nvSpPr>
+        <p:spPr>
+          <a:xfrm>
+            <a:off x="1730220" y="685637"/>
+            <a:ext cx="363474" cy="335280"/>
+          </a:xfrm>
+          <a:prstGeom prst="cube">
+            <a:avLst/>
+          </a:prstGeom>
+          <a:solidFill>
+            <a:schemeClr val="bg1">
+              <a:lumMod val="95000"/>
+            </a:schemeClr>
+          </a:solidFill>
+          <a:ln>
+            <a:solidFill>
+              <a:schemeClr val="tx1"/>
+            </a:solidFill>
+          </a:ln>
+        </p:spPr>
+        <p:style>
+          <a:lnRef idx="2">
+            <a:schemeClr val="accent1">
+              <a:shade val="50000"/>
+            </a:schemeClr>
+          </a:lnRef>
+          <a:fillRef idx="1">
+            <a:schemeClr val="accent1"/>
+          </a:fillRef>
+          <a:effectRef idx="0">
+            <a:schemeClr val="accent1"/>
+          </a:effectRef>
+          <a:fontRef idx="minor">
+            <a:schemeClr val="lt1"/>
+          </a:fontRef>
+        </p:style>
+        <p:txBody>
+          <a:bodyPr rtlCol="0" anchor="ctr"/>
+          <a:lstStyle/>
+          <a:p>
+            <a:pPr algn="ctr"/>
+            <a:endParaRPr lang="en-US"/>
+          </a:p>
+        </p:txBody>
+      </p:sp>
+      <p:sp>
+        <p:nvSpPr>
+          <p:cNvPr id="6" name="Cube 5">
+            <a:extLst>
+              <a:ext uri="{FF2B5EF4-FFF2-40B4-BE49-F238E27FC236}">
+                <a16:creationId xmlns:a16="http://schemas.microsoft.com/office/drawing/2014/main" id="{7525B701-03FB-2F1F-75F8-90B7D638259B}"/>
+              </a:ext>
+            </a:extLst>
+          </p:cNvPr>
+          <p:cNvSpPr/>
+          <p:nvPr/>
+        </p:nvSpPr>
+        <p:spPr>
+          <a:xfrm>
+            <a:off x="1306548" y="789269"/>
+            <a:ext cx="363474" cy="335280"/>
+          </a:xfrm>
+          <a:prstGeom prst="cube">
+            <a:avLst/>
+          </a:prstGeom>
+          <a:solidFill>
+            <a:schemeClr val="bg1">
+              <a:lumMod val="95000"/>
+            </a:schemeClr>
+          </a:solidFill>
+          <a:ln>
+            <a:solidFill>
+              <a:schemeClr val="tx1"/>
+            </a:solidFill>
+          </a:ln>
+        </p:spPr>
+        <p:style>
+          <a:lnRef idx="2">
+            <a:schemeClr val="accent1">
+              <a:shade val="50000"/>
+            </a:schemeClr>
+          </a:lnRef>
+          <a:fillRef idx="1">
+            <a:schemeClr val="accent1"/>
+          </a:fillRef>
+          <a:effectRef idx="0">
+            <a:schemeClr val="accent1"/>
+          </a:effectRef>
+          <a:fontRef idx="minor">
+            <a:schemeClr val="lt1"/>
+          </a:fontRef>
+        </p:style>
+        <p:txBody>
+          <a:bodyPr rtlCol="0" anchor="ctr"/>
+          <a:lstStyle/>
+          <a:p>
+            <a:pPr algn="ctr"/>
+            <a:endParaRPr lang="en-US"/>
+          </a:p>
+        </p:txBody>
+      </p:sp>
+      <p:sp>
+        <p:nvSpPr>
+          <p:cNvPr id="7" name="Cube 6">
+            <a:extLst>
+              <a:ext uri="{FF2B5EF4-FFF2-40B4-BE49-F238E27FC236}">
+                <a16:creationId xmlns:a16="http://schemas.microsoft.com/office/drawing/2014/main" id="{F937C649-C169-0FCE-5D24-FB355CB72ED5}"/>
+              </a:ext>
+            </a:extLst>
+          </p:cNvPr>
+          <p:cNvSpPr/>
+          <p:nvPr/>
+        </p:nvSpPr>
+        <p:spPr>
+          <a:xfrm>
+            <a:off x="1623540" y="789269"/>
+            <a:ext cx="363474" cy="335280"/>
+          </a:xfrm>
+          <a:prstGeom prst="cube">
+            <a:avLst/>
+          </a:prstGeom>
+          <a:solidFill>
+            <a:schemeClr val="bg1">
+              <a:lumMod val="95000"/>
+            </a:schemeClr>
+          </a:solidFill>
+          <a:ln>
+            <a:solidFill>
+              <a:schemeClr val="tx1"/>
+            </a:solidFill>
+          </a:ln>
+        </p:spPr>
+        <p:style>
+          <a:lnRef idx="2">
+            <a:schemeClr val="accent1">
+              <a:shade val="50000"/>
+            </a:schemeClr>
+          </a:lnRef>
+          <a:fillRef idx="1">
+            <a:schemeClr val="accent1"/>
+          </a:fillRef>
+          <a:effectRef idx="0">
+            <a:schemeClr val="accent1"/>
+          </a:effectRef>
+          <a:fontRef idx="minor">
+            <a:schemeClr val="lt1"/>
+          </a:fontRef>
+        </p:style>
+        <p:txBody>
+          <a:bodyPr rtlCol="0" anchor="ctr"/>
+          <a:lstStyle/>
+          <a:p>
+            <a:pPr algn="ctr"/>
+            <a:endParaRPr lang="en-US"/>
+          </a:p>
+        </p:txBody>
+      </p:sp>
+      <p:sp>
+        <p:nvSpPr>
+          <p:cNvPr id="8" name="Cube 7">
+            <a:extLst>
+              <a:ext uri="{FF2B5EF4-FFF2-40B4-BE49-F238E27FC236}">
+                <a16:creationId xmlns:a16="http://schemas.microsoft.com/office/drawing/2014/main" id="{8A0DC529-A154-44EC-4DC8-792D32B73E2C}"/>
+              </a:ext>
+            </a:extLst>
+          </p:cNvPr>
+          <p:cNvSpPr/>
+          <p:nvPr/>
+        </p:nvSpPr>
+        <p:spPr>
+          <a:xfrm>
+            <a:off x="1410180" y="401411"/>
+            <a:ext cx="363474" cy="335280"/>
+          </a:xfrm>
+          <a:prstGeom prst="cube">
+            <a:avLst/>
+          </a:prstGeom>
+          <a:solidFill>
+            <a:schemeClr val="bg1">
+              <a:lumMod val="95000"/>
+            </a:schemeClr>
+          </a:solidFill>
+          <a:ln>
+            <a:solidFill>
+              <a:schemeClr val="tx1"/>
+            </a:solidFill>
+          </a:ln>
+        </p:spPr>
+        <p:style>
+          <a:lnRef idx="2">
+            <a:schemeClr val="accent1">
+              <a:shade val="50000"/>
+            </a:schemeClr>
+          </a:lnRef>
+          <a:fillRef idx="1">
+            <a:schemeClr val="accent1"/>
+          </a:fillRef>
+          <a:effectRef idx="0">
+            <a:schemeClr val="accent1"/>
+          </a:effectRef>
+          <a:fontRef idx="minor">
+            <a:schemeClr val="lt1"/>
+          </a:fontRef>
+        </p:style>
+        <p:txBody>
+          <a:bodyPr rtlCol="0" anchor="ctr"/>
+          <a:lstStyle/>
+          <a:p>
+            <a:pPr algn="ctr"/>
+            <a:endParaRPr lang="en-US"/>
+          </a:p>
+        </p:txBody>
+      </p:sp>
+      <p:sp>
+        <p:nvSpPr>
+          <p:cNvPr id="9" name="Cube 8">
+            <a:extLst>
+              <a:ext uri="{FF2B5EF4-FFF2-40B4-BE49-F238E27FC236}">
+                <a16:creationId xmlns:a16="http://schemas.microsoft.com/office/drawing/2014/main" id="{12BA937B-792D-E6ED-D18A-557D03DB02BE}"/>
+              </a:ext>
+            </a:extLst>
+          </p:cNvPr>
+          <p:cNvSpPr/>
+          <p:nvPr/>
+        </p:nvSpPr>
+        <p:spPr>
+          <a:xfrm>
+            <a:off x="1730220" y="401411"/>
+            <a:ext cx="363474" cy="335280"/>
+          </a:xfrm>
+          <a:prstGeom prst="cube">
+            <a:avLst/>
+          </a:prstGeom>
+          <a:solidFill>
+            <a:schemeClr val="bg1">
+              <a:lumMod val="95000"/>
+            </a:schemeClr>
+          </a:solidFill>
+          <a:ln>
+            <a:solidFill>
+              <a:schemeClr val="tx1"/>
+            </a:solidFill>
+          </a:ln>
+        </p:spPr>
+        <p:style>
+          <a:lnRef idx="2">
+            <a:schemeClr val="accent1">
+              <a:shade val="50000"/>
+            </a:schemeClr>
+          </a:lnRef>
+          <a:fillRef idx="1">
+            <a:schemeClr val="accent1"/>
+          </a:fillRef>
+          <a:effectRef idx="0">
+            <a:schemeClr val="accent1"/>
+          </a:effectRef>
+          <a:fontRef idx="minor">
+            <a:schemeClr val="lt1"/>
+          </a:fontRef>
+        </p:style>
+        <p:txBody>
+          <a:bodyPr rtlCol="0" anchor="ctr"/>
+          <a:lstStyle/>
+          <a:p>
+            <a:pPr algn="ctr"/>
+            <a:endParaRPr lang="en-US"/>
+          </a:p>
+        </p:txBody>
+      </p:sp>
+      <p:sp>
+        <p:nvSpPr>
+          <p:cNvPr id="10" name="Cube 9">
+            <a:extLst>
+              <a:ext uri="{FF2B5EF4-FFF2-40B4-BE49-F238E27FC236}">
+                <a16:creationId xmlns:a16="http://schemas.microsoft.com/office/drawing/2014/main" id="{8F53C74C-AD93-F0F2-E83C-103D7F57F347}"/>
+              </a:ext>
+            </a:extLst>
+          </p:cNvPr>
+          <p:cNvSpPr/>
+          <p:nvPr/>
+        </p:nvSpPr>
+        <p:spPr>
+          <a:xfrm>
+            <a:off x="1306548" y="505043"/>
+            <a:ext cx="363474" cy="335280"/>
+          </a:xfrm>
+          <a:prstGeom prst="cube">
+            <a:avLst/>
+          </a:prstGeom>
+          <a:solidFill>
+            <a:schemeClr val="bg1">
+              <a:lumMod val="95000"/>
+            </a:schemeClr>
+          </a:solidFill>
+          <a:ln>
+            <a:solidFill>
+              <a:schemeClr val="tx1"/>
+            </a:solidFill>
+          </a:ln>
+        </p:spPr>
+        <p:style>
+          <a:lnRef idx="2">
+            <a:schemeClr val="accent1">
+              <a:shade val="50000"/>
+            </a:schemeClr>
+          </a:lnRef>
+          <a:fillRef idx="1">
+            <a:schemeClr val="accent1"/>
+          </a:fillRef>
+          <a:effectRef idx="0">
+            <a:schemeClr val="accent1"/>
+          </a:effectRef>
+          <a:fontRef idx="minor">
+            <a:schemeClr val="lt1"/>
+          </a:fontRef>
+        </p:style>
+        <p:txBody>
+          <a:bodyPr rtlCol="0" anchor="ctr"/>
+          <a:lstStyle/>
+          <a:p>
+            <a:pPr algn="ctr"/>
+            <a:endParaRPr lang="en-US"/>
+          </a:p>
+        </p:txBody>
+      </p:sp>
+      <p:sp>
+        <p:nvSpPr>
+          <p:cNvPr id="11" name="Cube 10">
+            <a:extLst>
+              <a:ext uri="{FF2B5EF4-FFF2-40B4-BE49-F238E27FC236}">
+                <a16:creationId xmlns:a16="http://schemas.microsoft.com/office/drawing/2014/main" id="{A25E78F1-034D-8474-746D-CA6F05719A30}"/>
+              </a:ext>
+            </a:extLst>
+          </p:cNvPr>
+          <p:cNvSpPr/>
+          <p:nvPr/>
+        </p:nvSpPr>
+        <p:spPr>
+          <a:xfrm>
+            <a:off x="1623540" y="505043"/>
+            <a:ext cx="363474" cy="335280"/>
+          </a:xfrm>
+          <a:prstGeom prst="cube">
+            <a:avLst/>
+          </a:prstGeom>
+          <a:solidFill>
+            <a:schemeClr val="bg1">
+              <a:lumMod val="95000"/>
+            </a:schemeClr>
+          </a:solidFill>
+          <a:ln>
+            <a:solidFill>
+              <a:schemeClr val="tx1"/>
+            </a:solidFill>
+          </a:ln>
+        </p:spPr>
+        <p:style>
+          <a:lnRef idx="2">
+            <a:schemeClr val="accent1">
+              <a:shade val="50000"/>
+            </a:schemeClr>
+          </a:lnRef>
+          <a:fillRef idx="1">
+            <a:schemeClr val="accent1"/>
+          </a:fillRef>
+          <a:effectRef idx="0">
+            <a:schemeClr val="accent1"/>
+          </a:effectRef>
+          <a:fontRef idx="minor">
+            <a:schemeClr val="lt1"/>
+          </a:fontRef>
+        </p:style>
+        <p:txBody>
+          <a:bodyPr rtlCol="0" anchor="ctr"/>
+          <a:lstStyle/>
+          <a:p>
+            <a:pPr algn="ctr"/>
+            <a:endParaRPr lang="en-US"/>
+          </a:p>
+        </p:txBody>
+      </p:sp>
+      <p:sp>
+        <p:nvSpPr>
+          <p:cNvPr id="12" name="TextBox 11">
+            <a:extLst>
+              <a:ext uri="{FF2B5EF4-FFF2-40B4-BE49-F238E27FC236}">
+                <a16:creationId xmlns:a16="http://schemas.microsoft.com/office/drawing/2014/main" id="{919F1F6A-AA36-4527-64C7-1DE853585373}"/>
+              </a:ext>
+            </a:extLst>
+          </p:cNvPr>
+          <p:cNvSpPr txBox="1"/>
+          <p:nvPr/>
+        </p:nvSpPr>
+        <p:spPr>
+          <a:xfrm>
+            <a:off x="443084" y="-35243"/>
+            <a:ext cx="2708186" cy="492443"/>
+          </a:xfrm>
+          <a:prstGeom prst="rect">
+            <a:avLst/>
+          </a:prstGeom>
+          <a:noFill/>
+        </p:spPr>
+        <p:txBody>
+          <a:bodyPr wrap="square" rtlCol="0">
+            <a:spAutoFit/>
+          </a:bodyPr>
+          <a:lstStyle/>
+          <a:p>
+            <a:r>
+              <a:rPr lang="en-US" sz="2600" dirty="0">
+                <a:solidFill>
+                  <a:schemeClr val="accent1">
+                    <a:lumMod val="75000"/>
+                  </a:schemeClr>
+                </a:solidFill>
+                <a:latin typeface="Cascadia Code" panose="020B0609020000020004" pitchFamily="49" charset="0"/>
+                <a:ea typeface="Kigelia Light" panose="020B0502040204020203" pitchFamily="34" charset="0"/>
+                <a:cs typeface="Cascadia Code" panose="020B0609020000020004" pitchFamily="49" charset="0"/>
+              </a:rPr>
+              <a:t>ReservoirFlow</a:t>
+            </a:r>
+          </a:p>
+        </p:txBody>
+      </p:sp>
+      <p:sp>
+        <p:nvSpPr>
+          <p:cNvPr id="2" name="TextBox 1">
+            <a:extLst>
+              <a:ext uri="{FF2B5EF4-FFF2-40B4-BE49-F238E27FC236}">
+                <a16:creationId xmlns:a16="http://schemas.microsoft.com/office/drawing/2014/main" id="{30F584E9-C76E-1758-45A2-CB91019582F4}"/>
+              </a:ext>
+            </a:extLst>
+          </p:cNvPr>
+          <p:cNvSpPr txBox="1"/>
+          <p:nvPr/>
+        </p:nvSpPr>
+        <p:spPr>
+          <a:xfrm>
+            <a:off x="921278" y="516759"/>
+            <a:ext cx="1552291" cy="492443"/>
+          </a:xfrm>
+          <a:prstGeom prst="rect">
+            <a:avLst/>
+          </a:prstGeom>
+          <a:noFill/>
+        </p:spPr>
+        <p:txBody>
+          <a:bodyPr wrap="square" rtlCol="0">
+            <a:spAutoFit/>
+          </a:bodyPr>
+          <a:lstStyle/>
+          <a:p>
+            <a:r>
+              <a:rPr lang="en-US" sz="2600" dirty="0">
+                <a:solidFill>
+                  <a:schemeClr val="accent1">
+                    <a:lumMod val="75000"/>
+                  </a:schemeClr>
+                </a:solidFill>
+                <a:latin typeface="Cascadia Code" panose="020B0609020000020004" pitchFamily="49" charset="0"/>
+                <a:ea typeface="Kigelia Light" panose="020B0502040204020203" pitchFamily="34" charset="0"/>
+                <a:cs typeface="Cascadia Code" panose="020B0609020000020004" pitchFamily="49" charset="0"/>
+              </a:rPr>
+              <a:t>&lt;     &gt;</a:t>
+            </a:r>
+          </a:p>
+        </p:txBody>
+      </p:sp>
+    </p:spTree>
+    <p:extLst>
+      <p:ext uri="{BB962C8B-B14F-4D97-AF65-F5344CB8AC3E}">
+        <p14:creationId xmlns:p14="http://schemas.microsoft.com/office/powerpoint/2010/main" val="1563811368"/>
+      </p:ext>
+    </p:extLst>
+  </p:cSld>
+  <p:clrMapOvr>
+    <a:masterClrMapping/>
+  </p:clrMapOvr>
+</p:sld>
+</file>
+
 <file path=ppt/tags/tag1.xml><?xml version="1.0" encoding="utf-8"?>
 <p:tagLst xmlns:a="http://schemas.openxmlformats.org/drawingml/2006/main" xmlns:r="http://schemas.openxmlformats.org/officeDocument/2006/relationships" xmlns:p="http://schemas.openxmlformats.org/presentationml/2006/main">
   <p:tag name="EMPOWERCHARTSPROPERTIES_B_0" val="AAAAAAH//////////wEAAAAAAAAAAAAAACoqIFRoaXMgaXMgYSBMaXRlREIgZmlsZSAqKgcEAP////8FAAAAAQAAAAAAAAAAAAAAAAAAAAAAAAAAAAAAAAAAAAAAAAAAAAAAAAABEQAAAFByb3BlcnR5RG9jdW1lbnRzAgAAAAAAAAAAAAAAAAAAAAAAAAAAAAAAAAAAAAAAAAAAAAAAAAAAAAAAAAAAAAAAAAAAAAAAAAAAAAAAAAAAAAAAAAAAAAAAAAAAAAAAAAAAAAAAAAAAAAAAAAAAAAAAAAAAAAAAAAAAAAAAAAAAAAAAAAAAAAAAAAAAAAAAAAAAAAAAAAAAAAAAAAAAAAAAAAAAAAAAAAAAAAAAAAAAAAAAAAAAAAAAAAAAAAAAAAAAAAAAAAAAAAAAAAAAAAAAAAAAAAAAAAAAAAAAAAAAAAAAAAAAAAAAAAAAAAAAAAAAAAAAAAAAAAAAAAAAAAAAAAAAAAAAAAAAAAAAAAAAAAAAAAAAAAAAAAAAAAAAAAAAAAAAAAAAAAAAAAAAAAAAAAAAAAAAAAAAAAAAAAAAAAAAAAAAAAAAAAAAAAAAAAAAAAAAAAAAAAAAAAAAAAAAAAAAAAAAAAAAAAAAAAAAAAAAAAAAAAAAAAAAAAAAAAAAAAAAAAAAAAAAAAAAAAAAAAAAAAAAAAAAAAAAAAAAAAAAAAAAAAAAAAAAAAAAAAAAAAAAAAAAAAAAAAAAAAAAAAAAAAAAAAAAAAAAAAAAAAAAAAAAAAAAAAAAAAAAAAAAAAAAAAAAAAAAAAAAAAAAAAAAAAAAAAAAAAAAAAAAAAAAAAAAAAAAAAAAAAAAAAAAAAAAAAAAAAAAAAAAAAAAAAAAAAAAAAAAAAAAAAAAAAAAAAAAAAAAAAAAAAAAAAAAAAAAAAAAAAAAAAAAAAAAAAAAAAAAAAAAAAAAAAAAAAAAAAAAAAAAAAAAAAAAAAAAAAAAAAAAAAAAAAAAAAAAAAAAAAAAAAAAAAAAAAAAAAAAAAAAAAAAAAAAAAAAAAAAAAAAAAAAAAAAAAAAAAAAAAAAAAAAAAAAAAAAAAAAAAAAAAAAAAAAAAAAAAAAAAAAAAAAAAAAAAAAAAAAAAAAAAAAAAAAAAAAAAAAAAAAAAAAAAAAAAAAAAAAAAAAAAAAAAAAAAAAAAAAAAAAAAAAAAAAAAAAAAAAAAAAAAAAAAAAAAAAAAAAAAAAAAAAAAAAAAAAAAAAAAAAAAAAAAAAAAAAAAAAAAAAAAAAAAAAAAAAAAAAAAAAAAAAAAAAAAAAAAAAAAAAAAAAAAAAAAAAAAAAAAAAAAAAAAAAAAAAAAAAAAAAAAAAAAAAAAAAAAAAAAAAAAAAAAAAAAAAAAAAAAAAAAAAAAAAAAAAAAAAAAAAAAAAAAAAAAAAAAAAAAAAAAAAAAAAAAAAAAAAAAAAAAAAAAAAAAAAAAAAAAAAAAAAAAAAAAAAAAAAAAAAAAAAAAAAAAAAAAAAAAAAAAAAAAAAAAAAAAAAAAAAAAAAAAAAAAAAAAAAAAAAAAAAAAAAAAAAAAAAAAAAAAAAAAAAAAAAAAAAAAAAAAAAAAAAAAAAAAAAAAAAAAAAAAAAAAAAAAAAAAAAAAAAAAAAAAAAAAAAAAAAAAAAAAAAAAAAAAAAAAAAAAAAAAAAAAAAAAAAAAAAAAAAAAAAAAAAAAAAAAAAAAAAAAAAAAAAAAAAAAAAAAAAAAAAAAAAAAAAAAAAAAAAAAAAAAAAAAAAAAAAAAAAAAAAAAAAAAAAAAAAAAAAAAAAAAAAAAAAAAAAAAAAAAAAAAAAAAAAAAAAAAAAAAAAAAAAAAAAAAAAAAAAAAAAAAAAAAAAAAAAAAAAAAAAAAAAAAAAAAAAAAAAAAAAAAAAAAAAAAAAAAAAAAAAAAAAAAAAAAAAAAAAAAAAAAAAAAAAAAAAAAAAAAAAAAAAAAAAAAAAAAAAAAAAAAAAAAAAAAAAAAAAAAAAAAAAAAAAAAAAAAAAAAAAAAAAAAAAAAAAAAAAAAAAAAAAAAAAAAAAAAAAAAAAAAAAAAAAAAAAAAAAAAAAAAAAAAAAAAAAAAAAAAAAAAAAAAAAAAAAAAAAAAAAAAAAAAAAAAAAAAAAAAAAAAAAAAAAAAAAAAAAAAAAAAAAAAAAAAAAAAAAAAAAAAAAAAAAAAAAAAAAAAAAAAAAAAAAAAAAAAAAAAAAAAAAAAAAAAAAAAAAAAAAAAAAAAAAAAAAAAAAAAAAAAAAAAAAAAAAAAAAAAAAAAAAAAAAAAAAAAAAAAAAAAAAAAAAAAAAAAAAAAAAAAAAAAAAAAAAAAAAAAAAAAAAAAAAAAAAAAAAAAAAAAAAAAAAAAAAAAAAAAAAAAAAAAAAAAAAAAAAAAAAAAAAAAAAAAAAAAAAAAAAAAAAAAAAAAAAAAAAAAAAAAAAAAAAAAAAAAAAAAAAAAAAAAAAAAAAAAAAAAAAAAAAAAAAAAAAAAAAAAAAAAAAAAAAAAAAAAAAAAAAAAAAAAAAAAAAAAAAAAAAAAAAAAAAAAAAAAAAAAAAAAAAAAAAAAAAAAAAAAAAAAAAAAAAAAAAAAAAAAAAAAAAAAAAAAAAAAAAAAAAAAAAAAAAAAAAAAAAAAAAAAAAAAAAAAAAAAAAAAAAAAAAAAAAAAAAAAAAAAAAAAAAAAAAAAAAAAAAAAAAAAAAAAAAAAAAAAAAAAAAAAAAAAAAAAAAAAAAAAAAAAAAAAAAAAAAAAAAAAAAAAAAAAAAAAAAAAAAAAAAAAAAAAAAAAAAAAAAAAAAAAAAAAAAAAAAAAAAAAAAAAAAAAAAAAAAAAAAAAAAAAAAAAAAAAAAAAAAAAAAAAAAAAAAAAAAAAAAAAAAAAAAAAAAAAAAAAAAAAAAAAAAAAAAAAAAAAAAAAAAAAAAAAAAAAAAAAAAAAAAAAAAAAAAAAAAAAAAAAAAAAAAAAAAAAAAAAAAAAAAAAAAAAAAAAAAAAAAAAAAAAAAAAAAAAAAAAAAAAAAAAAAAAAAAAAAAAAAAAAAAAAAAAAAAAAAAAAAAAAAAAAAAAAAAAAAAAAAAAAAAAAAAAAAAAAAAAAAAAAAAAAAAAAAAAAAAAAAAAAAAAAAAAAAAAAAAAAAAAAAAAAAAAAAAAAAAAAAAAAAAAAAAAAAAAAAAAAAAAAAAAAAAAAAAAAAAAAAAAAAAAAAAAAAAAAAAAAAAAAAAAAAAAAAAAAAAAAAAAAAAAAAAAAAAAAAAAAAAAAAAAAAAAAAAAAAAAAAAAAAAAAAAAAAAAAAAAAAAAAAAAAAAAAAAAAAAAAAAAAAAAAAAAAAAAAAAAAAAAAAAAAAAAAAAAAAAAAAAAAAAAAAAAAAAAAAAAAAAAAAAAAAAAAAAAAAAAAAAAAAAAAAAAAAAAAAAAAAAAAAAAAAAAAAAAAAAAAAAAAAAAAAAAAAAAAAAAAAAAAAAAAAAAAAAAAAAAAAAAAAAAAAAAAAAAAAAAAAAAAAAAAAAAAAAAAAAAAAAAAAAAAAAAAAAAAAAAAAAAAAAAAAAAAAAAAAAAAAAAAAAAAAAAAAAAAAAAAAAAAAAAAAAAAAAAAAAAAAAAAAAAAAAAAAAAAAAAAAAAAAAAAAAAAAAAAAAAAAAAAAAAAAAAAAAAAAAAAAAAAAAAAAAAAAAAAAAAAAAAAAAAAAAAAAAAAAAAAAAAAAAAAAAAAAAAAAAAAAAAAAAAAAAAAAAAAAAAAAAAAAAAAAAAAAAAAAAAAAAAAAAAAAAAAAAAAAAAAAAAAAAAAAAAAAAAAAAAAAAAAAAAAAAAAAAAAAAAAAAAAAAAAAAAAAAAAAAAAAAAAAAAAAAAAAAAAAAAAAAAAAAAAAAAAAAAAAAAAAAAAAAAAAAAAAAAAAAAAAAAAAAAAAAAAAAAAAAAAAAAAAAAAAAAAAAAAAAAAAAAAAAAAAAAAAAAAAAAAAAAAAAAAAAAAAAAAAAAAAAAAAAAAAAAAAAAAAAAAAAAAAAAAAAAAAAAAAAAAAAAAAAAAAAAAAAAAAAAAAAAAAAAAAAAAAAAAAAAAAAAAAAAAAAAAAAAAAAAAAAAAAAAAAAAAAAAAAAAAAAAAAAAAAAAAAAAAAAAAAAAAAAAAAAAAAAAAAAAAAAAAAAAAAAAAAAAAAAAAAAAAAAAAAAAAAAAAAAAAAAAAAAAAAAAAAAAAAAAAAAAAAAAAAAAAAAAAAAAAAAAAAAAAAAAAAAAAAAAAAAAAAAAAAAAAAAAAAAAAAAAAAAAAAAAAAAAAAAAAAAAAAAAAAAAAAAAAAAAAAAAAAAAAAAAAAAAAAAAAAAAAAAAAAAAAAAAAAAAAAAAAAAAAAAAAAAAAAAAAAAAAAAAAAAAAAAAAAAAAAAAAAAAAAAAAAAAAAAAAAAAAAAAAAAAAAAAAAAAAAAAAAAAAAAAAAAAAAAAAAAAAAAAAAAAAAAAAAAAAAAAAAAAAAAAAAAAAAAAAAAAAAAAAAAAAAAAAAAAAAAAAAAAAAAAAAAAAAAAAAAAAAAAAAAAAAAAAAAAAAAAAAAAAAAAAAAAAAAAAAAAAAAAAAAAAAAAAAAAAAAAAAAAAAAAAAAAAAAAAAAAAAAAAAAAAAAAAAAAAAAAAAAAAAAAAAAAAAAAAAAAAAAAAAAAAAAAAAAAAAAAAAAAAAAAAAAAAAAAAAAAAAAAAAAAAAAAAAAAAAAAAAAAAAAAAAAAAAAAAAAAAAAAAAAAAAAAAAAAAAAAAAAAAAAAAAAAAAAAAAAAAAAAAAAAAAAAAAAAAAAAAAAAAAAAAAAAAAAAAAAAAAAAAAAAAAAAAAAAAAAAAAAAAAAAAAAAAAAAAAAAAAAAAAAAAAAAAAAAAAAAAAAAAAAAAAAAAAAAAAAAAAAAAAAAAAAAAAAAAAAAAAAAAAAAAAAAAAAAAAAAAAAAAAAAAAAAAAAAAAAAAAAAAAAAAAAAAAAAAAAAAAAAAAAAAAAAAAAAAAAAAAAAAAAAAAAAAAAAAAAAAAAAAAAAAAAAAAAAAAAAAAAAAAAAAAAAAAAAAAAAAAAAAAAAAAAAAAAAAAAAAAAAAAAAAAAAAAAAAAAAAAAAAAAAAAAAAAAAAAAAAAAAAAAAAAAAAAAAAAAAAAAAAAAAAAAAAAAAAAAAAAAAAAAAAAAAAAAAAAAAAAAAAAAAAAAAAAAAAAAAAAAAAAAAAAAAAAAAAAAAAAAAAAAAAAAAAAAAAAAAAAAAAAAAAAAAAAAAAAAAAAAAAAAAAAAAAAAAAAAAAAAAAAAAAAAAAAAAAAAAAAAAAAAAAAAAAAAAAAAAAAAAAAAAAAAAAAAAAAAAAAAAAAAAAAAAAAAAAAAAAAAAAAAAAAAAAAAAAAAAAAAAAAAAAAAAAAAAAAAAAAAAAAAAAAAAAAAAAAAAAAAAAAAAAAAAAAAAAAAAAAAAAAAAAAAAAAAAAAAAAAAAAAAAAAAAAAAAAAAAAAAAAAAAAAAAAAAAAAAAAAAAAAAAAAAAAAAAAAAAAAAAAAAAAAAAAAAAAAAAAAAAAAAAAAAAAAAAAAAAAAAAAAAAAAAAAAAAAAAAAAAAAAAAAAAAAAAAAAAAAAAAAAAAAAAAAAAAAAAAAAAAAAAAAAAAAAAAAAAAAAAAAAAAAAAAAAAAAAAAAAAAAAAAAAAAAAAAAAAAAAAAAAAAAAAAAAAAAAAAAAAAAAAAAAAAAAAAAAAAAAAAAAAAAAAAAAAAAAAAAAAAAAAAAAAAAAAAAAAAAAAAAAAAAAAAAAAAAAAAAAAAAAAAAAAAAAAAAAAAAAAAAAAAAAAAAAAAAAAAAAAAAAAAAAAAAAAAAAAAAAAAAAAAAAAAAAAAAAAAAAAAAAAAAAAAAAAAAAAAAAAAAAAAAAAAAAAAAAAAAAAAAAAAAAAAAAAAAAAAAAAAAAAAAAAAAAAAAAAAAAAAAAAAAAAAAAAAAAAAAAAAAAAAAAAAAAAAAAAAAAAAAAAAAAAAAAAAAAAAAAAAAAAAAAAAAAAAAAAAAAAAAAAAAAAAAAAAAAAAAAAAAAAAAAAAAAAAAAAAAAAAAAAAAAAAAAAAAAAAAAAAAAAAAAAAAAAAAAAAAAAAAAAAAAAAAAAAAAAAAAAAAAAAAAAAAAAAAAAAAAAAAAAAAAAAAAAAAAAAAAAAAAAAAAAAAAAAAAAAAAAAAAAAAAAAAAAAAAAAAAAAAAAAAAAAAAAAAAAAAAAAAAAAAAAAAAAAAAAAAAAAAAAAAAAAAAAAAAAAAAAAAAAAAAAAAAAAAAAAAAAAAAAAAAAAAAAAAAAAAAAAAAAAAAAAAAAAAAAAAAAAAAAAAAAAAAAAAAAAAAAAAAAAAAAAAAAAAAAAAAAAAAAAAAAAAAAAAAAAAAAAAAAAAAAAAAAAAAAAAAAAAAAAAAAAAAAAAAAAAAAAAAAAAAAAAAAAAAAAAAAAAAAAAAAAAAAAAAAAAAAAAAAAAAAAAAAAAAAAAAAAAAAAAAAAAAAAAAAAAAAAAAAAAAAAAAAAAAAAAAAAAAAAAAAAAAAAAAAAAAAAAAAAAAAAAAAAAAAAAAAAAAAAAAAAAAAAAAAAAAAAAAAAAAAAAAAAAAAAAAAAAAAAAAAAAAAAAAAAAAAAAAAAAAAAAAAAAAAAAAAAAAAAAAAAAAAAAAAAAAAAAAAAAAAAAAAAAAAAAAAAAAAAAAAAAAAAAAAAAAAAAAAAAAAAAAAAAAAAAAAAAAAAAAAAAAAAAAAAAAAAAAAAAAAAAAAAAAAAAAAAAAAAAAAAAAAAAAAAAAAAAAAAAAAAAAAAAAAAAAAAAAAAAAAAAAAAAAAAAAAAAAAAAAAAAAAAAAAAAAAAAAAAAAAAAAAAAAAAAAAAAAAAAAAAAAAAAAAAAAAAAAAAAAAAAAAAAAAAAAAAAAAAAAAAAAAAAAAAAAAAAAAAAAAAAAAAAAAAAAAAAAAAAAAAAAAAAAAAAAAAAAAAAAAAAAAAAAAAAAAAAAAAAAAAAAAAAAAAAAAAAAAAAAAAAAAAAAAAAAAAAAAAAAAAAAAAAAAAAAAAAAAAAAAAAAAAAAAAAAAAAAAAAAAAAAAAAAAAAAAAAAAAAAAAAAAAAAAAAAAAAAAAAAAAAAAAAAAAAAAAAAAAAAAAAAAAAAAAAAAAAAAAAAAAAAAAAAAAAAAAAAAAAAAAAAAAAAAAAAAAAAAAAAAAAAAAAAAAAAAAAAAAAAAAAAAAAAAAAAAAAAAAAAAAAAAAAAAAAAAAAAAAAAAAAAAAAAAAAAAAAAAAAAAAAAAAAAAAAAAAAAAAAAAAAAAAAAAAAAAAAAAAAAAAAAAAAAAAAAAAAAAAAAAAAAAAAAAAAAAAAAAAAAAAAAAAAAAAAAAAAAAAAAAAAAAAAAAAAAAAAAAAAAAAAAAAAAAAAAAAAAAAAAAAAAAAAAAAAAAAAAAAAAAAAAAAAAAAAAAAAAAAAAAAAAAAAAAAAAAAAAAAAAAAAAAAAAAAAAAAAAAAAAAAAAAAAAAAAAAAAAAAAAAAAAAAAAAAAAAAAAAAAAAAAAAAAAAAAAAAAAAAAAAAAAAAAAAAAAAAAAAAAAAAAAAAAAAAAAAAAAAAAAAAAAAAAAAAAAAAAAAAAAAAAAAAAAAAAAAAAAAAAAAAAAAAAAAAAAAAAAAAAAAAAAAAAAAAAAAAAAAAAAAAAAAAAAAAAAAAAAAAAAAAAAAAAAAAAAAAAAAAAAAAAAAAAAAAAAAAAAAAAAAAAAAAAAAAAAAAAAAAAAAAAAAAAAAAAAAAAAAAAAAAAAAAAAAAAAAAAAAAAAAAAAAAAAAAAAAAAAAAAAAAAAAAAAAAAAAAAAAAAAAAAAAAAAAAAAAAAAAAAAAAAAAAAAAAAAAAAAAAAAAAAAAAAAAAAAAAAAAAAAAAAAAAAAAAAAAAAAAAAAAAAAAAAAAAAAAAAAAAAAAAAAAAAAAAAAAAAAAAAAAAAAAAAAAAAAAAAAAAAAAAAAAAAAAAAAAAAAAAAAAAAAAAAAAAAAAAAAAAAAAAAAAAAAAAAAAAAAAAAAAAAAAAAAAAAAAAAAAAAAAAAAAAAAAAAAAAAAAAAAAAAAAAAAAAAAAAAAAAAAAAAAAAAAAAAAAAAAAAAAAAAAAAAAAAAAAAAAAAAAAAAAAAAAAAAAAAAAAAAAAAAAAAAAAAAAAAAAAAAAAAAAAAAAAAAAAAAAAAAAAAAAAAAAAAAAAAAAAAAAAAAAAAAAAAAAAAAAAAAAAAAAAAAAAAAAAAAAAAAAAAAAAAAAAAAAAAAAAAAAAAAAAAAAAAAAAAAAAAAAAAAAAAAAAAAAAAAAAAAAAAAAAAAAAAAAAAAAAAAAAAAAAAAAAAAAAAAAAAAAAAAAAAAAAAAAAAAAAAAAAAAAAAAAAAAAAAAAAAAAAAAAAAAAAAAAAAAAAAAAAAAAAAAAAAAAAAAAAAAAAAAAAAAAAAAAAAAAAAAAAAAAAAAAAAAAAAAAAAAAAAAAAAAAAAAAAAAAAAAAAAAAAAAAAAAAAAAAAAAAAAAAAAAAAAAAAAAAAAAAAAAAAAAAAAAAAAAAAAAAAAAAAAAAAAAAAAAAAAAAAAAAAAAAAAAAAAAAAAAAAAAAAAAAAAAAAAAAAAAAAAAAAAAAAAAAAAAAAAAAAAAAAAAAAAAAAAAAAAAAAAAAAAAAAAAAAAAAAAAAAAAAAAAAAAAAAAAAAAAAAAAAAAAAAAAAAAAAAAAAAAAAAAAAAAAAAAAAAAAAAAAAAAAAAAAAAAAAAAAAAAAAAAAAAAAAAAAAAAAAAAAAAAAAAAAAAAAAAAAAAAAAAAAAAAAAAAAAAAAAAAAAAAAAAAAAAAAAAAAAAAAAAAAAAAAAAAAAAAAAAAAAAAAAAAAAAAAAAAAAAAAAAAAAAAAAAAAAAAAAAAAAAAAAAAAAAAAAAAAAAAAAAAAAAAAAAAAAAAAAAAAAAAAAAAAAAAAAAAAAAAAAAAAAAAAAAAAAAAAAAAAAAAAAAAAAAAAAAAAAAAAAAAAAAAAAAAAAAAAAAAAAAAAAAAAAAAAAAAAAAAAAAAAAAAAAAAAAAAAAAAAAAAAAAAAAAAAAAAAAAAAAAAAAAAAAAAAAAAAAAAAAAAAAAAAAAAAAAAAAAAAAAAAAAAAAAAAAAAAAAAAAAAAAAAAAAAAAAAAAAAAAAAAAAAAAAAAAAAAAAAAAAAAAAAAAAAAAAAAAAAAAAAAAAAAAAAAAAAAAAAAAAAAAAAAAAAAAAAAAAAAAAAAAAAAAAAAAAAAAAAAAAAAAAAAAAAAAAAAAAAAAAAAAAAAAAAAAAAAAAAAAAAAAAAAAAAAAAAAAAAAAAAAAAAAAAAAAAAAAAAAAAAAAAAAAAAAAAAAAAAAAAAAAAAAAAAAAAAAAAAAAAAAAAAAAAAAAAAAAAAAAAAAAAAAAAAAAAAAAAAAAAAAAAAAAAAAAAAAAAAAAAAAAAAAAAAAAAAAAAAAAAAAAAAAAAAAAAAAAAAAAAAAAAAAAAAAAAAAAAAAAAAAAAAAAAAAAAAAAAAAAAAAAAAAAAAAAAAAAAAAAAAAAAAAAAAAAAAAAAAAAAAAAAAAAAAAAAAAAAAAAAAAAAAAAAAAAAAAAAAAAAAAAAAAAAAAAAAAAAAAAAAAAAAAAAAAAAAAAAAAAAAAAAAAAAAAAAAAAAAAAAAAAAAAAAAAAAAAAAAAAAAAAAAAAAAAAAAAAAAAAAAAAAAAAAAAAAAAAAAAAAAAAAAAAAAAAAAAAAAAAAAAAAAAAAAAAAAAAAAAAAAAAAAAAAAAAAAAAAAAAAAAAAAAAAAAAAAAAAAAAAAAAAAAAAAAAAAAAAAAAAAAAAAAAAAAAAAAAAAAAAAAAAAAAAAAAAAAAAAAAAAAAAAAAAAAAAAAAAAAAAAAAAAAAAAAAAAAAAAAAAAAAAAAAAAAAAAAAAAAAAAAAAAAAAAAAAAAAAAAAAAAAAAAAAAAAAAAAAAAAAAAAAAAAAAAAAAAAAAAAAAAAAAAAAAAAAAAAAAAAAAAAAAAAAAAAAAAAAAAAAAAAAAAAAAAAAAAAAAAAAAAAAAAAAAAAAAAAAAAAAAAAAAAAAAAAAAAAAAAAAAAAAAAAAAAAAAAAAAAAAAAAAAAAAAAAAAAAAAAAAAAAAAAAAAAAAAAAAAAAAAAAAAAAAAAAAAAAAAAAAAAAAAAAAAAAAAAAAAAAAAAAAAAAAAAAAAAAAAAAAAAAAAAAAAAAAAAAAAAAAAAAAAAAAAAAAAAAAAAAAAAAAAAAAAAAAAAAAAAAAAAAAAAAAAAAAAAAAAAAAAAAAAAAAAAAAAAAAAAAAAAAAAAAAAAAAAAAAAAAAAAAAAAAAAAAAAAAAAAAAAAAAAAAAAAAAAAAAAAAAAAAAAAAAAAAAAAAAAAAAAAAAAAAAAAAAAAAAAAAAAAAAAAAAAAAAAAAAAAAAAAAAAAAAAAAAAAAAAAAAAAAAAAAAAAAAAAAAAAAAAAAAAAAAAAAAAAAAAAAAAAAAAAAAAAAAAAAAAAAAAAAAAAAAAAAAAAAAAAAAAAAAAAAAAAAAAAAAAAAAAAAAAAAAAAAAAAAAAAAAAAAAAAAAAAAAAAAAAAAAAAAAAAAAAAAAAAAAAAAAAAAAAAAAAAAAAAAAAAAAAAAAAAAAAAAAAAAAAAAAAAAAAAAAAAAAAAAAAAAAAAAAAAAAAAAAAAAAAAAAAAAAAAAAAAAAAAAAAAAAAAAAAAAAAAAAAAAAAAAAAAAAAAAAAAAAAAAAAAAAAAAAAAAAAAAAAAAAAAAAAAAAAAAAAAAAAAAAAAAAAAAAAAAAAAAAAAAAAAAAAAAAAAAAAAAAAAAAAAAAAAAAAAAAAAAAAAAAAAAAAAAAAAAAAAAAAAAAAAAAAAAAAAAAAAAAAAAAAAAAAAAAAAAAAAAAAAAAAAAAAAAAAAAAAAAAAAAAAAAAAAAAAAAAAAAAAAAAAAAAAAAAAAAAAAAAAAAAAACAAAAAv//////////AQAAAAAAAAAAAAAAEQAAAFByb3BlcnR5RG9jdW1lbnRzAgAAAAAAAAAFAAAACQAAAF9pZD0kLl9pZAEDAAAAAAADAAAAAQADAAAAIwAAAENvbWJpSW5kZXg9JC5OYW1lICsgJ18nICsgJC5WZXJzaW9uAQQAAAAAAAQAAAABAAQAAAAAAAAAAP///////wAAAAAAAP////8AAAAAAP///////wAAAAAAAP////8AAAAAAP///////wAAAAAAAP////8AAAAAAP///////wAAAAAAAP////8AAAAAAP///////wAAAAAAAP////8AAAAAAP///////wAAAAAAAP////8AAAAAAP///////wAAAAAAAP////8AAAAAAP///////wAAAAAAAP////8AAAAAAP///////wAAAAAAAP////8AAAAAAP///////wAAAAAAAP////8AAAAAAP///////wAAAAAAAP////8AAAAAAP///////wAAAAAAAP////8AAAAAAP///////wAAAAAAAP////8AAAAAAP///////wAAAAAAAP////8AAAAAAAAAAAAAAAAAAAAAAAAAAAAAAAAAAAAAAAAAAAAAAAAAAAAAAAAAAAAAAAAAAAAAAAAAAAAAAAAAAAAAAAAAAAAAAAAAAAAAAAAAAAAAAAAAAAAAAAAAAAAAAAAAAAAAAAAAAAAAAAAAAAAAAAAAAAAAAAAAAAAAAAAAAAAAAAAAAAAAAAAAAAAAAAAAAAAAAAAAAAAAAAAAAAAAAAAAAAAAAAAAAAAAAAAAAAAAAAAAAAAAAAAAAAAAAAAAAAAAAAAAAAAAAAAAAAAAAAAAAAAAAAAAAAAAAAAAAAAAAAAAAAAAAAAAAAAAAAAAAAAAAAAAAAAAAAAAAAAAAAAAAAAAAAAAAAAAAAAAAAAAAAAAAAAAAAAAAAAAAAAAAAAAAAAAAAAAAAAAAAAAAAAAAAAAAAAAAAAAAAAAAAAAAAAAAAAAAAAAAAAAAAAAAAAAAAAAAAAAAAAAAAAAAAAAAAAAAAAAAAAAAAAAAAAAAAAAAAAAAAAAAAAAAAAAAAAAAAAAAAAAAAAAAAAAAAAAAAAAAAAAAAAAAAAAAAAAAAAAAAAAAAAAAAAAAAAAAAAAAAAAAAAAAAAAAAAAAAAAAAAAAAAAAAAAAAAAAAAAAAAAAAAAAAAAAAAAAAAAAAAAAAAAAAAAAAAAAAAAAAAAAAAAAAAAAAAAAAAAAAAAAAAAAAAAAAAAAAAAAAAAAAAAAAAAAAAAAAAAAAAAAAAAAAAAAAAAAAAAAAAAAAAAAAAAAAAAAAAAAAAAAAAAAAAAAAAAAAAAAAAAAAAAAAAAAAAAAAAAAAAAAAAAAAAAAAAAAAAAAAAAAAAAAAAAAAAAAAAAAAAAAAAAAAAAAAAAAAAAAAAAAAAAAAAAAAAAAAAAAAAAAAAAAAAAAAAAAAAAAAAAAAAAAAAAAAAAAAAAAAAAAAAAAAAAAAAAAAAAAAAAAAAAAAAAAAAAAAAAAAAAAAAAAAAAAAAAAAAAAAAAAAAAAAAAAAAAAAAAAAAAAAAAAAAAAAAAAAAAAAAAAAAAAAAAAAAAAAAAAAAAAAAAAAAAAAAAAAAAAAAAAAAAAAAAAAAAAAAAAAAAAAAAAAAAAAAAAAAAAAAAAAAAAAAAAAAAAAAAAAAAAAAAAAAAAAAAAAAAAAAAAAAAAAAAAAAAAAAAAAAAAAAAAAAAAAAAAAAAAAAAAAAAAAAAAAAAAAAAAAAAAAAAAAAAAAAAAAAAAAAAAAAAAAAAAAAAAAAAAAAAAAAAAAAAAAAAAAAAAAAAAAAAAAAAAAAAAAAAAAAAAAAAAAAAAAAAAAAAAAAAAAAAAAAAAAAAAAAAAAAAAAAAAAAAAAAAAAAAAAAAAAAAAAAAAAAAAAAAAAAAAAAAAAAAAAAAAAAAAAAAAAAAAAAAAAAAAAAAAAAAAAAAAAAAAAAAAAAAAAAAAAAAAAAAAAAAAAAAAAAAAAAAAAAAAAAAAAAAAAAAAAAAAAAAAAAAAAAAAAAAAAAAAAAAAAAAAAAAAAAAAAAAAAAAAAAAAAAAAAAAAAAAAAAAAAAAAAAAAAAAAAAAAAAAAAAAAAAAAAAAAAAAAAAAAAAAAAAAAAAAAAAAAAAAAAAAAAAAAAAAAAAAAAAAAAAAAAAAAAAAAAAAAAAAAAAAAAAAAAAAAAAAAAAAAAAAAAAAAAAAAAAAAAAAAAAAAAAAAAAAAAAAAAAAAAAAAAAAAAAAAAAAAAAAAAAAAAAAAAAAAAAAAAAAAAAAAAAAAAAAAAAAAAAAAAAAAAAAAAAAAAAAAAAAAAAAAAAAAAAAAAAAAAAAAAAAAAAAAAAAAAAAAAAAAAAAAAAAAAAAAAAAAAAAAAAAAAAAAAAAAAAAAAAAAAAAAAAAAAAAAAAAAAAAAAAAAAAAAAAAAAAAAAAAAAAAAAAAAAAAAAAAAAAAAAAAAAAAAAAAAAAAAAAAAAAAAAAAAAAAAAAAAAAAAAAAAAAAAAAAAAAAAAAAAAAAAAAAAAAAAAAAAAAAAAAAAAAAAAAAAAAAAAAAAAAAAAAAAAAAAAAAAAAAAAAAAAAAAAAAAAAAAAAAAAAAAAAAAAAAAAAAAAAAAAAAAAAAAAAAAAAAAAAAAAAAAAAAAAAAAAAAAAAAAAAAAAAAAAAAAAAAAAAAAAAAAAAAAAAAAAAAAAAAAAAAAAAAAAAAAAAAAAAAAAAAAAAAAAAAAAAAAAAAAAAAAAAAAAAAAAAAAAAAAAAAAAAAAAAAAAAAAAAAAAAAAAAAAAAAAAAAAAAAAAAAAAAAAAAAAAAAAAAAAAAAAAAAAAAAAAAAAAAAAAAAAAAAAAAAAAAAAAAAAAAAAAAAAAAAAAAAAAAAAAAAAAAAAAAAAAAAAAAAAAAAAAAAAAAAAAAAAAAAAAAAAAAAAAAAAAAAAAAAAAAAAAAAAAAAAAAAAAAAAAAAAAAAAAAAAAAAAAAAAAAAAAAAAAAAAAAAAAAAAAAAAAAAAAAAAAAAAAAAAAAAAAAAAAAAAAAAAAAAAAAAAAAAAAAAAAAAAAAAAAAAAAAAAAAAAAAAAAAAAAAAAAAAAAAAAAAAAAAAAAAAAAAAAAAAAAAAAAAAAAAAAAAAAAAAAAAAAAAAAAAAAAAAAAAAAAAAAAAAAAAAAAAAAAAAAAAAAAAAAAAAAAAAAAAAAAAAAAAAAAAAAAAAAAAAAAAAAAAAAAAAAAAAAAAAAAAAAAAAAAAAAAAAAAAAAAAAAAAAAAAAAAAAAAAAAAAAAAAAAAAAAAAAAAAAAAAAAAAAAAAAAAAAAAAAAAAAAAAAAAAAAAAAAAAAAAAAAAAAAAAAAAAAAAAAAAAAAAAAAAAAAAAAAAAAAAAAAAAAAAAAAAAAAAAAAAAAAAAAAAAAAAAAAAAAAAAAAAAAAAAAAAAAAAAAAAAAAAAAAAAAAAAAAAAAAAAAAAAAAAAAAAAAAAAAAAAAAAAAAAAAAAAAAAAAAAAAAAAAAAAAAAAAAAAAAAAAAAAAAAAAAAAAAAAAAAAAAAAAAAAAAAAAAAAAAAAAAAAAAAAAAAAAAAAAAAAAAAAAAAAAAAAAAAAAAAAAAAAAAAAAAAAAAAAAAAAAAAAAAAAAAAAAAAAAAAAAAAAAAAAAAAAAAAAAAAAAAAAAAAAAAAAAAAAAAAAAAAAAAAAAAAAAAAAAAAAAAAAAAAAAAAAAAAAAAAAAAAAAAAAAAAAAAAAAAAAAAAAAAAAAAAAAAAAAAAAAAAAAAAAAAAAAAAAAAAAAAAAAAAAAAAAAAAAAAAAAAAAAAAAAAAAAAAAAAAAAAAAAAAAAAAAAAAAAAAAAAAAAAAAAAAAAAAAAAAAAAAAAAAAAAAAAAAAAAAAAAAAAAAAAAAAAAAAAAAAAAAAAAAAAAAAAAAAAAAAAAAAAAAAAAAAAAAAAAAAAAAAAAAAAAAAAAAAAAAAAAAAAAAAAAAAAAAAAAAAAAAAAAAAAAAAAAAAAAAAAAAAAAAAAAAAAAAAAAAAAAAAAAAAAAAAAAAAAAAAAAAAAAAAAAAAAAAAAAAAAAAAAAAAAAAAAAAAAAAAAAAAAAAAAAAAAAAAAAAAAAAAAAAAAAAAAAAAAAAAAAAAAAAAAAAAAAAAAAAAAAAAAAAAAAAAAAAAAAAAAAAAAAAAAAAAAAAAAAAAAAAAAAAAAAAAAAAAAAAAAAAAAAAAAAAAAAAAAAAAAAAAAAAAAAAAAAAAAAAAAAAAAAAAAAAAAAAAAAAAAAAAAAAAAAAAAAAAAAAAAAAAAAAAAAAAAAAAAAAAAAAAAAAAAAAAAAAAAAAAAAAAAAAAAAAAAAAAAAAAAAAAAAAAAAAAAAAAAAAAAAAAAAAAAAAAAAAAAAAAAAAAAAAAAAAAAAAAAAAAAAAAAAAAAAAAAAAAAAAAAAAAAAAAAAAAAAAAAAAAAAAAAAAAAAAAAAAAAAAAAAAAAAAAAAAAAAAAAAAAAAAAAAAAAAAAAAAAAAAAAAAAAAAAAAAAAAAAAAAAAAAAAAAAAAAAAAAAAAAAAAAAAAAAAAAAAAAAAAAAAAAAAAAAAAAAAAAAAAAAAAAAAAAAAAAAAAAAAAAAAAAAAAAAAAAAAAAAAAAAAAAAAAAAAAAAAAAAAAAAAAAAAAAAAAAAAAAAAAAAAAAAAAAAAAAAAAAAAAAAAAAAAAAAAAAAAAAAAAAAAAAAAAAAAAAAAAAAAAAAAAAAAAAAAAAAAAAAAAAAAAAAAAAAAAAAAAAAAAAAAAAAAAAAAAAAAAAAAAAAAAAAAAAAAAAAAAAAAAAAAAAAAAAAAAAAAAAAAAAAAAAAAAAAAAAAAAAAAAAAAAAAAAAAAAAAAAAAAAAAAAAAAAAAAAAAAAAAAAAAAAAAAAAAAAAAAAAAAAAAAAAAAAAAAAAAAAAAAAAAAAAAAAAAAAAAAAAAAAAAAAAAAAAAAAAAAAAAAAAAAAAAAAAAAAAAAAAAAAAAAAAAAAAAAAAAAAAAAAAAAAAAAAAAAAAAAAAAAAAAAAAAAAAAAAAAAAAAAAAAAAAAAAAAAAAAAAAAAAAAAAAAAAAAAAAAAAAAAAAAAAAAAAAAAAAAAAAAAAAAAAAAAAAAAAAAAAAAAAAAAAAAAAAAAAAAAAAAAAAAAAAAAAAAAAAAAAAAAAAAAAAAAAAAAAAAAAAAAAAAAAAAAAAAAAAAAAAAAAAAAAAAAAAAAAAAAAAAAAAAAAAAAAAAAAAAAAAAAAAAAAAAAAAAAAAAAAAAAAAAAAAAAAAAAAAAAAAAAAAAAAAAAAAAAAAAAAAAAAAAAAAAAAAAAAAAAAAAAAAAAAAAAAAAAAAAAAAAAAAAAAAAAAAAAAAAAAAAAAAAAAAAAAAAAAAAAAAAAAAAAAAAAAAAAAAAAAAAAAQIBAQEBAQEBAQEBAQEBAQIAAAAAAAAAAwAAAAMAAAAA/////wQASwwAAAAAAAAAAAAAIAD///////////////8AAAD///////////////8DAAAAAwD///////////////////////////////////////////////////////////////////////////////////////////////////////////////////////////////////////////////////////////////////////////////////////////////////////////////////////////////////////////////////////////////////////////////////////////////////////////////////////////////////////////////////////////////////////////////////////////////////////////////////////////////////////////////////////////////////////////////////////////////////////////////8BACAA////////////////AAAO////////AwAAAAIA////////////////////////////////////////////////////////////////////////////////////////////////////////////////////////////////////////////////////////////////////////////////////////////////////////////////////////////////////////////////////////////////////////////////////////////////////////////////////////////////////////////////////////////////////////////////////////////////////////////////////////////////////////////////////////////////////////////////////////////////////////////////////////AgABAP///////wQAAAACABAAC+TrPO/pCmRChTdyOE/snRIFAAAAAAADAAAAAwADAAAAAQADAAEA////////BAAAAAMAEAALlkS75G5010CUhcq2gT6Q/wUAAAABAAMAAAAAAAMAAAACAAAAAAAAAAAAAAAAAAAAAAAAAAAAAAAAAAAAAAAAAAAAAAAAAAAAAAAAAAAAAAAAAAAAAAAAAAAAAAAAAAAAAAAAAAAAAAAAAAAAAAAAAAAAAAAAAAAAAAAAAAAAAAAAAAAAAAAAAAAAAAAAAAAAAAAAAAAAAAAAAAAAAAAAAAAAAAAAAAAAAAAAAAAAAAAAAAAAAAAAAAAAAAAAAAAAAAAAAAAAAAAAAAAAAAAAAAAAAAAAAAAAAAAAAAAAAAAAAAAAAAAAAAAAAAAAAAAAAAAAAAAAAAAAAAAAAAAAAAAAAAAAAAAAAAAAAAAAAAAAAAAAAAAAAAAAAAAAAAAAAAAAAAAAAAAAAAAAAAAAAAAAAAAAAAAAAAAAAAAAAAAAAAAAAAAAAAAAAAAAAAAAAAAAAAAAAAAAAAAAAAAAAAAAAAAAAAAAAAAAAAAAAAAAAAAAAAAAAAAAAAAAAAAAAAAAAAAAAAAAAAAAAAAAAAAAAAAAAAAAAAAAAAAAAAAAAAAAAAAAAAAAAAAAAAAAAAAAAAAAAAAAAAAAAAAAAAAAAAAAAAAAAAAAAAAAAAAAAAAAAAAAAAAAAAAAAAAAAAAAAAAAAAAAAAAAAAAAAAAAAAAAAAAAAAAAAAAAAAAAAAAAAAAAAAAAAAAAAAAAAAAAAAAAAAAAAAAAAAAAAAAAAAAAAAAAAAAAAAAAAAAAAAAAAAAAAAAAAAAAAAAAAAAAAAAAAAAAAAAAAAAAAAAAAAAAAAAAAAAAAAAAAAAAAAAAAAAAAAAAAAAAAAAAAAAAAAAAAAAAAAAAAAAAAAAAAAAAAAAAAAAAAAAAAAAAAAAAAAAAAAAAAAAAAAAAAAAAAAAAAAAAAAAAAAAAAAAAAAAAAAAAAAAAAAAAAAAAAAAAAAAAAAAAAAAAAAAAAAAAAAAAAAAAAAAAAAAAAAAAAAAAAAAAAAAAAAAAAAAAAAAAAAAAAAAAAAAAAAAAAAAAAAAAAAAAAAAAAAAAAAAAAAAAAAAAAAAAAAAAAAAAAAAAAAAAAAAAAAAAAAAAAAAAAAAAAAAAAAAAAAAAAAAAAAAAAAAAAAAAAAAAAAAAAAAAAAAAAAAAAAAAAAAAAAAAAAAAAAAAAAAAAAAAAAAAAAAAAAAAAAAAAAAAAAAAAAAAAAAAAAAAAAAAAAAAAAAAAAAAAAAAAAAAAAAAAAAAAAAAAAAAAAAAAAAAAAAAAAAAAAAAAAAAAAAAAAAAAAAAAAAAAAAAAAAAAAAAAAAAAAAAAAAAAAAAAAAAAAAAAAAAAAAAAAAAAAAAAAAAAAAAAAAAAAAAAAAAAAAAAAAAAAAAAAAAAAAAAAAAAAAAAAAAAAAAAAAAAAAAAAAAAAAAAAAAAAAAAAAAAAAAAAAAAAAAAAAAAAAAAAAAAAAAAAAAAAAAAAAAAAAAAAAAAAAAAAAAAAAAAAAAAAAAAAAAAAAAAAAAAAAAAAAAAAAAAAAAAAAAAAAAAAAAAAAAAAAAAAAAAAAAAAAAAAAAAAAAAAAAAAAAAAAAAAAAAAAAAAAAAAAAAAAAAAAAAAAAAAAAAAAAAAAAAAAAAAAAAAAAAAAAAAAAAAAAAAAAAAAAAAAAAAAAAAAAAAAAAAAAAAAAAAAAAAAAAAAAAAAAAAAAAAAAAAAAAAAAAAAAAAAAAAAAAAAAAAAAAAAAAAAAAAAAAAAAAAAAAAAAAAAAAAAAAAAAAAAAAAAAAAAAAAAAAAAAAAAAAAAAAAAAAAAAAAAAAAAAAAAAAAAAAAAAAAAAAAAAAAAAAAAAAAAAAAAAAAAAAAAAAAAAAAAAAAAAAAAAAAAAAAAAAAAAAAAAAAAAAAAAAAAAAAAAAAAAAAAAAAAAAAAAAAAAAAAAAAAAAAAAAAAAAAAAAAAAAAAAAAAAAAAAAAAAAAAAAAAAAAAAAAAAAAAAAAAAAAAAAAAAAAAAAAAAAAAAAAAAAAAAAAAAAAAAAAAAAAAAAAAAAAAAAAAAAAAAAAAAAAAAAAAAAAAAAAAAAAAAAAAAAAAAAAAAAAAAAAAAAAAAAAAAAAAAAAAAAAAAAAAAAAAAAAAAAAAAAAAAAAAAAAAAAAAAAAAAAAAAAAAAAAAAAAAAAAAAAAAAAAAAAAAAAAAAAAAAAAAAAAAAAAAAAAAAAAAAAAAAAAAAAAAAAAAAAAAAAAAAAAAAAAAAAAAAAAAAAAAAAAAAAAAAAAAAAAAAAAAAAAAAAAAAAAAAAAAAAAAAAAAAAAAAAAAAAAAAAAAAAAAAAAAAAAAAAAAAAAAAAAAAAAAAAAAAAAAAAAAAAAAAAAAAAAAAAAAAAAAAAAAAAAAAAAAAAAAAAAAAAAAAAAAAAAAAAAAAAAAAAAAAAAAAAAAAAAAAAAAAAAAAAAAAAAAAAAAAAAAAAAAAAAAAAAAAAAAAAAAAAAAAAAAAAAAAAAAAAAAAAAAAAAAAAAAAAAAAAAAAAAAAAAAAAAAAAAAAAAAAAAAAAAAAAAAAAAAAAAAAAAAAAAAAAAAAAAAAAAAAAAAAAAAAAAAAAAAAAAAAAAAAAAAAAAAAAAAAAAAAAAAAAAAAAAAAAAAAAAAAAAAAAAAAAAAAAAAAAAAAAAAAAAAAAAAAAAAAAAAAAAAAAAAAAAAAAAAAAAAAAAAAAAAAAAAAAAAAAAAAAAAAAAAAAAAAAAAAAAAAAAAAAAAAAAAAAAAAAAAAAAAAAAAAAAAAAAAAAAAAAAAAAAAAAAAAAAAAAAAAAAAAAAAAAAAAAAAAAAAAAAAAAAAAAAAAAAAAAAAAAAAAAAAAAAAAAAAAAAAAAAAAAAAAAAAAAAAAAAAAAAAAAAAAAAAAAAAAAAAAAAAAAAAAAAAAAAAAAAAAAAAAAAAAAAAAAAAAAAAAAAAAAAAAAAAAAAAAAAAAAAAAAAAAAAAAAAAAAAAAAAAAAAAAAAAAAAAAAAAAAAAAAAAAAAAAAAAAAAAAAAAAAAAAAAAAAAAAAAAAAAAAAAAAAAAAAAAAAAAAAAAAAAAAAAAAAAAAAAAAAAAAAAAAAAAAAAAAAAAAAAAAAAAAAAAAAAAAAAAAAAAAAAAAAAAAAAAAAAAAAAAAAAAAAAAAAAAAAAAAAAAAAAAAAAAAAAAAAAAAAAAAAAAAAAAAAAAAAAAAAAAAAAAAAAAAAAAAAAAAAAAAAAAAAAAAAAAAAAAAAAAAAAAAAAAAAAAAAAAAAAAAAAAAAAAAAAAAAAAAAAAAAAAAAAAAAAAAAAAAAAAAAAAAAAAAAAAAAAAAAAAAAAAAAAAAAAAAAAAAAAAAAAAAAAAAAAAAAAAAAAAAAAAAAAAAAAAAAAAAAAAAAAAAAAAAAAAAAAAAAAAAAAAAAAAAAAAAAAAAAAAAAAAAAAAAAAAAAAAAAAAAAAAAAAAAAAAAAAAAAAAAAAAAAAAAAAAAAAAAAAAAAAAAAAAAAAAAAAAAAAAAAAAAAAAAAAAAAAAAAAAAAAAAAAAAAAAAAAAAAAAAAAAAAAAAAAAAAAAAAAAAAAAAAAAAAAAAAAAAAAAAAAAAAAAAAAAAAAAAAAAAAAAAAAAAAAAAAAAAAAAAAAAAAAAAAAAAAAAAAAAAAAAAAAAAAAAAAAAAAAAAAAAAAAAAAAAAAAAAAAAAAAAAAAAAAAAAAAAAAAAAAAAAAAAAAAAAAAAAAAAAAAAAAAAAAAAAAAAAAAAAAAAAAAAAAAAAAAAAAAAAAAAAAAAAAAAAAAAAAAAAAAAAAAAAAAAAAAAAAAAAAAAAAAAAAAAAAAAAAAAAAAAAAAAAAAAAAAAAAAAAAAAAAAAAAAAAAAAAAAAAAAAAAAAAAAAAAAAAAAAAAAAAAAAAAAAAAAAAAAAAAAAAAAAAAAAAAAAAAAAAAAAAAAAAAAAAAAAAAAAAAAAAAAAAAAAAAAAAAAAAAAAAAAAAAAAAAAAAAAAAAAAAAAAAAAAAAAAAAAAAAAAAAAAAAAAAAAAAAAAAAAAAAAAAAAAAAAAAAAAAAAAAAAAAAAAAAAAAAAAAAAAAAAAAAAAAAAAAAAAAAAAAAAAAAAAAAAAAAAAAAAAAAAAAAAAAAAAAAAAAAAAAAAAAAAAAAAAAAAAAAAAAAAAAAAAAAAAAAAAAAAAAAAAAAAAAAAAAAAAAAAAAAAAAAAAAAAAAAAAAAAAAAAAAAAAAAAAAAAAAAAAAAAAAAAAAAAAAAAAAAAAAAAAAAAAAAAAAAAQAAAADAAAAAP////8EACAMAAAAAAAAAAAAACAB////////////////AAAA////////////////BAAAAAMA////////BAAAAAIA////////////////////////////////////////////////////////////////////////////////////////////////////////////////////////////////////////////////////////////////////////////////////////////////////////////////////////////////////////////////////////////////////////////////////////////////////////////////////////////////////////////////////////////////////////////////////////////////////////////////////////////////////////////////////////////////////////////////////////////////AQAgAf///////////////wAADv///////wQAAAACAP///////////////////////////////////////////////////////////////////////////////////////////////////////////////////////////////////////////////////////////////////////////////////////////////////////////////////////////////////////////////////////////////////////////////////////////////////////////////////////////////////////////////////////////////////////////////////////////////////////////////////////////////////////////////////////////////////////////////////////////////////////////////////////wIAAgEDAAAAAgD///////8aAAZMaW5rZWRTaGFwZXNEYXRhUHJvcGVydHlfMAUAAAAAAAQAAAADAAQAAAABAAQAAAAAAP///////wMAAQEDAAAAAwD///////8lAAZMaW5rZWRTaGFwZVByZXNlbnRhdGlvblNldHRpbmdzRGF0YV8wBQAAAAEABAAAAAAABAAAAAIAAAAAAAAAAAAAAAAAAAAAAAAAAAAAAAAAAAAAAAAAAAAAAAAAAAAAAAAAAAAAAAAAAAAAAAAAAAAAAAAAAAAAAAAAAAAAAAAAAAAAAAAAAAAAAAAAAAAAAAAAAAAAAAAAAAAAAAAAAAAAAAAAAAAAAAAAAAAAAAAAAAAAAAAAAAAAAAAAAAAAAAAAAAAAAAAAAAAAAAAAAAAAAAAAAAAAAAAAAAAAAAAAAAAAAAAAAAAAAAAAAAAAAAAAAAAAAAAAAAAAAAAAAAAAAAAAAAAAAAAAAAAAAAAAAAAAAAAAAAAAAAAAAAAAAAAAAAAAAAAAAAAAAAAAAAAAAAAAAAAAAAAAAAAAAAAAAAAAAAAAAAAAAAAAAAAAAAAAAAAAAAAAAAAAAAAAAAAAAAAAAAAAAAAAAAAAAAAAAAAAAAAAAAAAAAAAAAAAAAAAAAAAAAAAAAAAAAAAAAAAAAAAAAAAAAAAAAAAAAAAAAAAAAAAAAAAAAAAAAAAAAAAAAAAAAAAAAAAAAAAAAAAAAAAAAAAAAAAAAAAAAAAAAAAAAAAAAAAAAAAAAAAAAAAAAAAAAAAAAAAAAAAAAAAAAAAAAAAAAAAAAAAAAAAAAAAAAAAAAAAAAAAAAAAAAAAAAAAAAAAAAAAAAAAAAAAAAAAAAAAAAAAAAAAAAAAAAAAAAAAAAAAAAAAAAAAAAAAAAAAAAAAAAAAAAAAAAAAAAAAAAAAAAAAAAAAAAAAAAAAAAAAAAAAAAAAAAAAAAAAAAAAAAAAAAAAAAAAAAAAAAAAAAAAAAAAAAAAAAAAAAAAAAAAAAAAAAAAAAAAAAAAAAAAAAAAAAAAAAAAAAAAAAAAAAAAAAAAAAAAAAAAAAAAAAAAAAAAAAAAAAAAAAAAAAAAAAAAAAAAAAAAAAAAAAAAAAAAAAAAAAAAAAAAAAAAAAAAAAAAAAAAAAAAAAAAAAAAAAAAAAAAAAAAAAAAAAAAAAAAAAAAAAAAAAAAAAAAAAAAAAAAAAAAAAAAAAAAAAAAAAAAAAAAAAAAAAAAAAAAAAAAAAAAAAAAAAAAAAAAAAAAAAAAAAAAAAAAAAAAAAAAAAAAAAAAAAAAAAAAAAAAAAAAAAAAAAAAAAAAAAAAAAAAAAAAAAAAAAAAAAAAAAAAAAAAAAAAAAAAAAAAAAAAAAAAAAAAAAAAAAAAAAAAAAAAAAAAAAAAAAAAAAAAAAAAAAAAAAAAAAAAAAAAAAAAAAAAAAAAAAAAAAAAAAAAAAAAAAAAAAAAAAAAAAAAAAAAAAAAAAAAAAAAAAAAAAAAAAAAAAAAAAAAAAAAAAAAAAAAAAAAAAAAAAAAAAAAAAAAAAAAAAAAAAAAAAAAAAAAAAAAAAAAAAAAAAAAAAAAAAAAAAAAAAAAAAAAAAAAAAAAAAAAAAAAAAAAAAAAAAAAAAAAAAAAAAAAAAAAAAAAAAAAAAAAAAAAAAAAAAAAAAAAAAAAAAAAAAAAAAAAAAAAAAAAAAAAAAAAAAAAAAAAAAAAAAAAAAAAAAAAAAAAAAAAAAAAAAAAAAAAAAAAAAAAAAAAAAAAAAAAAAAAAAAAAAAAAAAAAAAAAAAAAAAAAAAAAAAAAAAAAAAAAAAAAAAAAAAAAAAAAAAAAAAAAAAAAAAAAAAAAAAAAAAAAAAAAAAAAAAAAAAAAAAAAAAAAAAAAAAAAAAAAAAAAAAAAAAAAAAAAAAAAAAAAAAAAAAAAAAAAAAAAAAAAAAAAAAAAAAAAAAAAAAAAAAAAAAAAAAAAAAAAAAAAAAAAAAAAAAAAAAAAAAAAAAAAAAAAAAAAAAAAAAAAAAAAAAAAAAAAAAAAAAAAAAAAAAAAAAAAAAAAAAAAAAAAAAAAAAAAAAAAAAAAAAAAAAAAAAAAAAAAAAAAAAAAAAAAAAAAAAAAAAAAAAAAAAAAAAAAAAAAAAAAAAAAAAAAAAAAAAAAAAAAAAAAAAAAAAAAAAAAAAAAAAAAAAAAAAAAAAAAAAAAAAAAAAAAAAAAAAAAAAAAAAAAAAAAAAAAAAAAAAAAAAAAAAAAAAAAAAAAAAAAAAAAAAAAAAAAAAAAAAAAAAAAAAAAAAAAAAAAAAAAAAAAAAAAAAAAAAAAAAAAAAAAAAAAAAAAAAAAAAAAAAAAAAAAAAAAAAAAAAAAAAAAAAAAAAAAAAAAAAAAAAAAAAAAAAAAAAAAAAAAAAAAAAAAAAAAAAAAAAAAAAAAAAAAAAAAAAAAAAAAAAAAAAAAAAAAAAAAAAAAAAAAAAAAAAAAAAAAAAAAAAAAAAAAAAAAAAAAAAAAAAAAAAAAAAAAAAAAAAAAAAAAAAAAAAAAAAAAAAAAAAAAAAAAAAAAAAAAAAAAAAAAAAAAAAAAAAAAAAAAAAAAAAAAAAAAAAAAAAAAAAAAAAAAAAAAAAAAAAAAAAAAAAAAAAAAAAAAAAAAAAAAAAAAAAAAAAAAAAAAAAAAAAAAAAAAAAAAAAAAAAAAAAAAAAAAAAAAAAAAAAAAAAAAAAAAAAAAAAAAAAAAAAAAAAAAAAAAAAAAAAAAAAAAAAAAAAAAAAAAAAAAAAAAAAAAAAAAAAAAAAAAAAAAAAAAAAAAAAAAAAAAAAAAAAAAAAAAAAAAAAAAAAAAAAAAAAAAAAAAAAAAAAAAAAAAAAAAAAAAAAAAAAAAAAAAAAAAAAAAAAAAAAAAAAAAAAAAAAAAAAAAAAAAAAAAAAAAAAAAAAAAAAAAAAAAAAAAAAAAAAAAAAAAAAAAAAAAAAAAAAAAAAAAAAAAAAAAAAAAAAAAAAAAAAAAAAAAAAAAAAAAAAAAAAAAAAAAAAAAAAAAAAAAAAAAAAAAAAAAAAAAAAAAAAAAAAAAAAAAAAAAAAAAAAAAAAAAAAAAAAAAAAAAAAAAAAAAAAAAAAAAAAAAAAAAAAAAAAAAAAAAAAAAAAAAAAAAAAAAAAAAAAAAAAAAAAAAAAAAAAAAAAAAAAAAAAAAAAAAAAAAAAAAAAAAAAAAAAAAAAAAAAAAAAAAAAAAAAAAAAAAAAAAAAAAAAAAAAAAAAAAAAAAAAAAAAAAAAAAAAAAAAAAAAAAAAAAAAAAAAAAAAAAAAAAAAAAAAAAAAAAAAAAAAAAAAAAAAAAAAAAAAAAAAAAAAAAAAAAAAAAAAAAAAAAAAAAAAAAAAAAAAAAAAAAAAAAAAAAAAAAAAAAAAAAAAAAAAAAAAAAAAAAAAAAAAAAAAAAAAAAAAAAAAAAAAAAAAAAAAAAAAAAAAAAAAAAAAAAAAAAAAAAAAAAAAAAAAAAAAAAAAAAAAAAAAAAAAAAAAAAAAAAAAAAAAAAAAAAAAAAAAAAAAAAAAAAAAAAAAAAAAAAAAAAAAAAAAAAAAAAAAAAAAAAAAAAAAAAAAAAAAAAAAAAAAAAAAAAAAAAAAAAAAAAAAAAAAAAAAAAAAAAAAAAAAAAAAAAAAAAAAAAAAAAAAAAAAAAAAAAAAAAAAAAAAAAAAAAAAAAAAAAAAAAAAAAAAAAAAAAAAAAAAAAAAAAAAAAAAAAAAAAAAAAAAAAAAAAAAAAAAAAAAAAAAAAAAAAAAAAAAAAAAAAAAAAAAAAAAAAAAAAAAAAAAAAAAAAAAAAAAAAAAAAAAAAAAAAAAAAAAAAAAAAAAAAAAAAAAAAAAAAAAAAAAAAAAAAAAAAAAAAAAAAAAAAAAAAAAAAAAAAAAAAAAAAAAAAAAAAAAAAAAAAAAAAAAAAAAAAAAAAAAAAAAAAAAAAAAAAAAAAAAAAAAAAAAAAAAAAAAAAAAAAAAAAAAAAAAAAAAAAAAAAAAAAAAAAAAAAAAAAAAAAAAAAAAAAAAAAAAAAAAAAAAAAAAAAAAAAAAAAAAAAAAAAAAAAAAAAAAAAAAAAAAAAAAAAAAAAAAAAAAAAAAAAAAAAAAAAAAAAAAAAAAAAAAAAAAAAAAAAAAAAAAAAAAAAAAAAAAAAAAAAAAAAAAAAAAAAAAAAAAAAAAAAAAAAAAAAAAAAAAAAAAAAAAAAAAAAAAAAAAAAAAAAAAAAAAAAAAAAAAAAAAAAAAAAAAAAAAAAAAAAAAAAAAAAAAAAAAAAAAAAAAAAAAAAAAAAAAAAAAAAAAAAAAAAAAAAAAAAAAAAAAAAAAAAAAAAAAAAAAAAAAAAAAAAAAAAAAFAAAABAAAAAD/////AgCODgAAAAAAAAAAAAD/////gwCDAAAABV9pZAAQAAAABOTrPO/pCmRChTdyOE/snRIDRGF0YQAbAAAABExpbmtlZFNoYXBlRGF0YQAFAAAAAAACTmFtZQAZAAAATGlua2VkU2hhcGVzRGF0YVByb3BlcnR5ABBWZXJzaW9uAAAAAAAJTGFzdFdyaXRlAHWuR2WKAQAAAAEA/////8YAxgAAAAVfaWQAEAAAAASWRLvkbnTXQJSFyraBPpD/A0RhdGEAUwAAAAhQcmVzZW50YXRpb25TY2FubmVkRm9yTGlua2VkU2hhcGVzAAECTnVtYmVyRm9ybWF0U2VwYXJhdG9yTW9kZQAKAAAAQXV0b21hdGljAAACTmFtZQAkAAAATGlua2VkU2hhcGVQcmVzZW50YXRpb25TZXR0aW5nc0RhdGEAEFZlcnNpb24AAAAAAAlMYXN0V3JpdGUAl65HZYoBAAAAAAAAAAAAAAAAAAAAAAAAAAAAAAAAAAAAAAAAAAAAAAAAAAAAAAAAAAAAAAAAAAAAAAAAAAAAAAAAAAAAAAAAAAAAAAAAAAAAAAAAAAAAAAAAAAAAAAAAAAAAAAAAAAAAAAAAAAAAAAAAAAAAAAAAAAAAAAAAAAAAAAAAAAAAAAAAAAAAAAAAAAAAAAAAAAAAAAAAAAAAAAAAAAAAAAAAAAAAAAAAAAAAAAAAAAAAAAAAAAAAAAAAAAAAAAAAAAAAAAAAAAAAAAAAAAAAAAAAAAAAAAAAAAAAAAAAAAAAAAAAAAAAAAAAAAAAAAAAAAAAAAAAAAAAAAAAAAAAAAAAAAAAAAAAAAAAAAAAAAAAAAAAAAAAAAAAAAAAAAAAAAAAAAAAAAAAAAAAAAAAAAAAAAAAAAAAAAAAAAAAAAAAAAAAAAAAAAAAAAAAAAAAAAAAAAAAAAAAAAAAAAAAAAAAAAAAAAAAAAAAAAAAAAAAAAAAAAAAAAAAAAAAAAAAAAAAAAAAAAAAAAAAAAAAAAAAAAAAAAAAAAAAAAAAAAAAAAAAAAAAAAAAAAAAAAAAAAAAAAAAAAAAAAAAAAAAAAAAAAAAAAAAAAAAAAAAAAAAAAAAAAAAAAAAAAAAAAAAAAAAAAAAAAAAAAAAAAAAAAAAAAAAAAAAAAAAAAAAAAAAAAAAAAAAAAAAAAAAAAAAAAAAAAAAAAAAAAAAAAAAAAAAAAAAAAAAAAAAAAAAAAAAAAAAAAAAAAAAAAAAAAAAAAAAAAAAAAAAAAAAAAAAAAAAAAAAAAAAAAAAAAAAAAAAAAAAAAAAAAAAAAAAAAAAAAAAAAAAAAAAAAAAAAAAAAAAAAAAAAAAAAAAAAAAAAAAAAAAAAAAAAAAAAAAAAAAAAAAAAAAAAAAAAAAAAAAAAAAAAAAAAAAAAAAAAAAAAAAAAAAAAAAAAAAAAAAAAAAAAAAAAAAAAAAAAAAAAAAAAAAAAAAAAAAAAAAAAAAAAAAAAAAAAAAAAAAAAAAAAAAAAAAAAAAAAAAAAAAAAAAAAAAAAAAAAAAAAAAAAAAAAAAAAAAAAAAAAAAAAAAAAAAAAAAAAAAAAAAAAAAAAAAAAAAAAAAAAAAAAAAAAAAAAAAAAAAAAAAAAAAAAAAAAAAAAAAAAAAAAAAAAAAAAAAAAAAAAAAAAAAAAAAAAAAAAAAAAAAAAAAAAAAAAAAAAAAAAAAAAAAAAAAAAAAAAAAAAAAAAAAAAAAAAAAAAAAAAAAAAAAAAAAAAAAAAAAAAAAAAAAAAAAAAAAAAAAAAAAAAAAAAAAAAAAAAAAAAAAAAAAAAAAAAAAAAAAAAAAAAAAAAAAAAAAAAAAAAAAAAAAAAAAAAAAAAAAAAAAAAAAAAAAAAAAAAAAAAAAAAAAAAAAAAAAAAAAAAAAAAAAAAAAAAAAAAAAAAAAAAAAAAAAAAAAAAAAAAAAAAAAAAAAAAAAAAAAAAAAAAAAAAAAAAAAAAAAAAAAAAAAAAAAAAAAAAAAAAAAAAAAAAAAAAAAAAAAAAAAAAAAAAAAAAAAAAAAAAAAAAAAAAAAAAAAAAAAAAAAAAAAAAAAAAAAAAAAAAAAAAAAAAAAAAAAAAAAAAAAAAAAAAAAAAAAAAAAAAAAAAAAAAAAAAAAAAAAAAAAAAAAAAAAAAAAAAAAAAAAAAAAAAAAAAAAAAAAAAAAAAAAAAAAAAAAAAAAAAAAAAAAAAAAAAAAAAAAAAAAAAAAAAAAAAAAAAAAAAAAAAAAAAAAAAAAAAAAAAAAAAAAAAAAAAAAAAAAAAAAAAAAAAAAAAAAAAAAAAAAAAAAAAAAAAAAAAAAAAAAAAAAAAAAAAAAAAAAAAAAAAAAAAAAAAAAAAAAAAAAAAAAAAAAAAAAAAAAAAAAAAAAAAAAAAAAAAAAAAAAAAAAAAAAAAAAAAAAAAAAAAAAAAAAAAAAAAAAAAAAAAAAAAAAAAAAAAAAAAAAAAAAAAAAAAAAAAAAAAAAAAAAAAAAAAAAAAAAAAAAAAAAAAAAAAAAAAAAAAAAAAAAAAAAAAAAAAAAAAAAAAAAAAAAAAAAAAAAAAAAAAAAAAAAAAAAAAAAAAAAAAAAAAAAAAAAAAAAAAAAAAAAAAAAAAAAAAAAAAAAAAAAAAAAAAAAAAAAAAAAAAAAAAAAAAAAAAAAAAAAAAAAAAAAAAAAAAAAAAAAAAAAAAAAAAAAAAAAAAAAAAAAAAAAAAAAAAAAAAAAAAAAAAAAAAAAAAAAAAAAAAAAAAAAAAAAAAAAAAAAAAAAAAAAAAAAAAAAAAAAAAAAAAAAAAAAAAAAAAAAAAAAAAAAAAAAAAAAAAAAAAAAAAAAAAAAAAAAAAAAAAAAAAAAAAAAAAAAAAAAAAAAAAAAAAAAAAAAAAAAAAAAAAAAAAAAAAAAAAAAAAAAAAAAAAAAAAAAAAAAAAAAAAAAAAAAAAAAAAAAAAAAAAAAAAAAAAAAAAAAAAAAAAAAAAAAAAAAAAAAAAAAAAAAAAAAAAAAAAAAAAAAAAAAAAAAAAAAAAAAAAAAAAAAAAAAAAAAAAAAAAAAAAAAAAAAAAAAAAAAAAAAAAAAAAAAAAAAAAAAAAAAAAAAAAAAAAAAAAAAAAAAAAAAAAAAAAAAAAAAAAAAAAAAAAAAAAAAAAAAAAAAAAAAAAAAAAAAAAAAAAAAAAAAAAAAAAAAAAAAAAAAAAAAAAAAAAAAAAAAAAAAAAAAAAAAAAAAAAAAAAAAAAAAAAAAAAAAAAAAAAAAAAAAAAAAAAAAAAAAAAAAAAAAAAAAAAAAAAAAAAAAAAAAAAAAAAAAAAAAAAAAAAAAAAAAAAAAAAAAAAAAAAAAAAAAAAAAAAAAAAAAAAAAAAAAAAAAAAAAAAAAAAAAAAAAAAAAAAAAAAAAAAAAAAAAAAAAAAAAAAAAAAAAAAAAAAAAAAAAAAAAAAAAAAAAAAAAAAAAAAAAAAAAAAAAAAAAAAAAAAAAAAAAAAAAAAAAAAAAAAAAAAAAAAAAAAAAAAAAAAAAAAAAAAAAAAAAAAAAAAAAAAAAAAAAAAAAAAAAAAAAAAAAAAAAAAAAAAAAAAAAAAAAAAAAAAAAAAAAAAAAAAAAAAAAAAAAAAAAAAAAAAAAAAAAAAAAAAAAAAAAAAAAAAAAAAAAAAAAAAAAAAAAAAAAAAAAAAAAAAAAAAAAAAAAAAAAAAAAAAAAAAAAAAAAAAAAAAAAAAAAAAAAAAAAAAAAAAAAAAAAAAAAAAAAAAAAAAAAAAAAAAAAAAAAAAAAAAAAAAAAAAAAAAAAAAAAAAAAAAAAAAAAAAAAAAAAAAAAAAAAAAAAAAAAAAAAAAAAAAAAAAAAAAAAAAAAAAAAAAAAAAAAAAAAAAAAAAAAAAAAAAAAAAAAAAAAAAAAAAAAAAAAAAAAAAAAAAAAAAAAAAAAAAAAAAAAAAAAAAAAAAAAAAAAAAAAAAAAAAAAAAAAAAAAAAAAAAAAAAAAAAAAAAAAAAAAAAAAAAAAAAAAAAAAAAAAAAAAAAAAAAAAAAAAAAAAAAAAAAAAAAAAAAAAAAAAAAAAAAAAAAAAAAAAAAAAAAAAAAAAAAAAAAAAAAAAAAAAAAAAAAAAAAAAAAAAAAAAAAAAAAAAAAAAAAAAAAAAAAAAAAAAAAAAAAAAAAAAAAAAAAAAAAAAAAAAAAAAAAAAAAAAAAAAAAAAAAAAAAAAAAAAAAAAAAAAAAAAAAAAAAAAAAAAAAAAAAAAAAAAAAAAAAAAAAAAAAAAAAAAAAAAAAAAAAAAAAAAAAAAAAAAAAAAAAAAAAAAAAAAAAAAAAAAAAAAAAAAAAAAAAAAAAAAAAAAAAAAAAAAAAAAAAAAAAAAAAAAAAAAAAAAAAAAAAAAAAAAAAAAAAAAAAAAAAAAAAAAAAAAAAAAAAAAAAAAAAAAAAAAAAAAAAAAAAAAAAAAAAAAAAAAAAAAAAAAAAAAAAAAAAAAAAAAAAAAAAAAAAAAAAAAAAAAAAAAAAAAAAAAAAAAAAAAAAAAAAAAAAAAAAAAAAAAAAAAAAAAAAAAAAAAAAAAAAAAAAAAAAAAAAAAAAAAAAAAAAAAAAAAAAAAAAAAAAAAAAAAAAAAAAAAAAAAAAAAAAAAAAAAAAAAAAAAAAAAAAAAAAAAAAAAAAAAAAAAAAAAAAAAAAAAAAAAAAAAAAAAAAAAAAAAAAAAAAAAAAAAAAAAAAAAAAAAAAAAAAAAAAAAAAAAAAAAAAAAAAAAAAAAAAAAAAAAAAAAAAAAAAAAAAAAAAAAAAAAAAAAAAAAAAAAAAAAAAAAAAAAAAAAAAAAAAAAAAAAAAAAAAAAAAAAAAAAAAAAAAAAAAAAAAAAAAAAAAAAAAAAAAAAAAAAAAAAAAAAAAAAAAAAAAAAAAAAAAAAAAAAAAAAAAAAAAAAAAAAAAAAAAAAAAAAAAAAAAAAAAAAAAAAAAAAAAAAAAAAAAAAAAAAAAAAAAAAAAAAAAAAAAAAAAAAAAAAAAAAAAAAAAAAAAAAAAAAAAAAAAAAAAAAAAAAAAAAAAAAAAAAAAAAAAAAAAAAAAAAAAAAAAAAAAAAAAAAAAAAAAAAAAAAAAAAAAAAAAAAAAAAAAAAAAAAAAAAAAAAAAAAAAAAAAAAAAAAAAAAAAAAAAAAAAAAAAAAAAAAAAAAAAAAAAAAAAAAAAAAAAAAAAAAAAAAAAAAAAAAAAAAAAAAAAAAAAAAAAAAAAAAAAAAAAAAAAAAAAAAAAAAAAAAAAAAAAAAAAAAAAAAAAAAAAAAAAAAAAAAAAAAAAAAAAAAAAAAAAAAAAAAAAAAAAAAAAAAAAAAAAAAAAAAAAAAAAAAAAAAAAAAAAAAAAAAAAAAAAAAAAAAAAAAAAAAAAAAAAAAAAAAAAAAAAAAAAAAAAAAAAAAAAAAAAAAAAAAAAAAAAAAAAAAAAAAAAAAAAAAAAAAAAAAAAAAAAAAAAAAAAAAAAAAAAAAAAAA"/>
